--- a/Courses/Software-Sciences/Module-3-Databases-New/05-SQL-INSERT-UPDATE-DELETE/05-SQL-INSERT-UPDATE-DELETE.pptx
+++ b/Courses/Software-Sciences/Module-3-Databases-New/05-SQL-INSERT-UPDATE-DELETE/05-SQL-INSERT-UPDATE-DELETE.pptx
@@ -5,24 +5,30 @@
     <p:sldMasterId id="2147483675" r:id="rId1"/>
   </p:sldMasterIdLst>
   <p:notesMasterIdLst>
-    <p:notesMasterId r:id="rId14"/>
+    <p:notesMasterId r:id="rId20"/>
   </p:notesMasterIdLst>
   <p:handoutMasterIdLst>
-    <p:handoutMasterId r:id="rId15"/>
+    <p:handoutMasterId r:id="rId21"/>
   </p:handoutMasterIdLst>
   <p:sldIdLst>
     <p:sldId id="1176" r:id="rId2"/>
     <p:sldId id="1177" r:id="rId3"/>
     <p:sldId id="1187" r:id="rId4"/>
     <p:sldId id="1186" r:id="rId5"/>
-    <p:sldId id="1178" r:id="rId6"/>
-    <p:sldId id="1184" r:id="rId7"/>
-    <p:sldId id="1180" r:id="rId8"/>
-    <p:sldId id="1181" r:id="rId9"/>
-    <p:sldId id="1182" r:id="rId10"/>
-    <p:sldId id="1183" r:id="rId11"/>
-    <p:sldId id="1185" r:id="rId12"/>
-    <p:sldId id="1179" r:id="rId13"/>
+    <p:sldId id="1191" r:id="rId6"/>
+    <p:sldId id="1178" r:id="rId7"/>
+    <p:sldId id="1184" r:id="rId8"/>
+    <p:sldId id="1180" r:id="rId9"/>
+    <p:sldId id="1181" r:id="rId10"/>
+    <p:sldId id="1182" r:id="rId11"/>
+    <p:sldId id="1183" r:id="rId12"/>
+    <p:sldId id="1185" r:id="rId13"/>
+    <p:sldId id="1179" r:id="rId14"/>
+    <p:sldId id="1192" r:id="rId15"/>
+    <p:sldId id="1193" r:id="rId16"/>
+    <p:sldId id="1188" r:id="rId17"/>
+    <p:sldId id="1189" r:id="rId18"/>
+    <p:sldId id="1190" r:id="rId19"/>
   </p:sldIdLst>
   <p:sldSz cx="12192000" cy="6858000"/>
   <p:notesSz cx="6858000" cy="9144000"/>
@@ -123,7 +129,7 @@
   </p:defaultTextStyle>
   <p:extLst>
     <p:ext uri="{521415D9-36F7-43E2-AB2F-B90AF26B5E84}">
-      <p14:sectionLst xmlns:p14="http://schemas.microsoft.com/office/powerpoint/2010/main" xmlns="">
+      <p14:sectionLst xmlns="" xmlns:p14="http://schemas.microsoft.com/office/powerpoint/2010/main">
         <p14:section name="Intro" id="{68214D1A-5628-4F9A-98CD-87D12966DB07}">
           <p14:sldIdLst>
             <p14:sldId id="1176"/>
@@ -193,7 +199,7 @@
       </p14:sectionLst>
     </p:ext>
     <p:ext uri="{EFAFB233-063F-42B5-8137-9DF3F51BA10A}">
-      <p15:sldGuideLst xmlns:p15="http://schemas.microsoft.com/office/powerpoint/2012/main" xmlns="">
+      <p15:sldGuideLst xmlns="" xmlns:p15="http://schemas.microsoft.com/office/powerpoint/2012/main">
         <p15:guide id="1" orient="horz" pos="2184" userDrawn="1">
           <p15:clr>
             <a:srgbClr val="A4A3A4"/>
@@ -207,7 +213,7 @@
       </p15:sldGuideLst>
     </p:ext>
     <p:ext uri="{2D200454-40CA-4A62-9FC3-DE9A4176ACB9}">
-      <p15:notesGuideLst xmlns:p15="http://schemas.microsoft.com/office/powerpoint/2012/main" xmlns=""/>
+      <p15:notesGuideLst xmlns="" xmlns:p15="http://schemas.microsoft.com/office/powerpoint/2012/main"/>
     </p:ext>
   </p:extLst>
 </p:presentation>
@@ -312,7 +318,7 @@
           <p:cNvPr id="2" name="Header Placeholder 1">
             <a:extLst>
               <a:ext uri="{FF2B5EF4-FFF2-40B4-BE49-F238E27FC236}">
-                <a16:creationId xmlns:a16="http://schemas.microsoft.com/office/drawing/2014/main" xmlns="" id="{56F20103-83CC-4A54-8FDE-9D37FC2629C0}"/>
+                <a16:creationId xmlns="" xmlns:a16="http://schemas.microsoft.com/office/drawing/2014/main" id="{56F20103-83CC-4A54-8FDE-9D37FC2629C0}"/>
               </a:ext>
             </a:extLst>
           </p:cNvPr>
@@ -349,7 +355,7 @@
           <p:cNvPr id="3" name="Date Placeholder 2">
             <a:extLst>
               <a:ext uri="{FF2B5EF4-FFF2-40B4-BE49-F238E27FC236}">
-                <a16:creationId xmlns:a16="http://schemas.microsoft.com/office/drawing/2014/main" xmlns="" id="{27A53962-26EF-44E4-9E69-61B1727AB1C2}"/>
+                <a16:creationId xmlns="" xmlns:a16="http://schemas.microsoft.com/office/drawing/2014/main" id="{27A53962-26EF-44E4-9E69-61B1727AB1C2}"/>
               </a:ext>
             </a:extLst>
           </p:cNvPr>
@@ -380,7 +386,7 @@
             <a:fld id="{4E087215-0C8F-4762-A664-737A353EC9A4}" type="datetimeFigureOut">
               <a:rPr lang="bg-BG" smtClean="0"/>
               <a:pPr/>
-              <a:t>8.8.2023 г.</a:t>
+              <a:t>9.8.2023 г.</a:t>
             </a:fld>
             <a:endParaRPr lang="bg-BG"/>
           </a:p>
@@ -391,7 +397,7 @@
           <p:cNvPr id="4" name="Footer Placeholder 3">
             <a:extLst>
               <a:ext uri="{FF2B5EF4-FFF2-40B4-BE49-F238E27FC236}">
-                <a16:creationId xmlns:a16="http://schemas.microsoft.com/office/drawing/2014/main" xmlns="" id="{28A6967E-448F-4887-8FCB-34482EFBCC74}"/>
+                <a16:creationId xmlns="" xmlns:a16="http://schemas.microsoft.com/office/drawing/2014/main" id="{28A6967E-448F-4887-8FCB-34482EFBCC74}"/>
               </a:ext>
             </a:extLst>
           </p:cNvPr>
@@ -441,7 +447,7 @@
           <p:cNvPr id="5" name="Slide Number Placeholder 4">
             <a:extLst>
               <a:ext uri="{FF2B5EF4-FFF2-40B4-BE49-F238E27FC236}">
-                <a16:creationId xmlns:a16="http://schemas.microsoft.com/office/drawing/2014/main" xmlns="" id="{8B6554C2-DDBA-40E2-9536-53A07EC50274}"/>
+                <a16:creationId xmlns="" xmlns:a16="http://schemas.microsoft.com/office/drawing/2014/main" id="{8B6554C2-DDBA-40E2-9536-53A07EC50274}"/>
               </a:ext>
             </a:extLst>
           </p:cNvPr>
@@ -481,7 +487,7 @@
     </p:spTree>
     <p:extLst>
       <p:ext uri="{BB962C8B-B14F-4D97-AF65-F5344CB8AC3E}">
-        <p14:creationId xmlns:p14="http://schemas.microsoft.com/office/powerpoint/2010/main" xmlns="" val="4150602968"/>
+        <p14:creationId xmlns="" xmlns:p14="http://schemas.microsoft.com/office/powerpoint/2010/main" val="4150602968"/>
       </p:ext>
     </p:extLst>
   </p:cSld>
@@ -573,7 +579,7 @@
             <a:fld id="{72D84649-876A-46C9-8472-14CB09C070D8}" type="datetimeFigureOut">
               <a:rPr lang="en-US" smtClean="0"/>
               <a:pPr/>
-              <a:t>8/8/2023</a:t>
+              <a:t>8/9/2023</a:t>
             </a:fld>
             <a:endParaRPr lang="en-US"/>
           </a:p>
@@ -712,7 +718,7 @@
           <p:cNvPr id="8" name="Footer Placeholder 7">
             <a:extLst>
               <a:ext uri="{FF2B5EF4-FFF2-40B4-BE49-F238E27FC236}">
-                <a16:creationId xmlns:a16="http://schemas.microsoft.com/office/drawing/2014/main" xmlns="" id="{CAC3A49B-3196-44DF-AC28-085C72EFBFF0}"/>
+                <a16:creationId xmlns="" xmlns:a16="http://schemas.microsoft.com/office/drawing/2014/main" id="{CAC3A49B-3196-44DF-AC28-085C72EFBFF0}"/>
               </a:ext>
             </a:extLst>
           </p:cNvPr>
@@ -760,7 +766,7 @@
     </p:spTree>
     <p:extLst>
       <p:ext uri="{BB962C8B-B14F-4D97-AF65-F5344CB8AC3E}">
-        <p14:creationId xmlns:p14="http://schemas.microsoft.com/office/powerpoint/2010/main" xmlns="" val="1530847692"/>
+        <p14:creationId xmlns="" xmlns:p14="http://schemas.microsoft.com/office/powerpoint/2010/main" val="1530847692"/>
       </p:ext>
     </p:extLst>
   </p:cSld>
@@ -938,7 +944,7 @@
           <p:cNvPr id="7" name="Footer Placeholder 7">
             <a:extLst>
               <a:ext uri="{FF2B5EF4-FFF2-40B4-BE49-F238E27FC236}">
-                <a16:creationId xmlns:a16="http://schemas.microsoft.com/office/drawing/2014/main" xmlns="" id="{D6D14794-F06A-4611-8F78-8DFF4B7B281D}"/>
+                <a16:creationId xmlns="" xmlns:a16="http://schemas.microsoft.com/office/drawing/2014/main" id="{D6D14794-F06A-4611-8F78-8DFF4B7B281D}"/>
               </a:ext>
             </a:extLst>
           </p:cNvPr>
@@ -986,7 +992,7 @@
     </p:spTree>
     <p:extLst>
       <p:ext uri="{BB962C8B-B14F-4D97-AF65-F5344CB8AC3E}">
-        <p14:creationId xmlns:p14="http://schemas.microsoft.com/office/powerpoint/2010/main" xmlns="" val="3017256844"/>
+        <p14:creationId xmlns="" xmlns:p14="http://schemas.microsoft.com/office/powerpoint/2010/main" val="3017256844"/>
       </p:ext>
     </p:extLst>
   </p:cSld>
@@ -1075,7 +1081,7 @@
           <p:cNvPr id="6" name="Footer Placeholder 7">
             <a:extLst>
               <a:ext uri="{FF2B5EF4-FFF2-40B4-BE49-F238E27FC236}">
-                <a16:creationId xmlns:a16="http://schemas.microsoft.com/office/drawing/2014/main" xmlns="" id="{C16FB4C5-7FC9-4A20-9F90-120D35515436}"/>
+                <a16:creationId xmlns="" xmlns:a16="http://schemas.microsoft.com/office/drawing/2014/main" id="{C16FB4C5-7FC9-4A20-9F90-120D35515436}"/>
               </a:ext>
             </a:extLst>
           </p:cNvPr>
@@ -1123,7 +1129,786 @@
     </p:spTree>
     <p:extLst>
       <p:ext uri="{BB962C8B-B14F-4D97-AF65-F5344CB8AC3E}">
-        <p14:creationId xmlns:p14="http://schemas.microsoft.com/office/powerpoint/2010/main" xmlns="" val="3363101878"/>
+        <p14:creationId xmlns="" xmlns:p14="http://schemas.microsoft.com/office/powerpoint/2010/main" val="3363101878"/>
+      </p:ext>
+    </p:extLst>
+  </p:cSld>
+  <p:clrMapOvr>
+    <a:masterClrMapping/>
+  </p:clrMapOvr>
+</p:notes>
+</file>
+
+<file path=ppt/notesSlides/notesSlide3.xml><?xml version="1.0" encoding="utf-8"?>
+<p:notes xmlns:a="http://schemas.openxmlformats.org/drawingml/2006/main" xmlns:r="http://schemas.openxmlformats.org/officeDocument/2006/relationships" xmlns:p="http://schemas.openxmlformats.org/presentationml/2006/main">
+  <p:cSld>
+    <p:spTree>
+      <p:nvGrpSpPr>
+        <p:cNvPr id="1" name=""/>
+        <p:cNvGrpSpPr/>
+        <p:nvPr/>
+      </p:nvGrpSpPr>
+      <p:grpSpPr>
+        <a:xfrm>
+          <a:off x="0" y="0"/>
+          <a:ext cx="0" cy="0"/>
+          <a:chOff x="0" y="0"/>
+          <a:chExt cx="0" cy="0"/>
+        </a:xfrm>
+      </p:grpSpPr>
+      <p:sp>
+        <p:nvSpPr>
+          <p:cNvPr id="2" name="Slide Image Placeholder 1"/>
+          <p:cNvSpPr>
+            <a:spLocks noGrp="1" noRot="1" noChangeAspect="1"/>
+          </p:cNvSpPr>
+          <p:nvPr>
+            <p:ph type="sldImg"/>
+          </p:nvPr>
+        </p:nvSpPr>
+        <p:spPr/>
+      </p:sp>
+      <p:sp>
+        <p:nvSpPr>
+          <p:cNvPr id="3" name="Notes Placeholder 2"/>
+          <p:cNvSpPr>
+            <a:spLocks noGrp="1"/>
+          </p:cNvSpPr>
+          <p:nvPr>
+            <p:ph type="body" idx="1"/>
+          </p:nvPr>
+        </p:nvSpPr>
+        <p:spPr/>
+        <p:txBody>
+          <a:bodyPr>
+            <a:normAutofit/>
+          </a:bodyPr>
+          <a:lstStyle/>
+          <a:p>
+            <a:endParaRPr lang="en-US" dirty="0"/>
+          </a:p>
+        </p:txBody>
+      </p:sp>
+      <p:sp>
+        <p:nvSpPr>
+          <p:cNvPr id="4" name="Slide Number Placeholder 3"/>
+          <p:cNvSpPr>
+            <a:spLocks noGrp="1"/>
+          </p:cNvSpPr>
+          <p:nvPr>
+            <p:ph type="sldNum" sz="quarter" idx="10"/>
+          </p:nvPr>
+        </p:nvSpPr>
+        <p:spPr/>
+        <p:txBody>
+          <a:bodyPr/>
+          <a:lstStyle/>
+          <a:p>
+            <a:fld id="{2BF067CD-8E6B-4360-9AA8-C5DF2A48A6D1}" type="slidenum">
+              <a:rPr lang="en-US" smtClean="0"/>
+              <a:pPr/>
+              <a:t>5</a:t>
+            </a:fld>
+            <a:endParaRPr lang="en-US" dirty="0"/>
+          </a:p>
+        </p:txBody>
+      </p:sp>
+      <p:sp>
+        <p:nvSpPr>
+          <p:cNvPr id="5" name="Footer Placeholder 4"/>
+          <p:cNvSpPr>
+            <a:spLocks noGrp="1"/>
+          </p:cNvSpPr>
+          <p:nvPr>
+            <p:ph type="ftr" sz="quarter" idx="11"/>
+          </p:nvPr>
+        </p:nvSpPr>
+        <p:spPr/>
+        <p:txBody>
+          <a:bodyPr/>
+          <a:lstStyle/>
+          <a:p>
+            <a:r>
+              <a:rPr lang="en-US" smtClean="0"/>
+              <a:t>© SoftUni – </a:t>
+            </a:r>
+            <a:r>
+              <a:rPr lang="en-US" u="sng" smtClean="0">
+                <a:hlinkClick r:id="rId3"/>
+              </a:rPr>
+              <a:t>https://softuni.org</a:t>
+            </a:r>
+            <a:r>
+              <a:rPr lang="en-US" smtClean="0"/>
+              <a:t>. Copyrighted document. Unauthorized copy or reproduction is not permitted.</a:t>
+            </a:r>
+            <a:endParaRPr lang="en-US" dirty="0"/>
+          </a:p>
+        </p:txBody>
+      </p:sp>
+    </p:spTree>
+  </p:cSld>
+  <p:clrMapOvr>
+    <a:masterClrMapping/>
+  </p:clrMapOvr>
+</p:notes>
+</file>
+
+<file path=ppt/notesSlides/notesSlide4.xml><?xml version="1.0" encoding="utf-8"?>
+<p:notes xmlns:a="http://schemas.openxmlformats.org/drawingml/2006/main" xmlns:r="http://schemas.openxmlformats.org/officeDocument/2006/relationships" xmlns:p="http://schemas.openxmlformats.org/presentationml/2006/main">
+  <p:cSld>
+    <p:spTree>
+      <p:nvGrpSpPr>
+        <p:cNvPr id="1" name=""/>
+        <p:cNvGrpSpPr/>
+        <p:nvPr/>
+      </p:nvGrpSpPr>
+      <p:grpSpPr>
+        <a:xfrm>
+          <a:off x="0" y="0"/>
+          <a:ext cx="0" cy="0"/>
+          <a:chOff x="0" y="0"/>
+          <a:chExt cx="0" cy="0"/>
+        </a:xfrm>
+      </p:grpSpPr>
+      <p:sp>
+        <p:nvSpPr>
+          <p:cNvPr id="2" name="Slide Image Placeholder 1"/>
+          <p:cNvSpPr>
+            <a:spLocks noGrp="1" noRot="1" noChangeAspect="1"/>
+          </p:cNvSpPr>
+          <p:nvPr>
+            <p:ph type="sldImg"/>
+          </p:nvPr>
+        </p:nvSpPr>
+        <p:spPr/>
+      </p:sp>
+      <p:sp>
+        <p:nvSpPr>
+          <p:cNvPr id="3" name="Notes Placeholder 2"/>
+          <p:cNvSpPr>
+            <a:spLocks noGrp="1"/>
+          </p:cNvSpPr>
+          <p:nvPr>
+            <p:ph type="body" idx="1"/>
+          </p:nvPr>
+        </p:nvSpPr>
+        <p:spPr/>
+        <p:txBody>
+          <a:bodyPr/>
+          <a:lstStyle/>
+          <a:p>
+            <a:endParaRPr lang="en-US" dirty="0"/>
+          </a:p>
+        </p:txBody>
+      </p:sp>
+      <p:sp>
+        <p:nvSpPr>
+          <p:cNvPr id="5" name="Slide Number Placeholder 4"/>
+          <p:cNvSpPr>
+            <a:spLocks noGrp="1"/>
+          </p:cNvSpPr>
+          <p:nvPr>
+            <p:ph type="sldNum" sz="quarter" idx="11"/>
+          </p:nvPr>
+        </p:nvSpPr>
+        <p:spPr/>
+        <p:txBody>
+          <a:bodyPr/>
+          <a:lstStyle/>
+          <a:p>
+            <a:pPr marL="0" marR="0" lvl="0" indent="0" algn="r" defTabSz="914400" rtl="0" eaLnBrk="1" fontAlgn="auto" latinLnBrk="0" hangingPunct="1">
+              <a:lnSpc>
+                <a:spcPct val="100000"/>
+              </a:lnSpc>
+              <a:spcBef>
+                <a:spcPts val="0"/>
+              </a:spcBef>
+              <a:spcAft>
+                <a:spcPts val="0"/>
+              </a:spcAft>
+              <a:buClrTx/>
+              <a:buSzTx/>
+              <a:buFontTx/>
+              <a:buNone/>
+              <a:tabLst/>
+              <a:defRPr/>
+            </a:pPr>
+            <a:fld id="{3EBA5BD7-F043-4D1B-AA17-CD412FC534DE}" type="slidenum">
+              <a:rPr kumimoji="0" lang="en-US" sz="1200" b="0" i="0" u="none" strike="noStrike" kern="1200" cap="none" spc="0" normalizeH="0" baseline="0" noProof="0" smtClean="0">
+                <a:ln>
+                  <a:noFill/>
+                </a:ln>
+                <a:solidFill>
+                  <a:prstClr val="black"/>
+                </a:solidFill>
+                <a:effectLst/>
+                <a:uLnTx/>
+                <a:uFillTx/>
+                <a:latin typeface="Calibri" panose="020F0502020204030204"/>
+                <a:ea typeface="+mn-ea"/>
+                <a:cs typeface="+mn-cs"/>
+              </a:rPr>
+              <a:pPr marL="0" marR="0" lvl="0" indent="0" algn="r" defTabSz="914400" rtl="0" eaLnBrk="1" fontAlgn="auto" latinLnBrk="0" hangingPunct="1">
+                <a:lnSpc>
+                  <a:spcPct val="100000"/>
+                </a:lnSpc>
+                <a:spcBef>
+                  <a:spcPts val="0"/>
+                </a:spcBef>
+                <a:spcAft>
+                  <a:spcPts val="0"/>
+                </a:spcAft>
+                <a:buClrTx/>
+                <a:buSzTx/>
+                <a:buFontTx/>
+                <a:buNone/>
+                <a:tabLst/>
+                <a:defRPr/>
+              </a:pPr>
+              <a:t>16</a:t>
+            </a:fld>
+            <a:endParaRPr kumimoji="0" lang="en-US" sz="1200" b="0" i="0" u="none" strike="noStrike" kern="1200" cap="none" spc="0" normalizeH="0" baseline="0" noProof="0" dirty="0">
+              <a:ln>
+                <a:noFill/>
+              </a:ln>
+              <a:solidFill>
+                <a:prstClr val="black"/>
+              </a:solidFill>
+              <a:effectLst/>
+              <a:uLnTx/>
+              <a:uFillTx/>
+              <a:latin typeface="Calibri" panose="020F0502020204030204"/>
+              <a:ea typeface="+mn-ea"/>
+              <a:cs typeface="+mn-cs"/>
+            </a:endParaRPr>
+          </a:p>
+        </p:txBody>
+      </p:sp>
+      <p:sp>
+        <p:nvSpPr>
+          <p:cNvPr id="6" name="Footer Placeholder 7">
+            <a:extLst>
+              <a:ext uri="{FF2B5EF4-FFF2-40B4-BE49-F238E27FC236}">
+                <a16:creationId xmlns:a16="http://schemas.microsoft.com/office/drawing/2014/main" xmlns="" id="{26905AE6-D8A3-45B6-928E-F3E2E637ADB7}"/>
+              </a:ext>
+            </a:extLst>
+          </p:cNvPr>
+          <p:cNvSpPr>
+            <a:spLocks noGrp="1"/>
+          </p:cNvSpPr>
+          <p:nvPr>
+            <p:ph type="ftr" sz="quarter" idx="4"/>
+          </p:nvPr>
+        </p:nvSpPr>
+        <p:spPr>
+          <a:xfrm>
+            <a:off x="-1" y="8847000"/>
+            <a:ext cx="6488999" cy="297000"/>
+          </a:xfrm>
+          <a:prstGeom prst="rect">
+            <a:avLst/>
+          </a:prstGeom>
+        </p:spPr>
+        <p:txBody>
+          <a:bodyPr vert="horz" lIns="91440" tIns="45720" rIns="91440" bIns="45720" rtlCol="0" anchor="b"/>
+          <a:lstStyle>
+            <a:lvl1pPr algn="l">
+              <a:defRPr sz="1100"/>
+            </a:lvl1pPr>
+          </a:lstStyle>
+          <a:p>
+            <a:r>
+              <a:rPr lang="en-US" dirty="0"/>
+              <a:t>© SoftUni – </a:t>
+            </a:r>
+            <a:r>
+              <a:rPr lang="en-US" u="sng" dirty="0">
+                <a:hlinkClick r:id="rId3"/>
+              </a:rPr>
+              <a:t>https://softuni.org</a:t>
+            </a:r>
+            <a:r>
+              <a:rPr lang="en-US" dirty="0"/>
+              <a:t>. Copyrighted document. Unauthorized copy or reproduction is not permitted.</a:t>
+            </a:r>
+          </a:p>
+        </p:txBody>
+      </p:sp>
+    </p:spTree>
+    <p:extLst>
+      <p:ext uri="{BB962C8B-B14F-4D97-AF65-F5344CB8AC3E}">
+        <p14:creationId xmlns:p14="http://schemas.microsoft.com/office/powerpoint/2010/main" xmlns="" val="2285141229"/>
+      </p:ext>
+    </p:extLst>
+  </p:cSld>
+  <p:clrMapOvr>
+    <a:masterClrMapping/>
+  </p:clrMapOvr>
+</p:notes>
+</file>
+
+<file path=ppt/notesSlides/notesSlide5.xml><?xml version="1.0" encoding="utf-8"?>
+<p:notes xmlns:a="http://schemas.openxmlformats.org/drawingml/2006/main" xmlns:r="http://schemas.openxmlformats.org/officeDocument/2006/relationships" xmlns:p="http://schemas.openxmlformats.org/presentationml/2006/main">
+  <p:cSld>
+    <p:spTree>
+      <p:nvGrpSpPr>
+        <p:cNvPr id="1" name=""/>
+        <p:cNvGrpSpPr/>
+        <p:nvPr/>
+      </p:nvGrpSpPr>
+      <p:grpSpPr>
+        <a:xfrm>
+          <a:off x="0" y="0"/>
+          <a:ext cx="0" cy="0"/>
+          <a:chOff x="0" y="0"/>
+          <a:chExt cx="0" cy="0"/>
+        </a:xfrm>
+      </p:grpSpPr>
+      <p:sp>
+        <p:nvSpPr>
+          <p:cNvPr id="2" name="Slide Image Placeholder 1"/>
+          <p:cNvSpPr>
+            <a:spLocks noGrp="1" noRot="1" noChangeAspect="1"/>
+          </p:cNvSpPr>
+          <p:nvPr>
+            <p:ph type="sldImg"/>
+          </p:nvPr>
+        </p:nvSpPr>
+        <p:spPr/>
+      </p:sp>
+      <p:sp>
+        <p:nvSpPr>
+          <p:cNvPr id="3" name="Notes Placeholder 2"/>
+          <p:cNvSpPr>
+            <a:spLocks noGrp="1"/>
+          </p:cNvSpPr>
+          <p:nvPr>
+            <p:ph type="body" idx="1"/>
+          </p:nvPr>
+        </p:nvSpPr>
+        <p:spPr/>
+        <p:txBody>
+          <a:bodyPr/>
+          <a:lstStyle/>
+          <a:p>
+            <a:endParaRPr lang="en-US"/>
+          </a:p>
+        </p:txBody>
+      </p:sp>
+      <p:sp>
+        <p:nvSpPr>
+          <p:cNvPr id="7" name="Slide Number Placeholder 5">
+            <a:extLst>
+              <a:ext uri="{FF2B5EF4-FFF2-40B4-BE49-F238E27FC236}">
+                <a16:creationId xmlns="" xmlns:a16="http://schemas.microsoft.com/office/drawing/2014/main" id="{5049B984-F964-47FF-8179-0A3007CE21CD}"/>
+              </a:ext>
+            </a:extLst>
+          </p:cNvPr>
+          <p:cNvSpPr txBox="1">
+            <a:spLocks/>
+          </p:cNvSpPr>
+          <p:nvPr/>
+        </p:nvSpPr>
+        <p:spPr>
+          <a:xfrm>
+            <a:off x="6488999" y="8847000"/>
+            <a:ext cx="367414" cy="297000"/>
+          </a:xfrm>
+          <a:prstGeom prst="rect">
+            <a:avLst/>
+          </a:prstGeom>
+        </p:spPr>
+        <p:txBody>
+          <a:bodyPr vert="horz" lIns="91440" tIns="45720" rIns="91440" bIns="45720" rtlCol="0" anchor="b"/>
+          <a:lstStyle>
+            <a:defPPr>
+              <a:defRPr lang="en-US"/>
+            </a:defPPr>
+            <a:lvl1pPr marL="0" algn="r" defTabSz="914400" rtl="0" eaLnBrk="1" latinLnBrk="0" hangingPunct="1">
+              <a:defRPr sz="1200" kern="1200">
+                <a:solidFill>
+                  <a:schemeClr val="tx1"/>
+                </a:solidFill>
+                <a:latin typeface="+mn-lt"/>
+                <a:ea typeface="+mn-ea"/>
+                <a:cs typeface="+mn-cs"/>
+              </a:defRPr>
+            </a:lvl1pPr>
+            <a:lvl2pPr marL="457200" algn="l" defTabSz="914400" rtl="0" eaLnBrk="1" latinLnBrk="0" hangingPunct="1">
+              <a:defRPr sz="1800" kern="1200">
+                <a:solidFill>
+                  <a:schemeClr val="tx1"/>
+                </a:solidFill>
+                <a:latin typeface="+mn-lt"/>
+                <a:ea typeface="+mn-ea"/>
+                <a:cs typeface="+mn-cs"/>
+              </a:defRPr>
+            </a:lvl2pPr>
+            <a:lvl3pPr marL="914400" algn="l" defTabSz="914400" rtl="0" eaLnBrk="1" latinLnBrk="0" hangingPunct="1">
+              <a:defRPr sz="1800" kern="1200">
+                <a:solidFill>
+                  <a:schemeClr val="tx1"/>
+                </a:solidFill>
+                <a:latin typeface="+mn-lt"/>
+                <a:ea typeface="+mn-ea"/>
+                <a:cs typeface="+mn-cs"/>
+              </a:defRPr>
+            </a:lvl3pPr>
+            <a:lvl4pPr marL="1371600" algn="l" defTabSz="914400" rtl="0" eaLnBrk="1" latinLnBrk="0" hangingPunct="1">
+              <a:defRPr sz="1800" kern="1200">
+                <a:solidFill>
+                  <a:schemeClr val="tx1"/>
+                </a:solidFill>
+                <a:latin typeface="+mn-lt"/>
+                <a:ea typeface="+mn-ea"/>
+                <a:cs typeface="+mn-cs"/>
+              </a:defRPr>
+            </a:lvl4pPr>
+            <a:lvl5pPr marL="1828800" algn="l" defTabSz="914400" rtl="0" eaLnBrk="1" latinLnBrk="0" hangingPunct="1">
+              <a:defRPr sz="1800" kern="1200">
+                <a:solidFill>
+                  <a:schemeClr val="tx1"/>
+                </a:solidFill>
+                <a:latin typeface="+mn-lt"/>
+                <a:ea typeface="+mn-ea"/>
+                <a:cs typeface="+mn-cs"/>
+              </a:defRPr>
+            </a:lvl5pPr>
+            <a:lvl6pPr marL="2286000" algn="l" defTabSz="914400" rtl="0" eaLnBrk="1" latinLnBrk="0" hangingPunct="1">
+              <a:defRPr sz="1800" kern="1200">
+                <a:solidFill>
+                  <a:schemeClr val="tx1"/>
+                </a:solidFill>
+                <a:latin typeface="+mn-lt"/>
+                <a:ea typeface="+mn-ea"/>
+                <a:cs typeface="+mn-cs"/>
+              </a:defRPr>
+            </a:lvl6pPr>
+            <a:lvl7pPr marL="2743200" algn="l" defTabSz="914400" rtl="0" eaLnBrk="1" latinLnBrk="0" hangingPunct="1">
+              <a:defRPr sz="1800" kern="1200">
+                <a:solidFill>
+                  <a:schemeClr val="tx1"/>
+                </a:solidFill>
+                <a:latin typeface="+mn-lt"/>
+                <a:ea typeface="+mn-ea"/>
+                <a:cs typeface="+mn-cs"/>
+              </a:defRPr>
+            </a:lvl7pPr>
+            <a:lvl8pPr marL="3200400" algn="l" defTabSz="914400" rtl="0" eaLnBrk="1" latinLnBrk="0" hangingPunct="1">
+              <a:defRPr sz="1800" kern="1200">
+                <a:solidFill>
+                  <a:schemeClr val="tx1"/>
+                </a:solidFill>
+                <a:latin typeface="+mn-lt"/>
+                <a:ea typeface="+mn-ea"/>
+                <a:cs typeface="+mn-cs"/>
+              </a:defRPr>
+            </a:lvl8pPr>
+            <a:lvl9pPr marL="3657600" algn="l" defTabSz="914400" rtl="0" eaLnBrk="1" latinLnBrk="0" hangingPunct="1">
+              <a:defRPr sz="1800" kern="1200">
+                <a:solidFill>
+                  <a:schemeClr val="tx1"/>
+                </a:solidFill>
+                <a:latin typeface="+mn-lt"/>
+                <a:ea typeface="+mn-ea"/>
+                <a:cs typeface="+mn-cs"/>
+              </a:defRPr>
+            </a:lvl9pPr>
+          </a:lstStyle>
+          <a:p>
+            <a:fld id="{3EBA5BD7-F043-4D1B-AA17-CD412FC534DE}" type="slidenum">
+              <a:rPr lang="en-US" smtClean="0"/>
+              <a:pPr/>
+              <a:t>17</a:t>
+            </a:fld>
+            <a:endParaRPr lang="en-US" dirty="0"/>
+          </a:p>
+        </p:txBody>
+      </p:sp>
+      <p:sp>
+        <p:nvSpPr>
+          <p:cNvPr id="6" name="Footer Placeholder 7">
+            <a:extLst>
+              <a:ext uri="{FF2B5EF4-FFF2-40B4-BE49-F238E27FC236}">
+                <a16:creationId xmlns="" xmlns:a16="http://schemas.microsoft.com/office/drawing/2014/main" id="{416ADEDD-4350-4E19-A49B-53FE4B1FF764}"/>
+              </a:ext>
+            </a:extLst>
+          </p:cNvPr>
+          <p:cNvSpPr>
+            <a:spLocks noGrp="1"/>
+          </p:cNvSpPr>
+          <p:nvPr>
+            <p:ph type="ftr" sz="quarter" idx="4"/>
+          </p:nvPr>
+        </p:nvSpPr>
+        <p:spPr>
+          <a:xfrm>
+            <a:off x="-1" y="8847000"/>
+            <a:ext cx="6488999" cy="297000"/>
+          </a:xfrm>
+          <a:prstGeom prst="rect">
+            <a:avLst/>
+          </a:prstGeom>
+        </p:spPr>
+        <p:txBody>
+          <a:bodyPr vert="horz" lIns="91440" tIns="45720" rIns="91440" bIns="45720" rtlCol="0" anchor="b"/>
+          <a:lstStyle>
+            <a:lvl1pPr algn="l">
+              <a:defRPr sz="1100"/>
+            </a:lvl1pPr>
+          </a:lstStyle>
+          <a:p>
+            <a:r>
+              <a:rPr lang="en-US" dirty="0"/>
+              <a:t>© SoftUni – </a:t>
+            </a:r>
+            <a:r>
+              <a:rPr lang="en-US" u="sng" dirty="0">
+                <a:hlinkClick r:id="rId3"/>
+              </a:rPr>
+              <a:t>https://softuni.org</a:t>
+            </a:r>
+            <a:r>
+              <a:rPr lang="en-US" dirty="0"/>
+              <a:t>. Copyrighted document. Unauthorized copy or reproduction is not permitted.</a:t>
+            </a:r>
+          </a:p>
+        </p:txBody>
+      </p:sp>
+    </p:spTree>
+    <p:extLst>
+      <p:ext uri="{BB962C8B-B14F-4D97-AF65-F5344CB8AC3E}">
+        <p14:creationId xmlns="" xmlns:p14="http://schemas.microsoft.com/office/powerpoint/2010/main" val="535779941"/>
+      </p:ext>
+    </p:extLst>
+  </p:cSld>
+  <p:clrMapOvr>
+    <a:masterClrMapping/>
+  </p:clrMapOvr>
+</p:notes>
+</file>
+
+<file path=ppt/notesSlides/notesSlide6.xml><?xml version="1.0" encoding="utf-8"?>
+<p:notes xmlns:a="http://schemas.openxmlformats.org/drawingml/2006/main" xmlns:r="http://schemas.openxmlformats.org/officeDocument/2006/relationships" xmlns:p="http://schemas.openxmlformats.org/presentationml/2006/main">
+  <p:cSld>
+    <p:spTree>
+      <p:nvGrpSpPr>
+        <p:cNvPr id="1" name=""/>
+        <p:cNvGrpSpPr/>
+        <p:nvPr/>
+      </p:nvGrpSpPr>
+      <p:grpSpPr>
+        <a:xfrm>
+          <a:off x="0" y="0"/>
+          <a:ext cx="0" cy="0"/>
+          <a:chOff x="0" y="0"/>
+          <a:chExt cx="0" cy="0"/>
+        </a:xfrm>
+      </p:grpSpPr>
+      <p:sp>
+        <p:nvSpPr>
+          <p:cNvPr id="2" name="Slide Image Placeholder 1"/>
+          <p:cNvSpPr>
+            <a:spLocks noGrp="1" noRot="1" noChangeAspect="1"/>
+          </p:cNvSpPr>
+          <p:nvPr>
+            <p:ph type="sldImg"/>
+          </p:nvPr>
+        </p:nvSpPr>
+        <p:spPr/>
+      </p:sp>
+      <p:sp>
+        <p:nvSpPr>
+          <p:cNvPr id="3" name="Notes Placeholder 2"/>
+          <p:cNvSpPr>
+            <a:spLocks noGrp="1"/>
+          </p:cNvSpPr>
+          <p:nvPr>
+            <p:ph type="body" idx="1"/>
+          </p:nvPr>
+        </p:nvSpPr>
+        <p:spPr/>
+        <p:txBody>
+          <a:bodyPr/>
+          <a:lstStyle/>
+          <a:p>
+            <a:endParaRPr lang="en-US" dirty="0"/>
+          </a:p>
+        </p:txBody>
+      </p:sp>
+      <p:sp>
+        <p:nvSpPr>
+          <p:cNvPr id="6" name="Slide Number Placeholder 5">
+            <a:extLst>
+              <a:ext uri="{FF2B5EF4-FFF2-40B4-BE49-F238E27FC236}">
+                <a16:creationId xmlns:a16="http://schemas.microsoft.com/office/drawing/2014/main" xmlns="" id="{6627548A-4D3C-449B-81A5-FA4BE4628490}"/>
+              </a:ext>
+            </a:extLst>
+          </p:cNvPr>
+          <p:cNvSpPr txBox="1">
+            <a:spLocks/>
+          </p:cNvSpPr>
+          <p:nvPr/>
+        </p:nvSpPr>
+        <p:spPr>
+          <a:xfrm>
+            <a:off x="6488999" y="8847000"/>
+            <a:ext cx="367414" cy="297000"/>
+          </a:xfrm>
+          <a:prstGeom prst="rect">
+            <a:avLst/>
+          </a:prstGeom>
+        </p:spPr>
+        <p:txBody>
+          <a:bodyPr vert="horz" lIns="91440" tIns="45720" rIns="91440" bIns="45720" rtlCol="0" anchor="b"/>
+          <a:lstStyle>
+            <a:defPPr>
+              <a:defRPr lang="en-US"/>
+            </a:defPPr>
+            <a:lvl1pPr marL="0" algn="r" defTabSz="914400" rtl="0" eaLnBrk="1" latinLnBrk="0" hangingPunct="1">
+              <a:defRPr sz="1200" kern="1200">
+                <a:solidFill>
+                  <a:schemeClr val="tx1"/>
+                </a:solidFill>
+                <a:latin typeface="+mn-lt"/>
+                <a:ea typeface="+mn-ea"/>
+                <a:cs typeface="+mn-cs"/>
+              </a:defRPr>
+            </a:lvl1pPr>
+            <a:lvl2pPr marL="457200" algn="l" defTabSz="914400" rtl="0" eaLnBrk="1" latinLnBrk="0" hangingPunct="1">
+              <a:defRPr sz="1800" kern="1200">
+                <a:solidFill>
+                  <a:schemeClr val="tx1"/>
+                </a:solidFill>
+                <a:latin typeface="+mn-lt"/>
+                <a:ea typeface="+mn-ea"/>
+                <a:cs typeface="+mn-cs"/>
+              </a:defRPr>
+            </a:lvl2pPr>
+            <a:lvl3pPr marL="914400" algn="l" defTabSz="914400" rtl="0" eaLnBrk="1" latinLnBrk="0" hangingPunct="1">
+              <a:defRPr sz="1800" kern="1200">
+                <a:solidFill>
+                  <a:schemeClr val="tx1"/>
+                </a:solidFill>
+                <a:latin typeface="+mn-lt"/>
+                <a:ea typeface="+mn-ea"/>
+                <a:cs typeface="+mn-cs"/>
+              </a:defRPr>
+            </a:lvl3pPr>
+            <a:lvl4pPr marL="1371600" algn="l" defTabSz="914400" rtl="0" eaLnBrk="1" latinLnBrk="0" hangingPunct="1">
+              <a:defRPr sz="1800" kern="1200">
+                <a:solidFill>
+                  <a:schemeClr val="tx1"/>
+                </a:solidFill>
+                <a:latin typeface="+mn-lt"/>
+                <a:ea typeface="+mn-ea"/>
+                <a:cs typeface="+mn-cs"/>
+              </a:defRPr>
+            </a:lvl4pPr>
+            <a:lvl5pPr marL="1828800" algn="l" defTabSz="914400" rtl="0" eaLnBrk="1" latinLnBrk="0" hangingPunct="1">
+              <a:defRPr sz="1800" kern="1200">
+                <a:solidFill>
+                  <a:schemeClr val="tx1"/>
+                </a:solidFill>
+                <a:latin typeface="+mn-lt"/>
+                <a:ea typeface="+mn-ea"/>
+                <a:cs typeface="+mn-cs"/>
+              </a:defRPr>
+            </a:lvl5pPr>
+            <a:lvl6pPr marL="2286000" algn="l" defTabSz="914400" rtl="0" eaLnBrk="1" latinLnBrk="0" hangingPunct="1">
+              <a:defRPr sz="1800" kern="1200">
+                <a:solidFill>
+                  <a:schemeClr val="tx1"/>
+                </a:solidFill>
+                <a:latin typeface="+mn-lt"/>
+                <a:ea typeface="+mn-ea"/>
+                <a:cs typeface="+mn-cs"/>
+              </a:defRPr>
+            </a:lvl6pPr>
+            <a:lvl7pPr marL="2743200" algn="l" defTabSz="914400" rtl="0" eaLnBrk="1" latinLnBrk="0" hangingPunct="1">
+              <a:defRPr sz="1800" kern="1200">
+                <a:solidFill>
+                  <a:schemeClr val="tx1"/>
+                </a:solidFill>
+                <a:latin typeface="+mn-lt"/>
+                <a:ea typeface="+mn-ea"/>
+                <a:cs typeface="+mn-cs"/>
+              </a:defRPr>
+            </a:lvl7pPr>
+            <a:lvl8pPr marL="3200400" algn="l" defTabSz="914400" rtl="0" eaLnBrk="1" latinLnBrk="0" hangingPunct="1">
+              <a:defRPr sz="1800" kern="1200">
+                <a:solidFill>
+                  <a:schemeClr val="tx1"/>
+                </a:solidFill>
+                <a:latin typeface="+mn-lt"/>
+                <a:ea typeface="+mn-ea"/>
+                <a:cs typeface="+mn-cs"/>
+              </a:defRPr>
+            </a:lvl8pPr>
+            <a:lvl9pPr marL="3657600" algn="l" defTabSz="914400" rtl="0" eaLnBrk="1" latinLnBrk="0" hangingPunct="1">
+              <a:defRPr sz="1800" kern="1200">
+                <a:solidFill>
+                  <a:schemeClr val="tx1"/>
+                </a:solidFill>
+                <a:latin typeface="+mn-lt"/>
+                <a:ea typeface="+mn-ea"/>
+                <a:cs typeface="+mn-cs"/>
+              </a:defRPr>
+            </a:lvl9pPr>
+          </a:lstStyle>
+          <a:p>
+            <a:fld id="{3EBA5BD7-F043-4D1B-AA17-CD412FC534DE}" type="slidenum">
+              <a:rPr lang="en-US" smtClean="0"/>
+              <a:pPr/>
+              <a:t>18</a:t>
+            </a:fld>
+            <a:endParaRPr lang="en-US" dirty="0"/>
+          </a:p>
+        </p:txBody>
+      </p:sp>
+      <p:sp>
+        <p:nvSpPr>
+          <p:cNvPr id="4" name="Footer Placeholder 3">
+            <a:extLst>
+              <a:ext uri="{FF2B5EF4-FFF2-40B4-BE49-F238E27FC236}">
+                <a16:creationId xmlns:a16="http://schemas.microsoft.com/office/drawing/2014/main" xmlns="" id="{D2472CE7-61C1-4B7B-B0C8-5A45F0178717}"/>
+              </a:ext>
+            </a:extLst>
+          </p:cNvPr>
+          <p:cNvSpPr>
+            <a:spLocks noGrp="1"/>
+          </p:cNvSpPr>
+          <p:nvPr>
+            <p:ph type="ftr" sz="quarter" idx="4"/>
+          </p:nvPr>
+        </p:nvSpPr>
+        <p:spPr/>
+        <p:txBody>
+          <a:bodyPr/>
+          <a:lstStyle/>
+          <a:p>
+            <a:r>
+              <a:rPr lang="en-US" dirty="0"/>
+              <a:t>© SoftUni – </a:t>
+            </a:r>
+            <a:r>
+              <a:rPr lang="en-US" u="sng" dirty="0">
+                <a:hlinkClick r:id="rId3"/>
+              </a:rPr>
+              <a:t>https://softuni.org</a:t>
+            </a:r>
+            <a:r>
+              <a:rPr lang="en-US" dirty="0"/>
+              <a:t>. Copyrighted document. Unauthorized copy or reproduction is not permitted.</a:t>
+            </a:r>
+          </a:p>
+        </p:txBody>
+      </p:sp>
+    </p:spTree>
+    <p:extLst>
+      <p:ext uri="{BB962C8B-B14F-4D97-AF65-F5344CB8AC3E}">
+        <p14:creationId xmlns:p14="http://schemas.microsoft.com/office/powerpoint/2010/main" xmlns="" val="729041308"/>
       </p:ext>
     </p:extLst>
   </p:cSld>
@@ -1155,7 +1940,7 @@
           <p:cNvPr id="16" name="Rectangle Bottom">
             <a:extLst>
               <a:ext uri="{FF2B5EF4-FFF2-40B4-BE49-F238E27FC236}">
-                <a16:creationId xmlns:a16="http://schemas.microsoft.com/office/drawing/2014/main" xmlns="" id="{6854D183-0374-4B3E-B2CE-32F308A81591}"/>
+                <a16:creationId xmlns="" xmlns:a16="http://schemas.microsoft.com/office/drawing/2014/main" id="{6854D183-0374-4B3E-B2CE-32F308A81591}"/>
               </a:ext>
             </a:extLst>
           </p:cNvPr>
@@ -1236,7 +2021,7 @@
           <p:cNvPr id="14" name="Picture Logo SoftUni" descr="SoftUni logo">
             <a:extLst>
               <a:ext uri="{FF2B5EF4-FFF2-40B4-BE49-F238E27FC236}">
-                <a16:creationId xmlns:a16="http://schemas.microsoft.com/office/drawing/2014/main" xmlns="" id="{C4D6B2A2-DFF0-4712-BFEC-6676BEC99FEC}"/>
+                <a16:creationId xmlns="" xmlns:a16="http://schemas.microsoft.com/office/drawing/2014/main" id="{C4D6B2A2-DFF0-4712-BFEC-6676BEC99FEC}"/>
               </a:ext>
             </a:extLst>
           </p:cNvPr>
@@ -1259,7 +2044,7 @@
             </a:clrChange>
             <a:extLst>
               <a:ext uri="{28A0092B-C50C-407E-A947-70E740481C1C}">
-                <a14:useLocalDpi xmlns:a14="http://schemas.microsoft.com/office/drawing/2010/main" xmlns="" val="0"/>
+                <a14:useLocalDpi xmlns="" xmlns:a14="http://schemas.microsoft.com/office/drawing/2010/main" val="0"/>
               </a:ext>
             </a:extLst>
           </a:blip>
@@ -1282,7 +2067,7 @@
           <p:cNvPr id="31" name="Text Placeholder Company Site">
             <a:extLst>
               <a:ext uri="{FF2B5EF4-FFF2-40B4-BE49-F238E27FC236}">
-                <a16:creationId xmlns:a16="http://schemas.microsoft.com/office/drawing/2014/main" xmlns="" id="{3E6B87B7-9D33-4EBB-BD4F-C0436BA3FD72}"/>
+                <a16:creationId xmlns="" xmlns:a16="http://schemas.microsoft.com/office/drawing/2014/main" id="{3E6B87B7-9D33-4EBB-BD4F-C0436BA3FD72}"/>
               </a:ext>
             </a:extLst>
           </p:cNvPr>
@@ -1344,7 +2129,7 @@
           <p:cNvPr id="30" name="Text Placeholder Company Name">
             <a:extLst>
               <a:ext uri="{FF2B5EF4-FFF2-40B4-BE49-F238E27FC236}">
-                <a16:creationId xmlns:a16="http://schemas.microsoft.com/office/drawing/2014/main" xmlns="" id="{2EA92DCA-4DB5-4D03-ACD3-A6A296592D0C}"/>
+                <a16:creationId xmlns="" xmlns:a16="http://schemas.microsoft.com/office/drawing/2014/main" id="{2EA92DCA-4DB5-4D03-ACD3-A6A296592D0C}"/>
               </a:ext>
             </a:extLst>
           </p:cNvPr>
@@ -1406,7 +2191,7 @@
           <p:cNvPr id="35" name="Picture SoftUni Mascot" descr="SoftUni mascot">
             <a:extLst>
               <a:ext uri="{FF2B5EF4-FFF2-40B4-BE49-F238E27FC236}">
-                <a16:creationId xmlns:a16="http://schemas.microsoft.com/office/drawing/2014/main" xmlns="" id="{951E7DA9-C5F0-43D9-B013-3BDF9EEF029D}"/>
+                <a16:creationId xmlns="" xmlns:a16="http://schemas.microsoft.com/office/drawing/2014/main" id="{951E7DA9-C5F0-43D9-B013-3BDF9EEF029D}"/>
               </a:ext>
             </a:extLst>
           </p:cNvPr>
@@ -1419,7 +2204,7 @@
           <a:blip r:embed="rId3" cstate="print">
             <a:extLst>
               <a:ext uri="{28A0092B-C50C-407E-A947-70E740481C1C}">
-                <a14:useLocalDpi xmlns:a14="http://schemas.microsoft.com/office/drawing/2010/main" xmlns="" val="0"/>
+                <a14:useLocalDpi xmlns="" xmlns:a14="http://schemas.microsoft.com/office/drawing/2010/main" val="0"/>
               </a:ext>
             </a:extLst>
           </a:blip>
@@ -1442,7 +2227,7 @@
             <a:hlinkClick r:id="rId4"/>
             <a:extLst>
               <a:ext uri="{FF2B5EF4-FFF2-40B4-BE49-F238E27FC236}">
-                <a16:creationId xmlns:a16="http://schemas.microsoft.com/office/drawing/2014/main" xmlns="" id="{F2315EB3-3FE4-4D3B-921E-5F209CEC13CB}"/>
+                <a16:creationId xmlns="" xmlns:a16="http://schemas.microsoft.com/office/drawing/2014/main" id="{F2315EB3-3FE4-4D3B-921E-5F209CEC13CB}"/>
               </a:ext>
             </a:extLst>
           </p:cNvPr>
@@ -1465,7 +2250,7 @@
             </a:clrChange>
             <a:extLst>
               <a:ext uri="{28A0092B-C50C-407E-A947-70E740481C1C}">
-                <a14:useLocalDpi xmlns:a14="http://schemas.microsoft.com/office/drawing/2010/main" xmlns="" val="0"/>
+                <a14:useLocalDpi xmlns="" xmlns:a14="http://schemas.microsoft.com/office/drawing/2010/main" val="0"/>
               </a:ext>
             </a:extLst>
           </a:blip>
@@ -1488,7 +2273,7 @@
           <p:cNvPr id="40" name="Text Placeholder Author Position">
             <a:extLst>
               <a:ext uri="{FF2B5EF4-FFF2-40B4-BE49-F238E27FC236}">
-                <a16:creationId xmlns:a16="http://schemas.microsoft.com/office/drawing/2014/main" xmlns="" id="{CD940256-851E-46C8-8BFB-A5ECA6C7DA07}"/>
+                <a16:creationId xmlns="" xmlns:a16="http://schemas.microsoft.com/office/drawing/2014/main" id="{CD940256-851E-46C8-8BFB-A5ECA6C7DA07}"/>
               </a:ext>
             </a:extLst>
           </p:cNvPr>
@@ -1548,7 +2333,7 @@
           <p:cNvPr id="36" name="Text Placeholder Author Name">
             <a:extLst>
               <a:ext uri="{FF2B5EF4-FFF2-40B4-BE49-F238E27FC236}">
-                <a16:creationId xmlns:a16="http://schemas.microsoft.com/office/drawing/2014/main" xmlns="" id="{3B21F47B-DE1F-442D-A2B7-6866F8786704}"/>
+                <a16:creationId xmlns="" xmlns:a16="http://schemas.microsoft.com/office/drawing/2014/main" id="{3B21F47B-DE1F-442D-A2B7-6866F8786704}"/>
               </a:ext>
             </a:extLst>
           </p:cNvPr>
@@ -1608,7 +2393,7 @@
           <p:cNvPr id="33" name="Picture Placeholder Title Image">
             <a:extLst>
               <a:ext uri="{FF2B5EF4-FFF2-40B4-BE49-F238E27FC236}">
-                <a16:creationId xmlns:a16="http://schemas.microsoft.com/office/drawing/2014/main" xmlns="" id="{A04D819A-89E2-4714-8C56-1838BF467EF7}"/>
+                <a16:creationId xmlns="" xmlns:a16="http://schemas.microsoft.com/office/drawing/2014/main" id="{A04D819A-89E2-4714-8C56-1838BF467EF7}"/>
               </a:ext>
             </a:extLst>
           </p:cNvPr>
@@ -1650,7 +2435,7 @@
           <p:cNvPr id="43" name="Presentation Subtitle">
             <a:extLst>
               <a:ext uri="{FF2B5EF4-FFF2-40B4-BE49-F238E27FC236}">
-                <a16:creationId xmlns:a16="http://schemas.microsoft.com/office/drawing/2014/main" xmlns="" id="{37BDB812-1395-4B02-ABCF-6A331EEE23E5}"/>
+                <a16:creationId xmlns="" xmlns:a16="http://schemas.microsoft.com/office/drawing/2014/main" id="{37BDB812-1395-4B02-ABCF-6A331EEE23E5}"/>
               </a:ext>
             </a:extLst>
           </p:cNvPr>
@@ -1694,7 +2479,7 @@
           <p:cNvPr id="2" name="Presentation Title">
             <a:extLst>
               <a:ext uri="{FF2B5EF4-FFF2-40B4-BE49-F238E27FC236}">
-                <a16:creationId xmlns:a16="http://schemas.microsoft.com/office/drawing/2014/main" xmlns="" id="{A4DF3AB8-E6E3-4FCE-8A4A-ECD147720A5D}"/>
+                <a16:creationId xmlns="" xmlns:a16="http://schemas.microsoft.com/office/drawing/2014/main" id="{A4DF3AB8-E6E3-4FCE-8A4A-ECD147720A5D}"/>
               </a:ext>
             </a:extLst>
           </p:cNvPr>
@@ -1729,7 +2514,7 @@
     </p:spTree>
     <p:extLst>
       <p:ext uri="{BB962C8B-B14F-4D97-AF65-F5344CB8AC3E}">
-        <p14:creationId xmlns:p14="http://schemas.microsoft.com/office/powerpoint/2010/main" xmlns="" val="970179299"/>
+        <p14:creationId xmlns="" xmlns:p14="http://schemas.microsoft.com/office/powerpoint/2010/main" val="970179299"/>
       </p:ext>
     </p:extLst>
   </p:cSld>
@@ -1737,7 +2522,7 @@
     <a:masterClrMapping/>
   </p:clrMapOvr>
   <mc:AlternateContent xmlns:mc="http://schemas.openxmlformats.org/markup-compatibility/2006">
-    <mc:Choice xmlns:p14="http://schemas.microsoft.com/office/powerpoint/2010/main" xmlns="" Requires="p14">
+    <mc:Choice xmlns="" xmlns:p14="http://schemas.microsoft.com/office/powerpoint/2010/main" Requires="p14">
       <p:transition spd="slow" p14:dur="2000" advClick="0" advTm="5000"/>
     </mc:Choice>
     <mc:Fallback>
@@ -1746,7 +2531,7 @@
   </mc:AlternateContent>
   <p:extLst>
     <p:ext uri="{DCECCB84-F9BA-43D5-87BE-67443E8EF086}">
-      <p15:sldGuideLst xmlns:p15="http://schemas.microsoft.com/office/powerpoint/2012/main" xmlns="">
+      <p15:sldGuideLst xmlns="" xmlns:p15="http://schemas.microsoft.com/office/powerpoint/2012/main">
         <p15:guide id="1" orient="horz" pos="2160">
           <p15:clr>
             <a:srgbClr val="FBAE40"/>
@@ -1785,7 +2570,7 @@
           <p:cNvPr id="15" name="Slide Number">
             <a:extLst>
               <a:ext uri="{FF2B5EF4-FFF2-40B4-BE49-F238E27FC236}">
-                <a16:creationId xmlns:a16="http://schemas.microsoft.com/office/drawing/2014/main" xmlns="" id="{F888EE71-82B3-40F1-A63F-7417422FB4A4}"/>
+                <a16:creationId xmlns="" xmlns:a16="http://schemas.microsoft.com/office/drawing/2014/main" id="{F888EE71-82B3-40F1-A63F-7417422FB4A4}"/>
               </a:ext>
             </a:extLst>
           </p:cNvPr>
@@ -1827,7 +2612,7 @@
           <p:cNvPr id="14" name="Text Placeholder Body">
             <a:extLst>
               <a:ext uri="{FF2B5EF4-FFF2-40B4-BE49-F238E27FC236}">
-                <a16:creationId xmlns:a16="http://schemas.microsoft.com/office/drawing/2014/main" xmlns="" id="{A2ABE920-240F-4CF6-AD45-23ED489FAD6E}"/>
+                <a16:creationId xmlns="" xmlns:a16="http://schemas.microsoft.com/office/drawing/2014/main" id="{A2ABE920-240F-4CF6-AD45-23ED489FAD6E}"/>
               </a:ext>
             </a:extLst>
           </p:cNvPr>
@@ -2133,7 +2918,7 @@
           <p:cNvPr id="10" name="Rectangle Down">
             <a:extLst>
               <a:ext uri="{FF2B5EF4-FFF2-40B4-BE49-F238E27FC236}">
-                <a16:creationId xmlns:a16="http://schemas.microsoft.com/office/drawing/2014/main" xmlns="" id="{E9B994EC-35A8-4A11-98CB-25DC28852F94}"/>
+                <a16:creationId xmlns="" xmlns:a16="http://schemas.microsoft.com/office/drawing/2014/main" id="{E9B994EC-35A8-4A11-98CB-25DC28852F94}"/>
               </a:ext>
             </a:extLst>
           </p:cNvPr>
@@ -2214,7 +2999,7 @@
           <p:cNvPr id="11" name="Rectangle Top">
             <a:extLst>
               <a:ext uri="{FF2B5EF4-FFF2-40B4-BE49-F238E27FC236}">
-                <a16:creationId xmlns:a16="http://schemas.microsoft.com/office/drawing/2014/main" xmlns="" id="{274B8F05-DFCE-47BD-BAFD-DF93E1A63BDD}"/>
+                <a16:creationId xmlns="" xmlns:a16="http://schemas.microsoft.com/office/drawing/2014/main" id="{274B8F05-DFCE-47BD-BAFD-DF93E1A63BDD}"/>
               </a:ext>
             </a:extLst>
           </p:cNvPr>
@@ -2295,7 +3080,7 @@
           <p:cNvPr id="12" name="Logo Software University" descr="Software University logo">
             <a:extLst>
               <a:ext uri="{FF2B5EF4-FFF2-40B4-BE49-F238E27FC236}">
-                <a16:creationId xmlns:a16="http://schemas.microsoft.com/office/drawing/2014/main" xmlns="" id="{233CBB95-791E-4630-B3D9-FADFCE7BCF52}"/>
+                <a16:creationId xmlns="" xmlns:a16="http://schemas.microsoft.com/office/drawing/2014/main" id="{233CBB95-791E-4630-B3D9-FADFCE7BCF52}"/>
               </a:ext>
             </a:extLst>
           </p:cNvPr>
@@ -2308,7 +3093,7 @@
           <a:blip r:embed="rId2" cstate="print">
             <a:extLst>
               <a:ext uri="{28A0092B-C50C-407E-A947-70E740481C1C}">
-                <a14:useLocalDpi xmlns:a14="http://schemas.microsoft.com/office/drawing/2010/main" xmlns="" val="0"/>
+                <a14:useLocalDpi xmlns="" xmlns:a14="http://schemas.microsoft.com/office/drawing/2010/main" val="0"/>
               </a:ext>
             </a:extLst>
           </a:blip>
@@ -2331,7 +3116,7 @@
           <p:cNvPr id="13" name="Slide Title">
             <a:extLst>
               <a:ext uri="{FF2B5EF4-FFF2-40B4-BE49-F238E27FC236}">
-                <a16:creationId xmlns:a16="http://schemas.microsoft.com/office/drawing/2014/main" xmlns="" id="{3F218E34-55D7-4290-BFE4-80F31F941551}"/>
+                <a16:creationId xmlns="" xmlns:a16="http://schemas.microsoft.com/office/drawing/2014/main" id="{3F218E34-55D7-4290-BFE4-80F31F941551}"/>
               </a:ext>
             </a:extLst>
           </p:cNvPr>
@@ -2370,7 +3155,7 @@
     </p:spTree>
     <p:extLst>
       <p:ext uri="{BB962C8B-B14F-4D97-AF65-F5344CB8AC3E}">
-        <p14:creationId xmlns:p14="http://schemas.microsoft.com/office/powerpoint/2010/main" xmlns="" val="3774019400"/>
+        <p14:creationId xmlns="" xmlns:p14="http://schemas.microsoft.com/office/powerpoint/2010/main" val="3774019400"/>
       </p:ext>
     </p:extLst>
   </p:cSld>
@@ -2378,7 +3163,7 @@
     <a:masterClrMapping/>
   </p:clrMapOvr>
   <mc:AlternateContent xmlns:mc="http://schemas.openxmlformats.org/markup-compatibility/2006">
-    <mc:Choice xmlns:p14="http://schemas.microsoft.com/office/powerpoint/2010/main" xmlns="" Requires="p14">
+    <mc:Choice xmlns="" xmlns:p14="http://schemas.microsoft.com/office/powerpoint/2010/main" Requires="p14">
       <p:transition spd="slow" p14:dur="2000" advClick="0" advTm="5000"/>
     </mc:Choice>
     <mc:Fallback>
@@ -2418,7 +3203,7 @@
           <p:cNvPr id="35" name="Rectangle Bottom">
             <a:extLst>
               <a:ext uri="{FF2B5EF4-FFF2-40B4-BE49-F238E27FC236}">
-                <a16:creationId xmlns:a16="http://schemas.microsoft.com/office/drawing/2014/main" xmlns="" id="{550A59F9-9A9D-4956-95B4-F78CC0DB1D59}"/>
+                <a16:creationId xmlns="" xmlns:a16="http://schemas.microsoft.com/office/drawing/2014/main" id="{550A59F9-9A9D-4956-95B4-F78CC0DB1D59}"/>
               </a:ext>
             </a:extLst>
           </p:cNvPr>
@@ -2499,7 +3284,7 @@
           <p:cNvPr id="53" name="Rectangle Bottom Copyright">
             <a:extLst>
               <a:ext uri="{FF2B5EF4-FFF2-40B4-BE49-F238E27FC236}">
-                <a16:creationId xmlns:a16="http://schemas.microsoft.com/office/drawing/2014/main" xmlns="" id="{B07FB7FB-DA6C-4F5D-B068-357F0FCE27D8}"/>
+                <a16:creationId xmlns="" xmlns:a16="http://schemas.microsoft.com/office/drawing/2014/main" id="{B07FB7FB-DA6C-4F5D-B068-357F0FCE27D8}"/>
               </a:ext>
             </a:extLst>
           </p:cNvPr>
@@ -2592,7 +3377,7 @@
           <p:cNvPr id="26" name="Picture SoftUni Mascot" descr="SoftUni mascot with open hand">
             <a:extLst>
               <a:ext uri="{FF2B5EF4-FFF2-40B4-BE49-F238E27FC236}">
-                <a16:creationId xmlns:a16="http://schemas.microsoft.com/office/drawing/2014/main" xmlns="" id="{247CFF3C-C4FA-493D-8505-DF469F4D36A4}"/>
+                <a16:creationId xmlns="" xmlns:a16="http://schemas.microsoft.com/office/drawing/2014/main" id="{247CFF3C-C4FA-493D-8505-DF469F4D36A4}"/>
               </a:ext>
             </a:extLst>
           </p:cNvPr>
@@ -2605,7 +3390,7 @@
           <a:blip r:embed="rId3" cstate="print">
             <a:extLst>
               <a:ext uri="{28A0092B-C50C-407E-A947-70E740481C1C}">
-                <a14:useLocalDpi xmlns:a14="http://schemas.microsoft.com/office/drawing/2010/main" xmlns="" val="0"/>
+                <a14:useLocalDpi xmlns="" xmlns:a14="http://schemas.microsoft.com/office/drawing/2010/main" val="0"/>
               </a:ext>
             </a:extLst>
           </a:blip>
@@ -2628,7 +3413,7 @@
           <p:cNvPr id="2" name="Group SoftUni Brands">
             <a:extLst>
               <a:ext uri="{FF2B5EF4-FFF2-40B4-BE49-F238E27FC236}">
-                <a16:creationId xmlns:a16="http://schemas.microsoft.com/office/drawing/2014/main" xmlns="" id="{418FAE34-C1F8-46C7-A4AE-F270D1E70F25}"/>
+                <a16:creationId xmlns="" xmlns:a16="http://schemas.microsoft.com/office/drawing/2014/main" id="{418FAE34-C1F8-46C7-A4AE-F270D1E70F25}"/>
               </a:ext>
             </a:extLst>
           </p:cNvPr>
@@ -2648,7 +3433,7 @@
             <p:cNvPr id="24" name="Picture SoftUni Kids Logo" descr="SoftUni Kids logo">
               <a:extLst>
                 <a:ext uri="{FF2B5EF4-FFF2-40B4-BE49-F238E27FC236}">
-                  <a16:creationId xmlns:a16="http://schemas.microsoft.com/office/drawing/2014/main" xmlns="" id="{B0812936-74B6-4265-8C08-AEDC8C798702}"/>
+                  <a16:creationId xmlns="" xmlns:a16="http://schemas.microsoft.com/office/drawing/2014/main" id="{B0812936-74B6-4265-8C08-AEDC8C798702}"/>
                 </a:ext>
               </a:extLst>
             </p:cNvPr>
@@ -2661,7 +3446,7 @@
             <a:blip r:embed="rId4" cstate="print">
               <a:extLst>
                 <a:ext uri="{28A0092B-C50C-407E-A947-70E740481C1C}">
-                  <a14:useLocalDpi xmlns:a14="http://schemas.microsoft.com/office/drawing/2010/main" xmlns="" val="0"/>
+                  <a14:useLocalDpi xmlns="" xmlns:a14="http://schemas.microsoft.com/office/drawing/2010/main" val="0"/>
                 </a:ext>
               </a:extLst>
             </a:blip>
@@ -2684,7 +3469,7 @@
             <p:cNvPr id="23" name="Picture SoftUni Foundation Logo" descr="SoftUni Foundation logo">
               <a:extLst>
                 <a:ext uri="{FF2B5EF4-FFF2-40B4-BE49-F238E27FC236}">
-                  <a16:creationId xmlns:a16="http://schemas.microsoft.com/office/drawing/2014/main" xmlns="" id="{6643F71A-2013-433A-8322-FBAAED3162D8}"/>
+                  <a16:creationId xmlns="" xmlns:a16="http://schemas.microsoft.com/office/drawing/2014/main" id="{6643F71A-2013-433A-8322-FBAAED3162D8}"/>
                 </a:ext>
               </a:extLst>
             </p:cNvPr>
@@ -2697,7 +3482,7 @@
             <a:blip r:embed="rId5" cstate="print">
               <a:extLst>
                 <a:ext uri="{28A0092B-C50C-407E-A947-70E740481C1C}">
-                  <a14:useLocalDpi xmlns:a14="http://schemas.microsoft.com/office/drawing/2010/main" xmlns="" val="0"/>
+                  <a14:useLocalDpi xmlns="" xmlns:a14="http://schemas.microsoft.com/office/drawing/2010/main" val="0"/>
                 </a:ext>
               </a:extLst>
             </a:blip>
@@ -2720,7 +3505,7 @@
             <p:cNvPr id="22" name="Picture SoftUni Digital Logo" descr="SoftUni Digital logo">
               <a:extLst>
                 <a:ext uri="{FF2B5EF4-FFF2-40B4-BE49-F238E27FC236}">
-                  <a16:creationId xmlns:a16="http://schemas.microsoft.com/office/drawing/2014/main" xmlns="" id="{0A83D66F-855B-463B-920B-BF239B01A206}"/>
+                  <a16:creationId xmlns="" xmlns:a16="http://schemas.microsoft.com/office/drawing/2014/main" id="{0A83D66F-855B-463B-920B-BF239B01A206}"/>
                 </a:ext>
               </a:extLst>
             </p:cNvPr>
@@ -2733,7 +3518,7 @@
             <a:blip r:embed="rId6" cstate="print">
               <a:extLst>
                 <a:ext uri="{28A0092B-C50C-407E-A947-70E740481C1C}">
-                  <a14:useLocalDpi xmlns:a14="http://schemas.microsoft.com/office/drawing/2010/main" xmlns="" val="0"/>
+                  <a14:useLocalDpi xmlns="" xmlns:a14="http://schemas.microsoft.com/office/drawing/2010/main" val="0"/>
                 </a:ext>
               </a:extLst>
             </a:blip>
@@ -2756,7 +3541,7 @@
             <p:cNvPr id="21" name="Picture SoftUni Creative Logo" descr="SoftUni Creative logo">
               <a:extLst>
                 <a:ext uri="{FF2B5EF4-FFF2-40B4-BE49-F238E27FC236}">
-                  <a16:creationId xmlns:a16="http://schemas.microsoft.com/office/drawing/2014/main" xmlns="" id="{EA755AAE-BA08-481C-9224-0061170EE4B8}"/>
+                  <a16:creationId xmlns="" xmlns:a16="http://schemas.microsoft.com/office/drawing/2014/main" id="{EA755AAE-BA08-481C-9224-0061170EE4B8}"/>
                 </a:ext>
               </a:extLst>
             </p:cNvPr>
@@ -2769,7 +3554,7 @@
             <a:blip r:embed="rId7" cstate="print">
               <a:extLst>
                 <a:ext uri="{28A0092B-C50C-407E-A947-70E740481C1C}">
-                  <a14:useLocalDpi xmlns:a14="http://schemas.microsoft.com/office/drawing/2010/main" xmlns="" val="0"/>
+                  <a14:useLocalDpi xmlns="" xmlns:a14="http://schemas.microsoft.com/office/drawing/2010/main" val="0"/>
                 </a:ext>
               </a:extLst>
             </a:blip>
@@ -2792,7 +3577,7 @@
             <p:cNvPr id="20" name="Picture SoftUni Svetlina Logo" descr="SoftUni Svetlina logo">
               <a:extLst>
                 <a:ext uri="{FF2B5EF4-FFF2-40B4-BE49-F238E27FC236}">
-                  <a16:creationId xmlns:a16="http://schemas.microsoft.com/office/drawing/2014/main" xmlns="" id="{827D15FD-4C66-4B85-98E6-7826AA8F61C6}"/>
+                  <a16:creationId xmlns="" xmlns:a16="http://schemas.microsoft.com/office/drawing/2014/main" id="{827D15FD-4C66-4B85-98E6-7826AA8F61C6}"/>
                 </a:ext>
               </a:extLst>
             </p:cNvPr>
@@ -2805,7 +3590,7 @@
             <a:blip r:embed="rId8" cstate="print">
               <a:extLst>
                 <a:ext uri="{28A0092B-C50C-407E-A947-70E740481C1C}">
-                  <a14:useLocalDpi xmlns:a14="http://schemas.microsoft.com/office/drawing/2010/main" xmlns="" val="0"/>
+                  <a14:useLocalDpi xmlns="" xmlns:a14="http://schemas.microsoft.com/office/drawing/2010/main" val="0"/>
                 </a:ext>
               </a:extLst>
             </a:blip>
@@ -2828,7 +3613,7 @@
             <p:cNvPr id="25" name="Picture Software University Logo" descr="Software University logo">
               <a:extLst>
                 <a:ext uri="{FF2B5EF4-FFF2-40B4-BE49-F238E27FC236}">
-                  <a16:creationId xmlns:a16="http://schemas.microsoft.com/office/drawing/2014/main" xmlns="" id="{C74C190C-5856-41B9-8819-AE8DE0E10980}"/>
+                  <a16:creationId xmlns="" xmlns:a16="http://schemas.microsoft.com/office/drawing/2014/main" id="{C74C190C-5856-41B9-8819-AE8DE0E10980}"/>
                 </a:ext>
               </a:extLst>
             </p:cNvPr>
@@ -2841,7 +3626,7 @@
             <a:blip r:embed="rId9" cstate="print">
               <a:extLst>
                 <a:ext uri="{28A0092B-C50C-407E-A947-70E740481C1C}">
-                  <a14:useLocalDpi xmlns:a14="http://schemas.microsoft.com/office/drawing/2010/main" xmlns="" val="0"/>
+                  <a14:useLocalDpi xmlns="" xmlns:a14="http://schemas.microsoft.com/office/drawing/2010/main" val="0"/>
                 </a:ext>
               </a:extLst>
             </a:blip>
@@ -2864,7 +3649,7 @@
             <p:cNvPr id="33" name="Straight Connector 6">
               <a:extLst>
                 <a:ext uri="{FF2B5EF4-FFF2-40B4-BE49-F238E27FC236}">
-                  <a16:creationId xmlns:a16="http://schemas.microsoft.com/office/drawing/2014/main" xmlns="" id="{5C63D1E8-4A92-4691-8A24-A2FC7E8008E5}"/>
+                  <a16:creationId xmlns="" xmlns:a16="http://schemas.microsoft.com/office/drawing/2014/main" id="{5C63D1E8-4A92-4691-8A24-A2FC7E8008E5}"/>
                 </a:ext>
               </a:extLst>
             </p:cNvPr>
@@ -2903,7 +3688,7 @@
             <p:cNvPr id="32" name="Straight Connector 5">
               <a:extLst>
                 <a:ext uri="{FF2B5EF4-FFF2-40B4-BE49-F238E27FC236}">
-                  <a16:creationId xmlns:a16="http://schemas.microsoft.com/office/drawing/2014/main" xmlns="" id="{6E91D320-3732-40B8-864D-142D0A277ED1}"/>
+                  <a16:creationId xmlns="" xmlns:a16="http://schemas.microsoft.com/office/drawing/2014/main" id="{6E91D320-3732-40B8-864D-142D0A277ED1}"/>
                 </a:ext>
               </a:extLst>
             </p:cNvPr>
@@ -2942,7 +3727,7 @@
             <p:cNvPr id="31" name="Straight Connector 4">
               <a:extLst>
                 <a:ext uri="{FF2B5EF4-FFF2-40B4-BE49-F238E27FC236}">
-                  <a16:creationId xmlns:a16="http://schemas.microsoft.com/office/drawing/2014/main" xmlns="" id="{299ABE09-E33C-46B7-A80D-7BF4A6956211}"/>
+                  <a16:creationId xmlns="" xmlns:a16="http://schemas.microsoft.com/office/drawing/2014/main" id="{299ABE09-E33C-46B7-A80D-7BF4A6956211}"/>
                 </a:ext>
               </a:extLst>
             </p:cNvPr>
@@ -2979,7 +3764,7 @@
             <p:cNvPr id="30" name="Straight Connector 3">
               <a:extLst>
                 <a:ext uri="{FF2B5EF4-FFF2-40B4-BE49-F238E27FC236}">
-                  <a16:creationId xmlns:a16="http://schemas.microsoft.com/office/drawing/2014/main" xmlns="" id="{93DDBF37-0764-47AA-94E3-9A44F3ED8FB5}"/>
+                  <a16:creationId xmlns="" xmlns:a16="http://schemas.microsoft.com/office/drawing/2014/main" id="{93DDBF37-0764-47AA-94E3-9A44F3ED8FB5}"/>
                 </a:ext>
               </a:extLst>
             </p:cNvPr>
@@ -3016,7 +3801,7 @@
             <p:cNvPr id="29" name="Straight Connector 2">
               <a:extLst>
                 <a:ext uri="{FF2B5EF4-FFF2-40B4-BE49-F238E27FC236}">
-                  <a16:creationId xmlns:a16="http://schemas.microsoft.com/office/drawing/2014/main" xmlns="" id="{72BFE2F3-0845-4E5B-9375-E9D4027DD675}"/>
+                  <a16:creationId xmlns="" xmlns:a16="http://schemas.microsoft.com/office/drawing/2014/main" id="{72BFE2F3-0845-4E5B-9375-E9D4027DD675}"/>
                 </a:ext>
               </a:extLst>
             </p:cNvPr>
@@ -3053,7 +3838,7 @@
             <p:cNvPr id="28" name="Straight Connector 1">
               <a:extLst>
                 <a:ext uri="{FF2B5EF4-FFF2-40B4-BE49-F238E27FC236}">
-                  <a16:creationId xmlns:a16="http://schemas.microsoft.com/office/drawing/2014/main" xmlns="" id="{D4E5982E-3110-47E1-A5BB-91B7BECC3093}"/>
+                  <a16:creationId xmlns="" xmlns:a16="http://schemas.microsoft.com/office/drawing/2014/main" id="{D4E5982E-3110-47E1-A5BB-91B7BECC3093}"/>
                 </a:ext>
               </a:extLst>
             </p:cNvPr>
@@ -3090,7 +3875,7 @@
             <p:cNvPr id="27" name="Straight Connector Horizontal">
               <a:extLst>
                 <a:ext uri="{FF2B5EF4-FFF2-40B4-BE49-F238E27FC236}">
-                  <a16:creationId xmlns:a16="http://schemas.microsoft.com/office/drawing/2014/main" xmlns="" id="{5F62FB7C-BD6E-4383-98C1-2CF30F34CAFD}"/>
+                  <a16:creationId xmlns="" xmlns:a16="http://schemas.microsoft.com/office/drawing/2014/main" id="{5F62FB7C-BD6E-4383-98C1-2CF30F34CAFD}"/>
                 </a:ext>
               </a:extLst>
             </p:cNvPr>
@@ -3129,7 +3914,7 @@
             <p:cNvPr id="34" name="Straight Connector 0">
               <a:extLst>
                 <a:ext uri="{FF2B5EF4-FFF2-40B4-BE49-F238E27FC236}">
-                  <a16:creationId xmlns:a16="http://schemas.microsoft.com/office/drawing/2014/main" xmlns="" id="{C84A0FE1-723D-4682-8682-77BAD950EE15}"/>
+                  <a16:creationId xmlns="" xmlns:a16="http://schemas.microsoft.com/office/drawing/2014/main" id="{C84A0FE1-723D-4682-8682-77BAD950EE15}"/>
                 </a:ext>
               </a:extLst>
             </p:cNvPr>
@@ -3166,7 +3951,7 @@
             <p:cNvPr id="18" name="Picture SoftUni Logo" descr="SoftUni logo">
               <a:extLst>
                 <a:ext uri="{FF2B5EF4-FFF2-40B4-BE49-F238E27FC236}">
-                  <a16:creationId xmlns:a16="http://schemas.microsoft.com/office/drawing/2014/main" xmlns="" id="{A0675455-B7FA-4569-A5FD-A3B0F20B2A26}"/>
+                  <a16:creationId xmlns="" xmlns:a16="http://schemas.microsoft.com/office/drawing/2014/main" id="{A0675455-B7FA-4569-A5FD-A3B0F20B2A26}"/>
                 </a:ext>
               </a:extLst>
             </p:cNvPr>
@@ -3179,7 +3964,7 @@
             <a:blip r:embed="rId10" cstate="print">
               <a:extLst>
                 <a:ext uri="{28A0092B-C50C-407E-A947-70E740481C1C}">
-                  <a14:useLocalDpi xmlns:a14="http://schemas.microsoft.com/office/drawing/2010/main" xmlns="" val="0"/>
+                  <a14:useLocalDpi xmlns="" xmlns:a14="http://schemas.microsoft.com/office/drawing/2010/main" val="0"/>
                 </a:ext>
               </a:extLst>
             </a:blip>
@@ -3203,7 +3988,7 @@
           <p:cNvPr id="19" name="Slide Title">
             <a:extLst>
               <a:ext uri="{FF2B5EF4-FFF2-40B4-BE49-F238E27FC236}">
-                <a16:creationId xmlns:a16="http://schemas.microsoft.com/office/drawing/2014/main" xmlns="" id="{7CFDBB16-985C-4CC7-B6DB-B81B36037922}"/>
+                <a16:creationId xmlns="" xmlns:a16="http://schemas.microsoft.com/office/drawing/2014/main" id="{7CFDBB16-985C-4CC7-B6DB-B81B36037922}"/>
               </a:ext>
             </a:extLst>
           </p:cNvPr>
@@ -3306,7 +4091,7 @@
           <p:cNvPr id="36" name="Logo Software University" descr="Software University logo">
             <a:extLst>
               <a:ext uri="{FF2B5EF4-FFF2-40B4-BE49-F238E27FC236}">
-                <a16:creationId xmlns:a16="http://schemas.microsoft.com/office/drawing/2014/main" xmlns="" id="{67FC4D2E-913D-432A-B658-F0D82839FA5E}"/>
+                <a16:creationId xmlns="" xmlns:a16="http://schemas.microsoft.com/office/drawing/2014/main" id="{67FC4D2E-913D-432A-B658-F0D82839FA5E}"/>
               </a:ext>
             </a:extLst>
           </p:cNvPr>
@@ -3329,7 +4114,7 @@
             </a:clrChange>
             <a:extLst>
               <a:ext uri="{28A0092B-C50C-407E-A947-70E740481C1C}">
-                <a14:useLocalDpi xmlns:a14="http://schemas.microsoft.com/office/drawing/2010/main" xmlns="" val="0"/>
+                <a14:useLocalDpi xmlns="" xmlns:a14="http://schemas.microsoft.com/office/drawing/2010/main" val="0"/>
               </a:ext>
             </a:extLst>
           </a:blip>
@@ -3350,7 +4135,7 @@
     </p:spTree>
     <p:extLst>
       <p:ext uri="{BB962C8B-B14F-4D97-AF65-F5344CB8AC3E}">
-        <p14:creationId xmlns:p14="http://schemas.microsoft.com/office/powerpoint/2010/main" xmlns="" val="4192061223"/>
+        <p14:creationId xmlns="" xmlns:p14="http://schemas.microsoft.com/office/powerpoint/2010/main" val="4192061223"/>
       </p:ext>
     </p:extLst>
   </p:cSld>
@@ -3358,7 +4143,7 @@
     <a:masterClrMapping/>
   </p:clrMapOvr>
   <mc:AlternateContent xmlns:mc="http://schemas.openxmlformats.org/markup-compatibility/2006">
-    <mc:Choice xmlns:p14="http://schemas.microsoft.com/office/powerpoint/2010/main" xmlns="" Requires="p14">
+    <mc:Choice xmlns="" xmlns:p14="http://schemas.microsoft.com/office/powerpoint/2010/main" Requires="p14">
       <p:transition spd="slow" p14:dur="2000" advClick="0" advTm="5000"/>
     </mc:Choice>
     <mc:Fallback>
@@ -3367,7 +4152,7 @@
   </mc:AlternateContent>
   <p:extLst>
     <p:ext uri="{DCECCB84-F9BA-43D5-87BE-67443E8EF086}">
-      <p15:sldGuideLst xmlns:p15="http://schemas.microsoft.com/office/powerpoint/2012/main" xmlns="">
+      <p15:sldGuideLst xmlns="" xmlns:p15="http://schemas.microsoft.com/office/powerpoint/2012/main">
         <p15:guide id="1" orient="horz" pos="2160">
           <p15:clr>
             <a:srgbClr val="FBAE40"/>
@@ -3406,7 +4191,7 @@
           <p:cNvPr id="13" name="Slide Number">
             <a:extLst>
               <a:ext uri="{FF2B5EF4-FFF2-40B4-BE49-F238E27FC236}">
-                <a16:creationId xmlns:a16="http://schemas.microsoft.com/office/drawing/2014/main" xmlns="" id="{5B8761D8-B42F-4A70-A0CE-682CEB2AE31B}"/>
+                <a16:creationId xmlns="" xmlns:a16="http://schemas.microsoft.com/office/drawing/2014/main" id="{5B8761D8-B42F-4A70-A0CE-682CEB2AE31B}"/>
               </a:ext>
             </a:extLst>
           </p:cNvPr>
@@ -3449,7 +4234,7 @@
             <a:hlinkClick r:id="rId2" tooltip="Software University Discussion Forum"/>
             <a:extLst>
               <a:ext uri="{FF2B5EF4-FFF2-40B4-BE49-F238E27FC236}">
-                <a16:creationId xmlns:a16="http://schemas.microsoft.com/office/drawing/2014/main" xmlns="" id="{98C579AD-FAF5-4B28-9B52-5457F1E90061}"/>
+                <a16:creationId xmlns="" xmlns:a16="http://schemas.microsoft.com/office/drawing/2014/main" id="{98C579AD-FAF5-4B28-9B52-5457F1E90061}"/>
               </a:ext>
             </a:extLst>
           </p:cNvPr>
@@ -3462,7 +4247,7 @@
           <a:blip r:embed="rId3" cstate="print">
             <a:extLst>
               <a:ext uri="{28A0092B-C50C-407E-A947-70E740481C1C}">
-                <a14:useLocalDpi xmlns:a14="http://schemas.microsoft.com/office/drawing/2010/main" xmlns=""/>
+                <a14:useLocalDpi xmlns="" xmlns:a14="http://schemas.microsoft.com/office/drawing/2010/main"/>
               </a:ext>
             </a:extLst>
           </a:blip>
@@ -3486,7 +4271,7 @@
             <a:hlinkClick r:id="rId4" tooltip="Software University @ Facebook"/>
             <a:extLst>
               <a:ext uri="{FF2B5EF4-FFF2-40B4-BE49-F238E27FC236}">
-                <a16:creationId xmlns:a16="http://schemas.microsoft.com/office/drawing/2014/main" xmlns="" id="{6B2C510E-5EF2-49F6-B926-2BD74CD3C7F8}"/>
+                <a16:creationId xmlns="" xmlns:a16="http://schemas.microsoft.com/office/drawing/2014/main" id="{6B2C510E-5EF2-49F6-B926-2BD74CD3C7F8}"/>
               </a:ext>
             </a:extLst>
           </p:cNvPr>
@@ -3499,7 +4284,7 @@
           <a:blip r:embed="rId5" cstate="print">
             <a:extLst>
               <a:ext uri="{28A0092B-C50C-407E-A947-70E740481C1C}">
-                <a14:useLocalDpi xmlns:a14="http://schemas.microsoft.com/office/drawing/2010/main" xmlns=""/>
+                <a14:useLocalDpi xmlns="" xmlns:a14="http://schemas.microsoft.com/office/drawing/2010/main"/>
               </a:ext>
             </a:extLst>
           </a:blip>
@@ -3517,7 +4302,7 @@
           <a:noFill/>
           <a:extLst>
             <a:ext uri="{909E8E84-426E-40DD-AFC4-6F175D3DCCD1}">
-              <a14:hiddenFill xmlns:a14="http://schemas.microsoft.com/office/drawing/2010/main" xmlns="">
+              <a14:hiddenFill xmlns="" xmlns:a14="http://schemas.microsoft.com/office/drawing/2010/main">
                 <a:solidFill>
                   <a:srgbClr val="FFFFFF"/>
                 </a:solidFill>
@@ -3532,7 +4317,7 @@
             <a:hlinkClick r:id="rId6"/>
             <a:extLst>
               <a:ext uri="{FF2B5EF4-FFF2-40B4-BE49-F238E27FC236}">
-                <a16:creationId xmlns:a16="http://schemas.microsoft.com/office/drawing/2014/main" xmlns="" id="{F4604840-E810-44B7-9FF1-3B28CD68B758}"/>
+                <a16:creationId xmlns="" xmlns:a16="http://schemas.microsoft.com/office/drawing/2014/main" id="{F4604840-E810-44B7-9FF1-3B28CD68B758}"/>
               </a:ext>
             </a:extLst>
           </p:cNvPr>
@@ -3545,7 +4330,7 @@
           <a:blip r:embed="rId7" cstate="print">
             <a:extLst>
               <a:ext uri="{28A0092B-C50C-407E-A947-70E740481C1C}">
-                <a14:useLocalDpi xmlns:a14="http://schemas.microsoft.com/office/drawing/2010/main" xmlns="" val="0"/>
+                <a14:useLocalDpi xmlns="" xmlns:a14="http://schemas.microsoft.com/office/drawing/2010/main" val="0"/>
               </a:ext>
             </a:extLst>
           </a:blip>
@@ -3569,7 +4354,7 @@
             <a:hlinkClick r:id="rId8"/>
             <a:extLst>
               <a:ext uri="{FF2B5EF4-FFF2-40B4-BE49-F238E27FC236}">
-                <a16:creationId xmlns:a16="http://schemas.microsoft.com/office/drawing/2014/main" xmlns="" id="{07C965FA-A87E-4824-AFA8-C67AF548A76A}"/>
+                <a16:creationId xmlns="" xmlns:a16="http://schemas.microsoft.com/office/drawing/2014/main" id="{07C965FA-A87E-4824-AFA8-C67AF548A76A}"/>
               </a:ext>
             </a:extLst>
           </p:cNvPr>
@@ -3582,7 +4367,7 @@
           <a:blip r:embed="rId9" cstate="print">
             <a:extLst>
               <a:ext uri="{28A0092B-C50C-407E-A947-70E740481C1C}">
-                <a14:useLocalDpi xmlns:a14="http://schemas.microsoft.com/office/drawing/2010/main" xmlns="" val="0"/>
+                <a14:useLocalDpi xmlns="" xmlns:a14="http://schemas.microsoft.com/office/drawing/2010/main" val="0"/>
               </a:ext>
             </a:extLst>
           </a:blip>
@@ -3604,7 +4389,7 @@
           <p:cNvPr id="12" name="Slide Body Text">
             <a:extLst>
               <a:ext uri="{FF2B5EF4-FFF2-40B4-BE49-F238E27FC236}">
-                <a16:creationId xmlns:a16="http://schemas.microsoft.com/office/drawing/2014/main" xmlns="" id="{0C1F9416-8B6E-46DE-973C-777785E27A26}"/>
+                <a16:creationId xmlns="" xmlns:a16="http://schemas.microsoft.com/office/drawing/2014/main" id="{0C1F9416-8B6E-46DE-973C-777785E27A26}"/>
               </a:ext>
             </a:extLst>
           </p:cNvPr>
@@ -3732,7 +4517,7 @@
           <p:cNvPr id="10" name="Rectangle Top">
             <a:extLst>
               <a:ext uri="{FF2B5EF4-FFF2-40B4-BE49-F238E27FC236}">
-                <a16:creationId xmlns:a16="http://schemas.microsoft.com/office/drawing/2014/main" xmlns="" id="{86646B95-5E3B-4DE8-9118-031C2C296D8C}"/>
+                <a16:creationId xmlns="" xmlns:a16="http://schemas.microsoft.com/office/drawing/2014/main" id="{86646B95-5E3B-4DE8-9118-031C2C296D8C}"/>
               </a:ext>
             </a:extLst>
           </p:cNvPr>
@@ -3813,7 +4598,7 @@
           <p:cNvPr id="11" name="Logo Software University" descr="Software University logo">
             <a:extLst>
               <a:ext uri="{FF2B5EF4-FFF2-40B4-BE49-F238E27FC236}">
-                <a16:creationId xmlns:a16="http://schemas.microsoft.com/office/drawing/2014/main" xmlns="" id="{58AB1944-B146-4E89-B2D9-426EB610F319}"/>
+                <a16:creationId xmlns="" xmlns:a16="http://schemas.microsoft.com/office/drawing/2014/main" id="{58AB1944-B146-4E89-B2D9-426EB610F319}"/>
               </a:ext>
             </a:extLst>
           </p:cNvPr>
@@ -3826,7 +4611,7 @@
           <a:blip r:embed="rId11" cstate="print">
             <a:extLst>
               <a:ext uri="{28A0092B-C50C-407E-A947-70E740481C1C}">
-                <a14:useLocalDpi xmlns:a14="http://schemas.microsoft.com/office/drawing/2010/main" xmlns="" val="0"/>
+                <a14:useLocalDpi xmlns="" xmlns:a14="http://schemas.microsoft.com/office/drawing/2010/main" val="0"/>
               </a:ext>
             </a:extLst>
           </a:blip>
@@ -3849,7 +4634,7 @@
           <p:cNvPr id="18" name="Slide Title">
             <a:extLst>
               <a:ext uri="{FF2B5EF4-FFF2-40B4-BE49-F238E27FC236}">
-                <a16:creationId xmlns:a16="http://schemas.microsoft.com/office/drawing/2014/main" xmlns="" id="{AE87ED9C-76E1-4D85-9B06-3AF44AABB668}"/>
+                <a16:creationId xmlns="" xmlns:a16="http://schemas.microsoft.com/office/drawing/2014/main" id="{AE87ED9C-76E1-4D85-9B06-3AF44AABB668}"/>
               </a:ext>
             </a:extLst>
           </p:cNvPr>
@@ -3888,7 +4673,7 @@
     </p:spTree>
     <p:extLst>
       <p:ext uri="{BB962C8B-B14F-4D97-AF65-F5344CB8AC3E}">
-        <p14:creationId xmlns:p14="http://schemas.microsoft.com/office/powerpoint/2010/main" xmlns="" val="2196466322"/>
+        <p14:creationId xmlns="" xmlns:p14="http://schemas.microsoft.com/office/powerpoint/2010/main" val="2196466322"/>
       </p:ext>
     </p:extLst>
   </p:cSld>
@@ -3896,7 +4681,7 @@
     <a:masterClrMapping/>
   </p:clrMapOvr>
   <mc:AlternateContent xmlns:mc="http://schemas.openxmlformats.org/markup-compatibility/2006">
-    <mc:Choice xmlns:p14="http://schemas.microsoft.com/office/powerpoint/2010/main" xmlns="" Requires="p14">
+    <mc:Choice xmlns="" xmlns:p14="http://schemas.microsoft.com/office/powerpoint/2010/main" Requires="p14">
       <p:transition spd="slow" p14:dur="2000" advClick="0" advTm="5000"/>
     </mc:Choice>
     <mc:Fallback>
@@ -4092,7 +4877,7 @@
     </p:spTree>
     <p:extLst>
       <p:ext uri="{BB962C8B-B14F-4D97-AF65-F5344CB8AC3E}">
-        <p14:creationId xmlns:p14="http://schemas.microsoft.com/office/powerpoint/2010/main" xmlns="" val="3529216409"/>
+        <p14:creationId xmlns="" xmlns:p14="http://schemas.microsoft.com/office/powerpoint/2010/main" val="3529216409"/>
       </p:ext>
     </p:extLst>
   </p:cSld>
@@ -4100,7 +4885,7 @@
     <a:masterClrMapping/>
   </p:clrMapOvr>
   <mc:AlternateContent xmlns:mc="http://schemas.openxmlformats.org/markup-compatibility/2006">
-    <mc:Choice xmlns:p14="http://schemas.microsoft.com/office/powerpoint/2010/main" xmlns="" Requires="p14">
+    <mc:Choice xmlns="" xmlns:p14="http://schemas.microsoft.com/office/powerpoint/2010/main" Requires="p14">
       <p:transition spd="slow" p14:dur="2000" advClick="0" advTm="5000"/>
     </mc:Choice>
     <mc:Fallback>
@@ -4132,7 +4917,7 @@
           <p:cNvPr id="7" name="Slide Number">
             <a:extLst>
               <a:ext uri="{FF2B5EF4-FFF2-40B4-BE49-F238E27FC236}">
-                <a16:creationId xmlns:a16="http://schemas.microsoft.com/office/drawing/2014/main" xmlns="" id="{C1780DB1-0AF0-4108-AFE1-9DA99F0DBCB8}"/>
+                <a16:creationId xmlns="" xmlns:a16="http://schemas.microsoft.com/office/drawing/2014/main" id="{C1780DB1-0AF0-4108-AFE1-9DA99F0DBCB8}"/>
               </a:ext>
             </a:extLst>
           </p:cNvPr>
@@ -4174,7 +4959,7 @@
           <p:cNvPr id="3" name="Slide Body Text">
             <a:extLst>
               <a:ext uri="{FF2B5EF4-FFF2-40B4-BE49-F238E27FC236}">
-                <a16:creationId xmlns:a16="http://schemas.microsoft.com/office/drawing/2014/main" xmlns="" id="{5A9D2960-6D42-439F-82E8-812822013A10}"/>
+                <a16:creationId xmlns="" xmlns:a16="http://schemas.microsoft.com/office/drawing/2014/main" id="{5A9D2960-6D42-439F-82E8-812822013A10}"/>
               </a:ext>
             </a:extLst>
           </p:cNvPr>
@@ -4252,7 +5037,7 @@
           <p:cNvPr id="13" name="Rectangle Top">
             <a:extLst>
               <a:ext uri="{FF2B5EF4-FFF2-40B4-BE49-F238E27FC236}">
-                <a16:creationId xmlns:a16="http://schemas.microsoft.com/office/drawing/2014/main" xmlns="" id="{391AFA4E-7870-4561-A1B8-AC956B0C8931}"/>
+                <a16:creationId xmlns="" xmlns:a16="http://schemas.microsoft.com/office/drawing/2014/main" id="{391AFA4E-7870-4561-A1B8-AC956B0C8931}"/>
               </a:ext>
             </a:extLst>
           </p:cNvPr>
@@ -4333,7 +5118,7 @@
           <p:cNvPr id="12" name="Logo Software University" descr="Software University logo">
             <a:extLst>
               <a:ext uri="{FF2B5EF4-FFF2-40B4-BE49-F238E27FC236}">
-                <a16:creationId xmlns:a16="http://schemas.microsoft.com/office/drawing/2014/main" xmlns="" id="{B1D3B425-B9BF-43ED-9DEC-C05002FBA22F}"/>
+                <a16:creationId xmlns="" xmlns:a16="http://schemas.microsoft.com/office/drawing/2014/main" id="{B1D3B425-B9BF-43ED-9DEC-C05002FBA22F}"/>
               </a:ext>
             </a:extLst>
           </p:cNvPr>
@@ -4346,7 +5131,7 @@
           <a:blip r:embed="rId2" cstate="print">
             <a:extLst>
               <a:ext uri="{28A0092B-C50C-407E-A947-70E740481C1C}">
-                <a14:useLocalDpi xmlns:a14="http://schemas.microsoft.com/office/drawing/2010/main" xmlns="" val="0"/>
+                <a14:useLocalDpi xmlns="" xmlns:a14="http://schemas.microsoft.com/office/drawing/2010/main" val="0"/>
               </a:ext>
             </a:extLst>
           </a:blip>
@@ -4369,7 +5154,7 @@
           <p:cNvPr id="6" name="Slide Title">
             <a:extLst>
               <a:ext uri="{FF2B5EF4-FFF2-40B4-BE49-F238E27FC236}">
-                <a16:creationId xmlns:a16="http://schemas.microsoft.com/office/drawing/2014/main" xmlns="" id="{19B5B676-7892-440F-8191-7109B2C59885}"/>
+                <a16:creationId xmlns="" xmlns:a16="http://schemas.microsoft.com/office/drawing/2014/main" id="{19B5B676-7892-440F-8191-7109B2C59885}"/>
               </a:ext>
             </a:extLst>
           </p:cNvPr>
@@ -4408,7 +5193,7 @@
     </p:spTree>
     <p:extLst>
       <p:ext uri="{BB962C8B-B14F-4D97-AF65-F5344CB8AC3E}">
-        <p14:creationId xmlns:p14="http://schemas.microsoft.com/office/powerpoint/2010/main" xmlns="" val="1102970716"/>
+        <p14:creationId xmlns="" xmlns:p14="http://schemas.microsoft.com/office/powerpoint/2010/main" val="1102970716"/>
       </p:ext>
     </p:extLst>
   </p:cSld>
@@ -4416,7 +5201,7 @@
     <a:masterClrMapping/>
   </p:clrMapOvr>
   <mc:AlternateContent xmlns:mc="http://schemas.openxmlformats.org/markup-compatibility/2006">
-    <mc:Choice xmlns:p14="http://schemas.microsoft.com/office/powerpoint/2010/main" xmlns="" Requires="p14">
+    <mc:Choice xmlns="" xmlns:p14="http://schemas.microsoft.com/office/powerpoint/2010/main" Requires="p14">
       <p:transition spd="slow" p14:dur="2000" advClick="0" advTm="5000"/>
     </mc:Choice>
     <mc:Fallback>
@@ -4448,7 +5233,7 @@
           <p:cNvPr id="9" name="Slide Number">
             <a:extLst>
               <a:ext uri="{FF2B5EF4-FFF2-40B4-BE49-F238E27FC236}">
-                <a16:creationId xmlns:a16="http://schemas.microsoft.com/office/drawing/2014/main" xmlns="" id="{0020EB61-2079-41A3-B356-B1D8D48D786E}"/>
+                <a16:creationId xmlns="" xmlns:a16="http://schemas.microsoft.com/office/drawing/2014/main" id="{0020EB61-2079-41A3-B356-B1D8D48D786E}"/>
               </a:ext>
             </a:extLst>
           </p:cNvPr>
@@ -4565,7 +5350,7 @@
           <p:cNvPr id="7" name="Slide Body Text">
             <a:extLst>
               <a:ext uri="{FF2B5EF4-FFF2-40B4-BE49-F238E27FC236}">
-                <a16:creationId xmlns:a16="http://schemas.microsoft.com/office/drawing/2014/main" xmlns="" id="{CB4CB13C-66A1-466B-A6C1-B0BABF5CFEC1}"/>
+                <a16:creationId xmlns="" xmlns:a16="http://schemas.microsoft.com/office/drawing/2014/main" id="{CB4CB13C-66A1-466B-A6C1-B0BABF5CFEC1}"/>
               </a:ext>
             </a:extLst>
           </p:cNvPr>
@@ -4663,7 +5448,7 @@
           <p:cNvPr id="3" name="Logo Software University" descr="Software University logo">
             <a:extLst>
               <a:ext uri="{FF2B5EF4-FFF2-40B4-BE49-F238E27FC236}">
-                <a16:creationId xmlns:a16="http://schemas.microsoft.com/office/drawing/2014/main" xmlns="" id="{5573C101-930B-47AC-967A-A64513DFFDEE}"/>
+                <a16:creationId xmlns="" xmlns:a16="http://schemas.microsoft.com/office/drawing/2014/main" id="{5573C101-930B-47AC-967A-A64513DFFDEE}"/>
               </a:ext>
             </a:extLst>
           </p:cNvPr>
@@ -4686,7 +5471,7 @@
             </a:clrChange>
             <a:extLst>
               <a:ext uri="{28A0092B-C50C-407E-A947-70E740481C1C}">
-                <a14:useLocalDpi xmlns:a14="http://schemas.microsoft.com/office/drawing/2010/main" xmlns="" val="0"/>
+                <a14:useLocalDpi xmlns="" xmlns:a14="http://schemas.microsoft.com/office/drawing/2010/main" val="0"/>
               </a:ext>
             </a:extLst>
           </a:blip>
@@ -4709,7 +5494,7 @@
           <p:cNvPr id="8" name="Slide Title">
             <a:extLst>
               <a:ext uri="{FF2B5EF4-FFF2-40B4-BE49-F238E27FC236}">
-                <a16:creationId xmlns:a16="http://schemas.microsoft.com/office/drawing/2014/main" xmlns="" id="{E2DA9691-CDF5-499C-94BB-AAA61DAC1BFB}"/>
+                <a16:creationId xmlns="" xmlns:a16="http://schemas.microsoft.com/office/drawing/2014/main" id="{E2DA9691-CDF5-499C-94BB-AAA61DAC1BFB}"/>
               </a:ext>
             </a:extLst>
           </p:cNvPr>
@@ -4746,7 +5531,7 @@
           <p:cNvPr id="10" name="Group 9">
             <a:extLst>
               <a:ext uri="{FF2B5EF4-FFF2-40B4-BE49-F238E27FC236}">
-                <a16:creationId xmlns:a16="http://schemas.microsoft.com/office/drawing/2014/main" xmlns="" id="{43CDBCC2-1C96-44BC-B992-7B0C49C34904}"/>
+                <a16:creationId xmlns="" xmlns:a16="http://schemas.microsoft.com/office/drawing/2014/main" id="{43CDBCC2-1C96-44BC-B992-7B0C49C34904}"/>
               </a:ext>
             </a:extLst>
           </p:cNvPr>
@@ -4766,7 +5551,7 @@
             <p:cNvPr id="11" name="Group 10">
               <a:extLst>
                 <a:ext uri="{FF2B5EF4-FFF2-40B4-BE49-F238E27FC236}">
-                  <a16:creationId xmlns:a16="http://schemas.microsoft.com/office/drawing/2014/main" xmlns="" id="{7D71B3A8-4D39-42CF-9255-81EA3A622DD6}"/>
+                  <a16:creationId xmlns="" xmlns:a16="http://schemas.microsoft.com/office/drawing/2014/main" id="{7D71B3A8-4D39-42CF-9255-81EA3A622DD6}"/>
                 </a:ext>
               </a:extLst>
             </p:cNvPr>
@@ -4786,7 +5571,7 @@
               <p:cNvPr id="25" name="Oval 24">
                 <a:extLst>
                   <a:ext uri="{FF2B5EF4-FFF2-40B4-BE49-F238E27FC236}">
-                    <a16:creationId xmlns:a16="http://schemas.microsoft.com/office/drawing/2014/main" xmlns="" id="{B98059F9-1874-426D-8AF7-A12C21F37DD9}"/>
+                    <a16:creationId xmlns="" xmlns:a16="http://schemas.microsoft.com/office/drawing/2014/main" id="{B98059F9-1874-426D-8AF7-A12C21F37DD9}"/>
                   </a:ext>
                 </a:extLst>
               </p:cNvPr>
@@ -4838,7 +5623,7 @@
               <p:cNvPr id="26" name="Rectangle 5">
                 <a:extLst>
                   <a:ext uri="{FF2B5EF4-FFF2-40B4-BE49-F238E27FC236}">
-                    <a16:creationId xmlns:a16="http://schemas.microsoft.com/office/drawing/2014/main" xmlns="" id="{A3A1E077-DBDF-48F0-A924-604984B940A2}"/>
+                    <a16:creationId xmlns="" xmlns:a16="http://schemas.microsoft.com/office/drawing/2014/main" id="{A3A1E077-DBDF-48F0-A924-604984B940A2}"/>
                   </a:ext>
                 </a:extLst>
               </p:cNvPr>
@@ -4983,7 +5768,7 @@
               <p:cNvPr id="27" name="Rectangle 5">
                 <a:extLst>
                   <a:ext uri="{FF2B5EF4-FFF2-40B4-BE49-F238E27FC236}">
-                    <a16:creationId xmlns:a16="http://schemas.microsoft.com/office/drawing/2014/main" xmlns="" id="{798B1F51-1FA4-4199-81C7-62356C936CC9}"/>
+                    <a16:creationId xmlns="" xmlns:a16="http://schemas.microsoft.com/office/drawing/2014/main" id="{798B1F51-1FA4-4199-81C7-62356C936CC9}"/>
                   </a:ext>
                 </a:extLst>
               </p:cNvPr>
@@ -5128,7 +5913,7 @@
               <p:cNvPr id="28" name="Arc 27">
                 <a:extLst>
                   <a:ext uri="{FF2B5EF4-FFF2-40B4-BE49-F238E27FC236}">
-                    <a16:creationId xmlns:a16="http://schemas.microsoft.com/office/drawing/2014/main" xmlns="" id="{40A224C8-1233-40F7-96AB-BFF79AF6CDCB}"/>
+                    <a16:creationId xmlns="" xmlns:a16="http://schemas.microsoft.com/office/drawing/2014/main" id="{40A224C8-1233-40F7-96AB-BFF79AF6CDCB}"/>
                   </a:ext>
                 </a:extLst>
               </p:cNvPr>
@@ -5187,7 +5972,7 @@
               <p:cNvPr id="29" name="Arc 28">
                 <a:extLst>
                   <a:ext uri="{FF2B5EF4-FFF2-40B4-BE49-F238E27FC236}">
-                    <a16:creationId xmlns:a16="http://schemas.microsoft.com/office/drawing/2014/main" xmlns="" id="{B57C7CCC-E218-4321-8C7B-3F0C5753C7A1}"/>
+                    <a16:creationId xmlns="" xmlns:a16="http://schemas.microsoft.com/office/drawing/2014/main" id="{B57C7CCC-E218-4321-8C7B-3F0C5753C7A1}"/>
                   </a:ext>
                 </a:extLst>
               </p:cNvPr>
@@ -5247,7 +6032,7 @@
             <p:cNvPr id="13" name="Rectangle: Rounded Corners 12">
               <a:extLst>
                 <a:ext uri="{FF2B5EF4-FFF2-40B4-BE49-F238E27FC236}">
-                  <a16:creationId xmlns:a16="http://schemas.microsoft.com/office/drawing/2014/main" xmlns="" id="{6AF309CA-A56C-4ABC-B293-420F4EB1A9B4}"/>
+                  <a16:creationId xmlns="" xmlns:a16="http://schemas.microsoft.com/office/drawing/2014/main" id="{6AF309CA-A56C-4ABC-B293-420F4EB1A9B4}"/>
                 </a:ext>
               </a:extLst>
             </p:cNvPr>
@@ -5301,7 +6086,7 @@
             <p:cNvPr id="14" name="Rectangle: Rounded Corners 13">
               <a:extLst>
                 <a:ext uri="{FF2B5EF4-FFF2-40B4-BE49-F238E27FC236}">
-                  <a16:creationId xmlns:a16="http://schemas.microsoft.com/office/drawing/2014/main" xmlns="" id="{07955808-2AC7-44EB-8B6D-82B974E53A3C}"/>
+                  <a16:creationId xmlns="" xmlns:a16="http://schemas.microsoft.com/office/drawing/2014/main" id="{07955808-2AC7-44EB-8B6D-82B974E53A3C}"/>
                 </a:ext>
               </a:extLst>
             </p:cNvPr>
@@ -5362,7 +6147,7 @@
             <p:cNvPr id="15" name="Straight Connector 14">
               <a:extLst>
                 <a:ext uri="{FF2B5EF4-FFF2-40B4-BE49-F238E27FC236}">
-                  <a16:creationId xmlns:a16="http://schemas.microsoft.com/office/drawing/2014/main" xmlns="" id="{AC6420D7-AEAB-45EF-8D46-11EB06E4AFEA}"/>
+                  <a16:creationId xmlns="" xmlns:a16="http://schemas.microsoft.com/office/drawing/2014/main" id="{AC6420D7-AEAB-45EF-8D46-11EB06E4AFEA}"/>
                 </a:ext>
               </a:extLst>
             </p:cNvPr>
@@ -5408,7 +6193,7 @@
             <p:cNvPr id="16" name="Straight Connector 15">
               <a:extLst>
                 <a:ext uri="{FF2B5EF4-FFF2-40B4-BE49-F238E27FC236}">
-                  <a16:creationId xmlns:a16="http://schemas.microsoft.com/office/drawing/2014/main" xmlns="" id="{76C7FABC-6773-44F6-990B-3EB082BE9B35}"/>
+                  <a16:creationId xmlns="" xmlns:a16="http://schemas.microsoft.com/office/drawing/2014/main" id="{76C7FABC-6773-44F6-990B-3EB082BE9B35}"/>
                 </a:ext>
               </a:extLst>
             </p:cNvPr>
@@ -5454,7 +6239,7 @@
             <p:cNvPr id="17" name="Group 16">
               <a:extLst>
                 <a:ext uri="{FF2B5EF4-FFF2-40B4-BE49-F238E27FC236}">
-                  <a16:creationId xmlns:a16="http://schemas.microsoft.com/office/drawing/2014/main" xmlns="" id="{1FAD48E1-DC45-4B3D-9CE5-613250708496}"/>
+                  <a16:creationId xmlns="" xmlns:a16="http://schemas.microsoft.com/office/drawing/2014/main" id="{1FAD48E1-DC45-4B3D-9CE5-613250708496}"/>
                 </a:ext>
               </a:extLst>
             </p:cNvPr>
@@ -5477,7 +6262,7 @@
               <p:cNvPr id="23" name="Straight Connector 22">
                 <a:extLst>
                   <a:ext uri="{FF2B5EF4-FFF2-40B4-BE49-F238E27FC236}">
-                    <a16:creationId xmlns:a16="http://schemas.microsoft.com/office/drawing/2014/main" xmlns="" id="{B01FD1D1-046F-457B-AB63-2702CE3E906E}"/>
+                    <a16:creationId xmlns="" xmlns:a16="http://schemas.microsoft.com/office/drawing/2014/main" id="{B01FD1D1-046F-457B-AB63-2702CE3E906E}"/>
                   </a:ext>
                 </a:extLst>
               </p:cNvPr>
@@ -5521,7 +6306,7 @@
               <p:cNvPr id="24" name="Straight Connector 23">
                 <a:extLst>
                   <a:ext uri="{FF2B5EF4-FFF2-40B4-BE49-F238E27FC236}">
-                    <a16:creationId xmlns:a16="http://schemas.microsoft.com/office/drawing/2014/main" xmlns="" id="{895660C3-C72C-43EE-9C4A-170F85E5BE08}"/>
+                    <a16:creationId xmlns="" xmlns:a16="http://schemas.microsoft.com/office/drawing/2014/main" id="{895660C3-C72C-43EE-9C4A-170F85E5BE08}"/>
                   </a:ext>
                 </a:extLst>
               </p:cNvPr>
@@ -5566,7 +6351,7 @@
             <p:cNvPr id="19" name="Straight Connector 18">
               <a:extLst>
                 <a:ext uri="{FF2B5EF4-FFF2-40B4-BE49-F238E27FC236}">
-                  <a16:creationId xmlns:a16="http://schemas.microsoft.com/office/drawing/2014/main" xmlns="" id="{A74EE503-8FC0-42A6-8860-CA4EE42272E4}"/>
+                  <a16:creationId xmlns="" xmlns:a16="http://schemas.microsoft.com/office/drawing/2014/main" id="{A74EE503-8FC0-42A6-8860-CA4EE42272E4}"/>
                 </a:ext>
               </a:extLst>
             </p:cNvPr>
@@ -5612,7 +6397,7 @@
             <p:cNvPr id="12" name="Rectangle: Rounded Corners 11">
               <a:extLst>
                 <a:ext uri="{FF2B5EF4-FFF2-40B4-BE49-F238E27FC236}">
-                  <a16:creationId xmlns:a16="http://schemas.microsoft.com/office/drawing/2014/main" xmlns="" id="{F4189FDA-9FE8-490B-8A70-2E941811021F}"/>
+                  <a16:creationId xmlns="" xmlns:a16="http://schemas.microsoft.com/office/drawing/2014/main" id="{F4189FDA-9FE8-490B-8A70-2E941811021F}"/>
                 </a:ext>
               </a:extLst>
             </p:cNvPr>
@@ -5666,7 +6451,7 @@
             <p:cNvPr id="18" name="Group 17">
               <a:extLst>
                 <a:ext uri="{FF2B5EF4-FFF2-40B4-BE49-F238E27FC236}">
-                  <a16:creationId xmlns:a16="http://schemas.microsoft.com/office/drawing/2014/main" xmlns="" id="{FDA3EFCD-0DF8-419D-8533-D781521E597E}"/>
+                  <a16:creationId xmlns="" xmlns:a16="http://schemas.microsoft.com/office/drawing/2014/main" id="{FDA3EFCD-0DF8-419D-8533-D781521E597E}"/>
                 </a:ext>
               </a:extLst>
             </p:cNvPr>
@@ -5689,7 +6474,7 @@
               <p:cNvPr id="21" name="Straight Connector 20">
                 <a:extLst>
                   <a:ext uri="{FF2B5EF4-FFF2-40B4-BE49-F238E27FC236}">
-                    <a16:creationId xmlns:a16="http://schemas.microsoft.com/office/drawing/2014/main" xmlns="" id="{C3CC6A5A-182E-4A09-9C04-EB191881D789}"/>
+                    <a16:creationId xmlns="" xmlns:a16="http://schemas.microsoft.com/office/drawing/2014/main" id="{C3CC6A5A-182E-4A09-9C04-EB191881D789}"/>
                   </a:ext>
                 </a:extLst>
               </p:cNvPr>
@@ -5733,7 +6518,7 @@
               <p:cNvPr id="22" name="Straight Connector 21">
                 <a:extLst>
                   <a:ext uri="{FF2B5EF4-FFF2-40B4-BE49-F238E27FC236}">
-                    <a16:creationId xmlns:a16="http://schemas.microsoft.com/office/drawing/2014/main" xmlns="" id="{440C8953-0555-48CC-8255-78F17E053EE7}"/>
+                    <a16:creationId xmlns="" xmlns:a16="http://schemas.microsoft.com/office/drawing/2014/main" id="{440C8953-0555-48CC-8255-78F17E053EE7}"/>
                   </a:ext>
                 </a:extLst>
               </p:cNvPr>
@@ -5779,7 +6564,7 @@
           <p:cNvPr id="34" name="Straight Connector 33">
             <a:extLst>
               <a:ext uri="{FF2B5EF4-FFF2-40B4-BE49-F238E27FC236}">
-                <a16:creationId xmlns:a16="http://schemas.microsoft.com/office/drawing/2014/main" xmlns="" id="{29B538CA-8CCB-43FB-B5E5-5FC04EBC1F54}"/>
+                <a16:creationId xmlns="" xmlns:a16="http://schemas.microsoft.com/office/drawing/2014/main" id="{29B538CA-8CCB-43FB-B5E5-5FC04EBC1F54}"/>
               </a:ext>
             </a:extLst>
           </p:cNvPr>
@@ -5824,7 +6609,7 @@
     </p:spTree>
     <p:extLst>
       <p:ext uri="{BB962C8B-B14F-4D97-AF65-F5344CB8AC3E}">
-        <p14:creationId xmlns:p14="http://schemas.microsoft.com/office/powerpoint/2010/main" xmlns="" val="743545348"/>
+        <p14:creationId xmlns="" xmlns:p14="http://schemas.microsoft.com/office/powerpoint/2010/main" val="743545348"/>
       </p:ext>
     </p:extLst>
   </p:cSld>
@@ -5832,7 +6617,7 @@
     <a:masterClrMapping/>
   </p:clrMapOvr>
   <mc:AlternateContent xmlns:mc="http://schemas.openxmlformats.org/markup-compatibility/2006">
-    <mc:Choice xmlns:p14="http://schemas.microsoft.com/office/powerpoint/2010/main" xmlns="" Requires="p14">
+    <mc:Choice xmlns="" xmlns:p14="http://schemas.microsoft.com/office/powerpoint/2010/main" Requires="p14">
       <p:transition spd="slow" p14:dur="2000" advClick="0" advTm="5000"/>
     </mc:Choice>
     <mc:Fallback>
@@ -5864,7 +6649,7 @@
           <p:cNvPr id="9" name="Slide Number">
             <a:extLst>
               <a:ext uri="{FF2B5EF4-FFF2-40B4-BE49-F238E27FC236}">
-                <a16:creationId xmlns:a16="http://schemas.microsoft.com/office/drawing/2014/main" xmlns="" id="{1865BF6B-7F07-4E9C-879F-80E36EEB3405}"/>
+                <a16:creationId xmlns="" xmlns:a16="http://schemas.microsoft.com/office/drawing/2014/main" id="{1865BF6B-7F07-4E9C-879F-80E36EEB3405}"/>
               </a:ext>
             </a:extLst>
           </p:cNvPr>
@@ -5906,7 +6691,7 @@
           <p:cNvPr id="12" name="Rectangle Left">
             <a:extLst>
               <a:ext uri="{FF2B5EF4-FFF2-40B4-BE49-F238E27FC236}">
-                <a16:creationId xmlns:a16="http://schemas.microsoft.com/office/drawing/2014/main" xmlns="" id="{345FB1C8-7F66-4D5C-ACCE-AE919936BCFD}"/>
+                <a16:creationId xmlns="" xmlns:a16="http://schemas.microsoft.com/office/drawing/2014/main" id="{345FB1C8-7F66-4D5C-ACCE-AE919936BCFD}"/>
               </a:ext>
             </a:extLst>
           </p:cNvPr>
@@ -5987,7 +6772,7 @@
           <p:cNvPr id="15" name="Slide Body Text">
             <a:extLst>
               <a:ext uri="{FF2B5EF4-FFF2-40B4-BE49-F238E27FC236}">
-                <a16:creationId xmlns:a16="http://schemas.microsoft.com/office/drawing/2014/main" xmlns="" id="{6157C8DE-E0AF-422B-BBB1-F0AF1264B5E9}"/>
+                <a16:creationId xmlns="" xmlns:a16="http://schemas.microsoft.com/office/drawing/2014/main" id="{6157C8DE-E0AF-422B-BBB1-F0AF1264B5E9}"/>
               </a:ext>
             </a:extLst>
           </p:cNvPr>
@@ -6085,7 +6870,7 @@
           <p:cNvPr id="16" name="Logo Software University" descr="Software University logo">
             <a:extLst>
               <a:ext uri="{FF2B5EF4-FFF2-40B4-BE49-F238E27FC236}">
-                <a16:creationId xmlns:a16="http://schemas.microsoft.com/office/drawing/2014/main" xmlns="" id="{EFEBB553-EACE-4B4F-8B4F-7629FDD910A4}"/>
+                <a16:creationId xmlns="" xmlns:a16="http://schemas.microsoft.com/office/drawing/2014/main" id="{EFEBB553-EACE-4B4F-8B4F-7629FDD910A4}"/>
               </a:ext>
             </a:extLst>
           </p:cNvPr>
@@ -6108,7 +6893,7 @@
             </a:clrChange>
             <a:extLst>
               <a:ext uri="{28A0092B-C50C-407E-A947-70E740481C1C}">
-                <a14:useLocalDpi xmlns:a14="http://schemas.microsoft.com/office/drawing/2010/main" xmlns="" val="0"/>
+                <a14:useLocalDpi xmlns="" xmlns:a14="http://schemas.microsoft.com/office/drawing/2010/main" val="0"/>
               </a:ext>
             </a:extLst>
           </a:blip>
@@ -6131,7 +6916,7 @@
           <p:cNvPr id="13" name="Slide Title">
             <a:extLst>
               <a:ext uri="{FF2B5EF4-FFF2-40B4-BE49-F238E27FC236}">
-                <a16:creationId xmlns:a16="http://schemas.microsoft.com/office/drawing/2014/main" xmlns="" id="{0D5CC956-5C4A-44BE-8F8B-327FAFA51E97}"/>
+                <a16:creationId xmlns="" xmlns:a16="http://schemas.microsoft.com/office/drawing/2014/main" id="{0D5CC956-5C4A-44BE-8F8B-327FAFA51E97}"/>
               </a:ext>
             </a:extLst>
           </p:cNvPr>
@@ -6168,7 +6953,7 @@
           <p:cNvPr id="33" name="Group 32">
             <a:extLst>
               <a:ext uri="{FF2B5EF4-FFF2-40B4-BE49-F238E27FC236}">
-                <a16:creationId xmlns:a16="http://schemas.microsoft.com/office/drawing/2014/main" xmlns="" id="{7CF60135-47AA-48F0-96BA-0E795668ABDB}"/>
+                <a16:creationId xmlns="" xmlns:a16="http://schemas.microsoft.com/office/drawing/2014/main" id="{7CF60135-47AA-48F0-96BA-0E795668ABDB}"/>
               </a:ext>
             </a:extLst>
           </p:cNvPr>
@@ -6188,7 +6973,7 @@
             <p:cNvPr id="34" name="Group 33">
               <a:extLst>
                 <a:ext uri="{FF2B5EF4-FFF2-40B4-BE49-F238E27FC236}">
-                  <a16:creationId xmlns:a16="http://schemas.microsoft.com/office/drawing/2014/main" xmlns="" id="{2823380E-3936-41AF-BDF7-DA54D75BBF6B}"/>
+                  <a16:creationId xmlns="" xmlns:a16="http://schemas.microsoft.com/office/drawing/2014/main" id="{2823380E-3936-41AF-BDF7-DA54D75BBF6B}"/>
                 </a:ext>
               </a:extLst>
             </p:cNvPr>
@@ -6208,7 +6993,7 @@
               <p:cNvPr id="47" name="Oval 46">
                 <a:extLst>
                   <a:ext uri="{FF2B5EF4-FFF2-40B4-BE49-F238E27FC236}">
-                    <a16:creationId xmlns:a16="http://schemas.microsoft.com/office/drawing/2014/main" xmlns="" id="{52B047D9-D8DD-45C7-9BC8-6D4F682F5182}"/>
+                    <a16:creationId xmlns="" xmlns:a16="http://schemas.microsoft.com/office/drawing/2014/main" id="{52B047D9-D8DD-45C7-9BC8-6D4F682F5182}"/>
                   </a:ext>
                 </a:extLst>
               </p:cNvPr>
@@ -6260,7 +7045,7 @@
               <p:cNvPr id="48" name="Rectangle 5">
                 <a:extLst>
                   <a:ext uri="{FF2B5EF4-FFF2-40B4-BE49-F238E27FC236}">
-                    <a16:creationId xmlns:a16="http://schemas.microsoft.com/office/drawing/2014/main" xmlns="" id="{4D84FE51-BD8E-47EA-9463-CE02FEA31766}"/>
+                    <a16:creationId xmlns="" xmlns:a16="http://schemas.microsoft.com/office/drawing/2014/main" id="{4D84FE51-BD8E-47EA-9463-CE02FEA31766}"/>
                   </a:ext>
                 </a:extLst>
               </p:cNvPr>
@@ -6405,7 +7190,7 @@
               <p:cNvPr id="49" name="Rectangle 5">
                 <a:extLst>
                   <a:ext uri="{FF2B5EF4-FFF2-40B4-BE49-F238E27FC236}">
-                    <a16:creationId xmlns:a16="http://schemas.microsoft.com/office/drawing/2014/main" xmlns="" id="{F5C8F037-C197-4219-AC87-3A81763512BC}"/>
+                    <a16:creationId xmlns="" xmlns:a16="http://schemas.microsoft.com/office/drawing/2014/main" id="{F5C8F037-C197-4219-AC87-3A81763512BC}"/>
                   </a:ext>
                 </a:extLst>
               </p:cNvPr>
@@ -6550,7 +7335,7 @@
               <p:cNvPr id="50" name="Arc 49">
                 <a:extLst>
                   <a:ext uri="{FF2B5EF4-FFF2-40B4-BE49-F238E27FC236}">
-                    <a16:creationId xmlns:a16="http://schemas.microsoft.com/office/drawing/2014/main" xmlns="" id="{786EE401-CF8E-439B-94A0-EE6F3A7D5798}"/>
+                    <a16:creationId xmlns="" xmlns:a16="http://schemas.microsoft.com/office/drawing/2014/main" id="{786EE401-CF8E-439B-94A0-EE6F3A7D5798}"/>
                   </a:ext>
                 </a:extLst>
               </p:cNvPr>
@@ -6609,7 +7394,7 @@
               <p:cNvPr id="51" name="Arc 50">
                 <a:extLst>
                   <a:ext uri="{FF2B5EF4-FFF2-40B4-BE49-F238E27FC236}">
-                    <a16:creationId xmlns:a16="http://schemas.microsoft.com/office/drawing/2014/main" xmlns="" id="{8D9ACD38-B3EB-4A63-9730-CBF0501BF235}"/>
+                    <a16:creationId xmlns="" xmlns:a16="http://schemas.microsoft.com/office/drawing/2014/main" id="{8D9ACD38-B3EB-4A63-9730-CBF0501BF235}"/>
                   </a:ext>
                 </a:extLst>
               </p:cNvPr>
@@ -6669,7 +7454,7 @@
             <p:cNvPr id="35" name="Rectangle: Rounded Corners 34">
               <a:extLst>
                 <a:ext uri="{FF2B5EF4-FFF2-40B4-BE49-F238E27FC236}">
-                  <a16:creationId xmlns:a16="http://schemas.microsoft.com/office/drawing/2014/main" xmlns="" id="{64EE493E-A353-4C75-A3B9-D48ABA2C57CC}"/>
+                  <a16:creationId xmlns="" xmlns:a16="http://schemas.microsoft.com/office/drawing/2014/main" id="{64EE493E-A353-4C75-A3B9-D48ABA2C57CC}"/>
                 </a:ext>
               </a:extLst>
             </p:cNvPr>
@@ -6723,7 +7508,7 @@
             <p:cNvPr id="36" name="Rectangle: Rounded Corners 35">
               <a:extLst>
                 <a:ext uri="{FF2B5EF4-FFF2-40B4-BE49-F238E27FC236}">
-                  <a16:creationId xmlns:a16="http://schemas.microsoft.com/office/drawing/2014/main" xmlns="" id="{718408B9-204E-42E3-9E79-33E047E869BC}"/>
+                  <a16:creationId xmlns="" xmlns:a16="http://schemas.microsoft.com/office/drawing/2014/main" id="{718408B9-204E-42E3-9E79-33E047E869BC}"/>
                 </a:ext>
               </a:extLst>
             </p:cNvPr>
@@ -6784,7 +7569,7 @@
             <p:cNvPr id="37" name="Straight Connector 36">
               <a:extLst>
                 <a:ext uri="{FF2B5EF4-FFF2-40B4-BE49-F238E27FC236}">
-                  <a16:creationId xmlns:a16="http://schemas.microsoft.com/office/drawing/2014/main" xmlns="" id="{0AB66D97-DF6F-4CD2-AF13-42B5C852F673}"/>
+                  <a16:creationId xmlns="" xmlns:a16="http://schemas.microsoft.com/office/drawing/2014/main" id="{0AB66D97-DF6F-4CD2-AF13-42B5C852F673}"/>
                 </a:ext>
               </a:extLst>
             </p:cNvPr>
@@ -6830,7 +7615,7 @@
             <p:cNvPr id="38" name="Straight Connector 37">
               <a:extLst>
                 <a:ext uri="{FF2B5EF4-FFF2-40B4-BE49-F238E27FC236}">
-                  <a16:creationId xmlns:a16="http://schemas.microsoft.com/office/drawing/2014/main" xmlns="" id="{F2AFBA69-C196-4703-8AAB-5F72A8EDCEB5}"/>
+                  <a16:creationId xmlns="" xmlns:a16="http://schemas.microsoft.com/office/drawing/2014/main" id="{F2AFBA69-C196-4703-8AAB-5F72A8EDCEB5}"/>
                 </a:ext>
               </a:extLst>
             </p:cNvPr>
@@ -6876,7 +7661,7 @@
             <p:cNvPr id="39" name="Group 38">
               <a:extLst>
                 <a:ext uri="{FF2B5EF4-FFF2-40B4-BE49-F238E27FC236}">
-                  <a16:creationId xmlns:a16="http://schemas.microsoft.com/office/drawing/2014/main" xmlns="" id="{9AFC66C1-0C1C-4332-9C4E-782574C896B8}"/>
+                  <a16:creationId xmlns="" xmlns:a16="http://schemas.microsoft.com/office/drawing/2014/main" id="{9AFC66C1-0C1C-4332-9C4E-782574C896B8}"/>
                 </a:ext>
               </a:extLst>
             </p:cNvPr>
@@ -6899,7 +7684,7 @@
               <p:cNvPr id="45" name="Straight Connector 44">
                 <a:extLst>
                   <a:ext uri="{FF2B5EF4-FFF2-40B4-BE49-F238E27FC236}">
-                    <a16:creationId xmlns:a16="http://schemas.microsoft.com/office/drawing/2014/main" xmlns="" id="{872CA8AD-EAF6-40BE-9DDE-ECDB4A980CA5}"/>
+                    <a16:creationId xmlns="" xmlns:a16="http://schemas.microsoft.com/office/drawing/2014/main" id="{872CA8AD-EAF6-40BE-9DDE-ECDB4A980CA5}"/>
                   </a:ext>
                 </a:extLst>
               </p:cNvPr>
@@ -6943,7 +7728,7 @@
               <p:cNvPr id="46" name="Straight Connector 45">
                 <a:extLst>
                   <a:ext uri="{FF2B5EF4-FFF2-40B4-BE49-F238E27FC236}">
-                    <a16:creationId xmlns:a16="http://schemas.microsoft.com/office/drawing/2014/main" xmlns="" id="{57DD3EC7-1A13-4AFE-BD6F-DA12C281FAFB}"/>
+                    <a16:creationId xmlns="" xmlns:a16="http://schemas.microsoft.com/office/drawing/2014/main" id="{57DD3EC7-1A13-4AFE-BD6F-DA12C281FAFB}"/>
                   </a:ext>
                 </a:extLst>
               </p:cNvPr>
@@ -6988,7 +7773,7 @@
             <p:cNvPr id="40" name="Straight Connector 39">
               <a:extLst>
                 <a:ext uri="{FF2B5EF4-FFF2-40B4-BE49-F238E27FC236}">
-                  <a16:creationId xmlns:a16="http://schemas.microsoft.com/office/drawing/2014/main" xmlns="" id="{E46151FA-19E9-4E84-A082-EDAC6F76EA9D}"/>
+                  <a16:creationId xmlns="" xmlns:a16="http://schemas.microsoft.com/office/drawing/2014/main" id="{E46151FA-19E9-4E84-A082-EDAC6F76EA9D}"/>
                 </a:ext>
               </a:extLst>
             </p:cNvPr>
@@ -7034,7 +7819,7 @@
             <p:cNvPr id="41" name="Rectangle: Rounded Corners 40">
               <a:extLst>
                 <a:ext uri="{FF2B5EF4-FFF2-40B4-BE49-F238E27FC236}">
-                  <a16:creationId xmlns:a16="http://schemas.microsoft.com/office/drawing/2014/main" xmlns="" id="{3423EEF0-5B70-4091-B2DA-0740D2609643}"/>
+                  <a16:creationId xmlns="" xmlns:a16="http://schemas.microsoft.com/office/drawing/2014/main" id="{3423EEF0-5B70-4091-B2DA-0740D2609643}"/>
                 </a:ext>
               </a:extLst>
             </p:cNvPr>
@@ -7088,7 +7873,7 @@
             <p:cNvPr id="42" name="Group 41">
               <a:extLst>
                 <a:ext uri="{FF2B5EF4-FFF2-40B4-BE49-F238E27FC236}">
-                  <a16:creationId xmlns:a16="http://schemas.microsoft.com/office/drawing/2014/main" xmlns="" id="{49A8AAA7-98E7-4224-B027-830FFCC285A3}"/>
+                  <a16:creationId xmlns="" xmlns:a16="http://schemas.microsoft.com/office/drawing/2014/main" id="{49A8AAA7-98E7-4224-B027-830FFCC285A3}"/>
                 </a:ext>
               </a:extLst>
             </p:cNvPr>
@@ -7111,7 +7896,7 @@
               <p:cNvPr id="43" name="Straight Connector 42">
                 <a:extLst>
                   <a:ext uri="{FF2B5EF4-FFF2-40B4-BE49-F238E27FC236}">
-                    <a16:creationId xmlns:a16="http://schemas.microsoft.com/office/drawing/2014/main" xmlns="" id="{2129EC38-471E-4685-973E-BA7A7F567C42}"/>
+                    <a16:creationId xmlns="" xmlns:a16="http://schemas.microsoft.com/office/drawing/2014/main" id="{2129EC38-471E-4685-973E-BA7A7F567C42}"/>
                   </a:ext>
                 </a:extLst>
               </p:cNvPr>
@@ -7155,7 +7940,7 @@
               <p:cNvPr id="44" name="Straight Connector 43">
                 <a:extLst>
                   <a:ext uri="{FF2B5EF4-FFF2-40B4-BE49-F238E27FC236}">
-                    <a16:creationId xmlns:a16="http://schemas.microsoft.com/office/drawing/2014/main" xmlns="" id="{678142BE-84C9-4834-B6CC-6623E401661C}"/>
+                    <a16:creationId xmlns="" xmlns:a16="http://schemas.microsoft.com/office/drawing/2014/main" id="{678142BE-84C9-4834-B6CC-6623E401661C}"/>
                   </a:ext>
                 </a:extLst>
               </p:cNvPr>
@@ -7199,7 +7984,7 @@
     </p:spTree>
     <p:extLst>
       <p:ext uri="{BB962C8B-B14F-4D97-AF65-F5344CB8AC3E}">
-        <p14:creationId xmlns:p14="http://schemas.microsoft.com/office/powerpoint/2010/main" xmlns="" val="1679651758"/>
+        <p14:creationId xmlns="" xmlns:p14="http://schemas.microsoft.com/office/powerpoint/2010/main" val="1679651758"/>
       </p:ext>
     </p:extLst>
   </p:cSld>
@@ -7207,7 +7992,7 @@
     <a:masterClrMapping/>
   </p:clrMapOvr>
   <mc:AlternateContent xmlns:mc="http://schemas.openxmlformats.org/markup-compatibility/2006">
-    <mc:Choice xmlns:p14="http://schemas.microsoft.com/office/powerpoint/2010/main" xmlns="" Requires="p14">
+    <mc:Choice xmlns="" xmlns:p14="http://schemas.microsoft.com/office/powerpoint/2010/main" Requires="p14">
       <p:transition spd="slow" p14:dur="2000" advClick="0" advTm="5000"/>
     </mc:Choice>
     <mc:Fallback>
@@ -7239,7 +8024,7 @@
           <p:cNvPr id="5" name="Slide Number">
             <a:extLst>
               <a:ext uri="{FF2B5EF4-FFF2-40B4-BE49-F238E27FC236}">
-                <a16:creationId xmlns:a16="http://schemas.microsoft.com/office/drawing/2014/main" xmlns="" id="{F0B8C963-1813-4B69-AD27-6D02EBBBB569}"/>
+                <a16:creationId xmlns="" xmlns:a16="http://schemas.microsoft.com/office/drawing/2014/main" id="{F0B8C963-1813-4B69-AD27-6D02EBBBB569}"/>
               </a:ext>
             </a:extLst>
           </p:cNvPr>
@@ -7281,7 +8066,7 @@
           <p:cNvPr id="3" name="Rectangle Left">
             <a:extLst>
               <a:ext uri="{FF2B5EF4-FFF2-40B4-BE49-F238E27FC236}">
-                <a16:creationId xmlns:a16="http://schemas.microsoft.com/office/drawing/2014/main" xmlns="" id="{345FB1C8-7F66-4D5C-ACCE-AE919936BCFD}"/>
+                <a16:creationId xmlns="" xmlns:a16="http://schemas.microsoft.com/office/drawing/2014/main" id="{345FB1C8-7F66-4D5C-ACCE-AE919936BCFD}"/>
               </a:ext>
             </a:extLst>
           </p:cNvPr>
@@ -7362,7 +8147,7 @@
           <p:cNvPr id="7" name="Slide Body Text">
             <a:extLst>
               <a:ext uri="{FF2B5EF4-FFF2-40B4-BE49-F238E27FC236}">
-                <a16:creationId xmlns:a16="http://schemas.microsoft.com/office/drawing/2014/main" xmlns="" id="{7296EDA7-D37D-4B31-A888-371F0804124F}"/>
+                <a16:creationId xmlns="" xmlns:a16="http://schemas.microsoft.com/office/drawing/2014/main" id="{7296EDA7-D37D-4B31-A888-371F0804124F}"/>
               </a:ext>
             </a:extLst>
           </p:cNvPr>
@@ -7460,7 +8245,7 @@
           <p:cNvPr id="6" name="Slide Title">
             <a:extLst>
               <a:ext uri="{FF2B5EF4-FFF2-40B4-BE49-F238E27FC236}">
-                <a16:creationId xmlns:a16="http://schemas.microsoft.com/office/drawing/2014/main" xmlns="" id="{55A88B09-3557-48A3-BF27-42699C269215}"/>
+                <a16:creationId xmlns="" xmlns:a16="http://schemas.microsoft.com/office/drawing/2014/main" id="{55A88B09-3557-48A3-BF27-42699C269215}"/>
               </a:ext>
             </a:extLst>
           </p:cNvPr>
@@ -7497,7 +8282,7 @@
           <p:cNvPr id="28" name="Group 27">
             <a:extLst>
               <a:ext uri="{FF2B5EF4-FFF2-40B4-BE49-F238E27FC236}">
-                <a16:creationId xmlns:a16="http://schemas.microsoft.com/office/drawing/2014/main" xmlns="" id="{C4248838-4E67-439E-AE0A-0043D2CB04D6}"/>
+                <a16:creationId xmlns="" xmlns:a16="http://schemas.microsoft.com/office/drawing/2014/main" id="{C4248838-4E67-439E-AE0A-0043D2CB04D6}"/>
               </a:ext>
             </a:extLst>
           </p:cNvPr>
@@ -7517,7 +8302,7 @@
             <p:cNvPr id="29" name="Group 28">
               <a:extLst>
                 <a:ext uri="{FF2B5EF4-FFF2-40B4-BE49-F238E27FC236}">
-                  <a16:creationId xmlns:a16="http://schemas.microsoft.com/office/drawing/2014/main" xmlns="" id="{810CFD6A-2427-49D5-846A-5F93601D4184}"/>
+                  <a16:creationId xmlns="" xmlns:a16="http://schemas.microsoft.com/office/drawing/2014/main" id="{810CFD6A-2427-49D5-846A-5F93601D4184}"/>
                 </a:ext>
               </a:extLst>
             </p:cNvPr>
@@ -7537,7 +8322,7 @@
               <p:cNvPr id="42" name="Oval 41">
                 <a:extLst>
                   <a:ext uri="{FF2B5EF4-FFF2-40B4-BE49-F238E27FC236}">
-                    <a16:creationId xmlns:a16="http://schemas.microsoft.com/office/drawing/2014/main" xmlns="" id="{017B1AE5-5C36-4839-BA1F-B404EA44E701}"/>
+                    <a16:creationId xmlns="" xmlns:a16="http://schemas.microsoft.com/office/drawing/2014/main" id="{017B1AE5-5C36-4839-BA1F-B404EA44E701}"/>
                   </a:ext>
                 </a:extLst>
               </p:cNvPr>
@@ -7589,7 +8374,7 @@
               <p:cNvPr id="43" name="Rectangle 5">
                 <a:extLst>
                   <a:ext uri="{FF2B5EF4-FFF2-40B4-BE49-F238E27FC236}">
-                    <a16:creationId xmlns:a16="http://schemas.microsoft.com/office/drawing/2014/main" xmlns="" id="{FB963D79-BB49-4A1D-BA66-EA0670C79BAE}"/>
+                    <a16:creationId xmlns="" xmlns:a16="http://schemas.microsoft.com/office/drawing/2014/main" id="{FB963D79-BB49-4A1D-BA66-EA0670C79BAE}"/>
                   </a:ext>
                 </a:extLst>
               </p:cNvPr>
@@ -7734,7 +8519,7 @@
               <p:cNvPr id="44" name="Rectangle 5">
                 <a:extLst>
                   <a:ext uri="{FF2B5EF4-FFF2-40B4-BE49-F238E27FC236}">
-                    <a16:creationId xmlns:a16="http://schemas.microsoft.com/office/drawing/2014/main" xmlns="" id="{6D7746D8-B913-493B-AAE9-25BC6893D40E}"/>
+                    <a16:creationId xmlns="" xmlns:a16="http://schemas.microsoft.com/office/drawing/2014/main" id="{6D7746D8-B913-493B-AAE9-25BC6893D40E}"/>
                   </a:ext>
                 </a:extLst>
               </p:cNvPr>
@@ -7879,7 +8664,7 @@
               <p:cNvPr id="45" name="Arc 44">
                 <a:extLst>
                   <a:ext uri="{FF2B5EF4-FFF2-40B4-BE49-F238E27FC236}">
-                    <a16:creationId xmlns:a16="http://schemas.microsoft.com/office/drawing/2014/main" xmlns="" id="{29031C02-E965-417B-8799-96061B14F30D}"/>
+                    <a16:creationId xmlns="" xmlns:a16="http://schemas.microsoft.com/office/drawing/2014/main" id="{29031C02-E965-417B-8799-96061B14F30D}"/>
                   </a:ext>
                 </a:extLst>
               </p:cNvPr>
@@ -7938,7 +8723,7 @@
               <p:cNvPr id="46" name="Arc 45">
                 <a:extLst>
                   <a:ext uri="{FF2B5EF4-FFF2-40B4-BE49-F238E27FC236}">
-                    <a16:creationId xmlns:a16="http://schemas.microsoft.com/office/drawing/2014/main" xmlns="" id="{26BFD8A6-BC99-4B16-BA10-08A9E5C681C0}"/>
+                    <a16:creationId xmlns="" xmlns:a16="http://schemas.microsoft.com/office/drawing/2014/main" id="{26BFD8A6-BC99-4B16-BA10-08A9E5C681C0}"/>
                   </a:ext>
                 </a:extLst>
               </p:cNvPr>
@@ -7998,7 +8783,7 @@
             <p:cNvPr id="30" name="Rectangle: Rounded Corners 29">
               <a:extLst>
                 <a:ext uri="{FF2B5EF4-FFF2-40B4-BE49-F238E27FC236}">
-                  <a16:creationId xmlns:a16="http://schemas.microsoft.com/office/drawing/2014/main" xmlns="" id="{B310277F-A78E-4FB9-9EA9-88BE4F1D585B}"/>
+                  <a16:creationId xmlns="" xmlns:a16="http://schemas.microsoft.com/office/drawing/2014/main" id="{B310277F-A78E-4FB9-9EA9-88BE4F1D585B}"/>
                 </a:ext>
               </a:extLst>
             </p:cNvPr>
@@ -8052,7 +8837,7 @@
             <p:cNvPr id="31" name="Rectangle: Rounded Corners 30">
               <a:extLst>
                 <a:ext uri="{FF2B5EF4-FFF2-40B4-BE49-F238E27FC236}">
-                  <a16:creationId xmlns:a16="http://schemas.microsoft.com/office/drawing/2014/main" xmlns="" id="{A92CF92B-C212-4542-83AE-A0058B5BB5EA}"/>
+                  <a16:creationId xmlns="" xmlns:a16="http://schemas.microsoft.com/office/drawing/2014/main" id="{A92CF92B-C212-4542-83AE-A0058B5BB5EA}"/>
                 </a:ext>
               </a:extLst>
             </p:cNvPr>
@@ -8113,7 +8898,7 @@
             <p:cNvPr id="32" name="Straight Connector 31">
               <a:extLst>
                 <a:ext uri="{FF2B5EF4-FFF2-40B4-BE49-F238E27FC236}">
-                  <a16:creationId xmlns:a16="http://schemas.microsoft.com/office/drawing/2014/main" xmlns="" id="{563B4374-5C0D-461F-B3BD-78D99614D365}"/>
+                  <a16:creationId xmlns="" xmlns:a16="http://schemas.microsoft.com/office/drawing/2014/main" id="{563B4374-5C0D-461F-B3BD-78D99614D365}"/>
                 </a:ext>
               </a:extLst>
             </p:cNvPr>
@@ -8159,7 +8944,7 @@
             <p:cNvPr id="33" name="Straight Connector 32">
               <a:extLst>
                 <a:ext uri="{FF2B5EF4-FFF2-40B4-BE49-F238E27FC236}">
-                  <a16:creationId xmlns:a16="http://schemas.microsoft.com/office/drawing/2014/main" xmlns="" id="{FBC6FDE7-AEA1-4230-8433-4C088A0FF5F9}"/>
+                  <a16:creationId xmlns="" xmlns:a16="http://schemas.microsoft.com/office/drawing/2014/main" id="{FBC6FDE7-AEA1-4230-8433-4C088A0FF5F9}"/>
                 </a:ext>
               </a:extLst>
             </p:cNvPr>
@@ -8205,7 +8990,7 @@
             <p:cNvPr id="34" name="Group 33">
               <a:extLst>
                 <a:ext uri="{FF2B5EF4-FFF2-40B4-BE49-F238E27FC236}">
-                  <a16:creationId xmlns:a16="http://schemas.microsoft.com/office/drawing/2014/main" xmlns="" id="{C4D1021D-07C7-4331-8FF6-36980A30978B}"/>
+                  <a16:creationId xmlns="" xmlns:a16="http://schemas.microsoft.com/office/drawing/2014/main" id="{C4D1021D-07C7-4331-8FF6-36980A30978B}"/>
                 </a:ext>
               </a:extLst>
             </p:cNvPr>
@@ -8228,7 +9013,7 @@
               <p:cNvPr id="40" name="Straight Connector 39">
                 <a:extLst>
                   <a:ext uri="{FF2B5EF4-FFF2-40B4-BE49-F238E27FC236}">
-                    <a16:creationId xmlns:a16="http://schemas.microsoft.com/office/drawing/2014/main" xmlns="" id="{13B7FE99-95CF-45D5-966B-87A979B93431}"/>
+                    <a16:creationId xmlns="" xmlns:a16="http://schemas.microsoft.com/office/drawing/2014/main" id="{13B7FE99-95CF-45D5-966B-87A979B93431}"/>
                   </a:ext>
                 </a:extLst>
               </p:cNvPr>
@@ -8272,7 +9057,7 @@
               <p:cNvPr id="41" name="Straight Connector 40">
                 <a:extLst>
                   <a:ext uri="{FF2B5EF4-FFF2-40B4-BE49-F238E27FC236}">
-                    <a16:creationId xmlns:a16="http://schemas.microsoft.com/office/drawing/2014/main" xmlns="" id="{71BBA69B-19FF-4ADB-A739-AD8136A5F0A6}"/>
+                    <a16:creationId xmlns="" xmlns:a16="http://schemas.microsoft.com/office/drawing/2014/main" id="{71BBA69B-19FF-4ADB-A739-AD8136A5F0A6}"/>
                   </a:ext>
                 </a:extLst>
               </p:cNvPr>
@@ -8317,7 +9102,7 @@
             <p:cNvPr id="35" name="Straight Connector 34">
               <a:extLst>
                 <a:ext uri="{FF2B5EF4-FFF2-40B4-BE49-F238E27FC236}">
-                  <a16:creationId xmlns:a16="http://schemas.microsoft.com/office/drawing/2014/main" xmlns="" id="{BFD1D86B-562B-40B2-8E46-34233EFEE7FC}"/>
+                  <a16:creationId xmlns="" xmlns:a16="http://schemas.microsoft.com/office/drawing/2014/main" id="{BFD1D86B-562B-40B2-8E46-34233EFEE7FC}"/>
                 </a:ext>
               </a:extLst>
             </p:cNvPr>
@@ -8363,7 +9148,7 @@
             <p:cNvPr id="36" name="Rectangle: Rounded Corners 35">
               <a:extLst>
                 <a:ext uri="{FF2B5EF4-FFF2-40B4-BE49-F238E27FC236}">
-                  <a16:creationId xmlns:a16="http://schemas.microsoft.com/office/drawing/2014/main" xmlns="" id="{388C17BD-16A1-43C5-BFFA-2FF9174719E1}"/>
+                  <a16:creationId xmlns="" xmlns:a16="http://schemas.microsoft.com/office/drawing/2014/main" id="{388C17BD-16A1-43C5-BFFA-2FF9174719E1}"/>
                 </a:ext>
               </a:extLst>
             </p:cNvPr>
@@ -8417,7 +9202,7 @@
             <p:cNvPr id="37" name="Group 36">
               <a:extLst>
                 <a:ext uri="{FF2B5EF4-FFF2-40B4-BE49-F238E27FC236}">
-                  <a16:creationId xmlns:a16="http://schemas.microsoft.com/office/drawing/2014/main" xmlns="" id="{1B3B910E-ACFC-4F28-8E28-F02E1588B87E}"/>
+                  <a16:creationId xmlns="" xmlns:a16="http://schemas.microsoft.com/office/drawing/2014/main" id="{1B3B910E-ACFC-4F28-8E28-F02E1588B87E}"/>
                 </a:ext>
               </a:extLst>
             </p:cNvPr>
@@ -8440,7 +9225,7 @@
               <p:cNvPr id="38" name="Straight Connector 37">
                 <a:extLst>
                   <a:ext uri="{FF2B5EF4-FFF2-40B4-BE49-F238E27FC236}">
-                    <a16:creationId xmlns:a16="http://schemas.microsoft.com/office/drawing/2014/main" xmlns="" id="{F57772B6-06C0-4F54-AA94-D3F92DA4716A}"/>
+                    <a16:creationId xmlns="" xmlns:a16="http://schemas.microsoft.com/office/drawing/2014/main" id="{F57772B6-06C0-4F54-AA94-D3F92DA4716A}"/>
                   </a:ext>
                 </a:extLst>
               </p:cNvPr>
@@ -8484,7 +9269,7 @@
               <p:cNvPr id="39" name="Straight Connector 38">
                 <a:extLst>
                   <a:ext uri="{FF2B5EF4-FFF2-40B4-BE49-F238E27FC236}">
-                    <a16:creationId xmlns:a16="http://schemas.microsoft.com/office/drawing/2014/main" xmlns="" id="{23370C1F-7876-4278-AB20-78F6CAA385E2}"/>
+                    <a16:creationId xmlns="" xmlns:a16="http://schemas.microsoft.com/office/drawing/2014/main" id="{23370C1F-7876-4278-AB20-78F6CAA385E2}"/>
                   </a:ext>
                 </a:extLst>
               </p:cNvPr>
@@ -8528,7 +9313,7 @@
     </p:spTree>
     <p:extLst>
       <p:ext uri="{BB962C8B-B14F-4D97-AF65-F5344CB8AC3E}">
-        <p14:creationId xmlns:p14="http://schemas.microsoft.com/office/powerpoint/2010/main" xmlns="" val="3284562556"/>
+        <p14:creationId xmlns="" xmlns:p14="http://schemas.microsoft.com/office/powerpoint/2010/main" val="3284562556"/>
       </p:ext>
     </p:extLst>
   </p:cSld>
@@ -8536,7 +9321,7 @@
     <a:masterClrMapping/>
   </p:clrMapOvr>
   <mc:AlternateContent xmlns:mc="http://schemas.openxmlformats.org/markup-compatibility/2006">
-    <mc:Choice xmlns:p14="http://schemas.microsoft.com/office/powerpoint/2010/main" xmlns="" Requires="p14">
+    <mc:Choice xmlns="" xmlns:p14="http://schemas.microsoft.com/office/powerpoint/2010/main" Requires="p14">
       <p:transition spd="slow" p14:dur="2000" advClick="0" advTm="5000"/>
     </mc:Choice>
     <mc:Fallback>
@@ -8568,7 +9353,7 @@
           <p:cNvPr id="8" name="Slide Number">
             <a:extLst>
               <a:ext uri="{FF2B5EF4-FFF2-40B4-BE49-F238E27FC236}">
-                <a16:creationId xmlns:a16="http://schemas.microsoft.com/office/drawing/2014/main" xmlns="" id="{509D954E-A844-4072-A556-DE584BEB9321}"/>
+                <a16:creationId xmlns="" xmlns:a16="http://schemas.microsoft.com/office/drawing/2014/main" id="{509D954E-A844-4072-A556-DE584BEB9321}"/>
               </a:ext>
             </a:extLst>
           </p:cNvPr>
@@ -8610,7 +9395,7 @@
           <p:cNvPr id="6" name="Code Box">
             <a:extLst>
               <a:ext uri="{FF2B5EF4-FFF2-40B4-BE49-F238E27FC236}">
-                <a16:creationId xmlns:a16="http://schemas.microsoft.com/office/drawing/2014/main" xmlns="" id="{3278A82F-5546-4977-9F75-2A933B415945}"/>
+                <a16:creationId xmlns="" xmlns:a16="http://schemas.microsoft.com/office/drawing/2014/main" id="{3278A82F-5546-4977-9F75-2A933B415945}"/>
               </a:ext>
             </a:extLst>
           </p:cNvPr>
@@ -8697,7 +9482,7 @@
           <p:cNvPr id="21" name="Slide Body Text">
             <a:extLst>
               <a:ext uri="{FF2B5EF4-FFF2-40B4-BE49-F238E27FC236}">
-                <a16:creationId xmlns:a16="http://schemas.microsoft.com/office/drawing/2014/main" xmlns="" id="{04F318BE-2BAD-4677-871C-D78A4BF0CBA6}"/>
+                <a16:creationId xmlns="" xmlns:a16="http://schemas.microsoft.com/office/drawing/2014/main" id="{04F318BE-2BAD-4677-871C-D78A4BF0CBA6}"/>
               </a:ext>
             </a:extLst>
           </p:cNvPr>
@@ -8744,7 +9529,7 @@
           <p:cNvPr id="9" name="Rectangle Top">
             <a:extLst>
               <a:ext uri="{FF2B5EF4-FFF2-40B4-BE49-F238E27FC236}">
-                <a16:creationId xmlns:a16="http://schemas.microsoft.com/office/drawing/2014/main" xmlns="" id="{A15CE03A-0933-4E5D-9EA1-718D4F802FFC}"/>
+                <a16:creationId xmlns="" xmlns:a16="http://schemas.microsoft.com/office/drawing/2014/main" id="{A15CE03A-0933-4E5D-9EA1-718D4F802FFC}"/>
               </a:ext>
             </a:extLst>
           </p:cNvPr>
@@ -8825,7 +9610,7 @@
           <p:cNvPr id="10" name="Logo Software University" descr="Software University logo">
             <a:extLst>
               <a:ext uri="{FF2B5EF4-FFF2-40B4-BE49-F238E27FC236}">
-                <a16:creationId xmlns:a16="http://schemas.microsoft.com/office/drawing/2014/main" xmlns="" id="{8C01D7AF-7CBD-46E1-99F3-8EB60E838D91}"/>
+                <a16:creationId xmlns="" xmlns:a16="http://schemas.microsoft.com/office/drawing/2014/main" id="{8C01D7AF-7CBD-46E1-99F3-8EB60E838D91}"/>
               </a:ext>
             </a:extLst>
           </p:cNvPr>
@@ -8838,7 +9623,7 @@
           <a:blip r:embed="rId2" cstate="print">
             <a:extLst>
               <a:ext uri="{28A0092B-C50C-407E-A947-70E740481C1C}">
-                <a14:useLocalDpi xmlns:a14="http://schemas.microsoft.com/office/drawing/2010/main" xmlns="" val="0"/>
+                <a14:useLocalDpi xmlns="" xmlns:a14="http://schemas.microsoft.com/office/drawing/2010/main" val="0"/>
               </a:ext>
             </a:extLst>
           </a:blip>
@@ -8861,7 +9646,7 @@
           <p:cNvPr id="11" name="Slide Title">
             <a:extLst>
               <a:ext uri="{FF2B5EF4-FFF2-40B4-BE49-F238E27FC236}">
-                <a16:creationId xmlns:a16="http://schemas.microsoft.com/office/drawing/2014/main" xmlns="" id="{47D60833-F0A9-4F29-8C06-A963A7C8BE93}"/>
+                <a16:creationId xmlns="" xmlns:a16="http://schemas.microsoft.com/office/drawing/2014/main" id="{47D60833-F0A9-4F29-8C06-A963A7C8BE93}"/>
               </a:ext>
             </a:extLst>
           </p:cNvPr>
@@ -8900,7 +9685,7 @@
     </p:spTree>
     <p:extLst>
       <p:ext uri="{BB962C8B-B14F-4D97-AF65-F5344CB8AC3E}">
-        <p14:creationId xmlns:p14="http://schemas.microsoft.com/office/powerpoint/2010/main" xmlns="" val="1000829826"/>
+        <p14:creationId xmlns="" xmlns:p14="http://schemas.microsoft.com/office/powerpoint/2010/main" val="1000829826"/>
       </p:ext>
     </p:extLst>
   </p:cSld>
@@ -8908,7 +9693,7 @@
     <a:masterClrMapping/>
   </p:clrMapOvr>
   <mc:AlternateContent xmlns:mc="http://schemas.openxmlformats.org/markup-compatibility/2006">
-    <mc:Choice xmlns:p14="http://schemas.microsoft.com/office/powerpoint/2010/main" xmlns="" Requires="p14">
+    <mc:Choice xmlns="" xmlns:p14="http://schemas.microsoft.com/office/powerpoint/2010/main" Requires="p14">
       <p:transition spd="slow" p14:dur="2000" advClick="0" advTm="5000"/>
     </mc:Choice>
     <mc:Fallback>
@@ -8940,7 +9725,7 @@
           <p:cNvPr id="10" name="Slide Number">
             <a:extLst>
               <a:ext uri="{FF2B5EF4-FFF2-40B4-BE49-F238E27FC236}">
-                <a16:creationId xmlns:a16="http://schemas.microsoft.com/office/drawing/2014/main" xmlns="" id="{39DDE17E-5472-41F3-AF5F-54DFF10DC63C}"/>
+                <a16:creationId xmlns="" xmlns:a16="http://schemas.microsoft.com/office/drawing/2014/main" id="{39DDE17E-5472-41F3-AF5F-54DFF10DC63C}"/>
               </a:ext>
             </a:extLst>
           </p:cNvPr>
@@ -8982,7 +9767,7 @@
           <p:cNvPr id="9" name="Picture SoftUni Mascot" descr="SoftUni mascot with laptop">
             <a:extLst>
               <a:ext uri="{FF2B5EF4-FFF2-40B4-BE49-F238E27FC236}">
-                <a16:creationId xmlns:a16="http://schemas.microsoft.com/office/drawing/2014/main" xmlns="" id="{DC4365F6-D2C1-47B4-8477-38FD2C7711AA}"/>
+                <a16:creationId xmlns="" xmlns:a16="http://schemas.microsoft.com/office/drawing/2014/main" id="{DC4365F6-D2C1-47B4-8477-38FD2C7711AA}"/>
               </a:ext>
             </a:extLst>
           </p:cNvPr>
@@ -8995,7 +9780,7 @@
           <a:blip r:embed="rId2" cstate="print">
             <a:extLst>
               <a:ext uri="{28A0092B-C50C-407E-A947-70E740481C1C}">
-                <a14:useLocalDpi xmlns:a14="http://schemas.microsoft.com/office/drawing/2010/main" xmlns="" val="0"/>
+                <a14:useLocalDpi xmlns="" xmlns:a14="http://schemas.microsoft.com/office/drawing/2010/main" val="0"/>
               </a:ext>
             </a:extLst>
           </a:blip>
@@ -9018,7 +9803,7 @@
           <p:cNvPr id="23" name="Slide Body Text">
             <a:extLst>
               <a:ext uri="{FF2B5EF4-FFF2-40B4-BE49-F238E27FC236}">
-                <a16:creationId xmlns:a16="http://schemas.microsoft.com/office/drawing/2014/main" xmlns="" id="{889D93F4-ABFA-46BF-8E5D-FE6562ACB20F}"/>
+                <a16:creationId xmlns="" xmlns:a16="http://schemas.microsoft.com/office/drawing/2014/main" id="{889D93F4-ABFA-46BF-8E5D-FE6562ACB20F}"/>
               </a:ext>
             </a:extLst>
           </p:cNvPr>
@@ -9109,7 +9894,7 @@
           <p:cNvPr id="8" name="Rectangle Top">
             <a:extLst>
               <a:ext uri="{FF2B5EF4-FFF2-40B4-BE49-F238E27FC236}">
-                <a16:creationId xmlns:a16="http://schemas.microsoft.com/office/drawing/2014/main" xmlns="" id="{930E0800-9260-4369-8330-8264DD33C5CE}"/>
+                <a16:creationId xmlns="" xmlns:a16="http://schemas.microsoft.com/office/drawing/2014/main" id="{930E0800-9260-4369-8330-8264DD33C5CE}"/>
               </a:ext>
             </a:extLst>
           </p:cNvPr>
@@ -9190,7 +9975,7 @@
           <p:cNvPr id="11" name="Logo Software University" descr="Software University logo">
             <a:extLst>
               <a:ext uri="{FF2B5EF4-FFF2-40B4-BE49-F238E27FC236}">
-                <a16:creationId xmlns:a16="http://schemas.microsoft.com/office/drawing/2014/main" xmlns="" id="{14F779A7-4A91-448B-BEFA-956C70A1C22F}"/>
+                <a16:creationId xmlns="" xmlns:a16="http://schemas.microsoft.com/office/drawing/2014/main" id="{14F779A7-4A91-448B-BEFA-956C70A1C22F}"/>
               </a:ext>
             </a:extLst>
           </p:cNvPr>
@@ -9203,7 +9988,7 @@
           <a:blip r:embed="rId3" cstate="print">
             <a:extLst>
               <a:ext uri="{28A0092B-C50C-407E-A947-70E740481C1C}">
-                <a14:useLocalDpi xmlns:a14="http://schemas.microsoft.com/office/drawing/2010/main" xmlns="" val="0"/>
+                <a14:useLocalDpi xmlns="" xmlns:a14="http://schemas.microsoft.com/office/drawing/2010/main" val="0"/>
               </a:ext>
             </a:extLst>
           </a:blip>
@@ -9226,7 +10011,7 @@
           <p:cNvPr id="13" name="Slide Title">
             <a:extLst>
               <a:ext uri="{FF2B5EF4-FFF2-40B4-BE49-F238E27FC236}">
-                <a16:creationId xmlns:a16="http://schemas.microsoft.com/office/drawing/2014/main" xmlns="" id="{357D7BE1-6358-42CC-94F3-7BCDD91DCB6D}"/>
+                <a16:creationId xmlns="" xmlns:a16="http://schemas.microsoft.com/office/drawing/2014/main" id="{357D7BE1-6358-42CC-94F3-7BCDD91DCB6D}"/>
               </a:ext>
             </a:extLst>
           </p:cNvPr>
@@ -9265,7 +10050,7 @@
     </p:spTree>
     <p:extLst>
       <p:ext uri="{BB962C8B-B14F-4D97-AF65-F5344CB8AC3E}">
-        <p14:creationId xmlns:p14="http://schemas.microsoft.com/office/powerpoint/2010/main" xmlns="" val="1028724482"/>
+        <p14:creationId xmlns="" xmlns:p14="http://schemas.microsoft.com/office/powerpoint/2010/main" val="1028724482"/>
       </p:ext>
     </p:extLst>
   </p:cSld>
@@ -9273,7 +10058,7 @@
     <a:masterClrMapping/>
   </p:clrMapOvr>
   <mc:AlternateContent xmlns:mc="http://schemas.openxmlformats.org/markup-compatibility/2006">
-    <mc:Choice xmlns:p14="http://schemas.microsoft.com/office/powerpoint/2010/main" xmlns="" Requires="p14">
+    <mc:Choice xmlns="" xmlns:p14="http://schemas.microsoft.com/office/powerpoint/2010/main" Requires="p14">
       <p:transition spd="slow" p14:dur="2000" advClick="0" advTm="5000"/>
     </mc:Choice>
     <mc:Fallback>
@@ -9385,7 +10170,7 @@
           <p:cNvPr id="11" name="Slide Number">
             <a:extLst>
               <a:ext uri="{FF2B5EF4-FFF2-40B4-BE49-F238E27FC236}">
-                <a16:creationId xmlns:a16="http://schemas.microsoft.com/office/drawing/2014/main" xmlns="" id="{6750ECE4-94E0-469B-B8E4-562792823B0F}"/>
+                <a16:creationId xmlns="" xmlns:a16="http://schemas.microsoft.com/office/drawing/2014/main" id="{6750ECE4-94E0-469B-B8E4-562792823B0F}"/>
               </a:ext>
             </a:extLst>
           </p:cNvPr>
@@ -9508,7 +10293,7 @@
           <p:cNvPr id="12" name="Logo Software University Down" descr="Software University logo">
             <a:extLst>
               <a:ext uri="{FF2B5EF4-FFF2-40B4-BE49-F238E27FC236}">
-                <a16:creationId xmlns:a16="http://schemas.microsoft.com/office/drawing/2014/main" xmlns="" id="{7028D2F0-1E67-414B-A93D-D3F8F131A132}"/>
+                <a16:creationId xmlns="" xmlns:a16="http://schemas.microsoft.com/office/drawing/2014/main" id="{7028D2F0-1E67-414B-A93D-D3F8F131A132}"/>
               </a:ext>
             </a:extLst>
           </p:cNvPr>
@@ -9521,7 +10306,7 @@
           <a:blip r:embed="rId2" cstate="print">
             <a:extLst>
               <a:ext uri="{28A0092B-C50C-407E-A947-70E740481C1C}">
-                <a14:useLocalDpi xmlns:a14="http://schemas.microsoft.com/office/drawing/2010/main" xmlns="" val="0"/>
+                <a14:useLocalDpi xmlns="" xmlns:a14="http://schemas.microsoft.com/office/drawing/2010/main" val="0"/>
               </a:ext>
             </a:extLst>
           </a:blip>
@@ -9544,7 +10329,7 @@
           <p:cNvPr id="10" name="Text Placeholder Right">
             <a:extLst>
               <a:ext uri="{FF2B5EF4-FFF2-40B4-BE49-F238E27FC236}">
-                <a16:creationId xmlns:a16="http://schemas.microsoft.com/office/drawing/2014/main" xmlns="" id="{AF69A59F-C564-4A04-B1CC-31C261499991}"/>
+                <a16:creationId xmlns="" xmlns:a16="http://schemas.microsoft.com/office/drawing/2014/main" id="{AF69A59F-C564-4A04-B1CC-31C261499991}"/>
               </a:ext>
             </a:extLst>
           </p:cNvPr>
@@ -9622,7 +10407,7 @@
           <p:cNvPr id="9" name="Text Placeholder Left">
             <a:extLst>
               <a:ext uri="{FF2B5EF4-FFF2-40B4-BE49-F238E27FC236}">
-                <a16:creationId xmlns:a16="http://schemas.microsoft.com/office/drawing/2014/main" xmlns="" id="{C8A626D2-456B-41EF-9818-EA8DD7E314DA}"/>
+                <a16:creationId xmlns="" xmlns:a16="http://schemas.microsoft.com/office/drawing/2014/main" id="{C8A626D2-456B-41EF-9818-EA8DD7E314DA}"/>
               </a:ext>
             </a:extLst>
           </p:cNvPr>
@@ -9700,7 +10485,7 @@
           <p:cNvPr id="13" name="Rectangle Top">
             <a:extLst>
               <a:ext uri="{FF2B5EF4-FFF2-40B4-BE49-F238E27FC236}">
-                <a16:creationId xmlns:a16="http://schemas.microsoft.com/office/drawing/2014/main" xmlns="" id="{E03301DA-D0AF-46FD-8740-2F761250203A}"/>
+                <a16:creationId xmlns="" xmlns:a16="http://schemas.microsoft.com/office/drawing/2014/main" id="{E03301DA-D0AF-46FD-8740-2F761250203A}"/>
               </a:ext>
             </a:extLst>
           </p:cNvPr>
@@ -9781,7 +10566,7 @@
           <p:cNvPr id="14" name="Logo Software University" descr="Software University logo">
             <a:extLst>
               <a:ext uri="{FF2B5EF4-FFF2-40B4-BE49-F238E27FC236}">
-                <a16:creationId xmlns:a16="http://schemas.microsoft.com/office/drawing/2014/main" xmlns="" id="{19A67BB9-D880-4EAD-B90E-89C4219BFC0B}"/>
+                <a16:creationId xmlns="" xmlns:a16="http://schemas.microsoft.com/office/drawing/2014/main" id="{19A67BB9-D880-4EAD-B90E-89C4219BFC0B}"/>
               </a:ext>
             </a:extLst>
           </p:cNvPr>
@@ -9794,7 +10579,7 @@
           <a:blip r:embed="rId3" cstate="print">
             <a:extLst>
               <a:ext uri="{28A0092B-C50C-407E-A947-70E740481C1C}">
-                <a14:useLocalDpi xmlns:a14="http://schemas.microsoft.com/office/drawing/2010/main" xmlns="" val="0"/>
+                <a14:useLocalDpi xmlns="" xmlns:a14="http://schemas.microsoft.com/office/drawing/2010/main" val="0"/>
               </a:ext>
             </a:extLst>
           </a:blip>
@@ -9817,7 +10602,7 @@
           <p:cNvPr id="15" name="Slide Title">
             <a:extLst>
               <a:ext uri="{FF2B5EF4-FFF2-40B4-BE49-F238E27FC236}">
-                <a16:creationId xmlns:a16="http://schemas.microsoft.com/office/drawing/2014/main" xmlns="" id="{EA9A94D1-F9F6-4D7B-85E3-896A987B6A4D}"/>
+                <a16:creationId xmlns="" xmlns:a16="http://schemas.microsoft.com/office/drawing/2014/main" id="{EA9A94D1-F9F6-4D7B-85E3-896A987B6A4D}"/>
               </a:ext>
             </a:extLst>
           </p:cNvPr>
@@ -9856,7 +10641,7 @@
     </p:spTree>
     <p:extLst>
       <p:ext uri="{BB962C8B-B14F-4D97-AF65-F5344CB8AC3E}">
-        <p14:creationId xmlns:p14="http://schemas.microsoft.com/office/powerpoint/2010/main" xmlns="" val="3044033461"/>
+        <p14:creationId xmlns="" xmlns:p14="http://schemas.microsoft.com/office/powerpoint/2010/main" val="3044033461"/>
       </p:ext>
     </p:extLst>
   </p:cSld>
@@ -9864,7 +10649,7 @@
     <a:masterClrMapping/>
   </p:clrMapOvr>
   <mc:AlternateContent xmlns:mc="http://schemas.openxmlformats.org/markup-compatibility/2006">
-    <mc:Choice xmlns:p14="http://schemas.microsoft.com/office/powerpoint/2010/main" xmlns="" Requires="p14">
+    <mc:Choice xmlns="" xmlns:p14="http://schemas.microsoft.com/office/powerpoint/2010/main" Requires="p14">
       <p:transition spd="slow" p14:dur="2000" advClick="0" advTm="5000"/>
     </mc:Choice>
     <mc:Fallback>
@@ -9873,7 +10658,7 @@
   </mc:AlternateContent>
   <p:extLst>
     <p:ext uri="{DCECCB84-F9BA-43D5-87BE-67443E8EF086}">
-      <p15:sldGuideLst xmlns:p15="http://schemas.microsoft.com/office/powerpoint/2012/main" xmlns="">
+      <p15:sldGuideLst xmlns="" xmlns:p15="http://schemas.microsoft.com/office/powerpoint/2012/main">
         <p15:guide id="1" orient="horz" pos="2160">
           <p15:clr>
             <a:srgbClr val="FBAE40"/>
@@ -9920,7 +10705,7 @@
           <p:cNvPr id="4" name="Picture Background" descr="SoftUni Background">
             <a:extLst>
               <a:ext uri="{FF2B5EF4-FFF2-40B4-BE49-F238E27FC236}">
-                <a16:creationId xmlns:a16="http://schemas.microsoft.com/office/drawing/2014/main" xmlns="" id="{5BE90A63-DDD9-4B3B-A234-DF69B9BC812F}"/>
+                <a16:creationId xmlns="" xmlns:a16="http://schemas.microsoft.com/office/drawing/2014/main" id="{5BE90A63-DDD9-4B3B-A234-DF69B9BC812F}"/>
               </a:ext>
             </a:extLst>
           </p:cNvPr>
@@ -9949,7 +10734,7 @@
           <p:cNvPr id="11" name="Slide Body Text">
             <a:extLst>
               <a:ext uri="{FF2B5EF4-FFF2-40B4-BE49-F238E27FC236}">
-                <a16:creationId xmlns:a16="http://schemas.microsoft.com/office/drawing/2014/main" xmlns="" id="{90CBFB32-9F46-4F2F-8A54-9EE8BED27855}"/>
+                <a16:creationId xmlns="" xmlns:a16="http://schemas.microsoft.com/office/drawing/2014/main" id="{90CBFB32-9F46-4F2F-8A54-9EE8BED27855}"/>
               </a:ext>
             </a:extLst>
           </p:cNvPr>
@@ -10017,7 +10802,7 @@
           <p:cNvPr id="10" name="Slide Title">
             <a:extLst>
               <a:ext uri="{FF2B5EF4-FFF2-40B4-BE49-F238E27FC236}">
-                <a16:creationId xmlns:a16="http://schemas.microsoft.com/office/drawing/2014/main" xmlns="" id="{B770C392-3003-4C35-9625-BB041F8257BA}"/>
+                <a16:creationId xmlns="" xmlns:a16="http://schemas.microsoft.com/office/drawing/2014/main" id="{B770C392-3003-4C35-9625-BB041F8257BA}"/>
               </a:ext>
             </a:extLst>
           </p:cNvPr>
@@ -10054,7 +10839,7 @@
     </p:spTree>
     <p:extLst>
       <p:ext uri="{BB962C8B-B14F-4D97-AF65-F5344CB8AC3E}">
-        <p14:creationId xmlns:p14="http://schemas.microsoft.com/office/powerpoint/2010/main" xmlns="" val="156789181"/>
+        <p14:creationId xmlns="" xmlns:p14="http://schemas.microsoft.com/office/powerpoint/2010/main" val="156789181"/>
       </p:ext>
     </p:extLst>
   </p:cSld>
@@ -10074,7 +10859,7 @@
     <p:sldLayoutId id="2147483687" r:id="rId12"/>
   </p:sldLayoutIdLst>
   <mc:AlternateContent xmlns:mc="http://schemas.openxmlformats.org/markup-compatibility/2006">
-    <mc:Choice xmlns:p14="http://schemas.microsoft.com/office/powerpoint/2010/main" xmlns="" Requires="p14">
+    <mc:Choice xmlns="" xmlns:p14="http://schemas.microsoft.com/office/powerpoint/2010/main" Requires="p14">
       <p:transition spd="slow" p14:dur="2000" advClick="0" advTm="5000"/>
     </mc:Choice>
     <mc:Fallback>
@@ -10364,7 +11149,7 @@
   </p:txStyles>
   <p:extLst>
     <p:ext uri="{27BBF7A9-308A-43DC-89C8-2F10F3537804}">
-      <p15:sldGuideLst xmlns:p15="http://schemas.microsoft.com/office/powerpoint/2012/main" xmlns="">
+      <p15:sldGuideLst xmlns="" xmlns:p15="http://schemas.microsoft.com/office/powerpoint/2012/main">
         <p15:guide id="1" orient="horz" pos="2160">
           <p15:clr>
             <a:srgbClr val="F26B43"/>
@@ -10455,11 +11240,7 @@
           <a:p>
             <a:r>
               <a:rPr lang="en-US" dirty="0" smtClean="0"/>
-              <a:t>SQL INSERT</a:t>
-            </a:r>
-            <a:r>
-              <a:rPr lang="en-US" dirty="0" smtClean="0"/>
-              <a:t>, UPDATE </a:t>
+              <a:t>SQL INSERT, UPDATE </a:t>
             </a:r>
             <a:r>
               <a:rPr lang="bg-BG" dirty="0" smtClean="0"/>
@@ -10585,7 +11366,7 @@
           <p:cNvPr id="12290" name="Picture 2" descr="Ð ÐµÐ·ÑÐ»ÑÐ°Ñ Ñ Ð¸Ð·Ð¾Ð±ÑÐ°Ð¶ÐµÐ½Ð¸Ðµ Ð·Ð° database png">
             <a:extLst>
               <a:ext uri="{FF2B5EF4-FFF2-40B4-BE49-F238E27FC236}">
-                <a16:creationId xmlns:a16="http://schemas.microsoft.com/office/drawing/2014/main" xmlns="" id="{52FF2604-C568-4D2F-97DB-BF2345736281}"/>
+                <a16:creationId xmlns="" xmlns:a16="http://schemas.microsoft.com/office/drawing/2014/main" id="{52FF2604-C568-4D2F-97DB-BF2345736281}"/>
               </a:ext>
             </a:extLst>
           </p:cNvPr>
@@ -10598,7 +11379,7 @@
           <a:blip r:embed="rId4" cstate="print">
             <a:extLst>
               <a:ext uri="{28A0092B-C50C-407E-A947-70E740481C1C}">
-                <a14:useLocalDpi xmlns:a14="http://schemas.microsoft.com/office/drawing/2010/main" xmlns="" val="0"/>
+                <a14:useLocalDpi xmlns="" xmlns:a14="http://schemas.microsoft.com/office/drawing/2010/main" val="0"/>
               </a:ext>
             </a:extLst>
           </a:blip>
@@ -10618,7 +11399,7 @@
           <a:noFill/>
           <a:extLst>
             <a:ext uri="{909E8E84-426E-40DD-AFC4-6F175D3DCCD1}">
-              <a14:hiddenFill xmlns:a14="http://schemas.microsoft.com/office/drawing/2010/main" xmlns="">
+              <a14:hiddenFill xmlns="" xmlns:a14="http://schemas.microsoft.com/office/drawing/2010/main">
                 <a:solidFill>
                   <a:srgbClr val="FFFFFF"/>
                 </a:solidFill>
@@ -10630,7 +11411,7 @@
     </p:spTree>
     <p:extLst>
       <p:ext uri="{BB962C8B-B14F-4D97-AF65-F5344CB8AC3E}">
-        <p14:creationId xmlns:p14="http://schemas.microsoft.com/office/powerpoint/2010/main" xmlns="" val="1251141439"/>
+        <p14:creationId xmlns="" xmlns:p14="http://schemas.microsoft.com/office/powerpoint/2010/main" val="1251141439"/>
       </p:ext>
     </p:extLst>
   </p:cSld>
@@ -10638,7 +11419,7 @@
     <a:masterClrMapping/>
   </p:clrMapOvr>
   <mc:AlternateContent xmlns:mc="http://schemas.openxmlformats.org/markup-compatibility/2006">
-    <mc:Choice xmlns:p14="http://schemas.microsoft.com/office/powerpoint/2010/main" xmlns="" Requires="p14">
+    <mc:Choice xmlns="" xmlns:p14="http://schemas.microsoft.com/office/powerpoint/2010/main" Requires="p14">
       <p:transition spd="slow" p14:dur="2000" advClick="0" advTm="5000"/>
     </mc:Choice>
     <mc:Fallback>
@@ -10674,6 +11455,612 @@
       </p:grpSpPr>
       <p:sp>
         <p:nvSpPr>
+          <p:cNvPr id="2" name="Title 1">
+            <a:extLst>
+              <a:ext uri="{FF2B5EF4-FFF2-40B4-BE49-F238E27FC236}">
+                <a16:creationId xmlns:a16="http://schemas.microsoft.com/office/drawing/2014/main" xmlns="" id="{FCE72A34-2A9A-4728-A3C2-A0DBD846C488}"/>
+              </a:ext>
+            </a:extLst>
+          </p:cNvPr>
+          <p:cNvSpPr>
+            <a:spLocks noGrp="1"/>
+          </p:cNvSpPr>
+          <p:nvPr>
+            <p:ph type="title"/>
+          </p:nvPr>
+        </p:nvSpPr>
+        <p:spPr/>
+        <p:txBody>
+          <a:bodyPr/>
+          <a:lstStyle/>
+          <a:p>
+            <a:r>
+              <a:rPr lang="bg-BG" dirty="0" smtClean="0"/>
+              <a:t>Решение</a:t>
+            </a:r>
+            <a:r>
+              <a:rPr lang="en-US" dirty="0" smtClean="0"/>
+              <a:t>: </a:t>
+            </a:r>
+            <a:r>
+              <a:rPr lang="bg-BG" dirty="0" smtClean="0"/>
+              <a:t>Променете </a:t>
+            </a:r>
+            <a:r>
+              <a:rPr lang="bg-BG" dirty="0" smtClean="0"/>
+              <a:t>проектите</a:t>
+            </a:r>
+            <a:endParaRPr lang="en-US" dirty="0"/>
+          </a:p>
+        </p:txBody>
+      </p:sp>
+      <p:sp>
+        <p:nvSpPr>
+          <p:cNvPr id="5" name="Text Placeholder 4">
+            <a:extLst>
+              <a:ext uri="{FF2B5EF4-FFF2-40B4-BE49-F238E27FC236}">
+                <a16:creationId xmlns:a16="http://schemas.microsoft.com/office/drawing/2014/main" xmlns="" id="{FBED5352-2A36-4F28-AB8D-6335517E5493}"/>
+              </a:ext>
+            </a:extLst>
+          </p:cNvPr>
+          <p:cNvSpPr>
+            <a:spLocks noGrp="1" noChangeArrowheads="1"/>
+          </p:cNvSpPr>
+          <p:nvPr>
+            <p:ph type="body" sz="quarter" idx="10"/>
+          </p:nvPr>
+        </p:nvSpPr>
+        <p:spPr bwMode="auto">
+          <a:xfrm>
+            <a:off x="2803898" y="2128031"/>
+            <a:ext cx="8129146" cy="1907949"/>
+          </a:xfrm>
+          <a:prstGeom prst="rect">
+            <a:avLst/>
+          </a:prstGeom>
+          <a:solidFill>
+            <a:schemeClr val="accent5">
+              <a:lumMod val="40000"/>
+              <a:lumOff val="60000"/>
+              <a:alpha val="15000"/>
+            </a:schemeClr>
+          </a:solidFill>
+          <a:ln w="12700">
+            <a:solidFill>
+              <a:schemeClr val="accent5">
+                <a:lumMod val="60000"/>
+                <a:lumOff val="40000"/>
+              </a:schemeClr>
+            </a:solidFill>
+          </a:ln>
+        </p:spPr>
+        <p:txBody>
+          <a:bodyPr wrap="square">
+            <a:spAutoFit/>
+          </a:bodyPr>
+          <a:lstStyle/>
+          <a:p>
+            <a:pPr marL="0" indent="0" eaLnBrk="0" hangingPunct="0">
+              <a:spcBef>
+                <a:spcPts val="600"/>
+              </a:spcBef>
+              <a:buClr>
+                <a:schemeClr val="accent5">
+                  <a:lumMod val="40000"/>
+                  <a:lumOff val="60000"/>
+                </a:schemeClr>
+              </a:buClr>
+              <a:buSzPct val="70000"/>
+              <a:buNone/>
+            </a:pPr>
+            <a:r>
+              <a:rPr lang="en-US" sz="3200" b="1" noProof="1">
+                <a:solidFill>
+                  <a:schemeClr val="bg1"/>
+                </a:solidFill>
+                <a:latin typeface="Consolas" pitchFamily="49" charset="0"/>
+                <a:cs typeface="Consolas" pitchFamily="49" charset="0"/>
+              </a:rPr>
+              <a:t>UPDATE</a:t>
+            </a:r>
+            <a:r>
+              <a:rPr lang="en-US" sz="3200" b="1" noProof="1">
+                <a:solidFill>
+                  <a:schemeClr val="tx2"/>
+                </a:solidFill>
+                <a:latin typeface="Consolas" pitchFamily="49" charset="0"/>
+                <a:cs typeface="Consolas" pitchFamily="49" charset="0"/>
+              </a:rPr>
+              <a:t> Projects</a:t>
+            </a:r>
+          </a:p>
+          <a:p>
+            <a:pPr marL="0" indent="0" eaLnBrk="0" hangingPunct="0">
+              <a:spcBef>
+                <a:spcPts val="600"/>
+              </a:spcBef>
+              <a:buClr>
+                <a:schemeClr val="accent5">
+                  <a:lumMod val="40000"/>
+                  <a:lumOff val="60000"/>
+                </a:schemeClr>
+              </a:buClr>
+              <a:buSzPct val="70000"/>
+              <a:buNone/>
+            </a:pPr>
+            <a:r>
+              <a:rPr lang="en-US" sz="3200" b="1" noProof="1">
+                <a:solidFill>
+                  <a:schemeClr val="tx2"/>
+                </a:solidFill>
+                <a:latin typeface="Consolas" pitchFamily="49" charset="0"/>
+                <a:cs typeface="Consolas" pitchFamily="49" charset="0"/>
+              </a:rPr>
+              <a:t>   </a:t>
+            </a:r>
+            <a:r>
+              <a:rPr lang="en-US" sz="3200" b="1" noProof="1">
+                <a:solidFill>
+                  <a:schemeClr val="bg1"/>
+                </a:solidFill>
+                <a:latin typeface="Consolas" pitchFamily="49" charset="0"/>
+                <a:cs typeface="Consolas" pitchFamily="49" charset="0"/>
+              </a:rPr>
+              <a:t>SET</a:t>
+            </a:r>
+            <a:r>
+              <a:rPr lang="en-US" sz="3200" b="1" noProof="1">
+                <a:solidFill>
+                  <a:schemeClr val="tx2"/>
+                </a:solidFill>
+                <a:latin typeface="Consolas" pitchFamily="49" charset="0"/>
+                <a:cs typeface="Consolas" pitchFamily="49" charset="0"/>
+              </a:rPr>
+              <a:t> EndDate = GETDATE()</a:t>
+            </a:r>
+          </a:p>
+          <a:p>
+            <a:pPr marL="0" indent="0" eaLnBrk="0" hangingPunct="0">
+              <a:spcBef>
+                <a:spcPts val="600"/>
+              </a:spcBef>
+              <a:buClr>
+                <a:schemeClr val="accent5">
+                  <a:lumMod val="40000"/>
+                  <a:lumOff val="60000"/>
+                </a:schemeClr>
+              </a:buClr>
+              <a:buSzPct val="70000"/>
+              <a:buNone/>
+            </a:pPr>
+            <a:r>
+              <a:rPr lang="en-US" sz="3200" b="1" noProof="1">
+                <a:solidFill>
+                  <a:schemeClr val="tx2"/>
+                </a:solidFill>
+                <a:latin typeface="Consolas" pitchFamily="49" charset="0"/>
+                <a:cs typeface="Consolas" pitchFamily="49" charset="0"/>
+              </a:rPr>
+              <a:t> </a:t>
+            </a:r>
+            <a:r>
+              <a:rPr lang="en-US" sz="3200" b="1" noProof="1">
+                <a:solidFill>
+                  <a:schemeClr val="bg1"/>
+                </a:solidFill>
+                <a:latin typeface="Consolas" pitchFamily="49" charset="0"/>
+                <a:cs typeface="Consolas" pitchFamily="49" charset="0"/>
+              </a:rPr>
+              <a:t>WHERE</a:t>
+            </a:r>
+            <a:r>
+              <a:rPr lang="en-US" sz="3200" b="1" noProof="1">
+                <a:solidFill>
+                  <a:schemeClr val="tx2"/>
+                </a:solidFill>
+                <a:latin typeface="Consolas" pitchFamily="49" charset="0"/>
+                <a:cs typeface="Consolas" pitchFamily="49" charset="0"/>
+              </a:rPr>
+              <a:t> EndDate </a:t>
+            </a:r>
+            <a:r>
+              <a:rPr lang="en-US" sz="3200" b="1" noProof="1">
+                <a:solidFill>
+                  <a:schemeClr val="bg1"/>
+                </a:solidFill>
+                <a:latin typeface="Consolas" pitchFamily="49" charset="0"/>
+                <a:cs typeface="Consolas" pitchFamily="49" charset="0"/>
+              </a:rPr>
+              <a:t>IS</a:t>
+            </a:r>
+            <a:r>
+              <a:rPr lang="en-US" sz="3200" b="1" noProof="1">
+                <a:solidFill>
+                  <a:schemeClr val="accent1"/>
+                </a:solidFill>
+                <a:latin typeface="Consolas" pitchFamily="49" charset="0"/>
+                <a:cs typeface="Consolas" pitchFamily="49" charset="0"/>
+              </a:rPr>
+              <a:t> </a:t>
+            </a:r>
+            <a:r>
+              <a:rPr lang="en-US" sz="3200" b="1" noProof="1">
+                <a:solidFill>
+                  <a:schemeClr val="bg1"/>
+                </a:solidFill>
+                <a:latin typeface="Consolas" pitchFamily="49" charset="0"/>
+                <a:cs typeface="Consolas" pitchFamily="49" charset="0"/>
+              </a:rPr>
+              <a:t>NULL</a:t>
+            </a:r>
+          </a:p>
+        </p:txBody>
+      </p:sp>
+      <p:sp>
+        <p:nvSpPr>
+          <p:cNvPr id="6" name="AutoShape 5">
+            <a:extLst>
+              <a:ext uri="{FF2B5EF4-FFF2-40B4-BE49-F238E27FC236}">
+                <a16:creationId xmlns:a16="http://schemas.microsoft.com/office/drawing/2014/main" xmlns="" id="{F571EDF2-BA8D-4C84-8360-12467530B87E}"/>
+              </a:ext>
+            </a:extLst>
+          </p:cNvPr>
+          <p:cNvSpPr>
+            <a:spLocks noChangeArrowheads="1"/>
+          </p:cNvSpPr>
+          <p:nvPr/>
+        </p:nvSpPr>
+        <p:spPr bwMode="auto">
+          <a:xfrm>
+            <a:off x="7266000" y="4824000"/>
+            <a:ext cx="3694176" cy="1442955"/>
+          </a:xfrm>
+          <a:prstGeom prst="wedgeRoundRectCallout">
+            <a:avLst>
+              <a:gd name="adj1" fmla="val -37288"/>
+              <a:gd name="adj2" fmla="val -109448"/>
+              <a:gd name="adj3" fmla="val 16667"/>
+            </a:avLst>
+          </a:prstGeom>
+          <a:solidFill>
+            <a:schemeClr val="tx1">
+              <a:alpha val="80000"/>
+            </a:schemeClr>
+          </a:solidFill>
+          <a:ln w="19050">
+            <a:solidFill>
+              <a:schemeClr val="tx1">
+                <a:alpha val="80000"/>
+              </a:schemeClr>
+            </a:solidFill>
+          </a:ln>
+          <a:effectLst/>
+        </p:spPr>
+        <p:style>
+          <a:lnRef idx="2">
+            <a:schemeClr val="accent1">
+              <a:shade val="50000"/>
+            </a:schemeClr>
+          </a:lnRef>
+          <a:fillRef idx="1001">
+            <a:schemeClr val="dk2"/>
+          </a:fillRef>
+          <a:effectRef idx="0">
+            <a:schemeClr val="accent1"/>
+          </a:effectRef>
+          <a:fontRef idx="minor">
+            <a:schemeClr val="lt1"/>
+          </a:fontRef>
+        </p:style>
+        <p:txBody>
+          <a:bodyPr rot="0" spcFirstLastPara="0" vertOverflow="overflow" horzOverflow="overflow" vert="horz" wrap="square" lIns="91440" tIns="45720" rIns="91440" bIns="45720" numCol="1" spcCol="0" rtlCol="0" fromWordArt="0" anchor="ctr" anchorCtr="0" forceAA="0" compatLnSpc="1">
+            <a:prstTxWarp prst="textNoShape">
+              <a:avLst/>
+            </a:prstTxWarp>
+            <a:noAutofit/>
+          </a:bodyPr>
+          <a:lstStyle/>
+          <a:p>
+            <a:pPr algn="ctr"/>
+            <a:r>
+              <a:rPr lang="bg-BG" sz="2800" b="1" noProof="1" smtClean="0">
+                <a:solidFill>
+                  <a:srgbClr val="FFFFFF"/>
+                </a:solidFill>
+                <a:effectLst>
+                  <a:outerShdw blurRad="38100" dist="38100" dir="2700000" algn="tl">
+                    <a:srgbClr val="000000">
+                      <a:alpha val="43137"/>
+                    </a:srgbClr>
+                  </a:outerShdw>
+                </a:effectLst>
+              </a:rPr>
+              <a:t>Филтриране само на записизите, съдържащи </a:t>
+            </a:r>
+            <a:r>
+              <a:rPr lang="en-US" sz="2800" b="1" noProof="1" smtClean="0">
+                <a:solidFill>
+                  <a:schemeClr val="bg1">
+                    <a:lumMod val="60000"/>
+                    <a:lumOff val="40000"/>
+                  </a:schemeClr>
+                </a:solidFill>
+                <a:effectLst>
+                  <a:outerShdw blurRad="38100" dist="38100" dir="2700000" algn="tl">
+                    <a:srgbClr val="000000">
+                      <a:alpha val="43137"/>
+                    </a:srgbClr>
+                  </a:outerShdw>
+                </a:effectLst>
+              </a:rPr>
+              <a:t>NULL</a:t>
+            </a:r>
+            <a:endParaRPr lang="bg-BG" sz="2800" b="1" noProof="1">
+              <a:solidFill>
+                <a:schemeClr val="bg1">
+                  <a:lumMod val="60000"/>
+                  <a:lumOff val="40000"/>
+                </a:schemeClr>
+              </a:solidFill>
+              <a:effectLst>
+                <a:outerShdw blurRad="38100" dist="38100" dir="2700000" algn="tl">
+                  <a:srgbClr val="000000">
+                    <a:alpha val="43137"/>
+                  </a:srgbClr>
+                </a:outerShdw>
+              </a:effectLst>
+            </a:endParaRPr>
+          </a:p>
+        </p:txBody>
+      </p:sp>
+      <p:sp>
+        <p:nvSpPr>
+          <p:cNvPr id="8" name="Slide Number">
+            <a:extLst>
+              <a:ext uri="{FF2B5EF4-FFF2-40B4-BE49-F238E27FC236}">
+                <a16:creationId xmlns:a16="http://schemas.microsoft.com/office/drawing/2014/main" xmlns="" id="{68979BB0-4428-47FF-AE88-59091E6A9FB2}"/>
+              </a:ext>
+            </a:extLst>
+          </p:cNvPr>
+          <p:cNvSpPr txBox="1">
+            <a:spLocks/>
+          </p:cNvSpPr>
+          <p:nvPr/>
+        </p:nvSpPr>
+        <p:spPr>
+          <a:xfrm>
+            <a:off x="11753030" y="6507000"/>
+            <a:ext cx="367414" cy="297000"/>
+          </a:xfrm>
+          <a:prstGeom prst="rect">
+            <a:avLst/>
+          </a:prstGeom>
+        </p:spPr>
+        <p:txBody>
+          <a:bodyPr vert="horz" lIns="91440" tIns="45720" rIns="91440" bIns="45720" rtlCol="0" anchor="b"/>
+          <a:lstStyle>
+            <a:defPPr>
+              <a:defRPr lang="en-US"/>
+            </a:defPPr>
+            <a:lvl1pPr marL="0" algn="r" defTabSz="914400" rtl="0" eaLnBrk="1" latinLnBrk="0" hangingPunct="1">
+              <a:defRPr sz="1000" kern="1200">
+                <a:solidFill>
+                  <a:schemeClr val="tx1"/>
+                </a:solidFill>
+                <a:latin typeface="+mn-lt"/>
+                <a:ea typeface="+mn-ea"/>
+                <a:cs typeface="+mn-cs"/>
+              </a:defRPr>
+            </a:lvl1pPr>
+            <a:lvl2pPr marL="457200" algn="l" defTabSz="914400" rtl="0" eaLnBrk="1" latinLnBrk="0" hangingPunct="1">
+              <a:defRPr sz="1800" kern="1200">
+                <a:solidFill>
+                  <a:schemeClr val="tx1"/>
+                </a:solidFill>
+                <a:latin typeface="+mn-lt"/>
+                <a:ea typeface="+mn-ea"/>
+                <a:cs typeface="+mn-cs"/>
+              </a:defRPr>
+            </a:lvl2pPr>
+            <a:lvl3pPr marL="914400" algn="l" defTabSz="914400" rtl="0" eaLnBrk="1" latinLnBrk="0" hangingPunct="1">
+              <a:defRPr sz="1800" kern="1200">
+                <a:solidFill>
+                  <a:schemeClr val="tx1"/>
+                </a:solidFill>
+                <a:latin typeface="+mn-lt"/>
+                <a:ea typeface="+mn-ea"/>
+                <a:cs typeface="+mn-cs"/>
+              </a:defRPr>
+            </a:lvl3pPr>
+            <a:lvl4pPr marL="1371600" algn="l" defTabSz="914400" rtl="0" eaLnBrk="1" latinLnBrk="0" hangingPunct="1">
+              <a:defRPr sz="1800" kern="1200">
+                <a:solidFill>
+                  <a:schemeClr val="tx1"/>
+                </a:solidFill>
+                <a:latin typeface="+mn-lt"/>
+                <a:ea typeface="+mn-ea"/>
+                <a:cs typeface="+mn-cs"/>
+              </a:defRPr>
+            </a:lvl4pPr>
+            <a:lvl5pPr marL="1828800" algn="l" defTabSz="914400" rtl="0" eaLnBrk="1" latinLnBrk="0" hangingPunct="1">
+              <a:defRPr sz="1800" kern="1200">
+                <a:solidFill>
+                  <a:schemeClr val="tx1"/>
+                </a:solidFill>
+                <a:latin typeface="+mn-lt"/>
+                <a:ea typeface="+mn-ea"/>
+                <a:cs typeface="+mn-cs"/>
+              </a:defRPr>
+            </a:lvl5pPr>
+            <a:lvl6pPr marL="2286000" algn="l" defTabSz="914400" rtl="0" eaLnBrk="1" latinLnBrk="0" hangingPunct="1">
+              <a:defRPr sz="1800" kern="1200">
+                <a:solidFill>
+                  <a:schemeClr val="tx1"/>
+                </a:solidFill>
+                <a:latin typeface="+mn-lt"/>
+                <a:ea typeface="+mn-ea"/>
+                <a:cs typeface="+mn-cs"/>
+              </a:defRPr>
+            </a:lvl6pPr>
+            <a:lvl7pPr marL="2743200" algn="l" defTabSz="914400" rtl="0" eaLnBrk="1" latinLnBrk="0" hangingPunct="1">
+              <a:defRPr sz="1800" kern="1200">
+                <a:solidFill>
+                  <a:schemeClr val="tx1"/>
+                </a:solidFill>
+                <a:latin typeface="+mn-lt"/>
+                <a:ea typeface="+mn-ea"/>
+                <a:cs typeface="+mn-cs"/>
+              </a:defRPr>
+            </a:lvl7pPr>
+            <a:lvl8pPr marL="3200400" algn="l" defTabSz="914400" rtl="0" eaLnBrk="1" latinLnBrk="0" hangingPunct="1">
+              <a:defRPr sz="1800" kern="1200">
+                <a:solidFill>
+                  <a:schemeClr val="tx1"/>
+                </a:solidFill>
+                <a:latin typeface="+mn-lt"/>
+                <a:ea typeface="+mn-ea"/>
+                <a:cs typeface="+mn-cs"/>
+              </a:defRPr>
+            </a:lvl8pPr>
+            <a:lvl9pPr marL="3657600" algn="l" defTabSz="914400" rtl="0" eaLnBrk="1" latinLnBrk="0" hangingPunct="1">
+              <a:defRPr sz="1800" kern="1200">
+                <a:solidFill>
+                  <a:schemeClr val="tx1"/>
+                </a:solidFill>
+                <a:latin typeface="+mn-lt"/>
+                <a:ea typeface="+mn-ea"/>
+                <a:cs typeface="+mn-cs"/>
+              </a:defRPr>
+            </a:lvl9pPr>
+          </a:lstStyle>
+          <a:p>
+            <a:fld id="{2BF067CD-8E6B-4360-9AA8-C5DF2A48A6D1}" type="slidenum">
+              <a:rPr lang="en-US" smtClean="0"/>
+              <a:pPr/>
+              <a:t>10</a:t>
+            </a:fld>
+            <a:endParaRPr lang="en-US" dirty="0"/>
+          </a:p>
+        </p:txBody>
+      </p:sp>
+    </p:spTree>
+    <p:extLst>
+      <p:ext uri="{BB962C8B-B14F-4D97-AF65-F5344CB8AC3E}">
+        <p14:creationId xmlns:p14="http://schemas.microsoft.com/office/powerpoint/2010/main" xmlns="" val="4066273039"/>
+      </p:ext>
+    </p:extLst>
+  </p:cSld>
+  <p:clrMapOvr>
+    <a:masterClrMapping/>
+  </p:clrMapOvr>
+  <mc:AlternateContent xmlns:mc="http://schemas.openxmlformats.org/markup-compatibility/2006">
+    <mc:Choice xmlns:p14="http://schemas.microsoft.com/office/powerpoint/2010/main" xmlns="" Requires="p14">
+      <p:transition spd="slow" p14:dur="2000" advClick="0" advTm="5000"/>
+    </mc:Choice>
+    <mc:Fallback>
+      <p:transition spd="slow" advClick="0" advTm="5000"/>
+    </mc:Fallback>
+  </mc:AlternateContent>
+  <p:timing>
+    <p:tnLst>
+      <p:par>
+        <p:cTn id="1" dur="indefinite" restart="never" nodeType="tmRoot">
+          <p:childTnLst>
+            <p:seq concurrent="1" nextAc="seek">
+              <p:cTn id="2" dur="indefinite" nodeType="mainSeq">
+                <p:childTnLst>
+                  <p:par>
+                    <p:cTn id="3" fill="hold">
+                      <p:stCondLst>
+                        <p:cond delay="indefinite"/>
+                      </p:stCondLst>
+                      <p:childTnLst>
+                        <p:par>
+                          <p:cTn id="4" fill="hold">
+                            <p:stCondLst>
+                              <p:cond delay="0"/>
+                            </p:stCondLst>
+                            <p:childTnLst>
+                              <p:par>
+                                <p:cTn id="5" presetID="1" presetClass="entr" presetSubtype="0" fill="hold" grpId="0" nodeType="clickEffect">
+                                  <p:stCondLst>
+                                    <p:cond delay="0"/>
+                                  </p:stCondLst>
+                                  <p:childTnLst>
+                                    <p:set>
+                                      <p:cBhvr>
+                                        <p:cTn id="6" dur="1" fill="hold">
+                                          <p:stCondLst>
+                                            <p:cond delay="0"/>
+                                          </p:stCondLst>
+                                        </p:cTn>
+                                        <p:tgtEl>
+                                          <p:spTgt spid="6"/>
+                                        </p:tgtEl>
+                                        <p:attrNameLst>
+                                          <p:attrName>style.visibility</p:attrName>
+                                        </p:attrNameLst>
+                                      </p:cBhvr>
+                                      <p:to>
+                                        <p:strVal val="visible"/>
+                                      </p:to>
+                                    </p:set>
+                                  </p:childTnLst>
+                                </p:cTn>
+                              </p:par>
+                            </p:childTnLst>
+                          </p:cTn>
+                        </p:par>
+                      </p:childTnLst>
+                    </p:cTn>
+                  </p:par>
+                </p:childTnLst>
+              </p:cTn>
+              <p:prevCondLst>
+                <p:cond evt="onPrev" delay="0">
+                  <p:tgtEl>
+                    <p:sldTgt/>
+                  </p:tgtEl>
+                </p:cond>
+              </p:prevCondLst>
+              <p:nextCondLst>
+                <p:cond evt="onNext" delay="0">
+                  <p:tgtEl>
+                    <p:sldTgt/>
+                  </p:tgtEl>
+                </p:cond>
+              </p:nextCondLst>
+            </p:seq>
+          </p:childTnLst>
+        </p:cTn>
+      </p:par>
+    </p:tnLst>
+    <p:bldLst>
+      <p:bldP spid="6" grpId="0" animBg="1"/>
+    </p:bldLst>
+  </p:timing>
+</p:sld>
+</file>
+
+<file path=ppt/slides/slide11.xml><?xml version="1.0" encoding="utf-8"?>
+<p:sld xmlns:a="http://schemas.openxmlformats.org/drawingml/2006/main" xmlns:r="http://schemas.openxmlformats.org/officeDocument/2006/relationships" xmlns:p="http://schemas.openxmlformats.org/presentationml/2006/main">
+  <p:cSld>
+    <p:spTree>
+      <p:nvGrpSpPr>
+        <p:cNvPr id="1" name=""/>
+        <p:cNvGrpSpPr/>
+        <p:nvPr/>
+      </p:nvGrpSpPr>
+      <p:grpSpPr>
+        <a:xfrm>
+          <a:off x="0" y="0"/>
+          <a:ext cx="0" cy="0"/>
+          <a:chOff x="0" y="0"/>
+          <a:chExt cx="0" cy="0"/>
+        </a:xfrm>
+      </p:grpSpPr>
+      <p:sp>
+        <p:nvSpPr>
           <p:cNvPr id="2" name="Subtitle 1"/>
           <p:cNvSpPr>
             <a:spLocks noGrp="1"/>
@@ -10750,7 +12137,7 @@
     <a:masterClrMapping/>
   </p:clrMapOvr>
   <mc:AlternateContent xmlns:mc="http://schemas.openxmlformats.org/markup-compatibility/2006">
-    <mc:Choice xmlns:p14="http://schemas.microsoft.com/office/powerpoint/2010/main" xmlns="" Requires="p14">
+    <mc:Choice xmlns="" xmlns:p14="http://schemas.microsoft.com/office/powerpoint/2010/main" Requires="p14">
       <p:transition spd="slow" p14:dur="2000" advClick="0" advTm="5000"/>
     </mc:Choice>
     <mc:Fallback>
@@ -10767,7 +12154,7 @@
 </p:sld>
 </file>
 
-<file path=ppt/slides/slide11.xml><?xml version="1.0" encoding="utf-8"?>
+<file path=ppt/slides/slide12.xml><?xml version="1.0" encoding="utf-8"?>
 <p:sld xmlns:a="http://schemas.openxmlformats.org/drawingml/2006/main" xmlns:r="http://schemas.openxmlformats.org/officeDocument/2006/relationships" xmlns:p="http://schemas.openxmlformats.org/presentationml/2006/main">
   <p:cSld>
     <p:spTree>
@@ -10802,7 +12189,7 @@
             <a:fld id="{2BF067CD-8E6B-4360-9AA8-C5DF2A48A6D1}" type="slidenum">
               <a:rPr lang="en-US" noProof="0" smtClean="0"/>
               <a:pPr/>
-              <a:t>11</a:t>
+              <a:t>12</a:t>
             </a:fld>
             <a:endParaRPr lang="en-US" noProof="0" dirty="0"/>
           </a:p>
@@ -10839,17 +12226,8 @@
             </a:r>
             <a:r>
               <a:rPr lang="ru-RU" sz="3600" dirty="0" smtClean="0"/>
-              <a:t>на </a:t>
-            </a:r>
-            <a:r>
-              <a:rPr lang="ru-RU" sz="3600" dirty="0" smtClean="0"/>
-              <a:t>редове от </a:t>
-            </a:r>
-            <a:r>
-              <a:rPr lang="ru-RU" sz="3600" dirty="0" smtClean="0"/>
-              <a:t>таблица</a:t>
-            </a:r>
-            <a:endParaRPr lang="ru-RU" sz="3600" dirty="0" smtClean="0"/>
+              <a:t>на редове от таблица</a:t>
+            </a:r>
           </a:p>
           <a:p>
             <a:r>
@@ -10866,11 +12244,7 @@
             </a:r>
             <a:r>
               <a:rPr lang="ru-RU" sz="3600" dirty="0" smtClean="0"/>
-              <a:t>на </a:t>
-            </a:r>
-            <a:r>
-              <a:rPr lang="ru-RU" sz="3600" dirty="0" smtClean="0"/>
-              <a:t>данни от базата, в зависимост от зададени </a:t>
+              <a:t>на данни от базата, в зависимост от зададени </a:t>
             </a:r>
             <a:r>
               <a:rPr lang="bg-BG" sz="3600" b="1" dirty="0" smtClean="0">
@@ -10919,7 +12293,7 @@
           <p:cNvPr id="6" name="Text Placeholder 4">
             <a:extLst>
               <a:ext uri="{FF2B5EF4-FFF2-40B4-BE49-F238E27FC236}">
-                <a16:creationId xmlns="" xmlns:a16="http://schemas.microsoft.com/office/drawing/2014/main" id="{FBED5352-2A36-4F28-AB8D-6335517E5493}"/>
+                <a16:creationId xmlns:a16="http://schemas.microsoft.com/office/drawing/2014/main" xmlns="" id="{FBED5352-2A36-4F28-AB8D-6335517E5493}"/>
               </a:ext>
             </a:extLst>
           </p:cNvPr>
@@ -11326,7 +12700,7 @@
     <a:masterClrMapping/>
   </p:clrMapOvr>
   <mc:AlternateContent xmlns:mc="http://schemas.openxmlformats.org/markup-compatibility/2006">
-    <mc:Choice xmlns:p14="http://schemas.microsoft.com/office/powerpoint/2010/main" xmlns="" Requires="p14">
+    <mc:Choice xmlns="" xmlns:p14="http://schemas.microsoft.com/office/powerpoint/2010/main" Requires="p14">
       <p:transition spd="slow" p14:dur="2000" advClick="0" advTm="5000"/>
     </mc:Choice>
     <mc:Fallback>
@@ -11537,7 +12911,7 @@
 </p:sld>
 </file>
 
-<file path=ppt/slides/slide12.xml><?xml version="1.0" encoding="utf-8"?>
+<file path=ppt/slides/slide13.xml><?xml version="1.0" encoding="utf-8"?>
 <p:sld xmlns:a="http://schemas.openxmlformats.org/drawingml/2006/main" xmlns:r="http://schemas.openxmlformats.org/officeDocument/2006/relationships" xmlns:p="http://schemas.openxmlformats.org/presentationml/2006/main">
   <p:cSld>
     <p:spTree>
@@ -11622,7 +12996,6 @@
               <a:rPr lang="en-US" dirty="0" smtClean="0"/>
               <a:t>!</a:t>
             </a:r>
-            <a:endParaRPr lang="en-US" dirty="0"/>
           </a:p>
           <a:p>
             <a:pPr>
@@ -11683,7 +13056,11 @@
           <a:p>
             <a:r>
               <a:rPr lang="bg-BG" dirty="0" smtClean="0"/>
-              <a:t>Изтриване на Данни</a:t>
+              <a:t>Изтриване на </a:t>
+            </a:r>
+            <a:r>
+              <a:rPr lang="bg-BG" dirty="0" smtClean="0"/>
+              <a:t>данни</a:t>
             </a:r>
             <a:endParaRPr lang="bg-BG" dirty="0"/>
           </a:p>
@@ -11699,8 +13076,8 @@
         </p:nvSpPr>
         <p:spPr bwMode="auto">
           <a:xfrm>
-            <a:off x="2225042" y="2098358"/>
-            <a:ext cx="9753596" cy="584775"/>
+            <a:off x="3261000" y="1719000"/>
+            <a:ext cx="7875000" cy="1077218"/>
           </a:xfrm>
           <a:prstGeom prst="rect">
             <a:avLst/>
@@ -11768,7 +13145,66 @@
                 <a:latin typeface="Consolas" pitchFamily="49" charset="0"/>
                 <a:cs typeface="Consolas" pitchFamily="49" charset="0"/>
               </a:rPr>
-              <a:t> Employees WHERE EmployeeID = 1</a:t>
+              <a:t> Employees </a:t>
+            </a:r>
+            <a:endParaRPr lang="bg-BG" sz="3200" b="1" noProof="1" smtClean="0">
+              <a:latin typeface="Consolas" pitchFamily="49" charset="0"/>
+              <a:cs typeface="Consolas" pitchFamily="49" charset="0"/>
+            </a:endParaRPr>
+          </a:p>
+          <a:p>
+            <a:pPr eaLnBrk="0" hangingPunct="0">
+              <a:buClr>
+                <a:schemeClr val="accent5">
+                  <a:lumMod val="40000"/>
+                  <a:lumOff val="60000"/>
+                </a:schemeClr>
+              </a:buClr>
+              <a:buSzPct val="70000"/>
+            </a:pPr>
+            <a:r>
+              <a:rPr lang="bg-BG" sz="3200" b="1" noProof="1" smtClean="0">
+                <a:solidFill>
+                  <a:schemeClr val="bg1"/>
+                </a:solidFill>
+                <a:latin typeface="Consolas" pitchFamily="49" charset="0"/>
+                <a:cs typeface="Consolas" pitchFamily="49" charset="0"/>
+              </a:rPr>
+              <a:t> </a:t>
+            </a:r>
+            <a:r>
+              <a:rPr lang="bg-BG" sz="3200" b="1" noProof="1" smtClean="0">
+                <a:solidFill>
+                  <a:schemeClr val="bg1"/>
+                </a:solidFill>
+                <a:latin typeface="Consolas" pitchFamily="49" charset="0"/>
+                <a:cs typeface="Consolas" pitchFamily="49" charset="0"/>
+              </a:rPr>
+              <a:t>     </a:t>
+            </a:r>
+            <a:r>
+              <a:rPr lang="en-US" sz="3200" b="1" noProof="1" smtClean="0">
+                <a:solidFill>
+                  <a:schemeClr val="bg1"/>
+                </a:solidFill>
+                <a:latin typeface="Consolas" pitchFamily="49" charset="0"/>
+                <a:cs typeface="Consolas" pitchFamily="49" charset="0"/>
+              </a:rPr>
+              <a:t>WHERE</a:t>
+            </a:r>
+            <a:r>
+              <a:rPr lang="en-US" sz="3200" b="1" noProof="1" smtClean="0">
+                <a:latin typeface="Consolas" pitchFamily="49" charset="0"/>
+                <a:cs typeface="Consolas" pitchFamily="49" charset="0"/>
+              </a:rPr>
+              <a:t> </a:t>
+            </a:r>
+            <a:r>
+              <a:rPr lang="en-US" sz="3200" b="1" noProof="1">
+                <a:latin typeface="Consolas" pitchFamily="49" charset="0"/>
+                <a:cs typeface="Consolas" pitchFamily="49" charset="0"/>
+              </a:rPr>
+              <a:t>EmployeeID = 1</a:t>
             </a:r>
           </a:p>
         </p:txBody>
@@ -11783,7 +13219,7 @@
         </p:nvSpPr>
         <p:spPr bwMode="auto">
           <a:xfrm>
-            <a:off x="2224091" y="5355337"/>
+            <a:off x="2181000" y="5589000"/>
             <a:ext cx="4816789" cy="584775"/>
           </a:xfrm>
           <a:prstGeom prst="rect">
@@ -11867,13 +13303,13 @@
         </p:nvSpPr>
         <p:spPr bwMode="auto">
           <a:xfrm>
-            <a:off x="9217152" y="3264317"/>
+            <a:off x="8301000" y="3159000"/>
             <a:ext cx="2133600" cy="754917"/>
           </a:xfrm>
           <a:prstGeom prst="wedgeRoundRectCallout">
             <a:avLst>
-              <a:gd name="adj1" fmla="val -52495"/>
-              <a:gd name="adj2" fmla="val -99534"/>
+              <a:gd name="adj1" fmla="val -52494"/>
+              <a:gd name="adj2" fmla="val -116285"/>
               <a:gd name="adj3" fmla="val 16667"/>
             </a:avLst>
           </a:prstGeom>
@@ -11959,7 +13395,7 @@
           <a:blip r:embed="rId2" cstate="print">
             <a:extLst>
               <a:ext uri="{28A0092B-C50C-407E-A947-70E740481C1C}">
-                <a14:useLocalDpi xmlns="" xmlns:a14="http://schemas.microsoft.com/office/drawing/2010/main" val="0"/>
+                <a14:useLocalDpi xmlns:a14="http://schemas.microsoft.com/office/drawing/2010/main" xmlns="" val="0"/>
               </a:ext>
             </a:extLst>
           </a:blip>
@@ -11969,7 +13405,7 @@
         </p:blipFill>
         <p:spPr>
           <a:xfrm>
-            <a:off x="7459599" y="4746988"/>
+            <a:off x="7491000" y="5004000"/>
             <a:ext cx="1445808" cy="1445808"/>
           </a:xfrm>
           <a:prstGeom prst="rect">
@@ -11982,7 +13418,7 @@
           <p:cNvPr id="10" name="Slide Number">
             <a:extLst>
               <a:ext uri="{FF2B5EF4-FFF2-40B4-BE49-F238E27FC236}">
-                <a16:creationId xmlns="" xmlns:a16="http://schemas.microsoft.com/office/drawing/2014/main" id="{A8070826-6392-4D3E-B348-E04A0EFFF26F}"/>
+                <a16:creationId xmlns:a16="http://schemas.microsoft.com/office/drawing/2014/main" xmlns="" id="{A8070826-6392-4D3E-B348-E04A0EFFF26F}"/>
               </a:ext>
             </a:extLst>
           </p:cNvPr>
@@ -12101,7 +13537,7 @@
             <a:fld id="{2BF067CD-8E6B-4360-9AA8-C5DF2A48A6D1}" type="slidenum">
               <a:rPr lang="en-US" smtClean="0"/>
               <a:pPr/>
-              <a:t>12</a:t>
+              <a:t>13</a:t>
             </a:fld>
             <a:endParaRPr lang="en-US" dirty="0"/>
           </a:p>
@@ -12110,7 +13546,7 @@
     </p:spTree>
     <p:extLst>
       <p:ext uri="{BB962C8B-B14F-4D97-AF65-F5344CB8AC3E}">
-        <p14:creationId xmlns="" xmlns:p14="http://schemas.microsoft.com/office/powerpoint/2010/main" val="2406898082"/>
+        <p14:creationId xmlns:p14="http://schemas.microsoft.com/office/powerpoint/2010/main" xmlns="" val="2406898082"/>
       </p:ext>
     </p:extLst>
   </p:cSld>
@@ -12398,6 +13834,3722 @@
 </p:sld>
 </file>
 
+<file path=ppt/slides/slide14.xml><?xml version="1.0" encoding="utf-8"?>
+<p:sld xmlns:a="http://schemas.openxmlformats.org/drawingml/2006/main" xmlns:r="http://schemas.openxmlformats.org/officeDocument/2006/relationships" xmlns:p="http://schemas.openxmlformats.org/presentationml/2006/main">
+  <p:cSld>
+    <p:spTree>
+      <p:nvGrpSpPr>
+        <p:cNvPr id="1" name=""/>
+        <p:cNvGrpSpPr/>
+        <p:nvPr/>
+      </p:nvGrpSpPr>
+      <p:grpSpPr>
+        <a:xfrm>
+          <a:off x="0" y="0"/>
+          <a:ext cx="0" cy="0"/>
+          <a:chOff x="0" y="0"/>
+          <a:chExt cx="0" cy="0"/>
+        </a:xfrm>
+      </p:grpSpPr>
+      <p:sp>
+        <p:nvSpPr>
+          <p:cNvPr id="5" name="Text Placeholder 4"/>
+          <p:cNvSpPr>
+            <a:spLocks noGrp="1"/>
+          </p:cNvSpPr>
+          <p:nvPr>
+            <p:ph type="body" sz="quarter" idx="10"/>
+          </p:nvPr>
+        </p:nvSpPr>
+        <p:spPr/>
+        <p:txBody>
+          <a:bodyPr>
+            <a:normAutofit/>
+          </a:bodyPr>
+          <a:lstStyle/>
+          <a:p>
+            <a:pPr>
+              <a:buClr>
+                <a:schemeClr val="tx2"/>
+              </a:buClr>
+            </a:pPr>
+            <a:r>
+              <a:rPr lang="bg-BG" sz="3400" b="1" dirty="0" smtClean="0">
+                <a:solidFill>
+                  <a:schemeClr val="bg1"/>
+                </a:solidFill>
+              </a:rPr>
+              <a:t>Изтрийте</a:t>
+            </a:r>
+            <a:r>
+              <a:rPr lang="bg-BG" sz="3400" dirty="0" smtClean="0"/>
+              <a:t> поръчките, чиито </a:t>
+            </a:r>
+            <a:r>
+              <a:rPr lang="en-US" sz="3400" b="1" dirty="0" smtClean="0">
+                <a:solidFill>
+                  <a:schemeClr val="bg1"/>
+                </a:solidFill>
+              </a:rPr>
+              <a:t>OrderDate</a:t>
+            </a:r>
+            <a:r>
+              <a:rPr lang="en-US" sz="3400" dirty="0" smtClean="0"/>
+              <a:t> </a:t>
+            </a:r>
+            <a:r>
+              <a:rPr lang="bg-BG" sz="3400" dirty="0" smtClean="0"/>
+              <a:t>е преди</a:t>
+            </a:r>
+            <a:r>
+              <a:rPr lang="en-US" dirty="0" smtClean="0"/>
+              <a:t> </a:t>
+            </a:r>
+            <a:r>
+              <a:rPr lang="en-US" b="1" dirty="0" smtClean="0">
+                <a:solidFill>
+                  <a:schemeClr val="bg1"/>
+                </a:solidFill>
+              </a:rPr>
+              <a:t>'2023-01-01'</a:t>
+            </a:r>
+            <a:endParaRPr lang="en-US" sz="3400" b="1" dirty="0">
+              <a:solidFill>
+                <a:schemeClr val="bg1"/>
+              </a:solidFill>
+            </a:endParaRPr>
+          </a:p>
+          <a:p>
+            <a:pPr lvl="1"/>
+            <a:r>
+              <a:rPr lang="bg-BG" sz="3400" dirty="0" smtClean="0"/>
+              <a:t>Подсказка</a:t>
+            </a:r>
+            <a:r>
+              <a:rPr lang="en-US" sz="3400" dirty="0" smtClean="0"/>
+              <a:t>: </a:t>
+            </a:r>
+            <a:r>
+              <a:rPr lang="bg-BG" sz="3400" dirty="0" smtClean="0"/>
+              <a:t>Използвайте </a:t>
+            </a:r>
+            <a:r>
+              <a:rPr lang="en-US" sz="3400" b="1" dirty="0" smtClean="0">
+                <a:solidFill>
+                  <a:schemeClr val="bg1"/>
+                </a:solidFill>
+              </a:rPr>
+              <a:t>WHERE</a:t>
+            </a:r>
+            <a:endParaRPr lang="en-US" sz="3400" b="1" dirty="0">
+              <a:solidFill>
+                <a:schemeClr val="bg1"/>
+              </a:solidFill>
+            </a:endParaRPr>
+          </a:p>
+        </p:txBody>
+      </p:sp>
+      <p:sp>
+        <p:nvSpPr>
+          <p:cNvPr id="4" name="Title 3"/>
+          <p:cNvSpPr>
+            <a:spLocks noGrp="1"/>
+          </p:cNvSpPr>
+          <p:nvPr>
+            <p:ph type="title"/>
+          </p:nvPr>
+        </p:nvSpPr>
+        <p:spPr/>
+        <p:txBody>
+          <a:bodyPr/>
+          <a:lstStyle/>
+          <a:p>
+            <a:r>
+              <a:rPr lang="bg-BG" dirty="0" smtClean="0"/>
+              <a:t>Задача</a:t>
+            </a:r>
+            <a:r>
+              <a:rPr lang="en-US" dirty="0" smtClean="0"/>
+              <a:t>: </a:t>
+            </a:r>
+            <a:r>
+              <a:rPr lang="bg-BG" dirty="0" smtClean="0"/>
+              <a:t>Изтрийте поръчки</a:t>
+            </a:r>
+            <a:endParaRPr lang="en-US" dirty="0"/>
+          </a:p>
+        </p:txBody>
+      </p:sp>
+      <p:graphicFrame>
+        <p:nvGraphicFramePr>
+          <p:cNvPr id="8" name="Group 5"/>
+          <p:cNvGraphicFramePr>
+            <a:graphicFrameLocks noGrp="1"/>
+          </p:cNvGraphicFramePr>
+          <p:nvPr>
+            <p:extLst>
+              <p:ext uri="{D42A27DB-BD31-4B8C-83A1-F6EECF244321}">
+                <p14:modId xmlns:p14="http://schemas.microsoft.com/office/powerpoint/2010/main" xmlns="" val="888307407"/>
+              </p:ext>
+            </p:extLst>
+          </p:nvPr>
+        </p:nvGraphicFramePr>
+        <p:xfrm>
+          <a:off x="3396000" y="3159000"/>
+          <a:ext cx="5393825" cy="2745000"/>
+        </p:xfrm>
+        <a:graphic>
+          <a:graphicData uri="http://schemas.openxmlformats.org/drawingml/2006/table">
+            <a:tbl>
+              <a:tblPr/>
+              <a:tblGrid>
+                <a:gridCol w="3352918">
+                  <a:extLst>
+                    <a:ext uri="{9D8B030D-6E8A-4147-A177-3AD203B41FA5}">
+                      <a16:colId xmlns:a16="http://schemas.microsoft.com/office/drawing/2014/main" xmlns="" val="20000"/>
+                    </a:ext>
+                  </a:extLst>
+                </a:gridCol>
+                <a:gridCol w="2040907">
+                  <a:extLst>
+                    <a:ext uri="{9D8B030D-6E8A-4147-A177-3AD203B41FA5}">
+                      <a16:colId xmlns:a16="http://schemas.microsoft.com/office/drawing/2014/main" xmlns="" val="20001"/>
+                    </a:ext>
+                  </a:extLst>
+                </a:gridCol>
+              </a:tblGrid>
+              <a:tr h="546604">
+                <a:tc>
+                  <a:txBody>
+                    <a:bodyPr/>
+                    <a:lstStyle/>
+                    <a:p>
+                      <a:pPr marL="0" marR="0" lvl="0" indent="0" algn="l" defTabSz="914400" rtl="0" eaLnBrk="0" fontAlgn="base" latinLnBrk="0" hangingPunct="0">
+                        <a:lnSpc>
+                          <a:spcPct val="95000"/>
+                        </a:lnSpc>
+                        <a:spcBef>
+                          <a:spcPct val="40000"/>
+                        </a:spcBef>
+                        <a:spcAft>
+                          <a:spcPct val="0"/>
+                        </a:spcAft>
+                        <a:buClr>
+                          <a:schemeClr val="tx1"/>
+                        </a:buClr>
+                        <a:buSzTx/>
+                        <a:buFontTx/>
+                        <a:buNone/>
+                        <a:tabLst/>
+                      </a:pPr>
+                      <a:r>
+                        <a:rPr kumimoji="1" lang="en-US" sz="3000" b="1" i="0" u="none" strike="noStrike" cap="none" normalizeH="0" baseline="0" noProof="1" smtClean="0">
+                          <a:ln>
+                            <a:noFill/>
+                          </a:ln>
+                          <a:solidFill>
+                            <a:schemeClr val="tx1"/>
+                          </a:solidFill>
+                          <a:effectLst/>
+                          <a:latin typeface="+mn-lt"/>
+                        </a:rPr>
+                        <a:t>OrderId</a:t>
+                      </a:r>
+                      <a:endParaRPr kumimoji="1" lang="en-US" sz="3000" b="1" i="0" u="none" strike="noStrike" cap="none" normalizeH="0" baseline="0" noProof="1">
+                        <a:ln>
+                          <a:noFill/>
+                        </a:ln>
+                        <a:solidFill>
+                          <a:schemeClr val="tx1"/>
+                        </a:solidFill>
+                        <a:effectLst/>
+                        <a:latin typeface="+mn-lt"/>
+                      </a:endParaRPr>
+                    </a:p>
+                  </a:txBody>
+                  <a:tcPr marL="98741" marR="98741" marT="49371" marB="49371" horzOverflow="overflow">
+                    <a:lnL w="28575" cap="flat" cmpd="sng" algn="ctr">
+                      <a:solidFill>
+                        <a:schemeClr val="accent5">
+                          <a:lumMod val="20000"/>
+                          <a:lumOff val="80000"/>
+                        </a:schemeClr>
+                      </a:solidFill>
+                      <a:prstDash val="solid"/>
+                      <a:round/>
+                      <a:headEnd type="none" w="med" len="med"/>
+                      <a:tailEnd type="none" w="med" len="med"/>
+                    </a:lnL>
+                    <a:lnR w="28575" cap="flat" cmpd="sng" algn="ctr">
+                      <a:solidFill>
+                        <a:schemeClr val="accent5">
+                          <a:lumMod val="20000"/>
+                          <a:lumOff val="80000"/>
+                        </a:schemeClr>
+                      </a:solidFill>
+                      <a:prstDash val="solid"/>
+                      <a:round/>
+                      <a:headEnd type="none" w="med" len="med"/>
+                      <a:tailEnd type="none" w="med" len="med"/>
+                    </a:lnR>
+                    <a:lnT w="28575" cap="flat" cmpd="sng" algn="ctr">
+                      <a:solidFill>
+                        <a:schemeClr val="accent5">
+                          <a:lumMod val="20000"/>
+                          <a:lumOff val="80000"/>
+                        </a:schemeClr>
+                      </a:solidFill>
+                      <a:prstDash val="solid"/>
+                      <a:round/>
+                      <a:headEnd type="none" w="med" len="med"/>
+                      <a:tailEnd type="none" w="med" len="med"/>
+                    </a:lnT>
+                    <a:lnB w="28575" cap="flat" cmpd="sng" algn="ctr">
+                      <a:solidFill>
+                        <a:schemeClr val="accent5">
+                          <a:lumMod val="20000"/>
+                          <a:lumOff val="80000"/>
+                        </a:schemeClr>
+                      </a:solidFill>
+                      <a:prstDash val="solid"/>
+                      <a:round/>
+                      <a:headEnd type="none" w="med" len="med"/>
+                      <a:tailEnd type="none" w="med" len="med"/>
+                    </a:lnB>
+                    <a:lnTlToBr>
+                      <a:noFill/>
+                    </a:lnTlToBr>
+                    <a:lnBlToTr>
+                      <a:noFill/>
+                    </a:lnBlToTr>
+                    <a:solidFill>
+                      <a:schemeClr val="accent5">
+                        <a:lumMod val="60000"/>
+                        <a:lumOff val="40000"/>
+                        <a:alpha val="50000"/>
+                      </a:schemeClr>
+                    </a:solidFill>
+                  </a:tcPr>
+                </a:tc>
+                <a:tc>
+                  <a:txBody>
+                    <a:bodyPr/>
+                    <a:lstStyle/>
+                    <a:p>
+                      <a:pPr marL="0" marR="0" lvl="0" indent="0" algn="l" defTabSz="914400" rtl="0" eaLnBrk="0" fontAlgn="base" latinLnBrk="0" hangingPunct="0">
+                        <a:lnSpc>
+                          <a:spcPct val="95000"/>
+                        </a:lnSpc>
+                        <a:spcBef>
+                          <a:spcPct val="40000"/>
+                        </a:spcBef>
+                        <a:spcAft>
+                          <a:spcPct val="0"/>
+                        </a:spcAft>
+                        <a:buClr>
+                          <a:schemeClr val="tx1"/>
+                        </a:buClr>
+                        <a:buSzTx/>
+                        <a:buFontTx/>
+                        <a:buNone/>
+                        <a:tabLst/>
+                      </a:pPr>
+                      <a:r>
+                        <a:rPr kumimoji="1" lang="en-US" sz="3000" b="1" i="0" u="none" strike="noStrike" cap="none" normalizeH="0" baseline="0" noProof="1" smtClean="0">
+                          <a:ln>
+                            <a:noFill/>
+                          </a:ln>
+                          <a:solidFill>
+                            <a:schemeClr val="tx1"/>
+                          </a:solidFill>
+                          <a:effectLst/>
+                          <a:latin typeface="+mn-lt"/>
+                        </a:rPr>
+                        <a:t>OrderDate</a:t>
+                      </a:r>
+                      <a:endParaRPr kumimoji="1" lang="en-US" sz="3000" b="1" i="0" u="none" strike="noStrike" cap="none" normalizeH="0" baseline="0" noProof="1">
+                        <a:ln>
+                          <a:noFill/>
+                        </a:ln>
+                        <a:solidFill>
+                          <a:schemeClr val="tx1"/>
+                        </a:solidFill>
+                        <a:effectLst/>
+                        <a:latin typeface="+mn-lt"/>
+                      </a:endParaRPr>
+                    </a:p>
+                  </a:txBody>
+                  <a:tcPr marL="98741" marR="98741" marT="49371" marB="49371" horzOverflow="overflow">
+                    <a:lnL w="28575" cap="flat" cmpd="sng" algn="ctr">
+                      <a:solidFill>
+                        <a:schemeClr val="accent5">
+                          <a:lumMod val="20000"/>
+                          <a:lumOff val="80000"/>
+                        </a:schemeClr>
+                      </a:solidFill>
+                      <a:prstDash val="solid"/>
+                      <a:round/>
+                      <a:headEnd type="none" w="med" len="med"/>
+                      <a:tailEnd type="none" w="med" len="med"/>
+                    </a:lnL>
+                    <a:lnR w="28575" cap="flat" cmpd="sng" algn="ctr">
+                      <a:solidFill>
+                        <a:schemeClr val="accent5">
+                          <a:lumMod val="20000"/>
+                          <a:lumOff val="80000"/>
+                        </a:schemeClr>
+                      </a:solidFill>
+                      <a:prstDash val="solid"/>
+                      <a:round/>
+                      <a:headEnd type="none" w="med" len="med"/>
+                      <a:tailEnd type="none" w="med" len="med"/>
+                    </a:lnR>
+                    <a:lnT w="28575" cap="flat" cmpd="sng" algn="ctr">
+                      <a:solidFill>
+                        <a:schemeClr val="accent5">
+                          <a:lumMod val="20000"/>
+                          <a:lumOff val="80000"/>
+                        </a:schemeClr>
+                      </a:solidFill>
+                      <a:prstDash val="solid"/>
+                      <a:round/>
+                      <a:headEnd type="none" w="med" len="med"/>
+                      <a:tailEnd type="none" w="med" len="med"/>
+                    </a:lnT>
+                    <a:lnB w="28575" cap="flat" cmpd="sng" algn="ctr">
+                      <a:solidFill>
+                        <a:schemeClr val="accent5">
+                          <a:lumMod val="20000"/>
+                          <a:lumOff val="80000"/>
+                        </a:schemeClr>
+                      </a:solidFill>
+                      <a:prstDash val="solid"/>
+                      <a:round/>
+                      <a:headEnd type="none" w="med" len="med"/>
+                      <a:tailEnd type="none" w="med" len="med"/>
+                    </a:lnB>
+                    <a:lnTlToBr>
+                      <a:noFill/>
+                    </a:lnTlToBr>
+                    <a:lnBlToTr>
+                      <a:noFill/>
+                    </a:lnBlToTr>
+                    <a:solidFill>
+                      <a:schemeClr val="accent5">
+                        <a:lumMod val="60000"/>
+                        <a:lumOff val="40000"/>
+                        <a:alpha val="50000"/>
+                      </a:schemeClr>
+                    </a:solidFill>
+                  </a:tcPr>
+                </a:tc>
+                <a:extLst>
+                  <a:ext uri="{0D108BD9-81ED-4DB2-BD59-A6C34878D82A}">
+                    <a16:rowId xmlns:a16="http://schemas.microsoft.com/office/drawing/2014/main" xmlns="" val="10000"/>
+                  </a:ext>
+                </a:extLst>
+              </a:tr>
+              <a:tr h="549599">
+                <a:tc>
+                  <a:txBody>
+                    <a:bodyPr/>
+                    <a:lstStyle/>
+                    <a:p>
+                      <a:pPr marL="0" marR="0" lvl="0" indent="0" algn="l" defTabSz="914400" rtl="0" eaLnBrk="0" fontAlgn="base" latinLnBrk="0" hangingPunct="0">
+                        <a:lnSpc>
+                          <a:spcPct val="95000"/>
+                        </a:lnSpc>
+                        <a:spcBef>
+                          <a:spcPct val="40000"/>
+                        </a:spcBef>
+                        <a:spcAft>
+                          <a:spcPct val="0"/>
+                        </a:spcAft>
+                        <a:buClr>
+                          <a:schemeClr val="tx1"/>
+                        </a:buClr>
+                        <a:buSzTx/>
+                        <a:buFontTx/>
+                        <a:buNone/>
+                        <a:tabLst/>
+                      </a:pPr>
+                      <a:r>
+                        <a:rPr kumimoji="1" lang="en-US" sz="3000" b="1" i="0" u="none" strike="noStrike" cap="none" normalizeH="0" baseline="0" dirty="0">
+                          <a:ln>
+                            <a:noFill/>
+                          </a:ln>
+                          <a:solidFill>
+                            <a:schemeClr val="tx1"/>
+                          </a:solidFill>
+                          <a:effectLst/>
+                          <a:latin typeface="+mn-lt"/>
+                        </a:rPr>
+                        <a:t>Classic Vest</a:t>
+                      </a:r>
+                      <a:endParaRPr kumimoji="1" lang="bg-BG" sz="3000" b="1" i="0" u="none" strike="noStrike" cap="none" normalizeH="0" baseline="0" dirty="0">
+                        <a:ln>
+                          <a:noFill/>
+                        </a:ln>
+                        <a:solidFill>
+                          <a:schemeClr val="tx1"/>
+                        </a:solidFill>
+                        <a:effectLst/>
+                        <a:latin typeface="+mn-lt"/>
+                      </a:endParaRPr>
+                    </a:p>
+                  </a:txBody>
+                  <a:tcPr marL="98741" marR="98741" marT="49371" marB="49371" horzOverflow="overflow">
+                    <a:lnL w="28575" cap="flat" cmpd="sng" algn="ctr">
+                      <a:solidFill>
+                        <a:schemeClr val="accent5">
+                          <a:lumMod val="20000"/>
+                          <a:lumOff val="80000"/>
+                        </a:schemeClr>
+                      </a:solidFill>
+                      <a:prstDash val="solid"/>
+                      <a:round/>
+                      <a:headEnd type="none" w="med" len="med"/>
+                      <a:tailEnd type="none" w="med" len="med"/>
+                    </a:lnL>
+                    <a:lnR w="28575" cap="flat" cmpd="sng" algn="ctr">
+                      <a:solidFill>
+                        <a:schemeClr val="accent5">
+                          <a:lumMod val="20000"/>
+                          <a:lumOff val="80000"/>
+                        </a:schemeClr>
+                      </a:solidFill>
+                      <a:prstDash val="solid"/>
+                      <a:round/>
+                      <a:headEnd type="none" w="med" len="med"/>
+                      <a:tailEnd type="none" w="med" len="med"/>
+                    </a:lnR>
+                    <a:lnT w="28575" cap="flat" cmpd="sng" algn="ctr">
+                      <a:solidFill>
+                        <a:schemeClr val="accent5">
+                          <a:lumMod val="20000"/>
+                          <a:lumOff val="80000"/>
+                        </a:schemeClr>
+                      </a:solidFill>
+                      <a:prstDash val="solid"/>
+                      <a:round/>
+                      <a:headEnd type="none" w="med" len="med"/>
+                      <a:tailEnd type="none" w="med" len="med"/>
+                    </a:lnT>
+                    <a:lnB w="28575" cap="flat" cmpd="sng" algn="ctr">
+                      <a:solidFill>
+                        <a:schemeClr val="accent5">
+                          <a:lumMod val="20000"/>
+                          <a:lumOff val="80000"/>
+                        </a:schemeClr>
+                      </a:solidFill>
+                      <a:prstDash val="solid"/>
+                      <a:round/>
+                      <a:headEnd type="none" w="med" len="med"/>
+                      <a:tailEnd type="none" w="med" len="med"/>
+                    </a:lnB>
+                    <a:lnTlToBr>
+                      <a:noFill/>
+                    </a:lnTlToBr>
+                    <a:lnBlToTr>
+                      <a:noFill/>
+                    </a:lnBlToTr>
+                    <a:noFill/>
+                  </a:tcPr>
+                </a:tc>
+                <a:tc>
+                  <a:txBody>
+                    <a:bodyPr/>
+                    <a:lstStyle/>
+                    <a:p>
+                      <a:pPr marL="0" marR="0" lvl="0" indent="0" algn="l" defTabSz="914400" rtl="0" eaLnBrk="0" fontAlgn="base" latinLnBrk="0" hangingPunct="0">
+                        <a:lnSpc>
+                          <a:spcPct val="95000"/>
+                        </a:lnSpc>
+                        <a:spcBef>
+                          <a:spcPct val="40000"/>
+                        </a:spcBef>
+                        <a:spcAft>
+                          <a:spcPct val="0"/>
+                        </a:spcAft>
+                        <a:buClr>
+                          <a:schemeClr val="tx1"/>
+                        </a:buClr>
+                        <a:buSzTx/>
+                        <a:buFontTx/>
+                        <a:buNone/>
+                        <a:tabLst/>
+                      </a:pPr>
+                      <a:r>
+                        <a:rPr kumimoji="1" lang="en-US" sz="3000" b="1" i="0" u="none" strike="noStrike" cap="none" normalizeH="0" baseline="0" dirty="0" smtClean="0">
+                          <a:ln>
+                            <a:noFill/>
+                          </a:ln>
+                          <a:solidFill>
+                            <a:schemeClr val="tx1"/>
+                          </a:solidFill>
+                          <a:effectLst/>
+                          <a:latin typeface="+mn-lt"/>
+                        </a:rPr>
+                        <a:t>2019-06-20</a:t>
+                      </a:r>
+                      <a:endParaRPr kumimoji="1" lang="bg-BG" sz="3000" b="1" i="0" u="none" strike="noStrike" cap="none" normalizeH="0" baseline="0" dirty="0">
+                        <a:ln>
+                          <a:noFill/>
+                        </a:ln>
+                        <a:solidFill>
+                          <a:schemeClr val="tx1"/>
+                        </a:solidFill>
+                        <a:effectLst/>
+                        <a:latin typeface="+mn-lt"/>
+                      </a:endParaRPr>
+                    </a:p>
+                  </a:txBody>
+                  <a:tcPr marL="98741" marR="98741" marT="49371" marB="49371" horzOverflow="overflow">
+                    <a:lnL w="28575" cap="flat" cmpd="sng" algn="ctr">
+                      <a:solidFill>
+                        <a:schemeClr val="accent5">
+                          <a:lumMod val="20000"/>
+                          <a:lumOff val="80000"/>
+                        </a:schemeClr>
+                      </a:solidFill>
+                      <a:prstDash val="solid"/>
+                      <a:round/>
+                      <a:headEnd type="none" w="med" len="med"/>
+                      <a:tailEnd type="none" w="med" len="med"/>
+                    </a:lnL>
+                    <a:lnR w="28575" cap="flat" cmpd="sng" algn="ctr">
+                      <a:solidFill>
+                        <a:schemeClr val="accent5">
+                          <a:lumMod val="20000"/>
+                          <a:lumOff val="80000"/>
+                        </a:schemeClr>
+                      </a:solidFill>
+                      <a:prstDash val="solid"/>
+                      <a:round/>
+                      <a:headEnd type="none" w="med" len="med"/>
+                      <a:tailEnd type="none" w="med" len="med"/>
+                    </a:lnR>
+                    <a:lnT w="28575" cap="flat" cmpd="sng" algn="ctr">
+                      <a:solidFill>
+                        <a:schemeClr val="accent5">
+                          <a:lumMod val="20000"/>
+                          <a:lumOff val="80000"/>
+                        </a:schemeClr>
+                      </a:solidFill>
+                      <a:prstDash val="solid"/>
+                      <a:round/>
+                      <a:headEnd type="none" w="med" len="med"/>
+                      <a:tailEnd type="none" w="med" len="med"/>
+                    </a:lnT>
+                    <a:lnB w="28575" cap="flat" cmpd="sng" algn="ctr">
+                      <a:solidFill>
+                        <a:schemeClr val="accent5">
+                          <a:lumMod val="20000"/>
+                          <a:lumOff val="80000"/>
+                        </a:schemeClr>
+                      </a:solidFill>
+                      <a:prstDash val="solid"/>
+                      <a:round/>
+                      <a:headEnd type="none" w="med" len="med"/>
+                      <a:tailEnd type="none" w="med" len="med"/>
+                    </a:lnB>
+                    <a:lnTlToBr>
+                      <a:noFill/>
+                    </a:lnTlToBr>
+                    <a:lnBlToTr>
+                      <a:noFill/>
+                    </a:lnBlToTr>
+                    <a:noFill/>
+                  </a:tcPr>
+                </a:tc>
+                <a:extLst>
+                  <a:ext uri="{0D108BD9-81ED-4DB2-BD59-A6C34878D82A}">
+                    <a16:rowId xmlns:a16="http://schemas.microsoft.com/office/drawing/2014/main" xmlns="" val="10001"/>
+                  </a:ext>
+                </a:extLst>
+              </a:tr>
+              <a:tr h="549599">
+                <a:tc>
+                  <a:txBody>
+                    <a:bodyPr/>
+                    <a:lstStyle/>
+                    <a:p>
+                      <a:pPr marL="0" marR="0" lvl="0" indent="0" algn="l" defTabSz="914400" rtl="0" eaLnBrk="0" fontAlgn="base" latinLnBrk="0" hangingPunct="0">
+                        <a:lnSpc>
+                          <a:spcPct val="95000"/>
+                        </a:lnSpc>
+                        <a:spcBef>
+                          <a:spcPct val="40000"/>
+                        </a:spcBef>
+                        <a:spcAft>
+                          <a:spcPct val="0"/>
+                        </a:spcAft>
+                        <a:buClr>
+                          <a:schemeClr val="tx1"/>
+                        </a:buClr>
+                        <a:buSzTx/>
+                        <a:buFontTx/>
+                        <a:buNone/>
+                        <a:tabLst/>
+                      </a:pPr>
+                      <a:r>
+                        <a:rPr kumimoji="1" lang="en-US" sz="3000" b="1" i="0" u="none" strike="noStrike" cap="none" normalizeH="0" baseline="0" dirty="0">
+                          <a:ln>
+                            <a:noFill/>
+                          </a:ln>
+                          <a:solidFill>
+                            <a:schemeClr val="tx1"/>
+                          </a:solidFill>
+                          <a:effectLst/>
+                          <a:latin typeface="+mn-lt"/>
+                        </a:rPr>
+                        <a:t>HL Touring Frame</a:t>
+                      </a:r>
+                      <a:endParaRPr kumimoji="1" lang="bg-BG" sz="3000" b="1" i="0" u="none" strike="noStrike" cap="none" normalizeH="0" baseline="0" dirty="0">
+                        <a:ln>
+                          <a:noFill/>
+                        </a:ln>
+                        <a:solidFill>
+                          <a:schemeClr val="tx1"/>
+                        </a:solidFill>
+                        <a:effectLst/>
+                        <a:latin typeface="+mn-lt"/>
+                      </a:endParaRPr>
+                    </a:p>
+                  </a:txBody>
+                  <a:tcPr marL="98741" marR="98741" marT="49371" marB="49371" horzOverflow="overflow">
+                    <a:lnL w="28575" cap="flat" cmpd="sng" algn="ctr">
+                      <a:solidFill>
+                        <a:schemeClr val="accent5">
+                          <a:lumMod val="20000"/>
+                          <a:lumOff val="80000"/>
+                        </a:schemeClr>
+                      </a:solidFill>
+                      <a:prstDash val="solid"/>
+                      <a:round/>
+                      <a:headEnd type="none" w="med" len="med"/>
+                      <a:tailEnd type="none" w="med" len="med"/>
+                    </a:lnL>
+                    <a:lnR w="28575" cap="flat" cmpd="sng" algn="ctr">
+                      <a:solidFill>
+                        <a:schemeClr val="accent5">
+                          <a:lumMod val="20000"/>
+                          <a:lumOff val="80000"/>
+                        </a:schemeClr>
+                      </a:solidFill>
+                      <a:prstDash val="solid"/>
+                      <a:round/>
+                      <a:headEnd type="none" w="med" len="med"/>
+                      <a:tailEnd type="none" w="med" len="med"/>
+                    </a:lnR>
+                    <a:lnT w="28575" cap="flat" cmpd="sng" algn="ctr">
+                      <a:solidFill>
+                        <a:schemeClr val="accent5">
+                          <a:lumMod val="20000"/>
+                          <a:lumOff val="80000"/>
+                        </a:schemeClr>
+                      </a:solidFill>
+                      <a:prstDash val="solid"/>
+                      <a:round/>
+                      <a:headEnd type="none" w="med" len="med"/>
+                      <a:tailEnd type="none" w="med" len="med"/>
+                    </a:lnT>
+                    <a:lnB w="28575" cap="flat" cmpd="sng" algn="ctr">
+                      <a:solidFill>
+                        <a:schemeClr val="accent5">
+                          <a:lumMod val="20000"/>
+                          <a:lumOff val="80000"/>
+                        </a:schemeClr>
+                      </a:solidFill>
+                      <a:prstDash val="solid"/>
+                      <a:round/>
+                      <a:headEnd type="none" w="med" len="med"/>
+                      <a:tailEnd type="none" w="med" len="med"/>
+                    </a:lnB>
+                    <a:lnTlToBr>
+                      <a:noFill/>
+                    </a:lnTlToBr>
+                    <a:lnBlToTr>
+                      <a:noFill/>
+                    </a:lnBlToTr>
+                    <a:noFill/>
+                  </a:tcPr>
+                </a:tc>
+                <a:tc>
+                  <a:txBody>
+                    <a:bodyPr/>
+                    <a:lstStyle/>
+                    <a:p>
+                      <a:pPr marL="0" marR="0" lvl="0" indent="0" algn="l" defTabSz="914400" rtl="0" eaLnBrk="0" fontAlgn="base" latinLnBrk="0" hangingPunct="0">
+                        <a:lnSpc>
+                          <a:spcPct val="95000"/>
+                        </a:lnSpc>
+                        <a:spcBef>
+                          <a:spcPct val="40000"/>
+                        </a:spcBef>
+                        <a:spcAft>
+                          <a:spcPct val="0"/>
+                        </a:spcAft>
+                        <a:buClr>
+                          <a:schemeClr val="tx1"/>
+                        </a:buClr>
+                        <a:buSzTx/>
+                        <a:buFontTx/>
+                        <a:buNone/>
+                        <a:tabLst/>
+                      </a:pPr>
+                      <a:r>
+                        <a:rPr kumimoji="1" lang="en-US" sz="3000" b="1" i="0" u="none" strike="noStrike" cap="none" normalizeH="0" baseline="0" dirty="0" smtClean="0">
+                          <a:ln>
+                            <a:noFill/>
+                          </a:ln>
+                          <a:solidFill>
+                            <a:schemeClr val="tx1"/>
+                          </a:solidFill>
+                          <a:effectLst/>
+                          <a:latin typeface="+mn-lt"/>
+                        </a:rPr>
+                        <a:t>2022-07-15</a:t>
+                      </a:r>
+                      <a:endParaRPr kumimoji="1" lang="bg-BG" sz="3000" b="1" i="0" u="none" strike="noStrike" cap="none" normalizeH="0" baseline="0" dirty="0">
+                        <a:ln>
+                          <a:noFill/>
+                        </a:ln>
+                        <a:solidFill>
+                          <a:schemeClr val="tx1"/>
+                        </a:solidFill>
+                        <a:effectLst/>
+                        <a:latin typeface="+mn-lt"/>
+                      </a:endParaRPr>
+                    </a:p>
+                  </a:txBody>
+                  <a:tcPr marL="98741" marR="98741" marT="49371" marB="49371" horzOverflow="overflow">
+                    <a:lnL w="28575" cap="flat" cmpd="sng" algn="ctr">
+                      <a:solidFill>
+                        <a:schemeClr val="accent5">
+                          <a:lumMod val="20000"/>
+                          <a:lumOff val="80000"/>
+                        </a:schemeClr>
+                      </a:solidFill>
+                      <a:prstDash val="solid"/>
+                      <a:round/>
+                      <a:headEnd type="none" w="med" len="med"/>
+                      <a:tailEnd type="none" w="med" len="med"/>
+                    </a:lnL>
+                    <a:lnR w="28575" cap="flat" cmpd="sng" algn="ctr">
+                      <a:solidFill>
+                        <a:schemeClr val="accent5">
+                          <a:lumMod val="20000"/>
+                          <a:lumOff val="80000"/>
+                        </a:schemeClr>
+                      </a:solidFill>
+                      <a:prstDash val="solid"/>
+                      <a:round/>
+                      <a:headEnd type="none" w="med" len="med"/>
+                      <a:tailEnd type="none" w="med" len="med"/>
+                    </a:lnR>
+                    <a:lnT w="28575" cap="flat" cmpd="sng" algn="ctr">
+                      <a:solidFill>
+                        <a:schemeClr val="accent5">
+                          <a:lumMod val="20000"/>
+                          <a:lumOff val="80000"/>
+                        </a:schemeClr>
+                      </a:solidFill>
+                      <a:prstDash val="solid"/>
+                      <a:round/>
+                      <a:headEnd type="none" w="med" len="med"/>
+                      <a:tailEnd type="none" w="med" len="med"/>
+                    </a:lnT>
+                    <a:lnB w="28575" cap="flat" cmpd="sng" algn="ctr">
+                      <a:solidFill>
+                        <a:schemeClr val="accent5">
+                          <a:lumMod val="20000"/>
+                          <a:lumOff val="80000"/>
+                        </a:schemeClr>
+                      </a:solidFill>
+                      <a:prstDash val="solid"/>
+                      <a:round/>
+                      <a:headEnd type="none" w="med" len="med"/>
+                      <a:tailEnd type="none" w="med" len="med"/>
+                    </a:lnB>
+                    <a:lnTlToBr>
+                      <a:noFill/>
+                    </a:lnTlToBr>
+                    <a:lnBlToTr>
+                      <a:noFill/>
+                    </a:lnBlToTr>
+                    <a:noFill/>
+                  </a:tcPr>
+                </a:tc>
+                <a:extLst>
+                  <a:ext uri="{0D108BD9-81ED-4DB2-BD59-A6C34878D82A}">
+                    <a16:rowId xmlns:a16="http://schemas.microsoft.com/office/drawing/2014/main" xmlns="" val="10002"/>
+                  </a:ext>
+                </a:extLst>
+              </a:tr>
+              <a:tr h="549599">
+                <a:tc>
+                  <a:txBody>
+                    <a:bodyPr/>
+                    <a:lstStyle/>
+                    <a:p>
+                      <a:pPr marL="0" marR="0" lvl="0" indent="0" algn="l" defTabSz="914400" rtl="0" eaLnBrk="0" fontAlgn="base" latinLnBrk="0" hangingPunct="0">
+                        <a:lnSpc>
+                          <a:spcPct val="95000"/>
+                        </a:lnSpc>
+                        <a:spcBef>
+                          <a:spcPct val="40000"/>
+                        </a:spcBef>
+                        <a:spcAft>
+                          <a:spcPct val="0"/>
+                        </a:spcAft>
+                        <a:buClr>
+                          <a:schemeClr val="tx1"/>
+                        </a:buClr>
+                        <a:buSzTx/>
+                        <a:buFontTx/>
+                        <a:buNone/>
+                        <a:tabLst/>
+                      </a:pPr>
+                      <a:r>
+                        <a:rPr kumimoji="1" lang="en-US" sz="3000" b="1" i="0" u="none" strike="noStrike" cap="none" normalizeH="0" baseline="0" dirty="0">
+                          <a:ln>
+                            <a:noFill/>
+                          </a:ln>
+                          <a:solidFill>
+                            <a:schemeClr val="tx1"/>
+                          </a:solidFill>
+                          <a:effectLst/>
+                          <a:latin typeface="+mn-lt"/>
+                        </a:rPr>
+                        <a:t>LL Touring Frame</a:t>
+                      </a:r>
+                      <a:endParaRPr kumimoji="1" lang="bg-BG" sz="3000" b="1" i="0" u="none" strike="noStrike" cap="none" normalizeH="0" baseline="0" dirty="0">
+                        <a:ln>
+                          <a:noFill/>
+                        </a:ln>
+                        <a:solidFill>
+                          <a:schemeClr val="tx1"/>
+                        </a:solidFill>
+                        <a:effectLst/>
+                        <a:latin typeface="+mn-lt"/>
+                      </a:endParaRPr>
+                    </a:p>
+                  </a:txBody>
+                  <a:tcPr marL="98741" marR="98741" marT="49371" marB="49371" horzOverflow="overflow">
+                    <a:lnL w="28575" cap="flat" cmpd="sng" algn="ctr">
+                      <a:solidFill>
+                        <a:schemeClr val="accent5">
+                          <a:lumMod val="20000"/>
+                          <a:lumOff val="80000"/>
+                        </a:schemeClr>
+                      </a:solidFill>
+                      <a:prstDash val="solid"/>
+                      <a:round/>
+                      <a:headEnd type="none" w="med" len="med"/>
+                      <a:tailEnd type="none" w="med" len="med"/>
+                    </a:lnL>
+                    <a:lnR w="28575" cap="flat" cmpd="sng" algn="ctr">
+                      <a:solidFill>
+                        <a:schemeClr val="accent5">
+                          <a:lumMod val="20000"/>
+                          <a:lumOff val="80000"/>
+                        </a:schemeClr>
+                      </a:solidFill>
+                      <a:prstDash val="solid"/>
+                      <a:round/>
+                      <a:headEnd type="none" w="med" len="med"/>
+                      <a:tailEnd type="none" w="med" len="med"/>
+                    </a:lnR>
+                    <a:lnT w="28575" cap="flat" cmpd="sng" algn="ctr">
+                      <a:solidFill>
+                        <a:schemeClr val="accent5">
+                          <a:lumMod val="20000"/>
+                          <a:lumOff val="80000"/>
+                        </a:schemeClr>
+                      </a:solidFill>
+                      <a:prstDash val="solid"/>
+                      <a:round/>
+                      <a:headEnd type="none" w="med" len="med"/>
+                      <a:tailEnd type="none" w="med" len="med"/>
+                    </a:lnT>
+                    <a:lnB w="28575" cap="flat" cmpd="sng" algn="ctr">
+                      <a:solidFill>
+                        <a:schemeClr val="accent5">
+                          <a:lumMod val="20000"/>
+                          <a:lumOff val="80000"/>
+                        </a:schemeClr>
+                      </a:solidFill>
+                      <a:prstDash val="solid"/>
+                      <a:round/>
+                      <a:headEnd type="none" w="med" len="med"/>
+                      <a:tailEnd type="none" w="med" len="med"/>
+                    </a:lnB>
+                    <a:lnTlToBr>
+                      <a:noFill/>
+                    </a:lnTlToBr>
+                    <a:lnBlToTr>
+                      <a:noFill/>
+                    </a:lnBlToTr>
+                    <a:noFill/>
+                  </a:tcPr>
+                </a:tc>
+                <a:tc>
+                  <a:txBody>
+                    <a:bodyPr/>
+                    <a:lstStyle/>
+                    <a:p>
+                      <a:pPr marL="0" marR="0" lvl="0" indent="0" algn="l" defTabSz="914400" rtl="0" eaLnBrk="0" fontAlgn="base" latinLnBrk="0" hangingPunct="0">
+                        <a:lnSpc>
+                          <a:spcPct val="95000"/>
+                        </a:lnSpc>
+                        <a:spcBef>
+                          <a:spcPct val="40000"/>
+                        </a:spcBef>
+                        <a:spcAft>
+                          <a:spcPct val="0"/>
+                        </a:spcAft>
+                        <a:buClr>
+                          <a:schemeClr val="tx1"/>
+                        </a:buClr>
+                        <a:buSzTx/>
+                        <a:buFontTx/>
+                        <a:buNone/>
+                        <a:tabLst/>
+                      </a:pPr>
+                      <a:r>
+                        <a:rPr kumimoji="1" lang="en-US" sz="3000" b="1" i="0" u="none" strike="noStrike" cap="none" normalizeH="0" baseline="0" dirty="0" smtClean="0">
+                          <a:ln>
+                            <a:noFill/>
+                          </a:ln>
+                          <a:solidFill>
+                            <a:schemeClr val="tx1"/>
+                          </a:solidFill>
+                          <a:effectLst/>
+                          <a:latin typeface="+mn-lt"/>
+                        </a:rPr>
+                        <a:t>2023-03-10</a:t>
+                      </a:r>
+                      <a:endParaRPr kumimoji="1" lang="bg-BG" sz="3000" b="1" i="0" u="none" strike="noStrike" cap="none" normalizeH="0" baseline="0" dirty="0">
+                        <a:ln>
+                          <a:noFill/>
+                        </a:ln>
+                        <a:solidFill>
+                          <a:schemeClr val="tx1"/>
+                        </a:solidFill>
+                        <a:effectLst/>
+                        <a:latin typeface="+mn-lt"/>
+                      </a:endParaRPr>
+                    </a:p>
+                  </a:txBody>
+                  <a:tcPr marL="98741" marR="98741" marT="49371" marB="49371" horzOverflow="overflow">
+                    <a:lnL w="28575" cap="flat" cmpd="sng" algn="ctr">
+                      <a:solidFill>
+                        <a:schemeClr val="accent5">
+                          <a:lumMod val="20000"/>
+                          <a:lumOff val="80000"/>
+                        </a:schemeClr>
+                      </a:solidFill>
+                      <a:prstDash val="solid"/>
+                      <a:round/>
+                      <a:headEnd type="none" w="med" len="med"/>
+                      <a:tailEnd type="none" w="med" len="med"/>
+                    </a:lnL>
+                    <a:lnR w="28575" cap="flat" cmpd="sng" algn="ctr">
+                      <a:solidFill>
+                        <a:schemeClr val="accent5">
+                          <a:lumMod val="20000"/>
+                          <a:lumOff val="80000"/>
+                        </a:schemeClr>
+                      </a:solidFill>
+                      <a:prstDash val="solid"/>
+                      <a:round/>
+                      <a:headEnd type="none" w="med" len="med"/>
+                      <a:tailEnd type="none" w="med" len="med"/>
+                    </a:lnR>
+                    <a:lnT w="28575" cap="flat" cmpd="sng" algn="ctr">
+                      <a:solidFill>
+                        <a:schemeClr val="accent5">
+                          <a:lumMod val="20000"/>
+                          <a:lumOff val="80000"/>
+                        </a:schemeClr>
+                      </a:solidFill>
+                      <a:prstDash val="solid"/>
+                      <a:round/>
+                      <a:headEnd type="none" w="med" len="med"/>
+                      <a:tailEnd type="none" w="med" len="med"/>
+                    </a:lnT>
+                    <a:lnB w="28575" cap="flat" cmpd="sng" algn="ctr">
+                      <a:solidFill>
+                        <a:schemeClr val="accent5">
+                          <a:lumMod val="20000"/>
+                          <a:lumOff val="80000"/>
+                        </a:schemeClr>
+                      </a:solidFill>
+                      <a:prstDash val="solid"/>
+                      <a:round/>
+                      <a:headEnd type="none" w="med" len="med"/>
+                      <a:tailEnd type="none" w="med" len="med"/>
+                    </a:lnB>
+                    <a:lnTlToBr>
+                      <a:noFill/>
+                    </a:lnTlToBr>
+                    <a:lnBlToTr>
+                      <a:noFill/>
+                    </a:lnBlToTr>
+                    <a:noFill/>
+                  </a:tcPr>
+                </a:tc>
+                <a:extLst>
+                  <a:ext uri="{0D108BD9-81ED-4DB2-BD59-A6C34878D82A}">
+                    <a16:rowId xmlns:a16="http://schemas.microsoft.com/office/drawing/2014/main" xmlns="" val="10003"/>
+                  </a:ext>
+                </a:extLst>
+              </a:tr>
+              <a:tr h="549599">
+                <a:tc>
+                  <a:txBody>
+                    <a:bodyPr/>
+                    <a:lstStyle/>
+                    <a:p>
+                      <a:pPr marL="0" marR="0" lvl="0" indent="0" algn="l" defTabSz="914400" rtl="0" eaLnBrk="0" fontAlgn="base" latinLnBrk="0" hangingPunct="0">
+                        <a:lnSpc>
+                          <a:spcPct val="95000"/>
+                        </a:lnSpc>
+                        <a:spcBef>
+                          <a:spcPct val="40000"/>
+                        </a:spcBef>
+                        <a:spcAft>
+                          <a:spcPct val="0"/>
+                        </a:spcAft>
+                        <a:buClr>
+                          <a:schemeClr val="tx1"/>
+                        </a:buClr>
+                        <a:buSzTx/>
+                        <a:buFontTx/>
+                        <a:buNone/>
+                        <a:tabLst/>
+                      </a:pPr>
+                      <a:r>
+                        <a:rPr kumimoji="1" lang="en-US" sz="3000" b="1" i="0" u="none" strike="noStrike" cap="none" normalizeH="0" baseline="0" dirty="0">
+                          <a:ln>
+                            <a:noFill/>
+                          </a:ln>
+                          <a:solidFill>
+                            <a:schemeClr val="tx1"/>
+                          </a:solidFill>
+                          <a:effectLst/>
+                          <a:latin typeface="+mn-lt"/>
+                        </a:rPr>
+                        <a:t>…</a:t>
+                      </a:r>
+                      <a:endParaRPr kumimoji="1" lang="bg-BG" sz="3000" b="1" i="0" u="none" strike="noStrike" cap="none" normalizeH="0" baseline="0" dirty="0">
+                        <a:ln>
+                          <a:noFill/>
+                        </a:ln>
+                        <a:solidFill>
+                          <a:schemeClr val="tx1"/>
+                        </a:solidFill>
+                        <a:effectLst/>
+                        <a:latin typeface="+mn-lt"/>
+                      </a:endParaRPr>
+                    </a:p>
+                  </a:txBody>
+                  <a:tcPr marL="98741" marR="98741" marT="49371" marB="49371" horzOverflow="overflow">
+                    <a:lnL w="28575" cap="flat" cmpd="sng" algn="ctr">
+                      <a:solidFill>
+                        <a:schemeClr val="accent5">
+                          <a:lumMod val="20000"/>
+                          <a:lumOff val="80000"/>
+                        </a:schemeClr>
+                      </a:solidFill>
+                      <a:prstDash val="solid"/>
+                      <a:round/>
+                      <a:headEnd type="none" w="med" len="med"/>
+                      <a:tailEnd type="none" w="med" len="med"/>
+                    </a:lnL>
+                    <a:lnR w="28575" cap="flat" cmpd="sng" algn="ctr">
+                      <a:solidFill>
+                        <a:schemeClr val="accent5">
+                          <a:lumMod val="20000"/>
+                          <a:lumOff val="80000"/>
+                        </a:schemeClr>
+                      </a:solidFill>
+                      <a:prstDash val="solid"/>
+                      <a:round/>
+                      <a:headEnd type="none" w="med" len="med"/>
+                      <a:tailEnd type="none" w="med" len="med"/>
+                    </a:lnR>
+                    <a:lnT w="28575" cap="flat" cmpd="sng" algn="ctr">
+                      <a:solidFill>
+                        <a:schemeClr val="accent5">
+                          <a:lumMod val="20000"/>
+                          <a:lumOff val="80000"/>
+                        </a:schemeClr>
+                      </a:solidFill>
+                      <a:prstDash val="solid"/>
+                      <a:round/>
+                      <a:headEnd type="none" w="med" len="med"/>
+                      <a:tailEnd type="none" w="med" len="med"/>
+                    </a:lnT>
+                    <a:lnB w="28575" cap="flat" cmpd="sng" algn="ctr">
+                      <a:solidFill>
+                        <a:schemeClr val="accent5">
+                          <a:lumMod val="20000"/>
+                          <a:lumOff val="80000"/>
+                        </a:schemeClr>
+                      </a:solidFill>
+                      <a:prstDash val="solid"/>
+                      <a:round/>
+                      <a:headEnd type="none" w="med" len="med"/>
+                      <a:tailEnd type="none" w="med" len="med"/>
+                    </a:lnB>
+                    <a:lnTlToBr>
+                      <a:noFill/>
+                    </a:lnTlToBr>
+                    <a:lnBlToTr>
+                      <a:noFill/>
+                    </a:lnBlToTr>
+                    <a:noFill/>
+                  </a:tcPr>
+                </a:tc>
+                <a:tc>
+                  <a:txBody>
+                    <a:bodyPr/>
+                    <a:lstStyle/>
+                    <a:p>
+                      <a:pPr marL="0" marR="0" lvl="0" indent="0" algn="l" defTabSz="914400" rtl="0" eaLnBrk="0" fontAlgn="base" latinLnBrk="0" hangingPunct="0">
+                        <a:lnSpc>
+                          <a:spcPct val="95000"/>
+                        </a:lnSpc>
+                        <a:spcBef>
+                          <a:spcPct val="40000"/>
+                        </a:spcBef>
+                        <a:spcAft>
+                          <a:spcPct val="0"/>
+                        </a:spcAft>
+                        <a:buClr>
+                          <a:schemeClr val="tx1"/>
+                        </a:buClr>
+                        <a:buSzTx/>
+                        <a:buFontTx/>
+                        <a:buNone/>
+                        <a:tabLst/>
+                      </a:pPr>
+                      <a:r>
+                        <a:rPr kumimoji="1" lang="en-US" sz="3000" b="1" i="0" u="none" strike="noStrike" cap="none" normalizeH="0" baseline="0" dirty="0">
+                          <a:ln>
+                            <a:noFill/>
+                          </a:ln>
+                          <a:solidFill>
+                            <a:schemeClr val="tx1"/>
+                          </a:solidFill>
+                          <a:effectLst/>
+                          <a:latin typeface="+mn-lt"/>
+                        </a:rPr>
+                        <a:t>…</a:t>
+                      </a:r>
+                      <a:endParaRPr kumimoji="1" lang="bg-BG" sz="3000" b="1" i="0" u="none" strike="noStrike" cap="none" normalizeH="0" baseline="0" dirty="0">
+                        <a:ln>
+                          <a:noFill/>
+                        </a:ln>
+                        <a:solidFill>
+                          <a:schemeClr val="tx1"/>
+                        </a:solidFill>
+                        <a:effectLst/>
+                        <a:latin typeface="+mn-lt"/>
+                      </a:endParaRPr>
+                    </a:p>
+                  </a:txBody>
+                  <a:tcPr marL="98741" marR="98741" marT="49371" marB="49371" horzOverflow="overflow">
+                    <a:lnL w="28575" cap="flat" cmpd="sng" algn="ctr">
+                      <a:solidFill>
+                        <a:schemeClr val="accent5">
+                          <a:lumMod val="20000"/>
+                          <a:lumOff val="80000"/>
+                        </a:schemeClr>
+                      </a:solidFill>
+                      <a:prstDash val="solid"/>
+                      <a:round/>
+                      <a:headEnd type="none" w="med" len="med"/>
+                      <a:tailEnd type="none" w="med" len="med"/>
+                    </a:lnL>
+                    <a:lnR w="28575" cap="flat" cmpd="sng" algn="ctr">
+                      <a:solidFill>
+                        <a:schemeClr val="accent5">
+                          <a:lumMod val="20000"/>
+                          <a:lumOff val="80000"/>
+                        </a:schemeClr>
+                      </a:solidFill>
+                      <a:prstDash val="solid"/>
+                      <a:round/>
+                      <a:headEnd type="none" w="med" len="med"/>
+                      <a:tailEnd type="none" w="med" len="med"/>
+                    </a:lnR>
+                    <a:lnT w="28575" cap="flat" cmpd="sng" algn="ctr">
+                      <a:solidFill>
+                        <a:schemeClr val="accent5">
+                          <a:lumMod val="20000"/>
+                          <a:lumOff val="80000"/>
+                        </a:schemeClr>
+                      </a:solidFill>
+                      <a:prstDash val="solid"/>
+                      <a:round/>
+                      <a:headEnd type="none" w="med" len="med"/>
+                      <a:tailEnd type="none" w="med" len="med"/>
+                    </a:lnT>
+                    <a:lnB w="28575" cap="flat" cmpd="sng" algn="ctr">
+                      <a:solidFill>
+                        <a:schemeClr val="accent5">
+                          <a:lumMod val="20000"/>
+                          <a:lumOff val="80000"/>
+                        </a:schemeClr>
+                      </a:solidFill>
+                      <a:prstDash val="solid"/>
+                      <a:round/>
+                      <a:headEnd type="none" w="med" len="med"/>
+                      <a:tailEnd type="none" w="med" len="med"/>
+                    </a:lnB>
+                    <a:lnTlToBr>
+                      <a:noFill/>
+                    </a:lnTlToBr>
+                    <a:lnBlToTr>
+                      <a:noFill/>
+                    </a:lnBlToTr>
+                    <a:noFill/>
+                  </a:tcPr>
+                </a:tc>
+                <a:extLst>
+                  <a:ext uri="{0D108BD9-81ED-4DB2-BD59-A6C34878D82A}">
+                    <a16:rowId xmlns:a16="http://schemas.microsoft.com/office/drawing/2014/main" xmlns="" val="10004"/>
+                  </a:ext>
+                </a:extLst>
+              </a:tr>
+            </a:tbl>
+          </a:graphicData>
+        </a:graphic>
+      </p:graphicFrame>
+      <p:sp>
+        <p:nvSpPr>
+          <p:cNvPr id="12" name="Slide Number">
+            <a:extLst>
+              <a:ext uri="{FF2B5EF4-FFF2-40B4-BE49-F238E27FC236}">
+                <a16:creationId xmlns:a16="http://schemas.microsoft.com/office/drawing/2014/main" xmlns="" id="{B3579A7F-C3E9-43C4-87B4-CE28756093BE}"/>
+              </a:ext>
+            </a:extLst>
+          </p:cNvPr>
+          <p:cNvSpPr>
+            <a:spLocks noGrp="1"/>
+          </p:cNvSpPr>
+          <p:nvPr>
+            <p:ph type="sldNum" sz="quarter" idx="5"/>
+          </p:nvPr>
+        </p:nvSpPr>
+        <p:spPr>
+          <a:xfrm>
+            <a:off x="11753030" y="6507000"/>
+            <a:ext cx="367414" cy="297000"/>
+          </a:xfrm>
+          <a:prstGeom prst="rect">
+            <a:avLst/>
+          </a:prstGeom>
+        </p:spPr>
+        <p:txBody>
+          <a:bodyPr vert="horz" lIns="91440" tIns="45720" rIns="91440" bIns="45720" rtlCol="0" anchor="b"/>
+          <a:lstStyle>
+            <a:lvl1pPr algn="r">
+              <a:defRPr sz="1000"/>
+            </a:lvl1pPr>
+          </a:lstStyle>
+          <a:p>
+            <a:fld id="{2BF067CD-8E6B-4360-9AA8-C5DF2A48A6D1}" type="slidenum">
+              <a:rPr lang="en-US" noProof="0" smtClean="0"/>
+              <a:pPr/>
+              <a:t>14</a:t>
+            </a:fld>
+            <a:endParaRPr lang="en-US" noProof="0" dirty="0"/>
+          </a:p>
+        </p:txBody>
+      </p:sp>
+    </p:spTree>
+    <p:extLst>
+      <p:ext uri="{BB962C8B-B14F-4D97-AF65-F5344CB8AC3E}">
+        <p14:creationId xmlns:p14="http://schemas.microsoft.com/office/powerpoint/2010/main" xmlns="" val="2185862564"/>
+      </p:ext>
+    </p:extLst>
+  </p:cSld>
+  <p:clrMapOvr>
+    <a:masterClrMapping/>
+  </p:clrMapOvr>
+  <mc:AlternateContent xmlns:mc="http://schemas.openxmlformats.org/markup-compatibility/2006">
+    <mc:Choice xmlns:p14="http://schemas.microsoft.com/office/powerpoint/2010/main" xmlns="" Requires="p14">
+      <p:transition spd="slow" p14:dur="2000" advClick="0" advTm="5000"/>
+    </mc:Choice>
+    <mc:Fallback>
+      <p:transition spd="slow" advClick="0" advTm="5000"/>
+    </mc:Fallback>
+  </mc:AlternateContent>
+  <p:timing>
+    <p:tnLst>
+      <p:par>
+        <p:cTn id="1" dur="indefinite" restart="never" nodeType="tmRoot">
+          <p:childTnLst>
+            <p:seq concurrent="1" nextAc="seek">
+              <p:cTn id="2" dur="indefinite" nodeType="mainSeq">
+                <p:childTnLst>
+                  <p:par>
+                    <p:cTn id="3" fill="hold">
+                      <p:stCondLst>
+                        <p:cond delay="indefinite"/>
+                      </p:stCondLst>
+                      <p:childTnLst>
+                        <p:par>
+                          <p:cTn id="4" fill="hold">
+                            <p:stCondLst>
+                              <p:cond delay="0"/>
+                            </p:stCondLst>
+                            <p:childTnLst>
+                              <p:par>
+                                <p:cTn id="5" presetID="1" presetClass="entr" presetSubtype="0" fill="hold" nodeType="clickEffect">
+                                  <p:stCondLst>
+                                    <p:cond delay="0"/>
+                                  </p:stCondLst>
+                                  <p:childTnLst>
+                                    <p:set>
+                                      <p:cBhvr>
+                                        <p:cTn id="6" dur="1" fill="hold">
+                                          <p:stCondLst>
+                                            <p:cond delay="0"/>
+                                          </p:stCondLst>
+                                        </p:cTn>
+                                        <p:tgtEl>
+                                          <p:spTgt spid="8"/>
+                                        </p:tgtEl>
+                                        <p:attrNameLst>
+                                          <p:attrName>style.visibility</p:attrName>
+                                        </p:attrNameLst>
+                                      </p:cBhvr>
+                                      <p:to>
+                                        <p:strVal val="visible"/>
+                                      </p:to>
+                                    </p:set>
+                                  </p:childTnLst>
+                                </p:cTn>
+                              </p:par>
+                            </p:childTnLst>
+                          </p:cTn>
+                        </p:par>
+                      </p:childTnLst>
+                    </p:cTn>
+                  </p:par>
+                </p:childTnLst>
+              </p:cTn>
+              <p:prevCondLst>
+                <p:cond evt="onPrev" delay="0">
+                  <p:tgtEl>
+                    <p:sldTgt/>
+                  </p:tgtEl>
+                </p:cond>
+              </p:prevCondLst>
+              <p:nextCondLst>
+                <p:cond evt="onNext" delay="0">
+                  <p:tgtEl>
+                    <p:sldTgt/>
+                  </p:tgtEl>
+                </p:cond>
+              </p:nextCondLst>
+            </p:seq>
+          </p:childTnLst>
+        </p:cTn>
+      </p:par>
+    </p:tnLst>
+  </p:timing>
+</p:sld>
+</file>
+
+<file path=ppt/slides/slide15.xml><?xml version="1.0" encoding="utf-8"?>
+<p:sld xmlns:a="http://schemas.openxmlformats.org/drawingml/2006/main" xmlns:r="http://schemas.openxmlformats.org/officeDocument/2006/relationships" xmlns:p="http://schemas.openxmlformats.org/presentationml/2006/main">
+  <p:cSld>
+    <p:spTree>
+      <p:nvGrpSpPr>
+        <p:cNvPr id="1" name=""/>
+        <p:cNvGrpSpPr/>
+        <p:nvPr/>
+      </p:nvGrpSpPr>
+      <p:grpSpPr>
+        <a:xfrm>
+          <a:off x="0" y="0"/>
+          <a:ext cx="0" cy="0"/>
+          <a:chOff x="0" y="0"/>
+          <a:chExt cx="0" cy="0"/>
+        </a:xfrm>
+      </p:grpSpPr>
+      <p:sp>
+        <p:nvSpPr>
+          <p:cNvPr id="2" name="Title 1">
+            <a:extLst>
+              <a:ext uri="{FF2B5EF4-FFF2-40B4-BE49-F238E27FC236}">
+                <a16:creationId xmlns:a16="http://schemas.microsoft.com/office/drawing/2014/main" xmlns="" id="{FCE72A34-2A9A-4728-A3C2-A0DBD846C488}"/>
+              </a:ext>
+            </a:extLst>
+          </p:cNvPr>
+          <p:cNvSpPr>
+            <a:spLocks noGrp="1"/>
+          </p:cNvSpPr>
+          <p:nvPr>
+            <p:ph type="title"/>
+          </p:nvPr>
+        </p:nvSpPr>
+        <p:spPr/>
+        <p:txBody>
+          <a:bodyPr/>
+          <a:lstStyle/>
+          <a:p>
+            <a:r>
+              <a:rPr lang="bg-BG" dirty="0" smtClean="0"/>
+              <a:t>Решение</a:t>
+            </a:r>
+            <a:r>
+              <a:rPr lang="en-US" dirty="0" smtClean="0"/>
+              <a:t>: </a:t>
+            </a:r>
+            <a:r>
+              <a:rPr lang="bg-BG" dirty="0" smtClean="0"/>
+              <a:t>Изтрийте поръчки</a:t>
+            </a:r>
+            <a:endParaRPr lang="en-US" dirty="0"/>
+          </a:p>
+        </p:txBody>
+      </p:sp>
+      <p:sp>
+        <p:nvSpPr>
+          <p:cNvPr id="5" name="Text Placeholder 4">
+            <a:extLst>
+              <a:ext uri="{FF2B5EF4-FFF2-40B4-BE49-F238E27FC236}">
+                <a16:creationId xmlns:a16="http://schemas.microsoft.com/office/drawing/2014/main" xmlns="" id="{FBED5352-2A36-4F28-AB8D-6335517E5493}"/>
+              </a:ext>
+            </a:extLst>
+          </p:cNvPr>
+          <p:cNvSpPr>
+            <a:spLocks noGrp="1" noChangeArrowheads="1"/>
+          </p:cNvSpPr>
+          <p:nvPr>
+            <p:ph type="body" sz="quarter" idx="10"/>
+          </p:nvPr>
+        </p:nvSpPr>
+        <p:spPr bwMode="auto">
+          <a:xfrm>
+            <a:off x="2361000" y="1674000"/>
+            <a:ext cx="8595000" cy="1260721"/>
+          </a:xfrm>
+          <a:prstGeom prst="rect">
+            <a:avLst/>
+          </a:prstGeom>
+          <a:solidFill>
+            <a:schemeClr val="accent5">
+              <a:lumMod val="40000"/>
+              <a:lumOff val="60000"/>
+              <a:alpha val="15000"/>
+            </a:schemeClr>
+          </a:solidFill>
+          <a:ln w="12700">
+            <a:solidFill>
+              <a:schemeClr val="accent5">
+                <a:lumMod val="60000"/>
+                <a:lumOff val="40000"/>
+              </a:schemeClr>
+            </a:solidFill>
+          </a:ln>
+        </p:spPr>
+        <p:txBody>
+          <a:bodyPr wrap="square">
+            <a:spAutoFit/>
+          </a:bodyPr>
+          <a:lstStyle/>
+          <a:p>
+            <a:pPr marL="0" indent="0" eaLnBrk="0" hangingPunct="0">
+              <a:spcBef>
+                <a:spcPts val="600"/>
+              </a:spcBef>
+              <a:buClr>
+                <a:schemeClr val="accent5">
+                  <a:lumMod val="40000"/>
+                  <a:lumOff val="60000"/>
+                </a:schemeClr>
+              </a:buClr>
+              <a:buSzPct val="70000"/>
+              <a:buNone/>
+            </a:pPr>
+            <a:r>
+              <a:rPr lang="en-US" sz="3200" b="1" noProof="1" smtClean="0">
+                <a:solidFill>
+                  <a:schemeClr val="bg1"/>
+                </a:solidFill>
+                <a:latin typeface="Consolas" pitchFamily="49" charset="0"/>
+                <a:cs typeface="Consolas" pitchFamily="49" charset="0"/>
+              </a:rPr>
+              <a:t>DELETE FROM </a:t>
+            </a:r>
+            <a:r>
+              <a:rPr lang="en-US" sz="3200" b="1" noProof="1" smtClean="0">
+                <a:solidFill>
+                  <a:schemeClr val="tx2"/>
+                </a:solidFill>
+                <a:latin typeface="Consolas" pitchFamily="49" charset="0"/>
+                <a:cs typeface="Consolas" pitchFamily="49" charset="0"/>
+              </a:rPr>
+              <a:t>Orders</a:t>
+            </a:r>
+            <a:endParaRPr lang="en-US" sz="3200" b="1" noProof="1">
+              <a:solidFill>
+                <a:schemeClr val="tx2"/>
+              </a:solidFill>
+              <a:latin typeface="Consolas" pitchFamily="49" charset="0"/>
+              <a:cs typeface="Consolas" pitchFamily="49" charset="0"/>
+            </a:endParaRPr>
+          </a:p>
+          <a:p>
+            <a:pPr marL="0" indent="0" eaLnBrk="0" hangingPunct="0">
+              <a:buClr>
+                <a:schemeClr val="accent5">
+                  <a:lumMod val="40000"/>
+                  <a:lumOff val="60000"/>
+                </a:schemeClr>
+              </a:buClr>
+              <a:buSzPct val="70000"/>
+              <a:buNone/>
+            </a:pPr>
+            <a:r>
+              <a:rPr lang="en-US" sz="3200" b="1" noProof="1">
+                <a:solidFill>
+                  <a:schemeClr val="tx2"/>
+                </a:solidFill>
+                <a:latin typeface="Consolas" pitchFamily="49" charset="0"/>
+                <a:cs typeface="Consolas" pitchFamily="49" charset="0"/>
+              </a:rPr>
+              <a:t>   </a:t>
+            </a:r>
+            <a:r>
+              <a:rPr lang="en-US" sz="3200" b="1" noProof="1" smtClean="0">
+                <a:solidFill>
+                  <a:schemeClr val="tx2"/>
+                </a:solidFill>
+                <a:latin typeface="Consolas" pitchFamily="49" charset="0"/>
+                <a:cs typeface="Consolas" pitchFamily="49" charset="0"/>
+              </a:rPr>
+              <a:t>   </a:t>
+            </a:r>
+            <a:r>
+              <a:rPr lang="en-US" sz="3200" b="1" noProof="1" smtClean="0">
+                <a:solidFill>
+                  <a:schemeClr val="bg1"/>
+                </a:solidFill>
+                <a:latin typeface="Consolas" pitchFamily="49" charset="0"/>
+                <a:cs typeface="Consolas" pitchFamily="49" charset="0"/>
+              </a:rPr>
+              <a:t>WHERE </a:t>
+            </a:r>
+            <a:r>
+              <a:rPr lang="en-US" sz="3200" b="1" noProof="1" smtClean="0">
+                <a:solidFill>
+                  <a:schemeClr val="tx2"/>
+                </a:solidFill>
+                <a:latin typeface="Consolas" pitchFamily="49" charset="0"/>
+                <a:cs typeface="Consolas" pitchFamily="49" charset="0"/>
+              </a:rPr>
+              <a:t>OrderDate &lt; </a:t>
+            </a:r>
+            <a:r>
+              <a:rPr lang="en-US" sz="3200" dirty="0" smtClean="0"/>
+              <a:t>'</a:t>
+            </a:r>
+            <a:r>
+              <a:rPr lang="en-US" sz="3200" b="1" noProof="1" smtClean="0">
+                <a:solidFill>
+                  <a:schemeClr val="tx2"/>
+                </a:solidFill>
+                <a:latin typeface="Consolas" pitchFamily="49" charset="0"/>
+                <a:cs typeface="Consolas" pitchFamily="49" charset="0"/>
+              </a:rPr>
+              <a:t>2023-01-01</a:t>
+            </a:r>
+            <a:r>
+              <a:rPr lang="en-US" sz="3200" dirty="0" smtClean="0"/>
+              <a:t>'</a:t>
+            </a:r>
+            <a:r>
+              <a:rPr lang="en-US" sz="3200" b="1" noProof="1" smtClean="0">
+                <a:solidFill>
+                  <a:schemeClr val="tx2"/>
+                </a:solidFill>
+                <a:latin typeface="Consolas" pitchFamily="49" charset="0"/>
+                <a:cs typeface="Consolas" pitchFamily="49" charset="0"/>
+              </a:rPr>
+              <a:t> </a:t>
+            </a:r>
+            <a:endParaRPr lang="en-US" sz="3200" b="1" noProof="1">
+              <a:solidFill>
+                <a:schemeClr val="bg1"/>
+              </a:solidFill>
+              <a:latin typeface="Consolas" pitchFamily="49" charset="0"/>
+              <a:cs typeface="Consolas" pitchFamily="49" charset="0"/>
+            </a:endParaRPr>
+          </a:p>
+        </p:txBody>
+      </p:sp>
+      <p:sp>
+        <p:nvSpPr>
+          <p:cNvPr id="6" name="AutoShape 5">
+            <a:extLst>
+              <a:ext uri="{FF2B5EF4-FFF2-40B4-BE49-F238E27FC236}">
+                <a16:creationId xmlns:a16="http://schemas.microsoft.com/office/drawing/2014/main" xmlns="" id="{F571EDF2-BA8D-4C84-8360-12467530B87E}"/>
+              </a:ext>
+            </a:extLst>
+          </p:cNvPr>
+          <p:cNvSpPr>
+            <a:spLocks noChangeArrowheads="1"/>
+          </p:cNvSpPr>
+          <p:nvPr/>
+        </p:nvSpPr>
+        <p:spPr bwMode="auto">
+          <a:xfrm>
+            <a:off x="6996000" y="3519000"/>
+            <a:ext cx="3600000" cy="1845000"/>
+          </a:xfrm>
+          <a:prstGeom prst="wedgeRoundRectCallout">
+            <a:avLst>
+              <a:gd name="adj1" fmla="val 8378"/>
+              <a:gd name="adj2" fmla="val -90995"/>
+              <a:gd name="adj3" fmla="val 16667"/>
+            </a:avLst>
+          </a:prstGeom>
+          <a:solidFill>
+            <a:schemeClr val="tx1">
+              <a:alpha val="80000"/>
+            </a:schemeClr>
+          </a:solidFill>
+          <a:ln w="19050">
+            <a:solidFill>
+              <a:schemeClr val="tx1">
+                <a:alpha val="80000"/>
+              </a:schemeClr>
+            </a:solidFill>
+          </a:ln>
+          <a:effectLst/>
+        </p:spPr>
+        <p:style>
+          <a:lnRef idx="2">
+            <a:schemeClr val="accent1">
+              <a:shade val="50000"/>
+            </a:schemeClr>
+          </a:lnRef>
+          <a:fillRef idx="1001">
+            <a:schemeClr val="dk2"/>
+          </a:fillRef>
+          <a:effectRef idx="0">
+            <a:schemeClr val="accent1"/>
+          </a:effectRef>
+          <a:fontRef idx="minor">
+            <a:schemeClr val="lt1"/>
+          </a:fontRef>
+        </p:style>
+        <p:txBody>
+          <a:bodyPr rot="0" spcFirstLastPara="0" vertOverflow="overflow" horzOverflow="overflow" vert="horz" wrap="square" lIns="91440" tIns="45720" rIns="91440" bIns="45720" numCol="1" spcCol="0" rtlCol="0" fromWordArt="0" anchor="ctr" anchorCtr="0" forceAA="0" compatLnSpc="1">
+            <a:prstTxWarp prst="textNoShape">
+              <a:avLst/>
+            </a:prstTxWarp>
+            <a:noAutofit/>
+          </a:bodyPr>
+          <a:lstStyle/>
+          <a:p>
+            <a:pPr algn="ctr"/>
+            <a:r>
+              <a:rPr lang="bg-BG" sz="2800" b="1" noProof="1" smtClean="0">
+                <a:solidFill>
+                  <a:srgbClr val="FFFFFF"/>
+                </a:solidFill>
+                <a:effectLst>
+                  <a:outerShdw blurRad="38100" dist="38100" dir="2700000" algn="tl">
+                    <a:srgbClr val="000000">
+                      <a:alpha val="43137"/>
+                    </a:srgbClr>
+                  </a:outerShdw>
+                </a:effectLst>
+              </a:rPr>
+              <a:t>Филтриране </a:t>
+            </a:r>
+            <a:r>
+              <a:rPr lang="bg-BG" sz="2800" b="1" noProof="1" smtClean="0">
+                <a:solidFill>
+                  <a:srgbClr val="FFFFFF"/>
+                </a:solidFill>
+                <a:effectLst>
+                  <a:outerShdw blurRad="38100" dist="38100" dir="2700000" algn="tl">
+                    <a:srgbClr val="000000">
+                      <a:alpha val="43137"/>
+                    </a:srgbClr>
+                  </a:outerShdw>
+                </a:effectLst>
+              </a:rPr>
+              <a:t>на поръчките, направени преди </a:t>
+            </a:r>
+            <a:r>
+              <a:rPr lang="en-US" sz="2800" b="1" dirty="0" smtClean="0">
+                <a:solidFill>
+                  <a:schemeClr val="bg1">
+                    <a:lumMod val="60000"/>
+                    <a:lumOff val="40000"/>
+                  </a:schemeClr>
+                </a:solidFill>
+              </a:rPr>
+              <a:t>2023-01-01</a:t>
+            </a:r>
+            <a:endParaRPr lang="bg-BG" sz="2800" b="1" noProof="1">
+              <a:solidFill>
+                <a:schemeClr val="bg1">
+                  <a:lumMod val="60000"/>
+                  <a:lumOff val="40000"/>
+                </a:schemeClr>
+              </a:solidFill>
+              <a:effectLst>
+                <a:outerShdw blurRad="38100" dist="38100" dir="2700000" algn="tl">
+                  <a:srgbClr val="000000">
+                    <a:alpha val="43137"/>
+                  </a:srgbClr>
+                </a:outerShdw>
+              </a:effectLst>
+            </a:endParaRPr>
+          </a:p>
+        </p:txBody>
+      </p:sp>
+      <p:sp>
+        <p:nvSpPr>
+          <p:cNvPr id="8" name="Slide Number">
+            <a:extLst>
+              <a:ext uri="{FF2B5EF4-FFF2-40B4-BE49-F238E27FC236}">
+                <a16:creationId xmlns:a16="http://schemas.microsoft.com/office/drawing/2014/main" xmlns="" id="{68979BB0-4428-47FF-AE88-59091E6A9FB2}"/>
+              </a:ext>
+            </a:extLst>
+          </p:cNvPr>
+          <p:cNvSpPr txBox="1">
+            <a:spLocks/>
+          </p:cNvSpPr>
+          <p:nvPr/>
+        </p:nvSpPr>
+        <p:spPr>
+          <a:xfrm>
+            <a:off x="11753030" y="6507000"/>
+            <a:ext cx="367414" cy="297000"/>
+          </a:xfrm>
+          <a:prstGeom prst="rect">
+            <a:avLst/>
+          </a:prstGeom>
+        </p:spPr>
+        <p:txBody>
+          <a:bodyPr vert="horz" lIns="91440" tIns="45720" rIns="91440" bIns="45720" rtlCol="0" anchor="b"/>
+          <a:lstStyle>
+            <a:defPPr>
+              <a:defRPr lang="en-US"/>
+            </a:defPPr>
+            <a:lvl1pPr marL="0" algn="r" defTabSz="914400" rtl="0" eaLnBrk="1" latinLnBrk="0" hangingPunct="1">
+              <a:defRPr sz="1000" kern="1200">
+                <a:solidFill>
+                  <a:schemeClr val="tx1"/>
+                </a:solidFill>
+                <a:latin typeface="+mn-lt"/>
+                <a:ea typeface="+mn-ea"/>
+                <a:cs typeface="+mn-cs"/>
+              </a:defRPr>
+            </a:lvl1pPr>
+            <a:lvl2pPr marL="457200" algn="l" defTabSz="914400" rtl="0" eaLnBrk="1" latinLnBrk="0" hangingPunct="1">
+              <a:defRPr sz="1800" kern="1200">
+                <a:solidFill>
+                  <a:schemeClr val="tx1"/>
+                </a:solidFill>
+                <a:latin typeface="+mn-lt"/>
+                <a:ea typeface="+mn-ea"/>
+                <a:cs typeface="+mn-cs"/>
+              </a:defRPr>
+            </a:lvl2pPr>
+            <a:lvl3pPr marL="914400" algn="l" defTabSz="914400" rtl="0" eaLnBrk="1" latinLnBrk="0" hangingPunct="1">
+              <a:defRPr sz="1800" kern="1200">
+                <a:solidFill>
+                  <a:schemeClr val="tx1"/>
+                </a:solidFill>
+                <a:latin typeface="+mn-lt"/>
+                <a:ea typeface="+mn-ea"/>
+                <a:cs typeface="+mn-cs"/>
+              </a:defRPr>
+            </a:lvl3pPr>
+            <a:lvl4pPr marL="1371600" algn="l" defTabSz="914400" rtl="0" eaLnBrk="1" latinLnBrk="0" hangingPunct="1">
+              <a:defRPr sz="1800" kern="1200">
+                <a:solidFill>
+                  <a:schemeClr val="tx1"/>
+                </a:solidFill>
+                <a:latin typeface="+mn-lt"/>
+                <a:ea typeface="+mn-ea"/>
+                <a:cs typeface="+mn-cs"/>
+              </a:defRPr>
+            </a:lvl4pPr>
+            <a:lvl5pPr marL="1828800" algn="l" defTabSz="914400" rtl="0" eaLnBrk="1" latinLnBrk="0" hangingPunct="1">
+              <a:defRPr sz="1800" kern="1200">
+                <a:solidFill>
+                  <a:schemeClr val="tx1"/>
+                </a:solidFill>
+                <a:latin typeface="+mn-lt"/>
+                <a:ea typeface="+mn-ea"/>
+                <a:cs typeface="+mn-cs"/>
+              </a:defRPr>
+            </a:lvl5pPr>
+            <a:lvl6pPr marL="2286000" algn="l" defTabSz="914400" rtl="0" eaLnBrk="1" latinLnBrk="0" hangingPunct="1">
+              <a:defRPr sz="1800" kern="1200">
+                <a:solidFill>
+                  <a:schemeClr val="tx1"/>
+                </a:solidFill>
+                <a:latin typeface="+mn-lt"/>
+                <a:ea typeface="+mn-ea"/>
+                <a:cs typeface="+mn-cs"/>
+              </a:defRPr>
+            </a:lvl6pPr>
+            <a:lvl7pPr marL="2743200" algn="l" defTabSz="914400" rtl="0" eaLnBrk="1" latinLnBrk="0" hangingPunct="1">
+              <a:defRPr sz="1800" kern="1200">
+                <a:solidFill>
+                  <a:schemeClr val="tx1"/>
+                </a:solidFill>
+                <a:latin typeface="+mn-lt"/>
+                <a:ea typeface="+mn-ea"/>
+                <a:cs typeface="+mn-cs"/>
+              </a:defRPr>
+            </a:lvl7pPr>
+            <a:lvl8pPr marL="3200400" algn="l" defTabSz="914400" rtl="0" eaLnBrk="1" latinLnBrk="0" hangingPunct="1">
+              <a:defRPr sz="1800" kern="1200">
+                <a:solidFill>
+                  <a:schemeClr val="tx1"/>
+                </a:solidFill>
+                <a:latin typeface="+mn-lt"/>
+                <a:ea typeface="+mn-ea"/>
+                <a:cs typeface="+mn-cs"/>
+              </a:defRPr>
+            </a:lvl8pPr>
+            <a:lvl9pPr marL="3657600" algn="l" defTabSz="914400" rtl="0" eaLnBrk="1" latinLnBrk="0" hangingPunct="1">
+              <a:defRPr sz="1800" kern="1200">
+                <a:solidFill>
+                  <a:schemeClr val="tx1"/>
+                </a:solidFill>
+                <a:latin typeface="+mn-lt"/>
+                <a:ea typeface="+mn-ea"/>
+                <a:cs typeface="+mn-cs"/>
+              </a:defRPr>
+            </a:lvl9pPr>
+          </a:lstStyle>
+          <a:p>
+            <a:fld id="{2BF067CD-8E6B-4360-9AA8-C5DF2A48A6D1}" type="slidenum">
+              <a:rPr lang="en-US" smtClean="0"/>
+              <a:pPr/>
+              <a:t>15</a:t>
+            </a:fld>
+            <a:endParaRPr lang="en-US" dirty="0"/>
+          </a:p>
+        </p:txBody>
+      </p:sp>
+    </p:spTree>
+    <p:extLst>
+      <p:ext uri="{BB962C8B-B14F-4D97-AF65-F5344CB8AC3E}">
+        <p14:creationId xmlns:p14="http://schemas.microsoft.com/office/powerpoint/2010/main" xmlns="" val="4066273039"/>
+      </p:ext>
+    </p:extLst>
+  </p:cSld>
+  <p:clrMapOvr>
+    <a:masterClrMapping/>
+  </p:clrMapOvr>
+  <mc:AlternateContent xmlns:mc="http://schemas.openxmlformats.org/markup-compatibility/2006">
+    <mc:Choice xmlns:p14="http://schemas.microsoft.com/office/powerpoint/2010/main" xmlns="" Requires="p14">
+      <p:transition spd="slow" p14:dur="2000" advClick="0" advTm="5000"/>
+    </mc:Choice>
+    <mc:Fallback>
+      <p:transition spd="slow" advClick="0" advTm="5000"/>
+    </mc:Fallback>
+  </mc:AlternateContent>
+  <p:timing>
+    <p:tnLst>
+      <p:par>
+        <p:cTn id="1" dur="indefinite" restart="never" nodeType="tmRoot">
+          <p:childTnLst>
+            <p:seq concurrent="1" nextAc="seek">
+              <p:cTn id="2" dur="indefinite" nodeType="mainSeq">
+                <p:childTnLst>
+                  <p:par>
+                    <p:cTn id="3" fill="hold">
+                      <p:stCondLst>
+                        <p:cond delay="indefinite"/>
+                      </p:stCondLst>
+                      <p:childTnLst>
+                        <p:par>
+                          <p:cTn id="4" fill="hold">
+                            <p:stCondLst>
+                              <p:cond delay="0"/>
+                            </p:stCondLst>
+                            <p:childTnLst>
+                              <p:par>
+                                <p:cTn id="5" presetID="1" presetClass="entr" presetSubtype="0" fill="hold" grpId="0" nodeType="clickEffect">
+                                  <p:stCondLst>
+                                    <p:cond delay="0"/>
+                                  </p:stCondLst>
+                                  <p:childTnLst>
+                                    <p:set>
+                                      <p:cBhvr>
+                                        <p:cTn id="6" dur="1" fill="hold">
+                                          <p:stCondLst>
+                                            <p:cond delay="0"/>
+                                          </p:stCondLst>
+                                        </p:cTn>
+                                        <p:tgtEl>
+                                          <p:spTgt spid="6"/>
+                                        </p:tgtEl>
+                                        <p:attrNameLst>
+                                          <p:attrName>style.visibility</p:attrName>
+                                        </p:attrNameLst>
+                                      </p:cBhvr>
+                                      <p:to>
+                                        <p:strVal val="visible"/>
+                                      </p:to>
+                                    </p:set>
+                                  </p:childTnLst>
+                                </p:cTn>
+                              </p:par>
+                            </p:childTnLst>
+                          </p:cTn>
+                        </p:par>
+                      </p:childTnLst>
+                    </p:cTn>
+                  </p:par>
+                </p:childTnLst>
+              </p:cTn>
+              <p:prevCondLst>
+                <p:cond evt="onPrev" delay="0">
+                  <p:tgtEl>
+                    <p:sldTgt/>
+                  </p:tgtEl>
+                </p:cond>
+              </p:prevCondLst>
+              <p:nextCondLst>
+                <p:cond evt="onNext" delay="0">
+                  <p:tgtEl>
+                    <p:sldTgt/>
+                  </p:tgtEl>
+                </p:cond>
+              </p:nextCondLst>
+            </p:seq>
+          </p:childTnLst>
+        </p:cTn>
+      </p:par>
+    </p:tnLst>
+    <p:bldLst>
+      <p:bldP spid="6" grpId="0" animBg="1"/>
+    </p:bldLst>
+  </p:timing>
+</p:sld>
+</file>
+
+<file path=ppt/slides/slide16.xml><?xml version="1.0" encoding="utf-8"?>
+<p:sld xmlns:a="http://schemas.openxmlformats.org/drawingml/2006/main" xmlns:r="http://schemas.openxmlformats.org/officeDocument/2006/relationships" xmlns:p="http://schemas.openxmlformats.org/presentationml/2006/main">
+  <p:cSld>
+    <p:spTree>
+      <p:nvGrpSpPr>
+        <p:cNvPr id="1" name=""/>
+        <p:cNvGrpSpPr/>
+        <p:nvPr/>
+      </p:nvGrpSpPr>
+      <p:grpSpPr>
+        <a:xfrm>
+          <a:off x="0" y="0"/>
+          <a:ext cx="0" cy="0"/>
+          <a:chOff x="0" y="0"/>
+          <a:chExt cx="0" cy="0"/>
+        </a:xfrm>
+      </p:grpSpPr>
+      <p:sp>
+        <p:nvSpPr>
+          <p:cNvPr id="14" name="Text Placeholder 4">
+            <a:extLst>
+              <a:ext uri="{FF2B5EF4-FFF2-40B4-BE49-F238E27FC236}">
+                <a16:creationId xmlns:a16="http://schemas.microsoft.com/office/drawing/2014/main" xmlns="" id="{0E49D336-45B6-44D3-97C4-E28F8DEA2022}"/>
+              </a:ext>
+            </a:extLst>
+          </p:cNvPr>
+          <p:cNvSpPr>
+            <a:spLocks noGrp="1"/>
+          </p:cNvSpPr>
+          <p:nvPr>
+            <p:ph type="body" sz="quarter" idx="10"/>
+          </p:nvPr>
+        </p:nvSpPr>
+        <p:spPr>
+          <a:xfrm>
+            <a:off x="869725" y="1656226"/>
+            <a:ext cx="7581212" cy="4772369"/>
+          </a:xfrm>
+        </p:spPr>
+        <p:txBody>
+          <a:bodyPr/>
+          <a:lstStyle>
+            <a:lvl1pPr marL="514350" indent="-514350">
+              <a:buFont typeface="Wingdings" panose="05000000000000000000" pitchFamily="2" charset="2"/>
+              <a:buChar char="§"/>
+              <a:defRPr>
+                <a:solidFill>
+                  <a:schemeClr val="bg2"/>
+                </a:solidFill>
+              </a:defRPr>
+            </a:lvl1pPr>
+            <a:lvl2pPr marL="1123935" indent="-514350">
+              <a:buFont typeface="Wingdings" panose="05000000000000000000" pitchFamily="2" charset="2"/>
+              <a:buChar char="§"/>
+              <a:defRPr>
+                <a:solidFill>
+                  <a:schemeClr val="tx1"/>
+                </a:solidFill>
+              </a:defRPr>
+            </a:lvl2pPr>
+            <a:lvl3pPr marL="1733520" indent="-514350">
+              <a:buFont typeface="Wingdings" panose="05000000000000000000" pitchFamily="2" charset="2"/>
+              <a:buChar char="§"/>
+              <a:defRPr>
+                <a:solidFill>
+                  <a:schemeClr val="tx1"/>
+                </a:solidFill>
+              </a:defRPr>
+            </a:lvl3pPr>
+            <a:lvl4pPr marL="2343105" indent="-514350">
+              <a:buFont typeface="Wingdings" panose="05000000000000000000" pitchFamily="2" charset="2"/>
+              <a:buChar char="§"/>
+              <a:defRPr>
+                <a:solidFill>
+                  <a:schemeClr val="tx1"/>
+                </a:solidFill>
+              </a:defRPr>
+            </a:lvl4pPr>
+            <a:lvl5pPr marL="2952689" indent="-514350">
+              <a:buFont typeface="Wingdings" panose="05000000000000000000" pitchFamily="2" charset="2"/>
+              <a:buChar char="§"/>
+              <a:defRPr>
+                <a:solidFill>
+                  <a:schemeClr val="tx1"/>
+                </a:solidFill>
+              </a:defRPr>
+            </a:lvl5pPr>
+          </a:lstStyle>
+          <a:p>
+            <a:pPr lvl="0"/>
+            <a:r>
+              <a:rPr lang="en-US" dirty="0"/>
+              <a:t>…</a:t>
+            </a:r>
+          </a:p>
+          <a:p>
+            <a:pPr lvl="0"/>
+            <a:r>
+              <a:rPr lang="en-GB" dirty="0"/>
+              <a:t>…</a:t>
+            </a:r>
+            <a:endParaRPr lang="en-US" dirty="0"/>
+          </a:p>
+          <a:p>
+            <a:pPr lvl="0"/>
+            <a:r>
+              <a:rPr lang="en-GB" dirty="0"/>
+              <a:t>…</a:t>
+            </a:r>
+            <a:endParaRPr lang="en-US" dirty="0"/>
+          </a:p>
+          <a:p>
+            <a:pPr lvl="0"/>
+            <a:endParaRPr lang="en-US" dirty="0"/>
+          </a:p>
+        </p:txBody>
+      </p:sp>
+      <p:sp>
+        <p:nvSpPr>
+          <p:cNvPr id="4" name="Title 3"/>
+          <p:cNvSpPr>
+            <a:spLocks noGrp="1"/>
+          </p:cNvSpPr>
+          <p:nvPr>
+            <p:ph type="title"/>
+          </p:nvPr>
+        </p:nvSpPr>
+        <p:spPr/>
+        <p:txBody>
+          <a:bodyPr>
+            <a:normAutofit/>
+          </a:bodyPr>
+          <a:lstStyle/>
+          <a:p>
+            <a:r>
+              <a:rPr lang="bg-BG" dirty="0" smtClean="0"/>
+              <a:t>Обобщение</a:t>
+            </a:r>
+            <a:endParaRPr lang="en-US" dirty="0"/>
+          </a:p>
+        </p:txBody>
+      </p:sp>
+      <p:grpSp>
+        <p:nvGrpSpPr>
+          <p:cNvPr id="3" name="Group 8">
+            <a:extLst>
+              <a:ext uri="{FF2B5EF4-FFF2-40B4-BE49-F238E27FC236}">
+                <a16:creationId xmlns:a16="http://schemas.microsoft.com/office/drawing/2014/main" xmlns="" id="{EBAFE522-EB7D-4931-A015-9A7E8A98517D}"/>
+              </a:ext>
+            </a:extLst>
+          </p:cNvPr>
+          <p:cNvGrpSpPr/>
+          <p:nvPr/>
+        </p:nvGrpSpPr>
+        <p:grpSpPr>
+          <a:xfrm>
+            <a:off x="191942" y="1419750"/>
+            <a:ext cx="8632995" cy="5300339"/>
+            <a:chOff x="472011" y="1508786"/>
+            <a:chExt cx="3799787" cy="4865561"/>
+          </a:xfrm>
+        </p:grpSpPr>
+        <p:sp>
+          <p:nvSpPr>
+            <p:cNvPr id="10" name="Rounded Rectangle 10">
+              <a:extLst>
+                <a:ext uri="{FF2B5EF4-FFF2-40B4-BE49-F238E27FC236}">
+                  <a16:creationId xmlns:a16="http://schemas.microsoft.com/office/drawing/2014/main" xmlns="" id="{18F78F23-3D09-4B63-8DF9-D49CFBB145EE}"/>
+                </a:ext>
+              </a:extLst>
+            </p:cNvPr>
+            <p:cNvSpPr/>
+            <p:nvPr/>
+          </p:nvSpPr>
+          <p:spPr>
+            <a:xfrm>
+              <a:off x="472011" y="1508786"/>
+              <a:ext cx="3799787" cy="4865561"/>
+            </a:xfrm>
+            <a:prstGeom prst="roundRect">
+              <a:avLst>
+                <a:gd name="adj" fmla="val 3968"/>
+              </a:avLst>
+            </a:prstGeom>
+            <a:solidFill>
+              <a:schemeClr val="tx2"/>
+            </a:solidFill>
+            <a:ln>
+              <a:noFill/>
+            </a:ln>
+          </p:spPr>
+          <p:style>
+            <a:lnRef idx="2">
+              <a:schemeClr val="accent1">
+                <a:shade val="50000"/>
+              </a:schemeClr>
+            </a:lnRef>
+            <a:fillRef idx="1">
+              <a:schemeClr val="accent1"/>
+            </a:fillRef>
+            <a:effectRef idx="0">
+              <a:schemeClr val="accent1"/>
+            </a:effectRef>
+            <a:fontRef idx="minor">
+              <a:schemeClr val="lt1"/>
+            </a:fontRef>
+          </p:style>
+          <p:txBody>
+            <a:bodyPr rtlCol="0" anchor="ctr"/>
+            <a:lstStyle/>
+            <a:p>
+              <a:pPr marL="0" marR="0" lvl="0" indent="0" algn="ctr" defTabSz="914400" rtl="0" eaLnBrk="1" fontAlgn="auto" latinLnBrk="0" hangingPunct="1">
+                <a:lnSpc>
+                  <a:spcPct val="100000"/>
+                </a:lnSpc>
+                <a:spcBef>
+                  <a:spcPts val="0"/>
+                </a:spcBef>
+                <a:spcAft>
+                  <a:spcPts val="0"/>
+                </a:spcAft>
+                <a:buClrTx/>
+                <a:buSzTx/>
+                <a:buFontTx/>
+                <a:buNone/>
+                <a:tabLst/>
+                <a:defRPr/>
+              </a:pPr>
+              <a:endParaRPr kumimoji="0" lang="ko-KR" altLang="en-US" sz="2399" b="0" i="0" u="none" strike="noStrike" kern="1200" cap="none" spc="0" normalizeH="0" baseline="0" noProof="0" dirty="0">
+                <a:ln>
+                  <a:noFill/>
+                </a:ln>
+                <a:solidFill>
+                  <a:srgbClr val="FFA000"/>
+                </a:solidFill>
+                <a:effectLst/>
+                <a:uLnTx/>
+                <a:uFillTx/>
+                <a:latin typeface="Calibri" panose="020F0502020204030204"/>
+                <a:ea typeface="맑은 고딕" panose="020B0503020000020004" pitchFamily="34" charset="-127"/>
+                <a:cs typeface="+mn-cs"/>
+              </a:endParaRPr>
+            </a:p>
+          </p:txBody>
+        </p:sp>
+        <p:sp>
+          <p:nvSpPr>
+            <p:cNvPr id="11" name="Rounded Rectangle 16">
+              <a:extLst>
+                <a:ext uri="{FF2B5EF4-FFF2-40B4-BE49-F238E27FC236}">
+                  <a16:creationId xmlns:a16="http://schemas.microsoft.com/office/drawing/2014/main" xmlns="" id="{F12C06CE-2BBE-46C2-B718-813794C58DF9}"/>
+                </a:ext>
+              </a:extLst>
+            </p:cNvPr>
+            <p:cNvSpPr/>
+            <p:nvPr/>
+          </p:nvSpPr>
+          <p:spPr>
+            <a:xfrm>
+              <a:off x="540767" y="1781251"/>
+              <a:ext cx="85794" cy="4320631"/>
+            </a:xfrm>
+            <a:prstGeom prst="roundRect">
+              <a:avLst>
+                <a:gd name="adj" fmla="val 50000"/>
+              </a:avLst>
+            </a:prstGeom>
+            <a:solidFill>
+              <a:schemeClr val="bg2">
+                <a:alpha val="41000"/>
+              </a:schemeClr>
+            </a:solidFill>
+            <a:ln>
+              <a:noFill/>
+            </a:ln>
+          </p:spPr>
+          <p:style>
+            <a:lnRef idx="2">
+              <a:schemeClr val="accent1">
+                <a:shade val="50000"/>
+              </a:schemeClr>
+            </a:lnRef>
+            <a:fillRef idx="1">
+              <a:schemeClr val="accent1"/>
+            </a:fillRef>
+            <a:effectRef idx="0">
+              <a:schemeClr val="accent1"/>
+            </a:effectRef>
+            <a:fontRef idx="minor">
+              <a:schemeClr val="lt1"/>
+            </a:fontRef>
+          </p:style>
+          <p:txBody>
+            <a:bodyPr rtlCol="0" anchor="ctr"/>
+            <a:lstStyle/>
+            <a:p>
+              <a:pPr marL="0" marR="0" lvl="0" indent="0" algn="ctr" defTabSz="914400" rtl="0" eaLnBrk="1" fontAlgn="auto" latinLnBrk="0" hangingPunct="1">
+                <a:lnSpc>
+                  <a:spcPct val="100000"/>
+                </a:lnSpc>
+                <a:spcBef>
+                  <a:spcPts val="0"/>
+                </a:spcBef>
+                <a:spcAft>
+                  <a:spcPts val="0"/>
+                </a:spcAft>
+                <a:buClrTx/>
+                <a:buSzTx/>
+                <a:buFontTx/>
+                <a:buNone/>
+                <a:tabLst/>
+                <a:defRPr/>
+              </a:pPr>
+              <a:endParaRPr kumimoji="0" lang="ko-KR" altLang="en-US" sz="2399" b="0" i="0" u="none" strike="noStrike" kern="1200" cap="none" spc="0" normalizeH="0" baseline="0" noProof="0">
+                <a:ln>
+                  <a:noFill/>
+                </a:ln>
+                <a:solidFill>
+                  <a:srgbClr val="FFA000"/>
+                </a:solidFill>
+                <a:effectLst/>
+                <a:uLnTx/>
+                <a:uFillTx/>
+                <a:latin typeface="Calibri" panose="020F0502020204030204"/>
+                <a:ea typeface="맑은 고딕" panose="020B0503020000020004" pitchFamily="34" charset="-127"/>
+                <a:cs typeface="+mn-cs"/>
+              </a:endParaRPr>
+            </a:p>
+          </p:txBody>
+        </p:sp>
+        <p:sp>
+          <p:nvSpPr>
+            <p:cNvPr id="12" name="Half Frame 11">
+              <a:extLst>
+                <a:ext uri="{FF2B5EF4-FFF2-40B4-BE49-F238E27FC236}">
+                  <a16:creationId xmlns:a16="http://schemas.microsoft.com/office/drawing/2014/main" xmlns="" id="{66CDBB1E-AF3C-43FC-9F34-2DD691F81726}"/>
+                </a:ext>
+              </a:extLst>
+            </p:cNvPr>
+            <p:cNvSpPr/>
+            <p:nvPr/>
+          </p:nvSpPr>
+          <p:spPr>
+            <a:xfrm rot="5400000">
+              <a:off x="3762569" y="1912372"/>
+              <a:ext cx="669775" cy="238503"/>
+            </a:xfrm>
+            <a:prstGeom prst="halfFrame">
+              <a:avLst>
+                <a:gd name="adj1" fmla="val 23728"/>
+                <a:gd name="adj2" fmla="val 24642"/>
+              </a:avLst>
+            </a:prstGeom>
+            <a:solidFill>
+              <a:schemeClr val="bg2">
+                <a:alpha val="23000"/>
+              </a:schemeClr>
+            </a:solidFill>
+            <a:ln>
+              <a:noFill/>
+            </a:ln>
+          </p:spPr>
+          <p:style>
+            <a:lnRef idx="2">
+              <a:schemeClr val="accent1">
+                <a:shade val="50000"/>
+              </a:schemeClr>
+            </a:lnRef>
+            <a:fillRef idx="1">
+              <a:schemeClr val="accent1"/>
+            </a:fillRef>
+            <a:effectRef idx="0">
+              <a:schemeClr val="accent1"/>
+            </a:effectRef>
+            <a:fontRef idx="minor">
+              <a:schemeClr val="lt1"/>
+            </a:fontRef>
+          </p:style>
+          <p:txBody>
+            <a:bodyPr rtlCol="0" anchor="ctr"/>
+            <a:lstStyle/>
+            <a:p>
+              <a:pPr marL="0" marR="0" lvl="0" indent="0" algn="ctr" defTabSz="914400" rtl="0" eaLnBrk="1" fontAlgn="auto" latinLnBrk="0" hangingPunct="1">
+                <a:lnSpc>
+                  <a:spcPct val="100000"/>
+                </a:lnSpc>
+                <a:spcBef>
+                  <a:spcPts val="0"/>
+                </a:spcBef>
+                <a:spcAft>
+                  <a:spcPts val="0"/>
+                </a:spcAft>
+                <a:buClrTx/>
+                <a:buSzTx/>
+                <a:buFontTx/>
+                <a:buNone/>
+                <a:tabLst/>
+                <a:defRPr/>
+              </a:pPr>
+              <a:endParaRPr kumimoji="0" lang="ko-KR" altLang="en-US" sz="2399" b="0" i="0" u="none" strike="noStrike" kern="1200" cap="none" spc="0" normalizeH="0" baseline="0" noProof="0">
+                <a:ln>
+                  <a:noFill/>
+                </a:ln>
+                <a:solidFill>
+                  <a:srgbClr val="234465"/>
+                </a:solidFill>
+                <a:effectLst/>
+                <a:uLnTx/>
+                <a:uFillTx/>
+                <a:latin typeface="Calibri" panose="020F0502020204030204"/>
+                <a:ea typeface="맑은 고딕" panose="020B0503020000020004" pitchFamily="34" charset="-127"/>
+                <a:cs typeface="+mn-cs"/>
+              </a:endParaRPr>
+            </a:p>
+          </p:txBody>
+        </p:sp>
+      </p:grpSp>
+      <p:pic>
+        <p:nvPicPr>
+          <p:cNvPr id="13" name="Picture 12">
+            <a:extLst>
+              <a:ext uri="{FF2B5EF4-FFF2-40B4-BE49-F238E27FC236}">
+                <a16:creationId xmlns:a16="http://schemas.microsoft.com/office/drawing/2014/main" xmlns="" id="{CCC3A316-993C-4741-8826-E104F27650A3}"/>
+              </a:ext>
+            </a:extLst>
+          </p:cNvPr>
+          <p:cNvPicPr>
+            <a:picLocks noChangeAspect="1"/>
+          </p:cNvPicPr>
+          <p:nvPr/>
+        </p:nvPicPr>
+        <p:blipFill rotWithShape="1">
+          <a:blip r:embed="rId3" cstate="print">
+            <a:extLst>
+              <a:ext uri="{28A0092B-C50C-407E-A947-70E740481C1C}">
+                <a14:useLocalDpi xmlns:a14="http://schemas.microsoft.com/office/drawing/2010/main" xmlns="" val="0"/>
+              </a:ext>
+            </a:extLst>
+          </a:blip>
+          <a:srcRect/>
+          <a:stretch/>
+        </p:blipFill>
+        <p:spPr>
+          <a:xfrm flipH="1">
+            <a:off x="8824937" y="3276641"/>
+            <a:ext cx="2882677" cy="3119781"/>
+          </a:xfrm>
+          <a:prstGeom prst="rect">
+            <a:avLst/>
+          </a:prstGeom>
+        </p:spPr>
+      </p:pic>
+      <p:sp>
+        <p:nvSpPr>
+          <p:cNvPr id="15" name="Content Placeholder 4">
+            <a:extLst>
+              <a:ext uri="{FF2B5EF4-FFF2-40B4-BE49-F238E27FC236}">
+                <a16:creationId xmlns:a16="http://schemas.microsoft.com/office/drawing/2014/main" xmlns="" id="{B96A0DF8-27E7-4DC8-BBE3-7238AAAEB845}"/>
+              </a:ext>
+            </a:extLst>
+          </p:cNvPr>
+          <p:cNvSpPr txBox="1">
+            <a:spLocks/>
+          </p:cNvSpPr>
+          <p:nvPr/>
+        </p:nvSpPr>
+        <p:spPr>
+          <a:xfrm>
+            <a:off x="445613" y="1606714"/>
+            <a:ext cx="11815018" cy="5201066"/>
+          </a:xfrm>
+          <a:prstGeom prst="rect">
+            <a:avLst/>
+          </a:prstGeom>
+        </p:spPr>
+        <p:txBody>
+          <a:bodyPr vert="horz" lIns="108000" tIns="36000" rIns="108000" bIns="36000" rtlCol="0">
+            <a:normAutofit/>
+          </a:bodyPr>
+          <a:lstStyle>
+            <a:lvl1pPr marL="456915" indent="-456915" algn="l" defTabSz="1218438" rtl="0" eaLnBrk="1" latinLnBrk="1" hangingPunct="1">
+              <a:lnSpc>
+                <a:spcPct val="105000"/>
+              </a:lnSpc>
+              <a:spcBef>
+                <a:spcPts val="600"/>
+              </a:spcBef>
+              <a:spcAft>
+                <a:spcPts val="600"/>
+              </a:spcAft>
+              <a:buFont typeface="Wingdings" panose="05000000000000000000" pitchFamily="2" charset="2"/>
+              <a:buChar char="§"/>
+              <a:defRPr sz="3398" kern="1200">
+                <a:solidFill>
+                  <a:schemeClr val="tx1"/>
+                </a:solidFill>
+                <a:latin typeface="+mn-lt"/>
+                <a:ea typeface="+mn-ea"/>
+                <a:cs typeface="+mn-cs"/>
+              </a:defRPr>
+            </a:lvl1pPr>
+            <a:lvl2pPr marL="989981" indent="-380762" algn="l" defTabSz="1218438" rtl="0" eaLnBrk="1" latinLnBrk="1" hangingPunct="1">
+              <a:lnSpc>
+                <a:spcPct val="105000"/>
+              </a:lnSpc>
+              <a:spcBef>
+                <a:spcPts val="600"/>
+              </a:spcBef>
+              <a:spcAft>
+                <a:spcPts val="600"/>
+              </a:spcAft>
+              <a:buFont typeface="Wingdings" panose="05000000000000000000" pitchFamily="2" charset="2"/>
+              <a:buChar char="§"/>
+              <a:defRPr sz="3198" kern="1200">
+                <a:solidFill>
+                  <a:schemeClr val="tx1"/>
+                </a:solidFill>
+                <a:latin typeface="+mn-lt"/>
+                <a:ea typeface="+mn-ea"/>
+                <a:cs typeface="+mn-cs"/>
+              </a:defRPr>
+            </a:lvl2pPr>
+            <a:lvl3pPr marL="1523048" indent="-304610" algn="l" defTabSz="1218438" rtl="0" eaLnBrk="1" latinLnBrk="1" hangingPunct="1">
+              <a:lnSpc>
+                <a:spcPct val="105000"/>
+              </a:lnSpc>
+              <a:spcBef>
+                <a:spcPts val="600"/>
+              </a:spcBef>
+              <a:spcAft>
+                <a:spcPts val="600"/>
+              </a:spcAft>
+              <a:buFont typeface="Wingdings" panose="05000000000000000000" pitchFamily="2" charset="2"/>
+              <a:buChar char="§"/>
+              <a:defRPr sz="2998" kern="1200">
+                <a:solidFill>
+                  <a:schemeClr val="tx1"/>
+                </a:solidFill>
+                <a:latin typeface="+mn-lt"/>
+                <a:ea typeface="+mn-ea"/>
+                <a:cs typeface="+mn-cs"/>
+              </a:defRPr>
+            </a:lvl3pPr>
+            <a:lvl4pPr marL="2132267" indent="-304610" algn="l" defTabSz="1218438" rtl="0" eaLnBrk="1" latinLnBrk="1" hangingPunct="1">
+              <a:lnSpc>
+                <a:spcPct val="105000"/>
+              </a:lnSpc>
+              <a:spcBef>
+                <a:spcPts val="600"/>
+              </a:spcBef>
+              <a:spcAft>
+                <a:spcPts val="600"/>
+              </a:spcAft>
+              <a:buFont typeface="Wingdings" panose="05000000000000000000" pitchFamily="2" charset="2"/>
+              <a:buChar char="§"/>
+              <a:defRPr sz="2798" kern="1200">
+                <a:solidFill>
+                  <a:schemeClr val="tx1"/>
+                </a:solidFill>
+                <a:latin typeface="+mn-lt"/>
+                <a:ea typeface="+mn-ea"/>
+                <a:cs typeface="+mn-cs"/>
+              </a:defRPr>
+            </a:lvl4pPr>
+            <a:lvl5pPr marL="2741485" indent="-304610" algn="l" defTabSz="1218438" rtl="0" eaLnBrk="1" latinLnBrk="1" hangingPunct="1">
+              <a:lnSpc>
+                <a:spcPct val="105000"/>
+              </a:lnSpc>
+              <a:spcBef>
+                <a:spcPts val="600"/>
+              </a:spcBef>
+              <a:spcAft>
+                <a:spcPts val="600"/>
+              </a:spcAft>
+              <a:buFont typeface="Wingdings" panose="05000000000000000000" pitchFamily="2" charset="2"/>
+              <a:buChar char="§"/>
+              <a:defRPr sz="2598" kern="1200">
+                <a:solidFill>
+                  <a:schemeClr val="tx1"/>
+                </a:solidFill>
+                <a:latin typeface="+mn-lt"/>
+                <a:ea typeface="+mn-ea"/>
+                <a:cs typeface="+mn-cs"/>
+              </a:defRPr>
+            </a:lvl5pPr>
+            <a:lvl6pPr marL="3350704" indent="-304610" algn="l" defTabSz="1218438" rtl="0" eaLnBrk="1" latinLnBrk="1" hangingPunct="1">
+              <a:spcBef>
+                <a:spcPct val="20000"/>
+              </a:spcBef>
+              <a:buFont typeface="Arial" pitchFamily="34" charset="0"/>
+              <a:buChar char="•"/>
+              <a:defRPr sz="2665" kern="1200">
+                <a:solidFill>
+                  <a:schemeClr val="tx1"/>
+                </a:solidFill>
+                <a:latin typeface="+mn-lt"/>
+                <a:ea typeface="+mn-ea"/>
+                <a:cs typeface="+mn-cs"/>
+              </a:defRPr>
+            </a:lvl6pPr>
+            <a:lvl7pPr marL="3959924" indent="-304610" algn="l" defTabSz="1218438" rtl="0" eaLnBrk="1" latinLnBrk="1" hangingPunct="1">
+              <a:spcBef>
+                <a:spcPct val="20000"/>
+              </a:spcBef>
+              <a:buFont typeface="Arial" pitchFamily="34" charset="0"/>
+              <a:buChar char="•"/>
+              <a:defRPr sz="2665" kern="1200">
+                <a:solidFill>
+                  <a:schemeClr val="tx1"/>
+                </a:solidFill>
+                <a:latin typeface="+mn-lt"/>
+                <a:ea typeface="+mn-ea"/>
+                <a:cs typeface="+mn-cs"/>
+              </a:defRPr>
+            </a:lvl7pPr>
+            <a:lvl8pPr marL="4569143" indent="-304610" algn="l" defTabSz="1218438" rtl="0" eaLnBrk="1" latinLnBrk="1" hangingPunct="1">
+              <a:spcBef>
+                <a:spcPct val="20000"/>
+              </a:spcBef>
+              <a:buFont typeface="Arial" pitchFamily="34" charset="0"/>
+              <a:buChar char="•"/>
+              <a:defRPr sz="2665" kern="1200">
+                <a:solidFill>
+                  <a:schemeClr val="tx1"/>
+                </a:solidFill>
+                <a:latin typeface="+mn-lt"/>
+                <a:ea typeface="+mn-ea"/>
+                <a:cs typeface="+mn-cs"/>
+              </a:defRPr>
+            </a:lvl8pPr>
+            <a:lvl9pPr marL="5178362" indent="-304610" algn="l" defTabSz="1218438" rtl="0" eaLnBrk="1" latinLnBrk="1" hangingPunct="1">
+              <a:spcBef>
+                <a:spcPct val="20000"/>
+              </a:spcBef>
+              <a:buFont typeface="Arial" pitchFamily="34" charset="0"/>
+              <a:buChar char="•"/>
+              <a:defRPr sz="2665" kern="1200">
+                <a:solidFill>
+                  <a:schemeClr val="tx1"/>
+                </a:solidFill>
+                <a:latin typeface="+mn-lt"/>
+                <a:ea typeface="+mn-ea"/>
+                <a:cs typeface="+mn-cs"/>
+              </a:defRPr>
+            </a:lvl9pPr>
+          </a:lstStyle>
+          <a:p>
+            <a:pPr marL="456915" marR="0" lvl="0" indent="-456915" algn="l" defTabSz="1218438" rtl="0" eaLnBrk="1" fontAlgn="auto" latinLnBrk="1" hangingPunct="1">
+              <a:lnSpc>
+                <a:spcPct val="100000"/>
+              </a:lnSpc>
+              <a:spcBef>
+                <a:spcPts val="600"/>
+              </a:spcBef>
+              <a:spcAft>
+                <a:spcPts val="600"/>
+              </a:spcAft>
+              <a:buClr>
+                <a:srgbClr val="FFFFFF"/>
+              </a:buClr>
+              <a:buSzTx/>
+              <a:buFont typeface="Wingdings" panose="05000000000000000000" pitchFamily="2" charset="2"/>
+              <a:buChar char="§"/>
+              <a:tabLst/>
+              <a:defRPr/>
+            </a:pPr>
+            <a:endParaRPr kumimoji="0" lang="en-US" sz="2800" b="0" i="0" u="none" strike="noStrike" kern="1200" cap="none" spc="0" normalizeH="0" baseline="0" noProof="0" dirty="0">
+              <a:ln>
+                <a:noFill/>
+              </a:ln>
+              <a:solidFill>
+                <a:schemeClr val="bg2"/>
+              </a:solidFill>
+              <a:effectLst/>
+              <a:uLnTx/>
+              <a:uFillTx/>
+              <a:latin typeface="Calibri" panose="020F0502020204030204"/>
+              <a:ea typeface="+mn-ea"/>
+              <a:cs typeface="+mn-cs"/>
+            </a:endParaRPr>
+          </a:p>
+        </p:txBody>
+      </p:sp>
+      <p:sp>
+        <p:nvSpPr>
+          <p:cNvPr id="2" name="Rectangle 1"/>
+          <p:cNvSpPr/>
+          <p:nvPr/>
+        </p:nvSpPr>
+        <p:spPr>
+          <a:xfrm>
+            <a:off x="741000" y="1449000"/>
+            <a:ext cx="7333456" cy="7417415"/>
+          </a:xfrm>
+          <a:prstGeom prst="rect">
+            <a:avLst/>
+          </a:prstGeom>
+        </p:spPr>
+        <p:txBody>
+          <a:bodyPr wrap="square">
+            <a:spAutoFit/>
+          </a:bodyPr>
+          <a:lstStyle/>
+          <a:p>
+            <a:pPr marL="457200" indent="-457200">
+              <a:lnSpc>
+                <a:spcPct val="100000"/>
+              </a:lnSpc>
+              <a:buClr>
+                <a:schemeClr val="bg2"/>
+              </a:buClr>
+              <a:buFont typeface="Wingdings" panose="05000000000000000000" pitchFamily="2" charset="2"/>
+              <a:buChar char="§"/>
+            </a:pPr>
+            <a:r>
+              <a:rPr lang="en-US" sz="3400" b="1" dirty="0" smtClean="0">
+                <a:solidFill>
+                  <a:schemeClr val="bg1">
+                    <a:lumMod val="60000"/>
+                    <a:lumOff val="40000"/>
+                  </a:schemeClr>
+                </a:solidFill>
+              </a:rPr>
+              <a:t>INSERT</a:t>
+            </a:r>
+          </a:p>
+          <a:p>
+            <a:pPr marL="914400" lvl="1" indent="-457200">
+              <a:buClr>
+                <a:schemeClr val="bg2"/>
+              </a:buClr>
+              <a:buFont typeface="Wingdings" panose="05000000000000000000" pitchFamily="2" charset="2"/>
+              <a:buChar char="§"/>
+            </a:pPr>
+            <a:r>
+              <a:rPr lang="bg-BG" sz="3400" dirty="0" smtClean="0">
+                <a:solidFill>
+                  <a:schemeClr val="bg2"/>
+                </a:solidFill>
+              </a:rPr>
+              <a:t>Добавяне на нови редове</a:t>
+            </a:r>
+          </a:p>
+          <a:p>
+            <a:pPr marL="914400" lvl="1" indent="-457200">
+              <a:buClr>
+                <a:schemeClr val="bg2"/>
+              </a:buClr>
+              <a:buFont typeface="Wingdings" panose="05000000000000000000" pitchFamily="2" charset="2"/>
+              <a:buChar char="§"/>
+            </a:pPr>
+            <a:r>
+              <a:rPr lang="bg-BG" sz="3400" dirty="0" smtClean="0">
+                <a:solidFill>
+                  <a:schemeClr val="bg2"/>
+                </a:solidFill>
+              </a:rPr>
+              <a:t>Вмъкване на данни в колони</a:t>
+            </a:r>
+            <a:endParaRPr lang="en-US" sz="3400" dirty="0" smtClean="0">
+              <a:solidFill>
+                <a:schemeClr val="bg2"/>
+              </a:solidFill>
+            </a:endParaRPr>
+          </a:p>
+          <a:p>
+            <a:pPr marL="457200" indent="-457200">
+              <a:lnSpc>
+                <a:spcPct val="100000"/>
+              </a:lnSpc>
+              <a:buClr>
+                <a:schemeClr val="bg2"/>
+              </a:buClr>
+              <a:buFont typeface="Wingdings" panose="05000000000000000000" pitchFamily="2" charset="2"/>
+              <a:buChar char="§"/>
+            </a:pPr>
+            <a:r>
+              <a:rPr lang="en-US" sz="3400" b="1" dirty="0" smtClean="0">
+                <a:solidFill>
+                  <a:schemeClr val="bg1">
+                    <a:lumMod val="60000"/>
+                    <a:lumOff val="40000"/>
+                  </a:schemeClr>
+                </a:solidFill>
+              </a:rPr>
+              <a:t>UPDATE</a:t>
+            </a:r>
+            <a:endParaRPr lang="bg-BG" sz="3400" b="1" dirty="0" smtClean="0">
+              <a:solidFill>
+                <a:schemeClr val="bg1">
+                  <a:lumMod val="60000"/>
+                  <a:lumOff val="40000"/>
+                </a:schemeClr>
+              </a:solidFill>
+            </a:endParaRPr>
+          </a:p>
+          <a:p>
+            <a:pPr marL="914400" lvl="1" indent="-457200">
+              <a:buClr>
+                <a:schemeClr val="bg2"/>
+              </a:buClr>
+              <a:buFont typeface="Wingdings" panose="05000000000000000000" pitchFamily="2" charset="2"/>
+              <a:buChar char="§"/>
+            </a:pPr>
+            <a:r>
+              <a:rPr lang="bg-BG" sz="3400" dirty="0" smtClean="0">
+                <a:solidFill>
+                  <a:schemeClr val="bg2"/>
+                </a:solidFill>
+              </a:rPr>
+              <a:t>Промяна на данни базирани на </a:t>
+            </a:r>
+            <a:r>
+              <a:rPr lang="bg-BG" sz="3400" dirty="0" smtClean="0">
+                <a:solidFill>
+                  <a:schemeClr val="bg2"/>
+                </a:solidFill>
+              </a:rPr>
+              <a:t>дадено условие</a:t>
+            </a:r>
+            <a:endParaRPr lang="en-US" sz="3400" b="1" dirty="0" smtClean="0">
+              <a:solidFill>
+                <a:schemeClr val="bg1"/>
+              </a:solidFill>
+            </a:endParaRPr>
+          </a:p>
+          <a:p>
+            <a:pPr marL="457200" indent="-457200">
+              <a:lnSpc>
+                <a:spcPct val="100000"/>
+              </a:lnSpc>
+              <a:buClr>
+                <a:schemeClr val="bg2"/>
+              </a:buClr>
+              <a:buFont typeface="Wingdings" panose="05000000000000000000" pitchFamily="2" charset="2"/>
+              <a:buChar char="§"/>
+            </a:pPr>
+            <a:r>
+              <a:rPr lang="en-US" sz="3400" b="1" dirty="0" smtClean="0">
+                <a:solidFill>
+                  <a:schemeClr val="bg1">
+                    <a:lumMod val="60000"/>
+                    <a:lumOff val="40000"/>
+                  </a:schemeClr>
+                </a:solidFill>
+              </a:rPr>
+              <a:t>DELETE</a:t>
+            </a:r>
+          </a:p>
+          <a:p>
+            <a:pPr marL="914400" lvl="1" indent="-457200">
+              <a:buClr>
+                <a:schemeClr val="bg2"/>
+              </a:buClr>
+              <a:buFont typeface="Wingdings" panose="05000000000000000000" pitchFamily="2" charset="2"/>
+              <a:buChar char="§"/>
+            </a:pPr>
+            <a:r>
+              <a:rPr lang="bg-BG" sz="3400" dirty="0" smtClean="0">
+                <a:solidFill>
+                  <a:schemeClr val="bg2"/>
+                </a:solidFill>
+              </a:rPr>
+              <a:t>Изтриване на записи в таблица</a:t>
+            </a:r>
+            <a:r>
+              <a:rPr lang="en-US" sz="3400" dirty="0" smtClean="0">
+                <a:solidFill>
+                  <a:schemeClr val="bg2"/>
+                </a:solidFill>
+              </a:rPr>
+              <a:t> </a:t>
+            </a:r>
+            <a:r>
+              <a:rPr lang="bg-BG" sz="3400" dirty="0" smtClean="0">
+                <a:solidFill>
+                  <a:schemeClr val="bg2"/>
+                </a:solidFill>
+              </a:rPr>
+              <a:t>според зададеното условие</a:t>
+            </a:r>
+            <a:endParaRPr lang="en-US" sz="3400" dirty="0" smtClean="0">
+              <a:solidFill>
+                <a:schemeClr val="bg2"/>
+              </a:solidFill>
+            </a:endParaRPr>
+          </a:p>
+          <a:p>
+            <a:pPr marL="914400" lvl="1" indent="-457200">
+              <a:buClr>
+                <a:schemeClr val="bg2"/>
+              </a:buClr>
+              <a:buFont typeface="Wingdings" panose="05000000000000000000" pitchFamily="2" charset="2"/>
+              <a:buChar char="§"/>
+            </a:pPr>
+            <a:r>
+              <a:rPr lang="en-US" sz="3400" b="1" noProof="1" smtClean="0">
+                <a:solidFill>
+                  <a:schemeClr val="bg1">
+                    <a:lumMod val="60000"/>
+                    <a:lumOff val="40000"/>
+                  </a:schemeClr>
+                </a:solidFill>
+                <a:latin typeface="Consolas" pitchFamily="49" charset="0"/>
+                <a:cs typeface="Consolas" pitchFamily="49" charset="0"/>
+              </a:rPr>
+              <a:t>TRUNCATE</a:t>
+            </a:r>
+            <a:endParaRPr lang="bg-BG" sz="3400" dirty="0" smtClean="0">
+              <a:solidFill>
+                <a:schemeClr val="bg1">
+                  <a:lumMod val="60000"/>
+                  <a:lumOff val="40000"/>
+                </a:schemeClr>
+              </a:solidFill>
+            </a:endParaRPr>
+          </a:p>
+          <a:p>
+            <a:pPr marL="914400" lvl="1" indent="-457200">
+              <a:buClr>
+                <a:schemeClr val="bg2"/>
+              </a:buClr>
+              <a:buFont typeface="Wingdings" panose="05000000000000000000" pitchFamily="2" charset="2"/>
+              <a:buChar char="§"/>
+            </a:pPr>
+            <a:endParaRPr lang="bg-BG" sz="3400" dirty="0" smtClean="0">
+              <a:solidFill>
+                <a:schemeClr val="bg2"/>
+              </a:solidFill>
+            </a:endParaRPr>
+          </a:p>
+          <a:p>
+            <a:pPr marL="914400" lvl="1" indent="-457200">
+              <a:buClr>
+                <a:schemeClr val="bg2"/>
+              </a:buClr>
+              <a:buFont typeface="Wingdings" panose="05000000000000000000" pitchFamily="2" charset="2"/>
+              <a:buChar char="§"/>
+            </a:pPr>
+            <a:endParaRPr lang="en-US" sz="3400" dirty="0" smtClean="0">
+              <a:solidFill>
+                <a:schemeClr val="bg2"/>
+              </a:solidFill>
+            </a:endParaRPr>
+          </a:p>
+          <a:p>
+            <a:pPr marL="914400" lvl="1" indent="-457200">
+              <a:buClr>
+                <a:schemeClr val="bg2"/>
+              </a:buClr>
+              <a:buFont typeface="Wingdings" panose="05000000000000000000" pitchFamily="2" charset="2"/>
+              <a:buChar char="§"/>
+            </a:pPr>
+            <a:endParaRPr lang="en-US" sz="3400" b="1" dirty="0" smtClean="0">
+              <a:solidFill>
+                <a:schemeClr val="bg1"/>
+              </a:solidFill>
+            </a:endParaRPr>
+          </a:p>
+          <a:p>
+            <a:pPr marL="914400" lvl="1" indent="-457200">
+              <a:buFont typeface="Wingdings" panose="05000000000000000000" pitchFamily="2" charset="2"/>
+              <a:buChar char="§"/>
+            </a:pPr>
+            <a:endParaRPr lang="en-US" sz="3400" dirty="0">
+              <a:solidFill>
+                <a:schemeClr val="bg2"/>
+              </a:solidFill>
+            </a:endParaRPr>
+          </a:p>
+        </p:txBody>
+      </p:sp>
+      <p:sp>
+        <p:nvSpPr>
+          <p:cNvPr id="16" name="Slide Number">
+            <a:extLst>
+              <a:ext uri="{FF2B5EF4-FFF2-40B4-BE49-F238E27FC236}">
+                <a16:creationId xmlns:a16="http://schemas.microsoft.com/office/drawing/2014/main" xmlns="" id="{49334D44-7518-4233-8A43-DB57B354A99C}"/>
+              </a:ext>
+            </a:extLst>
+          </p:cNvPr>
+          <p:cNvSpPr>
+            <a:spLocks noGrp="1"/>
+          </p:cNvSpPr>
+          <p:nvPr>
+            <p:ph type="sldNum" sz="quarter" idx="5"/>
+          </p:nvPr>
+        </p:nvSpPr>
+        <p:spPr>
+          <a:xfrm>
+            <a:off x="11753030" y="6507000"/>
+            <a:ext cx="367414" cy="297000"/>
+          </a:xfrm>
+          <a:prstGeom prst="rect">
+            <a:avLst/>
+          </a:prstGeom>
+        </p:spPr>
+        <p:txBody>
+          <a:bodyPr vert="horz" lIns="91440" tIns="45720" rIns="91440" bIns="45720" rtlCol="0" anchor="b"/>
+          <a:lstStyle>
+            <a:lvl1pPr algn="r">
+              <a:defRPr sz="1000"/>
+            </a:lvl1pPr>
+          </a:lstStyle>
+          <a:p>
+            <a:fld id="{2BF067CD-8E6B-4360-9AA8-C5DF2A48A6D1}" type="slidenum">
+              <a:rPr lang="en-US" noProof="0" smtClean="0"/>
+              <a:pPr/>
+              <a:t>16</a:t>
+            </a:fld>
+            <a:endParaRPr lang="en-US" noProof="0" dirty="0"/>
+          </a:p>
+        </p:txBody>
+      </p:sp>
+    </p:spTree>
+    <p:extLst>
+      <p:ext uri="{BB962C8B-B14F-4D97-AF65-F5344CB8AC3E}">
+        <p14:creationId xmlns:p14="http://schemas.microsoft.com/office/powerpoint/2010/main" xmlns="" val="4124786151"/>
+      </p:ext>
+    </p:extLst>
+  </p:cSld>
+  <p:clrMapOvr>
+    <a:masterClrMapping/>
+  </p:clrMapOvr>
+  <mc:AlternateContent xmlns:mc="http://schemas.openxmlformats.org/markup-compatibility/2006">
+    <mc:Choice xmlns:p14="http://schemas.microsoft.com/office/powerpoint/2010/main" xmlns="" Requires="p14">
+      <p:transition spd="slow" p14:dur="2000" advClick="0" advTm="5000"/>
+    </mc:Choice>
+    <mc:Fallback>
+      <p:transition spd="slow" advClick="0" advTm="5000"/>
+    </mc:Fallback>
+  </mc:AlternateContent>
+  <p:timing>
+    <p:tnLst>
+      <p:par>
+        <p:cTn id="1" dur="indefinite" restart="never" nodeType="tmRoot">
+          <p:childTnLst>
+            <p:seq concurrent="1" nextAc="seek">
+              <p:cTn id="2" dur="indefinite" nodeType="mainSeq">
+                <p:childTnLst>
+                  <p:par>
+                    <p:cTn id="3" fill="hold">
+                      <p:stCondLst>
+                        <p:cond delay="indefinite"/>
+                      </p:stCondLst>
+                      <p:childTnLst>
+                        <p:par>
+                          <p:cTn id="4" fill="hold">
+                            <p:stCondLst>
+                              <p:cond delay="0"/>
+                            </p:stCondLst>
+                            <p:childTnLst>
+                              <p:par>
+                                <p:cTn id="5" presetID="1" presetClass="entr" presetSubtype="0" fill="hold" nodeType="clickEffect">
+                                  <p:stCondLst>
+                                    <p:cond delay="0"/>
+                                  </p:stCondLst>
+                                  <p:childTnLst>
+                                    <p:set>
+                                      <p:cBhvr>
+                                        <p:cTn id="6" dur="1" fill="hold">
+                                          <p:stCondLst>
+                                            <p:cond delay="0"/>
+                                          </p:stCondLst>
+                                        </p:cTn>
+                                        <p:tgtEl>
+                                          <p:spTgt spid="2">
+                                            <p:txEl>
+                                              <p:pRg st="2" end="2"/>
+                                            </p:txEl>
+                                          </p:spTgt>
+                                        </p:tgtEl>
+                                        <p:attrNameLst>
+                                          <p:attrName>style.visibility</p:attrName>
+                                        </p:attrNameLst>
+                                      </p:cBhvr>
+                                      <p:to>
+                                        <p:strVal val="visible"/>
+                                      </p:to>
+                                    </p:set>
+                                  </p:childTnLst>
+                                </p:cTn>
+                              </p:par>
+                            </p:childTnLst>
+                          </p:cTn>
+                        </p:par>
+                      </p:childTnLst>
+                    </p:cTn>
+                  </p:par>
+                  <p:par>
+                    <p:cTn id="7" fill="hold">
+                      <p:stCondLst>
+                        <p:cond delay="indefinite"/>
+                      </p:stCondLst>
+                      <p:childTnLst>
+                        <p:par>
+                          <p:cTn id="8" fill="hold">
+                            <p:stCondLst>
+                              <p:cond delay="0"/>
+                            </p:stCondLst>
+                            <p:childTnLst>
+                              <p:par>
+                                <p:cTn id="9" presetID="1" presetClass="entr" presetSubtype="0" fill="hold" nodeType="clickEffect">
+                                  <p:stCondLst>
+                                    <p:cond delay="0"/>
+                                  </p:stCondLst>
+                                  <p:childTnLst>
+                                    <p:set>
+                                      <p:cBhvr>
+                                        <p:cTn id="10" dur="1" fill="hold">
+                                          <p:stCondLst>
+                                            <p:cond delay="0"/>
+                                          </p:stCondLst>
+                                        </p:cTn>
+                                        <p:tgtEl>
+                                          <p:spTgt spid="2">
+                                            <p:txEl>
+                                              <p:pRg st="3" end="3"/>
+                                            </p:txEl>
+                                          </p:spTgt>
+                                        </p:tgtEl>
+                                        <p:attrNameLst>
+                                          <p:attrName>style.visibility</p:attrName>
+                                        </p:attrNameLst>
+                                      </p:cBhvr>
+                                      <p:to>
+                                        <p:strVal val="visible"/>
+                                      </p:to>
+                                    </p:set>
+                                  </p:childTnLst>
+                                </p:cTn>
+                              </p:par>
+                              <p:par>
+                                <p:cTn id="11" presetID="1" presetClass="entr" presetSubtype="0" fill="hold" nodeType="withEffect">
+                                  <p:stCondLst>
+                                    <p:cond delay="0"/>
+                                  </p:stCondLst>
+                                  <p:childTnLst>
+                                    <p:set>
+                                      <p:cBhvr>
+                                        <p:cTn id="12" dur="1" fill="hold">
+                                          <p:stCondLst>
+                                            <p:cond delay="0"/>
+                                          </p:stCondLst>
+                                        </p:cTn>
+                                        <p:tgtEl>
+                                          <p:spTgt spid="2">
+                                            <p:txEl>
+                                              <p:pRg st="4" end="4"/>
+                                            </p:txEl>
+                                          </p:spTgt>
+                                        </p:tgtEl>
+                                        <p:attrNameLst>
+                                          <p:attrName>style.visibility</p:attrName>
+                                        </p:attrNameLst>
+                                      </p:cBhvr>
+                                      <p:to>
+                                        <p:strVal val="visible"/>
+                                      </p:to>
+                                    </p:set>
+                                  </p:childTnLst>
+                                </p:cTn>
+                              </p:par>
+                            </p:childTnLst>
+                          </p:cTn>
+                        </p:par>
+                      </p:childTnLst>
+                    </p:cTn>
+                  </p:par>
+                  <p:par>
+                    <p:cTn id="13" fill="hold">
+                      <p:stCondLst>
+                        <p:cond delay="indefinite"/>
+                      </p:stCondLst>
+                      <p:childTnLst>
+                        <p:par>
+                          <p:cTn id="14" fill="hold">
+                            <p:stCondLst>
+                              <p:cond delay="0"/>
+                            </p:stCondLst>
+                            <p:childTnLst>
+                              <p:par>
+                                <p:cTn id="15" presetID="1" presetClass="entr" presetSubtype="0" fill="hold" nodeType="clickEffect">
+                                  <p:stCondLst>
+                                    <p:cond delay="0"/>
+                                  </p:stCondLst>
+                                  <p:childTnLst>
+                                    <p:set>
+                                      <p:cBhvr>
+                                        <p:cTn id="16" dur="1" fill="hold">
+                                          <p:stCondLst>
+                                            <p:cond delay="0"/>
+                                          </p:stCondLst>
+                                        </p:cTn>
+                                        <p:tgtEl>
+                                          <p:spTgt spid="2">
+                                            <p:txEl>
+                                              <p:pRg st="5" end="5"/>
+                                            </p:txEl>
+                                          </p:spTgt>
+                                        </p:tgtEl>
+                                        <p:attrNameLst>
+                                          <p:attrName>style.visibility</p:attrName>
+                                        </p:attrNameLst>
+                                      </p:cBhvr>
+                                      <p:to>
+                                        <p:strVal val="visible"/>
+                                      </p:to>
+                                    </p:set>
+                                  </p:childTnLst>
+                                </p:cTn>
+                              </p:par>
+                              <p:par>
+                                <p:cTn id="17" presetID="1" presetClass="entr" presetSubtype="0" fill="hold" nodeType="withEffect">
+                                  <p:stCondLst>
+                                    <p:cond delay="0"/>
+                                  </p:stCondLst>
+                                  <p:childTnLst>
+                                    <p:set>
+                                      <p:cBhvr>
+                                        <p:cTn id="18" dur="1" fill="hold">
+                                          <p:stCondLst>
+                                            <p:cond delay="0"/>
+                                          </p:stCondLst>
+                                        </p:cTn>
+                                        <p:tgtEl>
+                                          <p:spTgt spid="2">
+                                            <p:txEl>
+                                              <p:pRg st="6" end="6"/>
+                                            </p:txEl>
+                                          </p:spTgt>
+                                        </p:tgtEl>
+                                        <p:attrNameLst>
+                                          <p:attrName>style.visibility</p:attrName>
+                                        </p:attrNameLst>
+                                      </p:cBhvr>
+                                      <p:to>
+                                        <p:strVal val="visible"/>
+                                      </p:to>
+                                    </p:set>
+                                  </p:childTnLst>
+                                </p:cTn>
+                              </p:par>
+                            </p:childTnLst>
+                          </p:cTn>
+                        </p:par>
+                      </p:childTnLst>
+                    </p:cTn>
+                  </p:par>
+                  <p:par>
+                    <p:cTn id="19" fill="hold">
+                      <p:stCondLst>
+                        <p:cond delay="indefinite"/>
+                      </p:stCondLst>
+                      <p:childTnLst>
+                        <p:par>
+                          <p:cTn id="20" fill="hold">
+                            <p:stCondLst>
+                              <p:cond delay="0"/>
+                            </p:stCondLst>
+                            <p:childTnLst>
+                              <p:par>
+                                <p:cTn id="21" presetID="1" presetClass="entr" presetSubtype="0" fill="hold" nodeType="clickEffect">
+                                  <p:stCondLst>
+                                    <p:cond delay="0"/>
+                                  </p:stCondLst>
+                                  <p:childTnLst>
+                                    <p:set>
+                                      <p:cBhvr>
+                                        <p:cTn id="22" dur="1" fill="hold">
+                                          <p:stCondLst>
+                                            <p:cond delay="0"/>
+                                          </p:stCondLst>
+                                        </p:cTn>
+                                        <p:tgtEl>
+                                          <p:spTgt spid="2">
+                                            <p:txEl>
+                                              <p:pRg st="7" end="7"/>
+                                            </p:txEl>
+                                          </p:spTgt>
+                                        </p:tgtEl>
+                                        <p:attrNameLst>
+                                          <p:attrName>style.visibility</p:attrName>
+                                        </p:attrNameLst>
+                                      </p:cBhvr>
+                                      <p:to>
+                                        <p:strVal val="visible"/>
+                                      </p:to>
+                                    </p:set>
+                                  </p:childTnLst>
+                                </p:cTn>
+                              </p:par>
+                            </p:childTnLst>
+                          </p:cTn>
+                        </p:par>
+                      </p:childTnLst>
+                    </p:cTn>
+                  </p:par>
+                </p:childTnLst>
+              </p:cTn>
+              <p:prevCondLst>
+                <p:cond evt="onPrev" delay="0">
+                  <p:tgtEl>
+                    <p:sldTgt/>
+                  </p:tgtEl>
+                </p:cond>
+              </p:prevCondLst>
+              <p:nextCondLst>
+                <p:cond evt="onNext" delay="0">
+                  <p:tgtEl>
+                    <p:sldTgt/>
+                  </p:tgtEl>
+                </p:cond>
+              </p:nextCondLst>
+            </p:seq>
+          </p:childTnLst>
+        </p:cTn>
+      </p:par>
+    </p:tnLst>
+  </p:timing>
+</p:sld>
+</file>
+
+<file path=ppt/slides/slide17.xml><?xml version="1.0" encoding="utf-8"?>
+<p:sld xmlns:a="http://schemas.openxmlformats.org/drawingml/2006/main" xmlns:r="http://schemas.openxmlformats.org/officeDocument/2006/relationships" xmlns:p="http://schemas.openxmlformats.org/presentationml/2006/main">
+  <p:cSld>
+    <p:spTree>
+      <p:nvGrpSpPr>
+        <p:cNvPr id="1" name=""/>
+        <p:cNvGrpSpPr/>
+        <p:nvPr/>
+      </p:nvGrpSpPr>
+      <p:grpSpPr>
+        <a:xfrm>
+          <a:off x="0" y="0"/>
+          <a:ext cx="0" cy="0"/>
+          <a:chOff x="0" y="0"/>
+          <a:chExt cx="0" cy="0"/>
+        </a:xfrm>
+      </p:grpSpPr>
+      <p:sp>
+        <p:nvSpPr>
+          <p:cNvPr id="5" name="Slide Title">
+            <a:extLst>
+              <a:ext uri="{FF2B5EF4-FFF2-40B4-BE49-F238E27FC236}">
+                <a16:creationId xmlns="" xmlns:a16="http://schemas.microsoft.com/office/drawing/2014/main" id="{FA0703FC-0F8F-4C80-A615-E4B381EC0E0C}"/>
+              </a:ext>
+            </a:extLst>
+          </p:cNvPr>
+          <p:cNvSpPr>
+            <a:spLocks noGrp="1"/>
+          </p:cNvSpPr>
+          <p:nvPr>
+            <p:ph type="title"/>
+          </p:nvPr>
+        </p:nvSpPr>
+        <p:spPr/>
+        <p:txBody>
+          <a:bodyPr/>
+          <a:lstStyle/>
+          <a:p>
+            <a:r>
+              <a:rPr lang="bg-BG" sz="8800" dirty="0" smtClean="0">
+                <a:solidFill>
+                  <a:srgbClr val="234465"/>
+                </a:solidFill>
+              </a:rPr>
+              <a:t>Въпроси</a:t>
+            </a:r>
+            <a:r>
+              <a:rPr lang="en-US" sz="8800" dirty="0" smtClean="0">
+                <a:solidFill>
+                  <a:srgbClr val="234465"/>
+                </a:solidFill>
+              </a:rPr>
+              <a:t>?</a:t>
+            </a:r>
+            <a:endParaRPr lang="en-US" sz="8800" dirty="0"/>
+          </a:p>
+        </p:txBody>
+      </p:sp>
+    </p:spTree>
+    <p:extLst>
+      <p:ext uri="{BB962C8B-B14F-4D97-AF65-F5344CB8AC3E}">
+        <p14:creationId xmlns="" xmlns:p14="http://schemas.microsoft.com/office/powerpoint/2010/main" val="2715899688"/>
+      </p:ext>
+    </p:extLst>
+  </p:cSld>
+  <p:clrMapOvr>
+    <a:masterClrMapping/>
+  </p:clrMapOvr>
+  <mc:AlternateContent xmlns:mc="http://schemas.openxmlformats.org/markup-compatibility/2006">
+    <mc:Choice xmlns="" xmlns:p14="http://schemas.microsoft.com/office/powerpoint/2010/main" Requires="p14">
+      <p:transition spd="slow" p14:dur="2000" advClick="0" advTm="5000"/>
+    </mc:Choice>
+    <mc:Fallback>
+      <p:transition spd="slow" advClick="0" advTm="5000"/>
+    </mc:Fallback>
+  </mc:AlternateContent>
+  <p:timing>
+    <p:tnLst>
+      <p:par>
+        <p:cTn id="1" dur="indefinite" restart="never" nodeType="tmRoot"/>
+      </p:par>
+    </p:tnLst>
+  </p:timing>
+</p:sld>
+</file>
+
+<file path=ppt/slides/slide18.xml><?xml version="1.0" encoding="utf-8"?>
+<p:sld xmlns:a="http://schemas.openxmlformats.org/drawingml/2006/main" xmlns:r="http://schemas.openxmlformats.org/officeDocument/2006/relationships" xmlns:p="http://schemas.openxmlformats.org/presentationml/2006/main">
+  <p:cSld>
+    <p:spTree>
+      <p:nvGrpSpPr>
+        <p:cNvPr id="1" name=""/>
+        <p:cNvGrpSpPr/>
+        <p:nvPr/>
+      </p:nvGrpSpPr>
+      <p:grpSpPr>
+        <a:xfrm>
+          <a:off x="0" y="0"/>
+          <a:ext cx="0" cy="0"/>
+          <a:chOff x="0" y="0"/>
+          <a:chExt cx="0" cy="0"/>
+        </a:xfrm>
+      </p:grpSpPr>
+      <p:sp>
+        <p:nvSpPr>
+          <p:cNvPr id="5" name="Slide Number">
+            <a:extLst>
+              <a:ext uri="{FF2B5EF4-FFF2-40B4-BE49-F238E27FC236}">
+                <a16:creationId xmlns:a16="http://schemas.microsoft.com/office/drawing/2014/main" xmlns="" id="{F48C3C93-90A1-4D31-BEA6-B54D1106CE31}"/>
+              </a:ext>
+            </a:extLst>
+          </p:cNvPr>
+          <p:cNvSpPr>
+            <a:spLocks noGrp="1"/>
+          </p:cNvSpPr>
+          <p:nvPr>
+            <p:ph type="sldNum" sz="quarter" idx="5"/>
+          </p:nvPr>
+        </p:nvSpPr>
+        <p:spPr>
+          <a:xfrm>
+            <a:off x="11753030" y="6507000"/>
+            <a:ext cx="367414" cy="297000"/>
+          </a:xfrm>
+          <a:prstGeom prst="rect">
+            <a:avLst/>
+          </a:prstGeom>
+        </p:spPr>
+        <p:txBody>
+          <a:bodyPr vert="horz" lIns="91440" tIns="45720" rIns="91440" bIns="45720" rtlCol="0" anchor="b"/>
+          <a:lstStyle>
+            <a:lvl1pPr algn="r">
+              <a:defRPr sz="1000"/>
+            </a:lvl1pPr>
+          </a:lstStyle>
+          <a:p>
+            <a:fld id="{2BF067CD-8E6B-4360-9AA8-C5DF2A48A6D1}" type="slidenum">
+              <a:rPr lang="en-US" smtClean="0"/>
+              <a:pPr/>
+              <a:t>18</a:t>
+            </a:fld>
+            <a:endParaRPr lang="en-US" dirty="0"/>
+          </a:p>
+        </p:txBody>
+      </p:sp>
+      <p:sp>
+        <p:nvSpPr>
+          <p:cNvPr id="2" name="Slide Body">
+            <a:extLst>
+              <a:ext uri="{FF2B5EF4-FFF2-40B4-BE49-F238E27FC236}">
+                <a16:creationId xmlns:a16="http://schemas.microsoft.com/office/drawing/2014/main" xmlns="" id="{980F49B1-E4BE-4389-A747-7AB9B71AD920}"/>
+              </a:ext>
+            </a:extLst>
+          </p:cNvPr>
+          <p:cNvSpPr>
+            <a:spLocks noGrp="1"/>
+          </p:cNvSpPr>
+          <p:nvPr>
+            <p:ph type="body" sz="quarter" idx="10"/>
+          </p:nvPr>
+        </p:nvSpPr>
+        <p:spPr>
+          <a:xfrm>
+            <a:off x="190402" y="1269001"/>
+            <a:ext cx="11818096" cy="5455890"/>
+          </a:xfrm>
+        </p:spPr>
+        <p:txBody>
+          <a:bodyPr/>
+          <a:lstStyle/>
+          <a:p>
+            <a:pPr>
+              <a:lnSpc>
+                <a:spcPct val="120000"/>
+              </a:lnSpc>
+            </a:pPr>
+            <a:r>
+              <a:rPr lang="bg-BG" dirty="0"/>
+              <a:t>Този курс</a:t>
+            </a:r>
+            <a:r>
+              <a:rPr lang="en-US" dirty="0"/>
+              <a:t> (</a:t>
+            </a:r>
+            <a:r>
+              <a:rPr lang="bg-BG" dirty="0"/>
+              <a:t>презентации, примери, демонстрационен код, упражнения, домашни, видео и други активи</a:t>
+            </a:r>
+            <a:r>
+              <a:rPr lang="en-US" dirty="0"/>
+              <a:t>) </a:t>
+            </a:r>
+            <a:r>
+              <a:rPr lang="bg-BG" dirty="0"/>
+              <a:t>представлява</a:t>
+            </a:r>
+            <a:r>
+              <a:rPr lang="en-US" dirty="0"/>
+              <a:t> </a:t>
+            </a:r>
+            <a:r>
+              <a:rPr lang="bg-BG" b="1" dirty="0"/>
+              <a:t>защитено авторско съдържание</a:t>
+            </a:r>
+            <a:endParaRPr lang="en-US" dirty="0"/>
+          </a:p>
+          <a:p>
+            <a:pPr>
+              <a:lnSpc>
+                <a:spcPct val="120000"/>
+              </a:lnSpc>
+            </a:pPr>
+            <a:r>
+              <a:rPr lang="bg-BG" dirty="0"/>
+              <a:t>Нерегламентирано копиране</a:t>
+            </a:r>
+            <a:r>
+              <a:rPr lang="en-US" dirty="0"/>
+              <a:t>,</a:t>
+            </a:r>
+            <a:r>
+              <a:rPr lang="bg-BG" dirty="0"/>
+              <a:t> разпространение или използване е незаконно</a:t>
+            </a:r>
+          </a:p>
+          <a:p>
+            <a:pPr>
+              <a:lnSpc>
+                <a:spcPct val="120000"/>
+              </a:lnSpc>
+            </a:pPr>
+            <a:r>
+              <a:rPr lang="en-US" dirty="0"/>
+              <a:t>© </a:t>
+            </a:r>
+            <a:r>
+              <a:rPr lang="bg-BG" dirty="0"/>
+              <a:t>СофтУни</a:t>
+            </a:r>
+            <a:r>
+              <a:rPr lang="en-US" dirty="0"/>
+              <a:t> – </a:t>
+            </a:r>
+            <a:r>
+              <a:rPr lang="en-US" dirty="0">
+                <a:hlinkClick r:id="rId3"/>
+              </a:rPr>
+              <a:t>https://softuni.org</a:t>
+            </a:r>
+            <a:endParaRPr lang="en-US" dirty="0"/>
+          </a:p>
+          <a:p>
+            <a:pPr>
+              <a:lnSpc>
+                <a:spcPct val="120000"/>
+              </a:lnSpc>
+            </a:pPr>
+            <a:r>
+              <a:rPr lang="en-US" dirty="0"/>
+              <a:t>© </a:t>
+            </a:r>
+            <a:r>
+              <a:rPr lang="bg-BG" dirty="0"/>
+              <a:t>Софтуерен университет</a:t>
+            </a:r>
+            <a:r>
+              <a:rPr lang="en-US" dirty="0"/>
+              <a:t> – </a:t>
+            </a:r>
+            <a:r>
+              <a:rPr lang="en-US" dirty="0">
+                <a:hlinkClick r:id="rId4"/>
+              </a:rPr>
+              <a:t>https://softuni.bg</a:t>
+            </a:r>
+            <a:endParaRPr lang="bg-BG" dirty="0"/>
+          </a:p>
+        </p:txBody>
+      </p:sp>
+      <p:pic>
+        <p:nvPicPr>
+          <p:cNvPr id="6" name="Picture License" descr="License">
+            <a:extLst>
+              <a:ext uri="{FF2B5EF4-FFF2-40B4-BE49-F238E27FC236}">
+                <a16:creationId xmlns:a16="http://schemas.microsoft.com/office/drawing/2014/main" xmlns="" id="{A10A2585-858C-4B1E-8846-27CF1C15729E}"/>
+              </a:ext>
+            </a:extLst>
+          </p:cNvPr>
+          <p:cNvPicPr>
+            <a:picLocks noChangeAspect="1"/>
+          </p:cNvPicPr>
+          <p:nvPr/>
+        </p:nvPicPr>
+        <p:blipFill>
+          <a:blip r:embed="rId5" cstate="print">
+            <a:clrChange>
+              <a:clrFrom>
+                <a:srgbClr val="FFFFFF"/>
+              </a:clrFrom>
+              <a:clrTo>
+                <a:srgbClr val="FFFFFF">
+                  <a:alpha val="0"/>
+                </a:srgbClr>
+              </a:clrTo>
+            </a:clrChange>
+          </a:blip>
+          <a:stretch>
+            <a:fillRect/>
+          </a:stretch>
+        </p:blipFill>
+        <p:spPr>
+          <a:xfrm>
+            <a:off x="9745023" y="4445455"/>
+            <a:ext cx="1930977" cy="2043545"/>
+          </a:xfrm>
+          <a:prstGeom prst="rect">
+            <a:avLst/>
+          </a:prstGeom>
+        </p:spPr>
+      </p:pic>
+      <p:sp>
+        <p:nvSpPr>
+          <p:cNvPr id="3" name="Slide Title">
+            <a:extLst>
+              <a:ext uri="{FF2B5EF4-FFF2-40B4-BE49-F238E27FC236}">
+                <a16:creationId xmlns:a16="http://schemas.microsoft.com/office/drawing/2014/main" xmlns="" id="{E5F1FB41-80C3-4816-BC47-CCC50632E6E8}"/>
+              </a:ext>
+            </a:extLst>
+          </p:cNvPr>
+          <p:cNvSpPr>
+            <a:spLocks noGrp="1"/>
+          </p:cNvSpPr>
+          <p:nvPr>
+            <p:ph type="title"/>
+          </p:nvPr>
+        </p:nvSpPr>
+        <p:spPr/>
+        <p:txBody>
+          <a:bodyPr/>
+          <a:lstStyle/>
+          <a:p>
+            <a:r>
+              <a:rPr lang="bg-BG" dirty="0"/>
+              <a:t>Лиценз</a:t>
+            </a:r>
+          </a:p>
+        </p:txBody>
+      </p:sp>
+    </p:spTree>
+    <p:extLst>
+      <p:ext uri="{BB962C8B-B14F-4D97-AF65-F5344CB8AC3E}">
+        <p14:creationId xmlns:p14="http://schemas.microsoft.com/office/powerpoint/2010/main" xmlns="" val="3506533871"/>
+      </p:ext>
+    </p:extLst>
+  </p:cSld>
+  <p:clrMapOvr>
+    <a:masterClrMapping/>
+  </p:clrMapOvr>
+  <mc:AlternateContent xmlns:mc="http://schemas.openxmlformats.org/markup-compatibility/2006">
+    <mc:Choice xmlns:p14="http://schemas.microsoft.com/office/powerpoint/2010/main" xmlns="" Requires="p14">
+      <p:transition spd="slow" p14:dur="2000" advClick="0" advTm="5000"/>
+    </mc:Choice>
+    <mc:Fallback>
+      <p:transition spd="slow" advClick="0" advTm="5000"/>
+    </mc:Fallback>
+  </mc:AlternateContent>
+  <p:timing>
+    <p:tnLst>
+      <p:par>
+        <p:cTn id="1" dur="indefinite" restart="never" nodeType="tmRoot"/>
+      </p:par>
+    </p:tnLst>
+  </p:timing>
+</p:sld>
+</file>
+
 <file path=ppt/slides/slide2.xml><?xml version="1.0" encoding="utf-8"?>
 <p:sld xmlns:a="http://schemas.openxmlformats.org/drawingml/2006/main" xmlns:r="http://schemas.openxmlformats.org/officeDocument/2006/relationships" xmlns:p="http://schemas.openxmlformats.org/presentationml/2006/main">
   <p:cSld>
@@ -12440,7 +17592,6 @@
               <a:rPr lang="bg-BG" dirty="0" smtClean="0"/>
               <a:t>заявки</a:t>
             </a:r>
-            <a:endParaRPr lang="bg-BG" dirty="0" smtClean="0"/>
           </a:p>
           <a:p>
             <a:r>
@@ -12496,7 +17647,7 @@
           <p:cNvPr id="5" name="Slide Number">
             <a:extLst>
               <a:ext uri="{FF2B5EF4-FFF2-40B4-BE49-F238E27FC236}">
-                <a16:creationId xmlns:a16="http://schemas.microsoft.com/office/drawing/2014/main" xmlns="" id="{FF1E3A17-8C5A-4422-AF5B-95FA4E4E5574}"/>
+                <a16:creationId xmlns="" xmlns:a16="http://schemas.microsoft.com/office/drawing/2014/main" id="{FF1E3A17-8C5A-4422-AF5B-95FA4E4E5574}"/>
               </a:ext>
             </a:extLst>
           </p:cNvPr>
@@ -12624,7 +17775,7 @@
     </p:spTree>
     <p:extLst>
       <p:ext uri="{BB962C8B-B14F-4D97-AF65-F5344CB8AC3E}">
-        <p14:creationId xmlns:p14="http://schemas.microsoft.com/office/powerpoint/2010/main" xmlns="" val="3598650340"/>
+        <p14:creationId xmlns="" xmlns:p14="http://schemas.microsoft.com/office/powerpoint/2010/main" val="3598650340"/>
       </p:ext>
     </p:extLst>
   </p:cSld>
@@ -12632,7 +17783,7 @@
     <a:masterClrMapping/>
   </p:clrMapOvr>
   <mc:AlternateContent xmlns:mc="http://schemas.openxmlformats.org/markup-compatibility/2006">
-    <mc:Choice xmlns:p14="http://schemas.microsoft.com/office/powerpoint/2010/main" xmlns="" Requires="p14">
+    <mc:Choice xmlns="" xmlns:p14="http://schemas.microsoft.com/office/powerpoint/2010/main" Requires="p14">
       <p:transition spd="slow" p14:dur="2000" advClick="0" advTm="5000"/>
     </mc:Choice>
     <mc:Fallback>
@@ -12867,7 +18018,7 @@
     <a:masterClrMapping/>
   </p:clrMapOvr>
   <mc:AlternateContent xmlns:mc="http://schemas.openxmlformats.org/markup-compatibility/2006">
-    <mc:Choice xmlns:p14="http://schemas.microsoft.com/office/powerpoint/2010/main" xmlns="" Requires="p14">
+    <mc:Choice xmlns="" xmlns:p14="http://schemas.microsoft.com/office/powerpoint/2010/main" Requires="p14">
       <p:transition spd="slow" p14:dur="2000" advClick="0" advTm="5000"/>
     </mc:Choice>
     <mc:Fallback>
@@ -13030,7 +18181,7 @@
           <p:cNvPr id="5" name="Text Placeholder 4">
             <a:extLst>
               <a:ext uri="{FF2B5EF4-FFF2-40B4-BE49-F238E27FC236}">
-                <a16:creationId xmlns="" xmlns:a16="http://schemas.microsoft.com/office/drawing/2014/main" id="{FBED5352-2A36-4F28-AB8D-6335517E5493}"/>
+                <a16:creationId xmlns:a16="http://schemas.microsoft.com/office/drawing/2014/main" xmlns="" id="{FBED5352-2A36-4F28-AB8D-6335517E5493}"/>
               </a:ext>
             </a:extLst>
           </p:cNvPr>
@@ -13129,35 +18280,8 @@
                 <a:latin typeface="Consolas" pitchFamily="49" charset="0"/>
                 <a:cs typeface="Consolas" pitchFamily="49" charset="0"/>
               </a:rPr>
-              <a:t>table_name ((column1, </a:t>
-            </a:r>
-            <a:r>
-              <a:rPr lang="en-US" sz="3000" b="1" noProof="1" smtClean="0">
-                <a:solidFill>
-                  <a:schemeClr val="tx2"/>
-                </a:solidFill>
-                <a:latin typeface="Consolas" pitchFamily="49" charset="0"/>
-                <a:cs typeface="Consolas" pitchFamily="49" charset="0"/>
-              </a:rPr>
-              <a:t>column2</a:t>
-            </a:r>
-            <a:r>
-              <a:rPr lang="en-US" sz="3000" b="1" noProof="1" smtClean="0">
-                <a:solidFill>
-                  <a:schemeClr val="tx2"/>
-                </a:solidFill>
-                <a:latin typeface="Consolas" pitchFamily="49" charset="0"/>
-                <a:cs typeface="Consolas" pitchFamily="49" charset="0"/>
-              </a:rPr>
-              <a:t>, …)</a:t>
-            </a:r>
-            <a:endParaRPr lang="en-US" sz="3000" b="1" noProof="1" smtClean="0">
-              <a:solidFill>
-                <a:schemeClr val="tx2"/>
-              </a:solidFill>
-              <a:latin typeface="Consolas" pitchFamily="49" charset="0"/>
-              <a:cs typeface="Consolas" pitchFamily="49" charset="0"/>
-            </a:endParaRPr>
+              <a:t>table_name ((column1, column2, …)</a:t>
+            </a:r>
           </a:p>
           <a:p>
             <a:pPr lvl="0" defTabSz="1218438" eaLnBrk="0" hangingPunct="0">
@@ -13220,35 +18344,8 @@
                 <a:latin typeface="Consolas" pitchFamily="49" charset="0"/>
                 <a:cs typeface="Consolas" pitchFamily="49" charset="0"/>
               </a:rPr>
-              <a:t>(value1, value2</a:t>
-            </a:r>
-            <a:r>
-              <a:rPr lang="en-US" sz="3000" b="1" noProof="1" smtClean="0">
-                <a:solidFill>
-                  <a:schemeClr val="tx2"/>
-                </a:solidFill>
-                <a:latin typeface="Consolas" pitchFamily="49" charset="0"/>
-                <a:cs typeface="Consolas" pitchFamily="49" charset="0"/>
-              </a:rPr>
-              <a:t>, </a:t>
-            </a:r>
-            <a:r>
-              <a:rPr lang="en-US" sz="3000" b="1" noProof="1" smtClean="0">
-                <a:solidFill>
-                  <a:schemeClr val="tx2"/>
-                </a:solidFill>
-                <a:latin typeface="Consolas" pitchFamily="49" charset="0"/>
-                <a:cs typeface="Consolas" pitchFamily="49" charset="0"/>
-              </a:rPr>
-              <a:t>...)</a:t>
-            </a:r>
-            <a:endParaRPr lang="en-US" sz="3000" b="1" noProof="1" smtClean="0">
-              <a:solidFill>
-                <a:schemeClr val="tx2"/>
-              </a:solidFill>
-              <a:latin typeface="Consolas" pitchFamily="49" charset="0"/>
-              <a:cs typeface="Consolas" pitchFamily="49" charset="0"/>
-            </a:endParaRPr>
+              <a:t>(value1, value2, ...)</a:t>
+            </a:r>
           </a:p>
         </p:txBody>
       </p:sp>
@@ -13528,7 +18625,7 @@
     <a:masterClrMapping/>
   </p:clrMapOvr>
   <mc:AlternateContent xmlns:mc="http://schemas.openxmlformats.org/markup-compatibility/2006">
-    <mc:Choice xmlns:p14="http://schemas.microsoft.com/office/powerpoint/2010/main" xmlns="" Requires="p14">
+    <mc:Choice xmlns="" xmlns:p14="http://schemas.microsoft.com/office/powerpoint/2010/main" Requires="p14">
       <p:transition spd="slow" p14:dur="2000" advClick="0" advTm="5000"/>
     </mc:Choice>
     <mc:Fallback>
@@ -13804,6 +18901,846 @@
       </p:grpSpPr>
       <p:sp>
         <p:nvSpPr>
+          <p:cNvPr id="562179" name="Rectangle 3"/>
+          <p:cNvSpPr>
+            <a:spLocks noGrp="1" noChangeArrowheads="1"/>
+          </p:cNvSpPr>
+          <p:nvPr>
+            <p:ph type="body" sz="quarter" idx="10"/>
+          </p:nvPr>
+        </p:nvSpPr>
+        <p:spPr>
+          <a:xfrm>
+            <a:off x="1866000" y="864001"/>
+            <a:ext cx="10129234" cy="5803732"/>
+          </a:xfrm>
+        </p:spPr>
+        <p:txBody>
+          <a:bodyPr>
+            <a:normAutofit/>
+          </a:bodyPr>
+          <a:lstStyle/>
+          <a:p>
+            <a:r>
+              <a:rPr lang="en-US" sz="3600" dirty="0" smtClean="0"/>
+              <a:t>SQL </a:t>
+            </a:r>
+            <a:r>
+              <a:rPr lang="en-US" sz="3600" dirty="0" smtClean="0"/>
+              <a:t>INSERT </a:t>
+            </a:r>
+            <a:r>
+              <a:rPr lang="bg-BG" sz="3600" dirty="0" smtClean="0"/>
+              <a:t>командата</a:t>
+            </a:r>
+            <a:endParaRPr lang="en-US" sz="3600" dirty="0" smtClean="0"/>
+          </a:p>
+          <a:p>
+            <a:endParaRPr lang="en-US" sz="3600" dirty="0"/>
+          </a:p>
+          <a:p>
+            <a:endParaRPr lang="en-US" sz="3600" dirty="0"/>
+          </a:p>
+          <a:p>
+            <a:r>
+              <a:rPr lang="bg-BG" sz="3600" dirty="0" smtClean="0"/>
+              <a:t>Вмъкване на множество редове</a:t>
+            </a:r>
+            <a:endParaRPr lang="en-US" sz="3600" dirty="0"/>
+          </a:p>
+          <a:p>
+            <a:endParaRPr lang="en-US" sz="3600" dirty="0"/>
+          </a:p>
+          <a:p>
+            <a:pPr>
+              <a:buNone/>
+            </a:pPr>
+            <a:endParaRPr lang="en-US" sz="3600" dirty="0" smtClean="0"/>
+          </a:p>
+          <a:p>
+            <a:pPr>
+              <a:buNone/>
+            </a:pPr>
+            <a:endParaRPr lang="en-US" sz="3600" dirty="0"/>
+          </a:p>
+        </p:txBody>
+      </p:sp>
+      <p:sp>
+        <p:nvSpPr>
+          <p:cNvPr id="562178" name="Rectangle 2"/>
+          <p:cNvSpPr>
+            <a:spLocks noGrp="1" noChangeArrowheads="1"/>
+          </p:cNvSpPr>
+          <p:nvPr>
+            <p:ph type="title"/>
+          </p:nvPr>
+        </p:nvSpPr>
+        <p:spPr/>
+        <p:txBody>
+          <a:bodyPr/>
+          <a:lstStyle/>
+          <a:p>
+            <a:r>
+              <a:rPr lang="bg-BG" dirty="0" smtClean="0"/>
+              <a:t>Добавяне на данни</a:t>
+            </a:r>
+            <a:endParaRPr lang="bg-BG" dirty="0"/>
+          </a:p>
+        </p:txBody>
+      </p:sp>
+      <p:sp>
+        <p:nvSpPr>
+          <p:cNvPr id="562180" name="Rectangle 4"/>
+          <p:cNvSpPr>
+            <a:spLocks noChangeArrowheads="1"/>
+          </p:cNvSpPr>
+          <p:nvPr/>
+        </p:nvSpPr>
+        <p:spPr bwMode="auto">
+          <a:xfrm>
+            <a:off x="2271000" y="1764000"/>
+            <a:ext cx="9717292" cy="1077218"/>
+          </a:xfrm>
+          <a:prstGeom prst="rect">
+            <a:avLst/>
+          </a:prstGeom>
+          <a:solidFill>
+            <a:schemeClr val="accent5">
+              <a:lumMod val="40000"/>
+              <a:lumOff val="60000"/>
+              <a:alpha val="15000"/>
+            </a:schemeClr>
+          </a:solidFill>
+          <a:ln w="12700">
+            <a:solidFill>
+              <a:schemeClr val="accent5">
+                <a:lumMod val="60000"/>
+                <a:lumOff val="40000"/>
+              </a:schemeClr>
+            </a:solidFill>
+          </a:ln>
+        </p:spPr>
+        <p:txBody>
+          <a:bodyPr wrap="square">
+            <a:spAutoFit/>
+          </a:bodyPr>
+          <a:lstStyle/>
+          <a:p>
+            <a:pPr eaLnBrk="0" hangingPunct="0">
+              <a:buClr>
+                <a:schemeClr val="accent5">
+                  <a:lumMod val="40000"/>
+                  <a:lumOff val="60000"/>
+                </a:schemeClr>
+              </a:buClr>
+              <a:buSzPct val="70000"/>
+            </a:pPr>
+            <a:r>
+              <a:rPr lang="en-US" sz="3200" b="1" noProof="1" smtClean="0">
+                <a:solidFill>
+                  <a:schemeClr val="bg1"/>
+                </a:solidFill>
+                <a:latin typeface="Consolas" pitchFamily="49" charset="0"/>
+                <a:cs typeface="Consolas" pitchFamily="49" charset="0"/>
+              </a:rPr>
+              <a:t>INSERT INTO </a:t>
+            </a:r>
+            <a:r>
+              <a:rPr lang="en-US" sz="3200" b="1" noProof="1" smtClean="0">
+                <a:latin typeface="Consolas" pitchFamily="49" charset="0"/>
+                <a:cs typeface="Consolas" pitchFamily="49" charset="0"/>
+              </a:rPr>
+              <a:t>Customers (Name, Email)</a:t>
+            </a:r>
+            <a:endParaRPr lang="en-US" sz="3200" b="1" noProof="1">
+              <a:latin typeface="Consolas" pitchFamily="49" charset="0"/>
+              <a:cs typeface="Consolas" pitchFamily="49" charset="0"/>
+            </a:endParaRPr>
+          </a:p>
+          <a:p>
+            <a:pPr eaLnBrk="0" hangingPunct="0">
+              <a:buClr>
+                <a:schemeClr val="accent5">
+                  <a:lumMod val="40000"/>
+                  <a:lumOff val="60000"/>
+                </a:schemeClr>
+              </a:buClr>
+              <a:buSzPct val="70000"/>
+            </a:pPr>
+            <a:r>
+              <a:rPr lang="en-US" sz="3200" b="1" noProof="1">
+                <a:latin typeface="Consolas" pitchFamily="49" charset="0"/>
+                <a:cs typeface="Consolas" pitchFamily="49" charset="0"/>
+              </a:rPr>
+              <a:t>   </a:t>
+            </a:r>
+            <a:r>
+              <a:rPr lang="en-US" sz="3200" b="1" noProof="1" smtClean="0">
+                <a:latin typeface="Consolas" pitchFamily="49" charset="0"/>
+                <a:cs typeface="Consolas" pitchFamily="49" charset="0"/>
+              </a:rPr>
+              <a:t>  </a:t>
+            </a:r>
+            <a:r>
+              <a:rPr lang="en-US" sz="3200" b="1" noProof="1" smtClean="0">
+                <a:solidFill>
+                  <a:schemeClr val="bg1"/>
+                </a:solidFill>
+                <a:latin typeface="Consolas" pitchFamily="49" charset="0"/>
+                <a:cs typeface="Consolas" pitchFamily="49" charset="0"/>
+              </a:rPr>
+              <a:t>VALUES </a:t>
+            </a:r>
+            <a:r>
+              <a:rPr lang="en-US" sz="3200" b="1" noProof="1" smtClean="0">
+                <a:latin typeface="Consolas" pitchFamily="49" charset="0"/>
+                <a:cs typeface="Consolas" pitchFamily="49" charset="0"/>
+              </a:rPr>
+              <a:t>(</a:t>
+            </a:r>
+            <a:r>
+              <a:rPr lang="en-US" sz="3200" b="1" noProof="1" smtClean="0">
+                <a:latin typeface="Consolas" pitchFamily="49" charset="0"/>
+                <a:cs typeface="Consolas" pitchFamily="49" charset="0"/>
+              </a:rPr>
+              <a:t>'</a:t>
+            </a:r>
+            <a:r>
+              <a:rPr lang="en-US" sz="3200" b="1" noProof="1" smtClean="0">
+                <a:latin typeface="Consolas" pitchFamily="49" charset="0"/>
+                <a:cs typeface="Consolas" pitchFamily="49" charset="0"/>
+              </a:rPr>
+              <a:t>Ivan Petrov‘, </a:t>
+            </a:r>
+            <a:r>
+              <a:rPr lang="en-US" sz="3200" b="1" noProof="1" smtClean="0">
+                <a:latin typeface="Consolas" pitchFamily="49" charset="0"/>
+                <a:cs typeface="Consolas" pitchFamily="49" charset="0"/>
+              </a:rPr>
+              <a:t>'</a:t>
+            </a:r>
+            <a:r>
+              <a:rPr lang="en-US" sz="3200" b="1" noProof="1" smtClean="0">
+                <a:latin typeface="Consolas" pitchFamily="49" charset="0"/>
+                <a:cs typeface="Consolas" pitchFamily="49" charset="0"/>
+              </a:rPr>
+              <a:t>ivan@abv.bg')</a:t>
+            </a:r>
+            <a:endParaRPr lang="en-US" sz="3200" b="1" noProof="1">
+              <a:latin typeface="Consolas" pitchFamily="49" charset="0"/>
+              <a:cs typeface="Consolas" pitchFamily="49" charset="0"/>
+            </a:endParaRPr>
+          </a:p>
+        </p:txBody>
+      </p:sp>
+      <p:sp>
+        <p:nvSpPr>
+          <p:cNvPr id="6" name="Rectangle 4"/>
+          <p:cNvSpPr>
+            <a:spLocks noChangeArrowheads="1"/>
+          </p:cNvSpPr>
+          <p:nvPr/>
+        </p:nvSpPr>
+        <p:spPr bwMode="auto">
+          <a:xfrm>
+            <a:off x="2271000" y="4059000"/>
+            <a:ext cx="9699004" cy="2062103"/>
+          </a:xfrm>
+          <a:prstGeom prst="rect">
+            <a:avLst/>
+          </a:prstGeom>
+          <a:solidFill>
+            <a:schemeClr val="accent5">
+              <a:lumMod val="40000"/>
+              <a:lumOff val="60000"/>
+              <a:alpha val="15000"/>
+            </a:schemeClr>
+          </a:solidFill>
+          <a:ln w="12700">
+            <a:solidFill>
+              <a:schemeClr val="accent5">
+                <a:lumMod val="60000"/>
+                <a:lumOff val="40000"/>
+              </a:schemeClr>
+            </a:solidFill>
+          </a:ln>
+        </p:spPr>
+        <p:txBody>
+          <a:bodyPr wrap="square">
+            <a:spAutoFit/>
+          </a:bodyPr>
+          <a:lstStyle/>
+          <a:p>
+            <a:pPr eaLnBrk="0" hangingPunct="0">
+              <a:buClr>
+                <a:schemeClr val="accent5">
+                  <a:lumMod val="40000"/>
+                  <a:lumOff val="60000"/>
+                </a:schemeClr>
+              </a:buClr>
+              <a:buSzPct val="70000"/>
+            </a:pPr>
+            <a:r>
+              <a:rPr lang="en-US" sz="3200" b="1" noProof="1" smtClean="0">
+                <a:solidFill>
+                  <a:schemeClr val="bg1"/>
+                </a:solidFill>
+                <a:latin typeface="Consolas" pitchFamily="49" charset="0"/>
+                <a:cs typeface="Consolas" pitchFamily="49" charset="0"/>
+              </a:rPr>
+              <a:t>INSERT </a:t>
+            </a:r>
+            <a:r>
+              <a:rPr lang="en-US" sz="3200" b="1" noProof="1" smtClean="0">
+                <a:solidFill>
+                  <a:schemeClr val="bg1"/>
+                </a:solidFill>
+                <a:latin typeface="Consolas" pitchFamily="49" charset="0"/>
+                <a:cs typeface="Consolas" pitchFamily="49" charset="0"/>
+              </a:rPr>
+              <a:t>INTO </a:t>
+            </a:r>
+            <a:r>
+              <a:rPr lang="en-US" sz="3200" b="1" noProof="1" smtClean="0">
+                <a:latin typeface="Consolas" pitchFamily="49" charset="0"/>
+                <a:cs typeface="Consolas" pitchFamily="49" charset="0"/>
+              </a:rPr>
+              <a:t>Orders (OrderId, UserId, Date)</a:t>
+            </a:r>
+            <a:endParaRPr lang="en-US" sz="3200" b="1" noProof="1" smtClean="0">
+              <a:latin typeface="Consolas" pitchFamily="49" charset="0"/>
+              <a:cs typeface="Consolas" pitchFamily="49" charset="0"/>
+            </a:endParaRPr>
+          </a:p>
+          <a:p>
+            <a:pPr eaLnBrk="0" hangingPunct="0">
+              <a:buClr>
+                <a:schemeClr val="accent5">
+                  <a:lumMod val="40000"/>
+                  <a:lumOff val="60000"/>
+                </a:schemeClr>
+              </a:buClr>
+              <a:buSzPct val="70000"/>
+            </a:pPr>
+            <a:r>
+              <a:rPr lang="en-US" sz="3200" b="1" noProof="1" smtClean="0">
+                <a:latin typeface="Consolas" pitchFamily="49" charset="0"/>
+                <a:cs typeface="Consolas" pitchFamily="49" charset="0"/>
+              </a:rPr>
+              <a:t>     </a:t>
+            </a:r>
+            <a:r>
+              <a:rPr lang="en-US" sz="3200" b="1" noProof="1" smtClean="0">
+                <a:solidFill>
+                  <a:schemeClr val="bg1"/>
+                </a:solidFill>
+                <a:latin typeface="Consolas" pitchFamily="49" charset="0"/>
+                <a:cs typeface="Consolas" pitchFamily="49" charset="0"/>
+              </a:rPr>
+              <a:t>VALUES </a:t>
+            </a:r>
+            <a:r>
+              <a:rPr lang="en-US" sz="3200" b="1" noProof="1" smtClean="0">
+                <a:latin typeface="Consolas" pitchFamily="49" charset="0"/>
+                <a:cs typeface="Consolas" pitchFamily="49" charset="0"/>
+              </a:rPr>
+              <a:t>(</a:t>
+            </a:r>
+            <a:r>
+              <a:rPr lang="en-US" sz="3200" b="1" dirty="0" smtClean="0"/>
+              <a:t>1001, 601, '2023-08-05</a:t>
+            </a:r>
+            <a:r>
+              <a:rPr lang="en-US" sz="3200" b="1" dirty="0" smtClean="0"/>
+              <a:t>'</a:t>
+            </a:r>
+            <a:r>
+              <a:rPr lang="en-US" sz="3200" b="1" noProof="1" smtClean="0">
+                <a:latin typeface="Consolas" pitchFamily="49" charset="0"/>
+                <a:cs typeface="Consolas" pitchFamily="49" charset="0"/>
+              </a:rPr>
+              <a:t>),</a:t>
+            </a:r>
+          </a:p>
+          <a:p>
+            <a:pPr eaLnBrk="0" hangingPunct="0">
+              <a:buClr>
+                <a:schemeClr val="accent5">
+                  <a:lumMod val="40000"/>
+                  <a:lumOff val="60000"/>
+                </a:schemeClr>
+              </a:buClr>
+              <a:buSzPct val="70000"/>
+            </a:pPr>
+            <a:r>
+              <a:rPr lang="en-US" sz="3200" b="1" noProof="1" smtClean="0">
+                <a:latin typeface="Consolas" pitchFamily="49" charset="0"/>
+                <a:cs typeface="Consolas" pitchFamily="49" charset="0"/>
+              </a:rPr>
+              <a:t>	</a:t>
+            </a:r>
+            <a:r>
+              <a:rPr lang="en-US" sz="3200" b="1" noProof="1" smtClean="0">
+                <a:latin typeface="Consolas" pitchFamily="49" charset="0"/>
+                <a:cs typeface="Consolas" pitchFamily="49" charset="0"/>
+              </a:rPr>
+              <a:t>	    (</a:t>
+            </a:r>
+            <a:r>
+              <a:rPr lang="en-US" sz="3200" b="1" dirty="0" smtClean="0"/>
+              <a:t>1254, 246, '2023-04-09'</a:t>
+            </a:r>
+            <a:r>
+              <a:rPr lang="en-US" sz="3200" b="1" noProof="1" smtClean="0">
+                <a:latin typeface="Consolas" pitchFamily="49" charset="0"/>
+                <a:cs typeface="Consolas" pitchFamily="49" charset="0"/>
+              </a:rPr>
+              <a:t>),</a:t>
+            </a:r>
+          </a:p>
+          <a:p>
+            <a:pPr eaLnBrk="0" hangingPunct="0">
+              <a:buClr>
+                <a:schemeClr val="accent5">
+                  <a:lumMod val="40000"/>
+                  <a:lumOff val="60000"/>
+                </a:schemeClr>
+              </a:buClr>
+              <a:buSzPct val="70000"/>
+            </a:pPr>
+            <a:r>
+              <a:rPr lang="en-US" sz="3200" b="1" noProof="1" smtClean="0">
+                <a:latin typeface="Consolas" pitchFamily="49" charset="0"/>
+                <a:cs typeface="Consolas" pitchFamily="49" charset="0"/>
+              </a:rPr>
+              <a:t>			(</a:t>
+            </a:r>
+            <a:r>
+              <a:rPr lang="en-US" sz="3200" b="1" dirty="0" smtClean="0"/>
+              <a:t>1080, 198, '2023-07-24'</a:t>
+            </a:r>
+            <a:r>
+              <a:rPr lang="en-US" sz="3200" b="1" noProof="1" smtClean="0">
+                <a:latin typeface="Consolas" pitchFamily="49" charset="0"/>
+                <a:cs typeface="Consolas" pitchFamily="49" charset="0"/>
+              </a:rPr>
+              <a:t>)</a:t>
+            </a:r>
+            <a:endParaRPr lang="en-US" sz="3200" b="1" noProof="1">
+              <a:latin typeface="Consolas" pitchFamily="49" charset="0"/>
+              <a:cs typeface="Consolas" pitchFamily="49" charset="0"/>
+            </a:endParaRPr>
+          </a:p>
+        </p:txBody>
+      </p:sp>
+      <p:sp>
+        <p:nvSpPr>
+          <p:cNvPr id="10" name="Slide Number">
+            <a:extLst>
+              <a:ext uri="{FF2B5EF4-FFF2-40B4-BE49-F238E27FC236}">
+                <a16:creationId xmlns:a16="http://schemas.microsoft.com/office/drawing/2014/main" xmlns="" id="{E3205804-7BCE-4BCC-A35F-B14C28BA1AF7}"/>
+              </a:ext>
+            </a:extLst>
+          </p:cNvPr>
+          <p:cNvSpPr txBox="1">
+            <a:spLocks/>
+          </p:cNvSpPr>
+          <p:nvPr/>
+        </p:nvSpPr>
+        <p:spPr>
+          <a:xfrm>
+            <a:off x="11753030" y="6507000"/>
+            <a:ext cx="367414" cy="297000"/>
+          </a:xfrm>
+          <a:prstGeom prst="rect">
+            <a:avLst/>
+          </a:prstGeom>
+        </p:spPr>
+        <p:txBody>
+          <a:bodyPr vert="horz" lIns="91440" tIns="45720" rIns="91440" bIns="45720" rtlCol="0" anchor="b"/>
+          <a:lstStyle>
+            <a:defPPr>
+              <a:defRPr lang="en-US"/>
+            </a:defPPr>
+            <a:lvl1pPr marL="0" algn="r" defTabSz="914400" rtl="0" eaLnBrk="1" latinLnBrk="0" hangingPunct="1">
+              <a:defRPr sz="1000" kern="1200">
+                <a:solidFill>
+                  <a:schemeClr val="tx1"/>
+                </a:solidFill>
+                <a:latin typeface="+mn-lt"/>
+                <a:ea typeface="+mn-ea"/>
+                <a:cs typeface="+mn-cs"/>
+              </a:defRPr>
+            </a:lvl1pPr>
+            <a:lvl2pPr marL="457200" algn="l" defTabSz="914400" rtl="0" eaLnBrk="1" latinLnBrk="0" hangingPunct="1">
+              <a:defRPr sz="1800" kern="1200">
+                <a:solidFill>
+                  <a:schemeClr val="tx1"/>
+                </a:solidFill>
+                <a:latin typeface="+mn-lt"/>
+                <a:ea typeface="+mn-ea"/>
+                <a:cs typeface="+mn-cs"/>
+              </a:defRPr>
+            </a:lvl2pPr>
+            <a:lvl3pPr marL="914400" algn="l" defTabSz="914400" rtl="0" eaLnBrk="1" latinLnBrk="0" hangingPunct="1">
+              <a:defRPr sz="1800" kern="1200">
+                <a:solidFill>
+                  <a:schemeClr val="tx1"/>
+                </a:solidFill>
+                <a:latin typeface="+mn-lt"/>
+                <a:ea typeface="+mn-ea"/>
+                <a:cs typeface="+mn-cs"/>
+              </a:defRPr>
+            </a:lvl3pPr>
+            <a:lvl4pPr marL="1371600" algn="l" defTabSz="914400" rtl="0" eaLnBrk="1" latinLnBrk="0" hangingPunct="1">
+              <a:defRPr sz="1800" kern="1200">
+                <a:solidFill>
+                  <a:schemeClr val="tx1"/>
+                </a:solidFill>
+                <a:latin typeface="+mn-lt"/>
+                <a:ea typeface="+mn-ea"/>
+                <a:cs typeface="+mn-cs"/>
+              </a:defRPr>
+            </a:lvl4pPr>
+            <a:lvl5pPr marL="1828800" algn="l" defTabSz="914400" rtl="0" eaLnBrk="1" latinLnBrk="0" hangingPunct="1">
+              <a:defRPr sz="1800" kern="1200">
+                <a:solidFill>
+                  <a:schemeClr val="tx1"/>
+                </a:solidFill>
+                <a:latin typeface="+mn-lt"/>
+                <a:ea typeface="+mn-ea"/>
+                <a:cs typeface="+mn-cs"/>
+              </a:defRPr>
+            </a:lvl5pPr>
+            <a:lvl6pPr marL="2286000" algn="l" defTabSz="914400" rtl="0" eaLnBrk="1" latinLnBrk="0" hangingPunct="1">
+              <a:defRPr sz="1800" kern="1200">
+                <a:solidFill>
+                  <a:schemeClr val="tx1"/>
+                </a:solidFill>
+                <a:latin typeface="+mn-lt"/>
+                <a:ea typeface="+mn-ea"/>
+                <a:cs typeface="+mn-cs"/>
+              </a:defRPr>
+            </a:lvl6pPr>
+            <a:lvl7pPr marL="2743200" algn="l" defTabSz="914400" rtl="0" eaLnBrk="1" latinLnBrk="0" hangingPunct="1">
+              <a:defRPr sz="1800" kern="1200">
+                <a:solidFill>
+                  <a:schemeClr val="tx1"/>
+                </a:solidFill>
+                <a:latin typeface="+mn-lt"/>
+                <a:ea typeface="+mn-ea"/>
+                <a:cs typeface="+mn-cs"/>
+              </a:defRPr>
+            </a:lvl7pPr>
+            <a:lvl8pPr marL="3200400" algn="l" defTabSz="914400" rtl="0" eaLnBrk="1" latinLnBrk="0" hangingPunct="1">
+              <a:defRPr sz="1800" kern="1200">
+                <a:solidFill>
+                  <a:schemeClr val="tx1"/>
+                </a:solidFill>
+                <a:latin typeface="+mn-lt"/>
+                <a:ea typeface="+mn-ea"/>
+                <a:cs typeface="+mn-cs"/>
+              </a:defRPr>
+            </a:lvl8pPr>
+            <a:lvl9pPr marL="3657600" algn="l" defTabSz="914400" rtl="0" eaLnBrk="1" latinLnBrk="0" hangingPunct="1">
+              <a:defRPr sz="1800" kern="1200">
+                <a:solidFill>
+                  <a:schemeClr val="tx1"/>
+                </a:solidFill>
+                <a:latin typeface="+mn-lt"/>
+                <a:ea typeface="+mn-ea"/>
+                <a:cs typeface="+mn-cs"/>
+              </a:defRPr>
+            </a:lvl9pPr>
+          </a:lstStyle>
+          <a:p>
+            <a:fld id="{2BF067CD-8E6B-4360-9AA8-C5DF2A48A6D1}" type="slidenum">
+              <a:rPr lang="en-US" smtClean="0"/>
+              <a:pPr/>
+              <a:t>5</a:t>
+            </a:fld>
+            <a:endParaRPr lang="en-US" dirty="0"/>
+          </a:p>
+        </p:txBody>
+      </p:sp>
+      <p:sp>
+        <p:nvSpPr>
+          <p:cNvPr id="9" name="AutoShape 5"/>
+          <p:cNvSpPr>
+            <a:spLocks noChangeArrowheads="1"/>
+          </p:cNvSpPr>
+          <p:nvPr/>
+        </p:nvSpPr>
+        <p:spPr bwMode="auto">
+          <a:xfrm>
+            <a:off x="9156000" y="3069000"/>
+            <a:ext cx="1980000" cy="855000"/>
+          </a:xfrm>
+          <a:prstGeom prst="wedgeRoundRectCallout">
+            <a:avLst>
+              <a:gd name="adj1" fmla="val -39836"/>
+              <a:gd name="adj2" fmla="val -83232"/>
+              <a:gd name="adj3" fmla="val 16667"/>
+            </a:avLst>
+          </a:prstGeom>
+          <a:solidFill>
+            <a:schemeClr val="tx1">
+              <a:alpha val="80000"/>
+            </a:schemeClr>
+          </a:solidFill>
+          <a:ln w="19050">
+            <a:solidFill>
+              <a:schemeClr val="tx1">
+                <a:alpha val="80000"/>
+              </a:schemeClr>
+            </a:solidFill>
+          </a:ln>
+          <a:effectLst/>
+        </p:spPr>
+        <p:style>
+          <a:lnRef idx="2">
+            <a:schemeClr val="accent1">
+              <a:shade val="50000"/>
+            </a:schemeClr>
+          </a:lnRef>
+          <a:fillRef idx="1001">
+            <a:schemeClr val="dk2"/>
+          </a:fillRef>
+          <a:effectRef idx="0">
+            <a:schemeClr val="accent1"/>
+          </a:effectRef>
+          <a:fontRef idx="minor">
+            <a:schemeClr val="lt1"/>
+          </a:fontRef>
+        </p:style>
+        <p:txBody>
+          <a:bodyPr rot="0" spcFirstLastPara="0" vertOverflow="overflow" horzOverflow="overflow" vert="horz" wrap="square" lIns="91440" tIns="45720" rIns="91440" bIns="45720" numCol="1" spcCol="0" rtlCol="0" fromWordArt="0" anchor="ctr" anchorCtr="0" forceAA="0" compatLnSpc="1">
+            <a:prstTxWarp prst="textNoShape">
+              <a:avLst/>
+            </a:prstTxWarp>
+            <a:noAutofit/>
+          </a:bodyPr>
+          <a:lstStyle/>
+          <a:p>
+            <a:pPr algn="ctr"/>
+            <a:r>
+              <a:rPr lang="bg-BG" sz="2400" b="1" dirty="0" smtClean="0">
+                <a:solidFill>
+                  <a:srgbClr val="FFFFFF"/>
+                </a:solidFill>
+                <a:effectLst>
+                  <a:outerShdw blurRad="38100" dist="38100" dir="2700000" algn="tl">
+                    <a:srgbClr val="000000">
+                      <a:alpha val="43137"/>
+                    </a:srgbClr>
+                  </a:outerShdw>
+                </a:effectLst>
+              </a:rPr>
+              <a:t>Стойности</a:t>
+            </a:r>
+            <a:endParaRPr lang="en-US" sz="2400" b="1" dirty="0">
+              <a:solidFill>
+                <a:srgbClr val="FFFFFF"/>
+              </a:solidFill>
+              <a:effectLst>
+                <a:outerShdw blurRad="38100" dist="38100" dir="2700000" algn="tl">
+                  <a:srgbClr val="000000">
+                    <a:alpha val="43137"/>
+                  </a:srgbClr>
+                </a:outerShdw>
+              </a:effectLst>
+            </a:endParaRPr>
+          </a:p>
+        </p:txBody>
+      </p:sp>
+    </p:spTree>
+    <p:extLst>
+      <p:ext uri="{BB962C8B-B14F-4D97-AF65-F5344CB8AC3E}">
+        <p14:creationId xmlns:p14="http://schemas.microsoft.com/office/powerpoint/2010/main" xmlns="" val="499486635"/>
+      </p:ext>
+    </p:extLst>
+  </p:cSld>
+  <p:clrMapOvr>
+    <a:masterClrMapping/>
+  </p:clrMapOvr>
+  <p:transition/>
+  <p:timing>
+    <p:tnLst>
+      <p:par>
+        <p:cTn id="1" dur="indefinite" restart="never" nodeType="tmRoot">
+          <p:childTnLst>
+            <p:seq concurrent="1" nextAc="seek">
+              <p:cTn id="2" dur="indefinite" nodeType="mainSeq">
+                <p:childTnLst>
+                  <p:par>
+                    <p:cTn id="3" fill="hold">
+                      <p:stCondLst>
+                        <p:cond delay="indefinite"/>
+                      </p:stCondLst>
+                      <p:childTnLst>
+                        <p:par>
+                          <p:cTn id="4" fill="hold">
+                            <p:stCondLst>
+                              <p:cond delay="0"/>
+                            </p:stCondLst>
+                            <p:childTnLst>
+                              <p:par>
+                                <p:cTn id="5" presetID="1" presetClass="entr" presetSubtype="0" fill="hold" grpId="0" nodeType="clickEffect">
+                                  <p:stCondLst>
+                                    <p:cond delay="0"/>
+                                  </p:stCondLst>
+                                  <p:childTnLst>
+                                    <p:set>
+                                      <p:cBhvr>
+                                        <p:cTn id="6" dur="1" fill="hold">
+                                          <p:stCondLst>
+                                            <p:cond delay="0"/>
+                                          </p:stCondLst>
+                                        </p:cTn>
+                                        <p:tgtEl>
+                                          <p:spTgt spid="9"/>
+                                        </p:tgtEl>
+                                        <p:attrNameLst>
+                                          <p:attrName>style.visibility</p:attrName>
+                                        </p:attrNameLst>
+                                      </p:cBhvr>
+                                      <p:to>
+                                        <p:strVal val="visible"/>
+                                      </p:to>
+                                    </p:set>
+                                  </p:childTnLst>
+                                </p:cTn>
+                              </p:par>
+                            </p:childTnLst>
+                          </p:cTn>
+                        </p:par>
+                      </p:childTnLst>
+                    </p:cTn>
+                  </p:par>
+                  <p:par>
+                    <p:cTn id="7" fill="hold">
+                      <p:stCondLst>
+                        <p:cond delay="indefinite"/>
+                      </p:stCondLst>
+                      <p:childTnLst>
+                        <p:par>
+                          <p:cTn id="8" fill="hold">
+                            <p:stCondLst>
+                              <p:cond delay="0"/>
+                            </p:stCondLst>
+                            <p:childTnLst>
+                              <p:par>
+                                <p:cTn id="9" presetID="1" presetClass="entr" presetSubtype="0" fill="hold" nodeType="clickEffect">
+                                  <p:stCondLst>
+                                    <p:cond delay="0"/>
+                                  </p:stCondLst>
+                                  <p:childTnLst>
+                                    <p:set>
+                                      <p:cBhvr>
+                                        <p:cTn id="10" dur="1" fill="hold">
+                                          <p:stCondLst>
+                                            <p:cond delay="0"/>
+                                          </p:stCondLst>
+                                        </p:cTn>
+                                        <p:tgtEl>
+                                          <p:spTgt spid="562179">
+                                            <p:txEl>
+                                              <p:pRg st="3" end="3"/>
+                                            </p:txEl>
+                                          </p:spTgt>
+                                        </p:tgtEl>
+                                        <p:attrNameLst>
+                                          <p:attrName>style.visibility</p:attrName>
+                                        </p:attrNameLst>
+                                      </p:cBhvr>
+                                      <p:to>
+                                        <p:strVal val="visible"/>
+                                      </p:to>
+                                    </p:set>
+                                  </p:childTnLst>
+                                </p:cTn>
+                              </p:par>
+                              <p:par>
+                                <p:cTn id="11" presetID="1" presetClass="entr" presetSubtype="0" fill="hold" grpId="0" nodeType="withEffect">
+                                  <p:stCondLst>
+                                    <p:cond delay="0"/>
+                                  </p:stCondLst>
+                                  <p:childTnLst>
+                                    <p:set>
+                                      <p:cBhvr>
+                                        <p:cTn id="12" dur="1" fill="hold">
+                                          <p:stCondLst>
+                                            <p:cond delay="0"/>
+                                          </p:stCondLst>
+                                        </p:cTn>
+                                        <p:tgtEl>
+                                          <p:spTgt spid="6"/>
+                                        </p:tgtEl>
+                                        <p:attrNameLst>
+                                          <p:attrName>style.visibility</p:attrName>
+                                        </p:attrNameLst>
+                                      </p:cBhvr>
+                                      <p:to>
+                                        <p:strVal val="visible"/>
+                                      </p:to>
+                                    </p:set>
+                                  </p:childTnLst>
+                                </p:cTn>
+                              </p:par>
+                            </p:childTnLst>
+                          </p:cTn>
+                        </p:par>
+                      </p:childTnLst>
+                    </p:cTn>
+                  </p:par>
+                </p:childTnLst>
+              </p:cTn>
+              <p:prevCondLst>
+                <p:cond evt="onPrev" delay="0">
+                  <p:tgtEl>
+                    <p:sldTgt/>
+                  </p:tgtEl>
+                </p:cond>
+              </p:prevCondLst>
+              <p:nextCondLst>
+                <p:cond evt="onNext" delay="0">
+                  <p:tgtEl>
+                    <p:sldTgt/>
+                  </p:tgtEl>
+                </p:cond>
+              </p:nextCondLst>
+            </p:seq>
+          </p:childTnLst>
+        </p:cTn>
+      </p:par>
+    </p:tnLst>
+    <p:bldLst>
+      <p:bldP spid="6" grpId="0" animBg="1"/>
+      <p:bldP spid="9" grpId="0" animBg="1"/>
+    </p:bldLst>
+  </p:timing>
+</p:sld>
+</file>
+
+<file path=ppt/slides/slide6.xml><?xml version="1.0" encoding="utf-8"?>
+<p:sld xmlns:a="http://schemas.openxmlformats.org/drawingml/2006/main" xmlns:r="http://schemas.openxmlformats.org/officeDocument/2006/relationships" xmlns:p="http://schemas.openxmlformats.org/presentationml/2006/main">
+  <p:cSld>
+    <p:spTree>
+      <p:nvGrpSpPr>
+        <p:cNvPr id="1" name=""/>
+        <p:cNvGrpSpPr/>
+        <p:nvPr/>
+      </p:nvGrpSpPr>
+      <p:grpSpPr>
+        <a:xfrm>
+          <a:off x="0" y="0"/>
+          <a:ext cx="0" cy="0"/>
+          <a:chOff x="0" y="0"/>
+          <a:chExt cx="0" cy="0"/>
+        </a:xfrm>
+      </p:grpSpPr>
+      <p:sp>
+        <p:nvSpPr>
           <p:cNvPr id="6" name="Subtitle 5"/>
           <p:cNvSpPr>
             <a:spLocks noGrp="1"/>
@@ -13830,7 +19767,7 @@
           <p:cNvPr id="5" name="Title 4">
             <a:extLst>
               <a:ext uri="{FF2B5EF4-FFF2-40B4-BE49-F238E27FC236}">
-                <a16:creationId xmlns="" xmlns:a16="http://schemas.microsoft.com/office/drawing/2014/main" id="{E15249D2-846B-4BE8-9C09-5032F076AAC4}"/>
+                <a16:creationId xmlns:a16="http://schemas.microsoft.com/office/drawing/2014/main" xmlns="" id="{E15249D2-846B-4BE8-9C09-5032F076AAC4}"/>
               </a:ext>
             </a:extLst>
           </p:cNvPr>
@@ -13866,7 +19803,7 @@
           <a:blip r:embed="rId2" cstate="print">
             <a:extLst>
               <a:ext uri="{28A0092B-C50C-407E-A947-70E740481C1C}">
-                <a14:useLocalDpi xmlns="" xmlns:a14="http://schemas.microsoft.com/office/drawing/2010/main" val="0"/>
+                <a14:useLocalDpi xmlns:a14="http://schemas.microsoft.com/office/drawing/2010/main" xmlns="" val="0"/>
               </a:ext>
             </a:extLst>
           </a:blip>
@@ -13887,7 +19824,7 @@
     </p:spTree>
     <p:extLst>
       <p:ext uri="{BB962C8B-B14F-4D97-AF65-F5344CB8AC3E}">
-        <p14:creationId xmlns="" xmlns:p14="http://schemas.microsoft.com/office/powerpoint/2010/main" val="352328416"/>
+        <p14:creationId xmlns:p14="http://schemas.microsoft.com/office/powerpoint/2010/main" xmlns="" val="352328416"/>
       </p:ext>
     </p:extLst>
   </p:cSld>
@@ -13895,7 +19832,7 @@
     <a:masterClrMapping/>
   </p:clrMapOvr>
   <mc:AlternateContent xmlns:mc="http://schemas.openxmlformats.org/markup-compatibility/2006">
-    <mc:Choice xmlns="" xmlns:p14="http://schemas.microsoft.com/office/powerpoint/2010/main" Requires="p14">
+    <mc:Choice xmlns:p14="http://schemas.microsoft.com/office/powerpoint/2010/main" xmlns="" Requires="p14">
       <p:transition spd="slow" p14:dur="2000" advClick="0" advTm="5000"/>
     </mc:Choice>
     <mc:Fallback>
@@ -13912,7 +19849,7 @@
 </p:sld>
 </file>
 
-<file path=ppt/slides/slide6.xml><?xml version="1.0" encoding="utf-8"?>
+<file path=ppt/slides/slide7.xml><?xml version="1.0" encoding="utf-8"?>
 <p:sld xmlns:a="http://schemas.openxmlformats.org/drawingml/2006/main" xmlns:r="http://schemas.openxmlformats.org/officeDocument/2006/relationships" xmlns:p="http://schemas.openxmlformats.org/presentationml/2006/main">
   <p:cSld>
     <p:spTree>
@@ -13947,7 +19884,7 @@
             <a:fld id="{2BF067CD-8E6B-4360-9AA8-C5DF2A48A6D1}" type="slidenum">
               <a:rPr lang="en-US" noProof="0" smtClean="0"/>
               <a:pPr/>
-              <a:t>6</a:t>
+              <a:t>7</a:t>
             </a:fld>
             <a:endParaRPr lang="en-US" noProof="0" dirty="0"/>
           </a:p>
@@ -13984,15 +19921,7 @@
             </a:r>
             <a:r>
               <a:rPr lang="ru-RU" sz="3400" dirty="0" smtClean="0"/>
-              <a:t>на </a:t>
-            </a:r>
-            <a:r>
-              <a:rPr lang="ru-RU" sz="3400" dirty="0" smtClean="0"/>
-              <a:t>данни във вече съществуващи редове в </a:t>
-            </a:r>
-            <a:r>
-              <a:rPr lang="ru-RU" sz="3400" dirty="0" smtClean="0"/>
-              <a:t>таблица</a:t>
+              <a:t>на данни във вече съществуващи редове в таблица</a:t>
             </a:r>
             <a:endParaRPr lang="en-US" sz="3400" dirty="0" smtClean="0"/>
           </a:p>
@@ -14011,11 +19940,7 @@
             </a:r>
             <a:r>
               <a:rPr lang="ru-RU" sz="3400" dirty="0" smtClean="0"/>
-              <a:t>на </a:t>
-            </a:r>
-            <a:r>
-              <a:rPr lang="ru-RU" sz="3400" dirty="0" smtClean="0"/>
-              <a:t>стойности в определени колони на базата на зададени </a:t>
+              <a:t>на стойности в определени колони на базата на зададени </a:t>
             </a:r>
             <a:r>
               <a:rPr lang="bg-BG" sz="3400" b="1" dirty="0" smtClean="0">
@@ -14061,7 +19986,7 @@
           <p:cNvPr id="5" name="Text Placeholder 4">
             <a:extLst>
               <a:ext uri="{FF2B5EF4-FFF2-40B4-BE49-F238E27FC236}">
-                <a16:creationId xmlns="" xmlns:a16="http://schemas.microsoft.com/office/drawing/2014/main" id="{FBED5352-2A36-4F28-AB8D-6335517E5493}"/>
+                <a16:creationId xmlns:a16="http://schemas.microsoft.com/office/drawing/2014/main" xmlns="" id="{FBED5352-2A36-4F28-AB8D-6335517E5493}"/>
               </a:ext>
             </a:extLst>
           </p:cNvPr>
@@ -14689,7 +20614,7 @@
     <a:masterClrMapping/>
   </p:clrMapOvr>
   <mc:AlternateContent xmlns:mc="http://schemas.openxmlformats.org/markup-compatibility/2006">
-    <mc:Choice xmlns:p14="http://schemas.microsoft.com/office/powerpoint/2010/main" xmlns="" Requires="p14">
+    <mc:Choice xmlns="" xmlns:p14="http://schemas.microsoft.com/office/powerpoint/2010/main" Requires="p14">
       <p:transition spd="slow" p14:dur="2000" advClick="0" advTm="5000"/>
     </mc:Choice>
     <mc:Fallback>
@@ -14992,7 +20917,7 @@
 </p:sld>
 </file>
 
-<file path=ppt/slides/slide7.xml><?xml version="1.0" encoding="utf-8"?>
+<file path=ppt/slides/slide8.xml><?xml version="1.0" encoding="utf-8"?>
 <p:sld xmlns:a="http://schemas.openxmlformats.org/drawingml/2006/main" xmlns:r="http://schemas.openxmlformats.org/officeDocument/2006/relationships" xmlns:p="http://schemas.openxmlformats.org/presentationml/2006/main">
   <p:cSld>
     <p:spTree>
@@ -15061,11 +20986,7 @@
           <a:p>
             <a:r>
               <a:rPr lang="bg-BG" dirty="0" smtClean="0"/>
-              <a:t>Не </a:t>
-            </a:r>
-            <a:r>
-              <a:rPr lang="bg-BG" dirty="0" smtClean="0"/>
-              <a:t>забравяйте</a:t>
+              <a:t>Не забравяйте</a:t>
             </a:r>
             <a:r>
               <a:rPr lang="en-US" dirty="0" smtClean="0"/>
@@ -15113,7 +21034,11 @@
           <a:p>
             <a:r>
               <a:rPr lang="bg-BG" dirty="0" smtClean="0"/>
-              <a:t>Променяне на Данни</a:t>
+              <a:t>Променяне на </a:t>
+            </a:r>
+            <a:r>
+              <a:rPr lang="bg-BG" dirty="0" smtClean="0"/>
+              <a:t>данни</a:t>
             </a:r>
             <a:endParaRPr lang="bg-BG" dirty="0"/>
           </a:p>
@@ -15516,7 +21441,7 @@
           <a:blip r:embed="rId2" cstate="print">
             <a:extLst>
               <a:ext uri="{28A0092B-C50C-407E-A947-70E740481C1C}">
-                <a14:useLocalDpi xmlns="" xmlns:a14="http://schemas.microsoft.com/office/drawing/2010/main" val="0"/>
+                <a14:useLocalDpi xmlns:a14="http://schemas.microsoft.com/office/drawing/2010/main" xmlns="" val="0"/>
               </a:ext>
             </a:extLst>
           </a:blip>
@@ -15539,7 +21464,7 @@
           <p:cNvPr id="10" name="Slide Number">
             <a:extLst>
               <a:ext uri="{FF2B5EF4-FFF2-40B4-BE49-F238E27FC236}">
-                <a16:creationId xmlns="" xmlns:a16="http://schemas.microsoft.com/office/drawing/2014/main" id="{E3205804-7BCE-4BCC-A35F-B14C28BA1AF7}"/>
+                <a16:creationId xmlns:a16="http://schemas.microsoft.com/office/drawing/2014/main" xmlns="" id="{E3205804-7BCE-4BCC-A35F-B14C28BA1AF7}"/>
               </a:ext>
             </a:extLst>
           </p:cNvPr>
@@ -15658,7 +21583,7 @@
             <a:fld id="{2BF067CD-8E6B-4360-9AA8-C5DF2A48A6D1}" type="slidenum">
               <a:rPr lang="en-US" smtClean="0"/>
               <a:pPr/>
-              <a:t>7</a:t>
+              <a:t>8</a:t>
             </a:fld>
             <a:endParaRPr lang="en-US" dirty="0"/>
           </a:p>
@@ -15667,7 +21592,7 @@
     </p:spTree>
     <p:extLst>
       <p:ext uri="{BB962C8B-B14F-4D97-AF65-F5344CB8AC3E}">
-        <p14:creationId xmlns="" xmlns:p14="http://schemas.microsoft.com/office/powerpoint/2010/main" val="499486635"/>
+        <p14:creationId xmlns:p14="http://schemas.microsoft.com/office/powerpoint/2010/main" xmlns="" val="499486635"/>
       </p:ext>
     </p:extLst>
   </p:cSld>
@@ -15851,7 +21776,7 @@
 </p:sld>
 </file>
 
-<file path=ppt/slides/slide8.xml><?xml version="1.0" encoding="utf-8"?>
+<file path=ppt/slides/slide9.xml><?xml version="1.0" encoding="utf-8"?>
 <p:sld xmlns:a="http://schemas.openxmlformats.org/drawingml/2006/main" xmlns:r="http://schemas.openxmlformats.org/officeDocument/2006/relationships" xmlns:p="http://schemas.openxmlformats.org/presentationml/2006/main">
   <p:cSld>
     <p:spTree>
@@ -15973,7 +21898,11 @@
             </a:r>
             <a:r>
               <a:rPr lang="bg-BG" dirty="0" smtClean="0"/>
-              <a:t>Променете Проектите</a:t>
+              <a:t>Променете </a:t>
+            </a:r>
+            <a:r>
+              <a:rPr lang="bg-BG" dirty="0" smtClean="0"/>
+              <a:t>проектите</a:t>
             </a:r>
             <a:endParaRPr lang="en-US" dirty="0"/>
           </a:p>
@@ -15988,7 +21917,7 @@
           <p:nvPr>
             <p:extLst>
               <p:ext uri="{D42A27DB-BD31-4B8C-83A1-F6EECF244321}">
-                <p14:modId xmlns="" xmlns:p14="http://schemas.microsoft.com/office/powerpoint/2010/main" val="888307407"/>
+                <p14:modId xmlns:p14="http://schemas.microsoft.com/office/powerpoint/2010/main" xmlns="" val="888307407"/>
               </p:ext>
             </p:extLst>
           </p:nvPr>
@@ -16005,14 +21934,14 @@
                 <a:gridCol w="2866796">
                   <a:extLst>
                     <a:ext uri="{9D8B030D-6E8A-4147-A177-3AD203B41FA5}">
-                      <a16:colId xmlns="" xmlns:a16="http://schemas.microsoft.com/office/drawing/2014/main" val="20000"/>
+                      <a16:colId xmlns:a16="http://schemas.microsoft.com/office/drawing/2014/main" xmlns="" val="20000"/>
                     </a:ext>
                   </a:extLst>
                 </a:gridCol>
                 <a:gridCol w="1745006">
                   <a:extLst>
                     <a:ext uri="{9D8B030D-6E8A-4147-A177-3AD203B41FA5}">
-                      <a16:colId xmlns="" xmlns:a16="http://schemas.microsoft.com/office/drawing/2014/main" val="20001"/>
+                      <a16:colId xmlns:a16="http://schemas.microsoft.com/office/drawing/2014/main" xmlns="" val="20001"/>
                     </a:ext>
                   </a:extLst>
                 </a:gridCol>
@@ -16224,7 +22153,7 @@
                 </a:tc>
                 <a:extLst>
                   <a:ext uri="{0D108BD9-81ED-4DB2-BD59-A6C34878D82A}">
-                    <a16:rowId xmlns="" xmlns:a16="http://schemas.microsoft.com/office/drawing/2014/main" val="10000"/>
+                    <a16:rowId xmlns:a16="http://schemas.microsoft.com/office/drawing/2014/main" xmlns="" val="10000"/>
                   </a:ext>
                 </a:extLst>
               </a:tr>
@@ -16443,7 +22372,7 @@
                 </a:tc>
                 <a:extLst>
                   <a:ext uri="{0D108BD9-81ED-4DB2-BD59-A6C34878D82A}">
-                    <a16:rowId xmlns="" xmlns:a16="http://schemas.microsoft.com/office/drawing/2014/main" val="10001"/>
+                    <a16:rowId xmlns:a16="http://schemas.microsoft.com/office/drawing/2014/main" xmlns="" val="10001"/>
                   </a:ext>
                 </a:extLst>
               </a:tr>
@@ -16662,7 +22591,7 @@
                 </a:tc>
                 <a:extLst>
                   <a:ext uri="{0D108BD9-81ED-4DB2-BD59-A6C34878D82A}">
-                    <a16:rowId xmlns="" xmlns:a16="http://schemas.microsoft.com/office/drawing/2014/main" val="10002"/>
+                    <a16:rowId xmlns:a16="http://schemas.microsoft.com/office/drawing/2014/main" xmlns="" val="10002"/>
                   </a:ext>
                 </a:extLst>
               </a:tr>
@@ -16881,7 +22810,7 @@
                 </a:tc>
                 <a:extLst>
                   <a:ext uri="{0D108BD9-81ED-4DB2-BD59-A6C34878D82A}">
-                    <a16:rowId xmlns="" xmlns:a16="http://schemas.microsoft.com/office/drawing/2014/main" val="10003"/>
+                    <a16:rowId xmlns:a16="http://schemas.microsoft.com/office/drawing/2014/main" xmlns="" val="10003"/>
                   </a:ext>
                 </a:extLst>
               </a:tr>
@@ -17100,7 +23029,7 @@
                 </a:tc>
                 <a:extLst>
                   <a:ext uri="{0D108BD9-81ED-4DB2-BD59-A6C34878D82A}">
-                    <a16:rowId xmlns="" xmlns:a16="http://schemas.microsoft.com/office/drawing/2014/main" val="10004"/>
+                    <a16:rowId xmlns:a16="http://schemas.microsoft.com/office/drawing/2014/main" xmlns="" val="10004"/>
                   </a:ext>
                 </a:extLst>
               </a:tr>
@@ -17117,7 +23046,7 @@
           <p:nvPr>
             <p:extLst>
               <p:ext uri="{D42A27DB-BD31-4B8C-83A1-F6EECF244321}">
-                <p14:modId xmlns="" xmlns:p14="http://schemas.microsoft.com/office/powerpoint/2010/main" val="219987147"/>
+                <p14:modId xmlns:p14="http://schemas.microsoft.com/office/powerpoint/2010/main" xmlns="" val="219987147"/>
               </p:ext>
             </p:extLst>
           </p:nvPr>
@@ -17134,14 +23063,14 @@
                 <a:gridCol w="3317580">
                   <a:extLst>
                     <a:ext uri="{9D8B030D-6E8A-4147-A177-3AD203B41FA5}">
-                      <a16:colId xmlns="" xmlns:a16="http://schemas.microsoft.com/office/drawing/2014/main" val="20000"/>
+                      <a16:colId xmlns:a16="http://schemas.microsoft.com/office/drawing/2014/main" xmlns="" val="20000"/>
                     </a:ext>
                   </a:extLst>
                 </a:gridCol>
                 <a:gridCol w="2019396">
                   <a:extLst>
                     <a:ext uri="{9D8B030D-6E8A-4147-A177-3AD203B41FA5}">
-                      <a16:colId xmlns="" xmlns:a16="http://schemas.microsoft.com/office/drawing/2014/main" val="20001"/>
+                      <a16:colId xmlns:a16="http://schemas.microsoft.com/office/drawing/2014/main" xmlns="" val="20001"/>
                     </a:ext>
                   </a:extLst>
                 </a:gridCol>
@@ -17353,7 +23282,7 @@
                 </a:tc>
                 <a:extLst>
                   <a:ext uri="{0D108BD9-81ED-4DB2-BD59-A6C34878D82A}">
-                    <a16:rowId xmlns="" xmlns:a16="http://schemas.microsoft.com/office/drawing/2014/main" val="10000"/>
+                    <a16:rowId xmlns:a16="http://schemas.microsoft.com/office/drawing/2014/main" xmlns="" val="10000"/>
                   </a:ext>
                 </a:extLst>
               </a:tr>
@@ -17572,7 +23501,7 @@
                 </a:tc>
                 <a:extLst>
                   <a:ext uri="{0D108BD9-81ED-4DB2-BD59-A6C34878D82A}">
-                    <a16:rowId xmlns="" xmlns:a16="http://schemas.microsoft.com/office/drawing/2014/main" val="10001"/>
+                    <a16:rowId xmlns:a16="http://schemas.microsoft.com/office/drawing/2014/main" xmlns="" val="10001"/>
                   </a:ext>
                 </a:extLst>
               </a:tr>
@@ -17792,7 +23721,7 @@
                 </a:tc>
                 <a:extLst>
                   <a:ext uri="{0D108BD9-81ED-4DB2-BD59-A6C34878D82A}">
-                    <a16:rowId xmlns="" xmlns:a16="http://schemas.microsoft.com/office/drawing/2014/main" val="10002"/>
+                    <a16:rowId xmlns:a16="http://schemas.microsoft.com/office/drawing/2014/main" xmlns="" val="10002"/>
                   </a:ext>
                 </a:extLst>
               </a:tr>
@@ -18012,7 +23941,7 @@
                 </a:tc>
                 <a:extLst>
                   <a:ext uri="{0D108BD9-81ED-4DB2-BD59-A6C34878D82A}">
-                    <a16:rowId xmlns="" xmlns:a16="http://schemas.microsoft.com/office/drawing/2014/main" val="10003"/>
+                    <a16:rowId xmlns:a16="http://schemas.microsoft.com/office/drawing/2014/main" xmlns="" val="10003"/>
                   </a:ext>
                 </a:extLst>
               </a:tr>
@@ -18231,7 +24160,7 @@
                 </a:tc>
                 <a:extLst>
                   <a:ext uri="{0D108BD9-81ED-4DB2-BD59-A6C34878D82A}">
-                    <a16:rowId xmlns="" xmlns:a16="http://schemas.microsoft.com/office/drawing/2014/main" val="10004"/>
+                    <a16:rowId xmlns:a16="http://schemas.microsoft.com/office/drawing/2014/main" xmlns="" val="10004"/>
                   </a:ext>
                 </a:extLst>
               </a:tr>
@@ -18292,7 +24221,7 @@
           <p:cNvPr id="12" name="Slide Number">
             <a:extLst>
               <a:ext uri="{FF2B5EF4-FFF2-40B4-BE49-F238E27FC236}">
-                <a16:creationId xmlns="" xmlns:a16="http://schemas.microsoft.com/office/drawing/2014/main" id="{B3579A7F-C3E9-43C4-87B4-CE28756093BE}"/>
+                <a16:creationId xmlns:a16="http://schemas.microsoft.com/office/drawing/2014/main" xmlns="" id="{B3579A7F-C3E9-43C4-87B4-CE28756093BE}"/>
               </a:ext>
             </a:extLst>
           </p:cNvPr>
@@ -18323,7 +24252,7 @@
             <a:fld id="{2BF067CD-8E6B-4360-9AA8-C5DF2A48A6D1}" type="slidenum">
               <a:rPr lang="en-US" noProof="0" smtClean="0"/>
               <a:pPr/>
-              <a:t>8</a:t>
+              <a:t>9</a:t>
             </a:fld>
             <a:endParaRPr lang="en-US" noProof="0" dirty="0"/>
           </a:p>
@@ -18332,7 +24261,7 @@
     </p:spTree>
     <p:extLst>
       <p:ext uri="{BB962C8B-B14F-4D97-AF65-F5344CB8AC3E}">
-        <p14:creationId xmlns="" xmlns:p14="http://schemas.microsoft.com/office/powerpoint/2010/main" val="2185862564"/>
+        <p14:creationId xmlns:p14="http://schemas.microsoft.com/office/powerpoint/2010/main" xmlns="" val="2185862564"/>
       </p:ext>
     </p:extLst>
   </p:cSld>
@@ -18340,7 +24269,7 @@
     <a:masterClrMapping/>
   </p:clrMapOvr>
   <mc:AlternateContent xmlns:mc="http://schemas.openxmlformats.org/markup-compatibility/2006">
-    <mc:Choice xmlns="" xmlns:p14="http://schemas.microsoft.com/office/powerpoint/2010/main" Requires="p14">
+    <mc:Choice xmlns:p14="http://schemas.microsoft.com/office/powerpoint/2010/main" xmlns="" Requires="p14">
       <p:transition spd="slow" p14:dur="2000" advClick="0" advTm="5000"/>
     </mc:Choice>
     <mc:Fallback>
@@ -18513,653 +24442,6 @@
     </p:tnLst>
     <p:bldLst>
       <p:bldP spid="10" grpId="0" animBg="1"/>
-    </p:bldLst>
-  </p:timing>
-</p:sld>
-</file>
-
-<file path=ppt/slides/slide9.xml><?xml version="1.0" encoding="utf-8"?>
-<p:sld xmlns:a="http://schemas.openxmlformats.org/drawingml/2006/main" xmlns:r="http://schemas.openxmlformats.org/officeDocument/2006/relationships" xmlns:p="http://schemas.openxmlformats.org/presentationml/2006/main">
-  <p:cSld>
-    <p:spTree>
-      <p:nvGrpSpPr>
-        <p:cNvPr id="1" name=""/>
-        <p:cNvGrpSpPr/>
-        <p:nvPr/>
-      </p:nvGrpSpPr>
-      <p:grpSpPr>
-        <a:xfrm>
-          <a:off x="0" y="0"/>
-          <a:ext cx="0" cy="0"/>
-          <a:chOff x="0" y="0"/>
-          <a:chExt cx="0" cy="0"/>
-        </a:xfrm>
-      </p:grpSpPr>
-      <p:sp>
-        <p:nvSpPr>
-          <p:cNvPr id="2" name="Title 1">
-            <a:extLst>
-              <a:ext uri="{FF2B5EF4-FFF2-40B4-BE49-F238E27FC236}">
-                <a16:creationId xmlns="" xmlns:a16="http://schemas.microsoft.com/office/drawing/2014/main" id="{FCE72A34-2A9A-4728-A3C2-A0DBD846C488}"/>
-              </a:ext>
-            </a:extLst>
-          </p:cNvPr>
-          <p:cNvSpPr>
-            <a:spLocks noGrp="1"/>
-          </p:cNvSpPr>
-          <p:nvPr>
-            <p:ph type="title"/>
-          </p:nvPr>
-        </p:nvSpPr>
-        <p:spPr/>
-        <p:txBody>
-          <a:bodyPr/>
-          <a:lstStyle/>
-          <a:p>
-            <a:r>
-              <a:rPr lang="bg-BG" dirty="0" smtClean="0"/>
-              <a:t>Решение</a:t>
-            </a:r>
-            <a:r>
-              <a:rPr lang="en-US" dirty="0" smtClean="0"/>
-              <a:t>: </a:t>
-            </a:r>
-            <a:r>
-              <a:rPr lang="bg-BG" dirty="0" smtClean="0"/>
-              <a:t>Променете Проектите</a:t>
-            </a:r>
-            <a:endParaRPr lang="en-US" dirty="0"/>
-          </a:p>
-        </p:txBody>
-      </p:sp>
-      <p:sp>
-        <p:nvSpPr>
-          <p:cNvPr id="5" name="Text Placeholder 4">
-            <a:extLst>
-              <a:ext uri="{FF2B5EF4-FFF2-40B4-BE49-F238E27FC236}">
-                <a16:creationId xmlns="" xmlns:a16="http://schemas.microsoft.com/office/drawing/2014/main" id="{FBED5352-2A36-4F28-AB8D-6335517E5493}"/>
-              </a:ext>
-            </a:extLst>
-          </p:cNvPr>
-          <p:cNvSpPr>
-            <a:spLocks noGrp="1" noChangeArrowheads="1"/>
-          </p:cNvSpPr>
-          <p:nvPr>
-            <p:ph type="body" sz="quarter" idx="10"/>
-          </p:nvPr>
-        </p:nvSpPr>
-        <p:spPr bwMode="auto">
-          <a:xfrm>
-            <a:off x="2803898" y="2128031"/>
-            <a:ext cx="8129146" cy="1907949"/>
-          </a:xfrm>
-          <a:prstGeom prst="rect">
-            <a:avLst/>
-          </a:prstGeom>
-          <a:solidFill>
-            <a:schemeClr val="accent5">
-              <a:lumMod val="40000"/>
-              <a:lumOff val="60000"/>
-              <a:alpha val="15000"/>
-            </a:schemeClr>
-          </a:solidFill>
-          <a:ln w="12700">
-            <a:solidFill>
-              <a:schemeClr val="accent5">
-                <a:lumMod val="60000"/>
-                <a:lumOff val="40000"/>
-              </a:schemeClr>
-            </a:solidFill>
-          </a:ln>
-        </p:spPr>
-        <p:txBody>
-          <a:bodyPr wrap="square">
-            <a:spAutoFit/>
-          </a:bodyPr>
-          <a:lstStyle/>
-          <a:p>
-            <a:pPr marL="0" indent="0" eaLnBrk="0" hangingPunct="0">
-              <a:spcBef>
-                <a:spcPts val="600"/>
-              </a:spcBef>
-              <a:buClr>
-                <a:schemeClr val="accent5">
-                  <a:lumMod val="40000"/>
-                  <a:lumOff val="60000"/>
-                </a:schemeClr>
-              </a:buClr>
-              <a:buSzPct val="70000"/>
-              <a:buNone/>
-            </a:pPr>
-            <a:r>
-              <a:rPr lang="en-US" sz="3200" b="1" noProof="1">
-                <a:solidFill>
-                  <a:schemeClr val="bg1"/>
-                </a:solidFill>
-                <a:latin typeface="Consolas" pitchFamily="49" charset="0"/>
-                <a:cs typeface="Consolas" pitchFamily="49" charset="0"/>
-              </a:rPr>
-              <a:t>UPDATE</a:t>
-            </a:r>
-            <a:r>
-              <a:rPr lang="en-US" sz="3200" b="1" noProof="1">
-                <a:solidFill>
-                  <a:schemeClr val="tx2"/>
-                </a:solidFill>
-                <a:latin typeface="Consolas" pitchFamily="49" charset="0"/>
-                <a:cs typeface="Consolas" pitchFamily="49" charset="0"/>
-              </a:rPr>
-              <a:t> Projects</a:t>
-            </a:r>
-          </a:p>
-          <a:p>
-            <a:pPr marL="0" indent="0" eaLnBrk="0" hangingPunct="0">
-              <a:spcBef>
-                <a:spcPts val="600"/>
-              </a:spcBef>
-              <a:buClr>
-                <a:schemeClr val="accent5">
-                  <a:lumMod val="40000"/>
-                  <a:lumOff val="60000"/>
-                </a:schemeClr>
-              </a:buClr>
-              <a:buSzPct val="70000"/>
-              <a:buNone/>
-            </a:pPr>
-            <a:r>
-              <a:rPr lang="en-US" sz="3200" b="1" noProof="1">
-                <a:solidFill>
-                  <a:schemeClr val="tx2"/>
-                </a:solidFill>
-                <a:latin typeface="Consolas" pitchFamily="49" charset="0"/>
-                <a:cs typeface="Consolas" pitchFamily="49" charset="0"/>
-              </a:rPr>
-              <a:t>   </a:t>
-            </a:r>
-            <a:r>
-              <a:rPr lang="en-US" sz="3200" b="1" noProof="1">
-                <a:solidFill>
-                  <a:schemeClr val="bg1"/>
-                </a:solidFill>
-                <a:latin typeface="Consolas" pitchFamily="49" charset="0"/>
-                <a:cs typeface="Consolas" pitchFamily="49" charset="0"/>
-              </a:rPr>
-              <a:t>SET</a:t>
-            </a:r>
-            <a:r>
-              <a:rPr lang="en-US" sz="3200" b="1" noProof="1">
-                <a:solidFill>
-                  <a:schemeClr val="tx2"/>
-                </a:solidFill>
-                <a:latin typeface="Consolas" pitchFamily="49" charset="0"/>
-                <a:cs typeface="Consolas" pitchFamily="49" charset="0"/>
-              </a:rPr>
-              <a:t> EndDate = GETDATE()</a:t>
-            </a:r>
-          </a:p>
-          <a:p>
-            <a:pPr marL="0" indent="0" eaLnBrk="0" hangingPunct="0">
-              <a:spcBef>
-                <a:spcPts val="600"/>
-              </a:spcBef>
-              <a:buClr>
-                <a:schemeClr val="accent5">
-                  <a:lumMod val="40000"/>
-                  <a:lumOff val="60000"/>
-                </a:schemeClr>
-              </a:buClr>
-              <a:buSzPct val="70000"/>
-              <a:buNone/>
-            </a:pPr>
-            <a:r>
-              <a:rPr lang="en-US" sz="3200" b="1" noProof="1">
-                <a:solidFill>
-                  <a:schemeClr val="tx2"/>
-                </a:solidFill>
-                <a:latin typeface="Consolas" pitchFamily="49" charset="0"/>
-                <a:cs typeface="Consolas" pitchFamily="49" charset="0"/>
-              </a:rPr>
-              <a:t> </a:t>
-            </a:r>
-            <a:r>
-              <a:rPr lang="en-US" sz="3200" b="1" noProof="1">
-                <a:solidFill>
-                  <a:schemeClr val="bg1"/>
-                </a:solidFill>
-                <a:latin typeface="Consolas" pitchFamily="49" charset="0"/>
-                <a:cs typeface="Consolas" pitchFamily="49" charset="0"/>
-              </a:rPr>
-              <a:t>WHERE</a:t>
-            </a:r>
-            <a:r>
-              <a:rPr lang="en-US" sz="3200" b="1" noProof="1">
-                <a:solidFill>
-                  <a:schemeClr val="tx2"/>
-                </a:solidFill>
-                <a:latin typeface="Consolas" pitchFamily="49" charset="0"/>
-                <a:cs typeface="Consolas" pitchFamily="49" charset="0"/>
-              </a:rPr>
-              <a:t> EndDate </a:t>
-            </a:r>
-            <a:r>
-              <a:rPr lang="en-US" sz="3200" b="1" noProof="1">
-                <a:solidFill>
-                  <a:schemeClr val="bg1"/>
-                </a:solidFill>
-                <a:latin typeface="Consolas" pitchFamily="49" charset="0"/>
-                <a:cs typeface="Consolas" pitchFamily="49" charset="0"/>
-              </a:rPr>
-              <a:t>IS</a:t>
-            </a:r>
-            <a:r>
-              <a:rPr lang="en-US" sz="3200" b="1" noProof="1">
-                <a:solidFill>
-                  <a:schemeClr val="accent1"/>
-                </a:solidFill>
-                <a:latin typeface="Consolas" pitchFamily="49" charset="0"/>
-                <a:cs typeface="Consolas" pitchFamily="49" charset="0"/>
-              </a:rPr>
-              <a:t> </a:t>
-            </a:r>
-            <a:r>
-              <a:rPr lang="en-US" sz="3200" b="1" noProof="1">
-                <a:solidFill>
-                  <a:schemeClr val="bg1"/>
-                </a:solidFill>
-                <a:latin typeface="Consolas" pitchFamily="49" charset="0"/>
-                <a:cs typeface="Consolas" pitchFamily="49" charset="0"/>
-              </a:rPr>
-              <a:t>NULL</a:t>
-            </a:r>
-          </a:p>
-        </p:txBody>
-      </p:sp>
-      <p:sp>
-        <p:nvSpPr>
-          <p:cNvPr id="6" name="AutoShape 5">
-            <a:extLst>
-              <a:ext uri="{FF2B5EF4-FFF2-40B4-BE49-F238E27FC236}">
-                <a16:creationId xmlns="" xmlns:a16="http://schemas.microsoft.com/office/drawing/2014/main" id="{F571EDF2-BA8D-4C84-8360-12467530B87E}"/>
-              </a:ext>
-            </a:extLst>
-          </p:cNvPr>
-          <p:cNvSpPr>
-            <a:spLocks noChangeArrowheads="1"/>
-          </p:cNvSpPr>
-          <p:nvPr/>
-        </p:nvSpPr>
-        <p:spPr bwMode="auto">
-          <a:xfrm>
-            <a:off x="7266000" y="4824000"/>
-            <a:ext cx="3694176" cy="1442955"/>
-          </a:xfrm>
-          <a:prstGeom prst="wedgeRoundRectCallout">
-            <a:avLst>
-              <a:gd name="adj1" fmla="val -37288"/>
-              <a:gd name="adj2" fmla="val -109448"/>
-              <a:gd name="adj3" fmla="val 16667"/>
-            </a:avLst>
-          </a:prstGeom>
-          <a:solidFill>
-            <a:schemeClr val="tx1">
-              <a:alpha val="80000"/>
-            </a:schemeClr>
-          </a:solidFill>
-          <a:ln w="19050">
-            <a:solidFill>
-              <a:schemeClr val="tx1">
-                <a:alpha val="80000"/>
-              </a:schemeClr>
-            </a:solidFill>
-          </a:ln>
-          <a:effectLst/>
-        </p:spPr>
-        <p:style>
-          <a:lnRef idx="2">
-            <a:schemeClr val="accent1">
-              <a:shade val="50000"/>
-            </a:schemeClr>
-          </a:lnRef>
-          <a:fillRef idx="1001">
-            <a:schemeClr val="dk2"/>
-          </a:fillRef>
-          <a:effectRef idx="0">
-            <a:schemeClr val="accent1"/>
-          </a:effectRef>
-          <a:fontRef idx="minor">
-            <a:schemeClr val="lt1"/>
-          </a:fontRef>
-        </p:style>
-        <p:txBody>
-          <a:bodyPr rot="0" spcFirstLastPara="0" vertOverflow="overflow" horzOverflow="overflow" vert="horz" wrap="square" lIns="91440" tIns="45720" rIns="91440" bIns="45720" numCol="1" spcCol="0" rtlCol="0" fromWordArt="0" anchor="ctr" anchorCtr="0" forceAA="0" compatLnSpc="1">
-            <a:prstTxWarp prst="textNoShape">
-              <a:avLst/>
-            </a:prstTxWarp>
-            <a:noAutofit/>
-          </a:bodyPr>
-          <a:lstStyle/>
-          <a:p>
-            <a:pPr algn="ctr"/>
-            <a:r>
-              <a:rPr lang="bg-BG" sz="2800" b="1" noProof="1" smtClean="0">
-                <a:solidFill>
-                  <a:srgbClr val="FFFFFF"/>
-                </a:solidFill>
-                <a:effectLst>
-                  <a:outerShdw blurRad="38100" dist="38100" dir="2700000" algn="tl">
-                    <a:srgbClr val="000000">
-                      <a:alpha val="43137"/>
-                    </a:srgbClr>
-                  </a:outerShdw>
-                </a:effectLst>
-              </a:rPr>
-              <a:t>Филтриране само на записизите, </a:t>
-            </a:r>
-            <a:r>
-              <a:rPr lang="bg-BG" sz="2800" b="1" noProof="1" smtClean="0">
-                <a:solidFill>
-                  <a:srgbClr val="FFFFFF"/>
-                </a:solidFill>
-                <a:effectLst>
-                  <a:outerShdw blurRad="38100" dist="38100" dir="2700000" algn="tl">
-                    <a:srgbClr val="000000">
-                      <a:alpha val="43137"/>
-                    </a:srgbClr>
-                  </a:outerShdw>
-                </a:effectLst>
-              </a:rPr>
-              <a:t>съдъ</a:t>
-            </a:r>
-            <a:r>
-              <a:rPr lang="bg-BG" sz="2800" b="1" noProof="1" smtClean="0">
-                <a:solidFill>
-                  <a:srgbClr val="FFFFFF"/>
-                </a:solidFill>
-                <a:effectLst>
-                  <a:outerShdw blurRad="38100" dist="38100" dir="2700000" algn="tl">
-                    <a:srgbClr val="000000">
-                      <a:alpha val="43137"/>
-                    </a:srgbClr>
-                  </a:outerShdw>
-                </a:effectLst>
-              </a:rPr>
-              <a:t>р</a:t>
-            </a:r>
-            <a:r>
-              <a:rPr lang="bg-BG" sz="2800" b="1" noProof="1" smtClean="0">
-                <a:solidFill>
-                  <a:srgbClr val="FFFFFF"/>
-                </a:solidFill>
-                <a:effectLst>
-                  <a:outerShdw blurRad="38100" dist="38100" dir="2700000" algn="tl">
-                    <a:srgbClr val="000000">
-                      <a:alpha val="43137"/>
-                    </a:srgbClr>
-                  </a:outerShdw>
-                </a:effectLst>
-              </a:rPr>
-              <a:t>жащи </a:t>
-            </a:r>
-            <a:r>
-              <a:rPr lang="en-US" sz="2800" b="1" noProof="1" smtClean="0">
-                <a:solidFill>
-                  <a:schemeClr val="bg1">
-                    <a:lumMod val="60000"/>
-                    <a:lumOff val="40000"/>
-                  </a:schemeClr>
-                </a:solidFill>
-                <a:effectLst>
-                  <a:outerShdw blurRad="38100" dist="38100" dir="2700000" algn="tl">
-                    <a:srgbClr val="000000">
-                      <a:alpha val="43137"/>
-                    </a:srgbClr>
-                  </a:outerShdw>
-                </a:effectLst>
-              </a:rPr>
-              <a:t>NULL</a:t>
-            </a:r>
-            <a:endParaRPr lang="bg-BG" sz="2800" b="1" noProof="1">
-              <a:solidFill>
-                <a:schemeClr val="bg1">
-                  <a:lumMod val="60000"/>
-                  <a:lumOff val="40000"/>
-                </a:schemeClr>
-              </a:solidFill>
-              <a:effectLst>
-                <a:outerShdw blurRad="38100" dist="38100" dir="2700000" algn="tl">
-                  <a:srgbClr val="000000">
-                    <a:alpha val="43137"/>
-                  </a:srgbClr>
-                </a:outerShdw>
-              </a:effectLst>
-            </a:endParaRPr>
-          </a:p>
-        </p:txBody>
-      </p:sp>
-      <p:sp>
-        <p:nvSpPr>
-          <p:cNvPr id="8" name="Slide Number">
-            <a:extLst>
-              <a:ext uri="{FF2B5EF4-FFF2-40B4-BE49-F238E27FC236}">
-                <a16:creationId xmlns="" xmlns:a16="http://schemas.microsoft.com/office/drawing/2014/main" id="{68979BB0-4428-47FF-AE88-59091E6A9FB2}"/>
-              </a:ext>
-            </a:extLst>
-          </p:cNvPr>
-          <p:cNvSpPr txBox="1">
-            <a:spLocks/>
-          </p:cNvSpPr>
-          <p:nvPr/>
-        </p:nvSpPr>
-        <p:spPr>
-          <a:xfrm>
-            <a:off x="11753030" y="6507000"/>
-            <a:ext cx="367414" cy="297000"/>
-          </a:xfrm>
-          <a:prstGeom prst="rect">
-            <a:avLst/>
-          </a:prstGeom>
-        </p:spPr>
-        <p:txBody>
-          <a:bodyPr vert="horz" lIns="91440" tIns="45720" rIns="91440" bIns="45720" rtlCol="0" anchor="b"/>
-          <a:lstStyle>
-            <a:defPPr>
-              <a:defRPr lang="en-US"/>
-            </a:defPPr>
-            <a:lvl1pPr marL="0" algn="r" defTabSz="914400" rtl="0" eaLnBrk="1" latinLnBrk="0" hangingPunct="1">
-              <a:defRPr sz="1000" kern="1200">
-                <a:solidFill>
-                  <a:schemeClr val="tx1"/>
-                </a:solidFill>
-                <a:latin typeface="+mn-lt"/>
-                <a:ea typeface="+mn-ea"/>
-                <a:cs typeface="+mn-cs"/>
-              </a:defRPr>
-            </a:lvl1pPr>
-            <a:lvl2pPr marL="457200" algn="l" defTabSz="914400" rtl="0" eaLnBrk="1" latinLnBrk="0" hangingPunct="1">
-              <a:defRPr sz="1800" kern="1200">
-                <a:solidFill>
-                  <a:schemeClr val="tx1"/>
-                </a:solidFill>
-                <a:latin typeface="+mn-lt"/>
-                <a:ea typeface="+mn-ea"/>
-                <a:cs typeface="+mn-cs"/>
-              </a:defRPr>
-            </a:lvl2pPr>
-            <a:lvl3pPr marL="914400" algn="l" defTabSz="914400" rtl="0" eaLnBrk="1" latinLnBrk="0" hangingPunct="1">
-              <a:defRPr sz="1800" kern="1200">
-                <a:solidFill>
-                  <a:schemeClr val="tx1"/>
-                </a:solidFill>
-                <a:latin typeface="+mn-lt"/>
-                <a:ea typeface="+mn-ea"/>
-                <a:cs typeface="+mn-cs"/>
-              </a:defRPr>
-            </a:lvl3pPr>
-            <a:lvl4pPr marL="1371600" algn="l" defTabSz="914400" rtl="0" eaLnBrk="1" latinLnBrk="0" hangingPunct="1">
-              <a:defRPr sz="1800" kern="1200">
-                <a:solidFill>
-                  <a:schemeClr val="tx1"/>
-                </a:solidFill>
-                <a:latin typeface="+mn-lt"/>
-                <a:ea typeface="+mn-ea"/>
-                <a:cs typeface="+mn-cs"/>
-              </a:defRPr>
-            </a:lvl4pPr>
-            <a:lvl5pPr marL="1828800" algn="l" defTabSz="914400" rtl="0" eaLnBrk="1" latinLnBrk="0" hangingPunct="1">
-              <a:defRPr sz="1800" kern="1200">
-                <a:solidFill>
-                  <a:schemeClr val="tx1"/>
-                </a:solidFill>
-                <a:latin typeface="+mn-lt"/>
-                <a:ea typeface="+mn-ea"/>
-                <a:cs typeface="+mn-cs"/>
-              </a:defRPr>
-            </a:lvl5pPr>
-            <a:lvl6pPr marL="2286000" algn="l" defTabSz="914400" rtl="0" eaLnBrk="1" latinLnBrk="0" hangingPunct="1">
-              <a:defRPr sz="1800" kern="1200">
-                <a:solidFill>
-                  <a:schemeClr val="tx1"/>
-                </a:solidFill>
-                <a:latin typeface="+mn-lt"/>
-                <a:ea typeface="+mn-ea"/>
-                <a:cs typeface="+mn-cs"/>
-              </a:defRPr>
-            </a:lvl6pPr>
-            <a:lvl7pPr marL="2743200" algn="l" defTabSz="914400" rtl="0" eaLnBrk="1" latinLnBrk="0" hangingPunct="1">
-              <a:defRPr sz="1800" kern="1200">
-                <a:solidFill>
-                  <a:schemeClr val="tx1"/>
-                </a:solidFill>
-                <a:latin typeface="+mn-lt"/>
-                <a:ea typeface="+mn-ea"/>
-                <a:cs typeface="+mn-cs"/>
-              </a:defRPr>
-            </a:lvl7pPr>
-            <a:lvl8pPr marL="3200400" algn="l" defTabSz="914400" rtl="0" eaLnBrk="1" latinLnBrk="0" hangingPunct="1">
-              <a:defRPr sz="1800" kern="1200">
-                <a:solidFill>
-                  <a:schemeClr val="tx1"/>
-                </a:solidFill>
-                <a:latin typeface="+mn-lt"/>
-                <a:ea typeface="+mn-ea"/>
-                <a:cs typeface="+mn-cs"/>
-              </a:defRPr>
-            </a:lvl8pPr>
-            <a:lvl9pPr marL="3657600" algn="l" defTabSz="914400" rtl="0" eaLnBrk="1" latinLnBrk="0" hangingPunct="1">
-              <a:defRPr sz="1800" kern="1200">
-                <a:solidFill>
-                  <a:schemeClr val="tx1"/>
-                </a:solidFill>
-                <a:latin typeface="+mn-lt"/>
-                <a:ea typeface="+mn-ea"/>
-                <a:cs typeface="+mn-cs"/>
-              </a:defRPr>
-            </a:lvl9pPr>
-          </a:lstStyle>
-          <a:p>
-            <a:fld id="{2BF067CD-8E6B-4360-9AA8-C5DF2A48A6D1}" type="slidenum">
-              <a:rPr lang="en-US" smtClean="0"/>
-              <a:pPr/>
-              <a:t>9</a:t>
-            </a:fld>
-            <a:endParaRPr lang="en-US" dirty="0"/>
-          </a:p>
-        </p:txBody>
-      </p:sp>
-    </p:spTree>
-    <p:extLst>
-      <p:ext uri="{BB962C8B-B14F-4D97-AF65-F5344CB8AC3E}">
-        <p14:creationId xmlns="" xmlns:p14="http://schemas.microsoft.com/office/powerpoint/2010/main" val="4066273039"/>
-      </p:ext>
-    </p:extLst>
-  </p:cSld>
-  <p:clrMapOvr>
-    <a:masterClrMapping/>
-  </p:clrMapOvr>
-  <mc:AlternateContent xmlns:mc="http://schemas.openxmlformats.org/markup-compatibility/2006">
-    <mc:Choice xmlns="" xmlns:p14="http://schemas.microsoft.com/office/powerpoint/2010/main" Requires="p14">
-      <p:transition spd="slow" p14:dur="2000" advClick="0" advTm="5000"/>
-    </mc:Choice>
-    <mc:Fallback>
-      <p:transition spd="slow" advClick="0" advTm="5000"/>
-    </mc:Fallback>
-  </mc:AlternateContent>
-  <p:timing>
-    <p:tnLst>
-      <p:par>
-        <p:cTn id="1" dur="indefinite" restart="never" nodeType="tmRoot">
-          <p:childTnLst>
-            <p:seq concurrent="1" nextAc="seek">
-              <p:cTn id="2" dur="indefinite" nodeType="mainSeq">
-                <p:childTnLst>
-                  <p:par>
-                    <p:cTn id="3" fill="hold">
-                      <p:stCondLst>
-                        <p:cond delay="indefinite"/>
-                      </p:stCondLst>
-                      <p:childTnLst>
-                        <p:par>
-                          <p:cTn id="4" fill="hold">
-                            <p:stCondLst>
-                              <p:cond delay="0"/>
-                            </p:stCondLst>
-                            <p:childTnLst>
-                              <p:par>
-                                <p:cTn id="5" presetID="1" presetClass="entr" presetSubtype="0" fill="hold" grpId="0" nodeType="clickEffect">
-                                  <p:stCondLst>
-                                    <p:cond delay="0"/>
-                                  </p:stCondLst>
-                                  <p:childTnLst>
-                                    <p:set>
-                                      <p:cBhvr>
-                                        <p:cTn id="6" dur="1" fill="hold">
-                                          <p:stCondLst>
-                                            <p:cond delay="0"/>
-                                          </p:stCondLst>
-                                        </p:cTn>
-                                        <p:tgtEl>
-                                          <p:spTgt spid="6"/>
-                                        </p:tgtEl>
-                                        <p:attrNameLst>
-                                          <p:attrName>style.visibility</p:attrName>
-                                        </p:attrNameLst>
-                                      </p:cBhvr>
-                                      <p:to>
-                                        <p:strVal val="visible"/>
-                                      </p:to>
-                                    </p:set>
-                                  </p:childTnLst>
-                                </p:cTn>
-                              </p:par>
-                            </p:childTnLst>
-                          </p:cTn>
-                        </p:par>
-                      </p:childTnLst>
-                    </p:cTn>
-                  </p:par>
-                </p:childTnLst>
-              </p:cTn>
-              <p:prevCondLst>
-                <p:cond evt="onPrev" delay="0">
-                  <p:tgtEl>
-                    <p:sldTgt/>
-                  </p:tgtEl>
-                </p:cond>
-              </p:prevCondLst>
-              <p:nextCondLst>
-                <p:cond evt="onNext" delay="0">
-                  <p:tgtEl>
-                    <p:sldTgt/>
-                  </p:tgtEl>
-                </p:cond>
-              </p:nextCondLst>
-            </p:seq>
-          </p:childTnLst>
-        </p:cTn>
-      </p:par>
-    </p:tnLst>
-    <p:bldLst>
-      <p:bldP spid="6" grpId="0" animBg="1"/>
     </p:bldLst>
   </p:timing>
 </p:sld>
@@ -19481,7 +24763,7 @@
   <a:extraClrSchemeLst/>
   <a:extLst>
     <a:ext uri="{05A4C25C-085E-4340-85A3-A5531E510DB2}">
-      <thm15:themeFamily xmlns:thm15="http://schemas.microsoft.com/office/thememl/2012/main" xmlns="" name="SoftUni" id="{D61FAD9B-6E74-4E03-BFE4-B363D484F1DA}" vid="{7089C1A3-635B-4B03-A017-DAF10A3A396B}"/>
+      <thm15:themeFamily xmlns="" xmlns:thm15="http://schemas.microsoft.com/office/thememl/2012/main" name="SoftUni" id="{D61FAD9B-6E74-4E03-BFE4-B363D484F1DA}" vid="{7089C1A3-635B-4B03-A017-DAF10A3A396B}"/>
     </a:ext>
   </a:extLst>
 </a:theme>
@@ -19776,7 +25058,7 @@
   <a:extraClrSchemeLst/>
   <a:extLst>
     <a:ext uri="{05A4C25C-085E-4340-85A3-A5531E510DB2}">
-      <thm15:themeFamily xmlns:thm15="http://schemas.microsoft.com/office/thememl/2012/main" xmlns="" name="Office Theme" id="{62F939B6-93AF-4DB8-9C6B-D6C7DFDC589F}" vid="{4A3C46E8-61CC-4603-A589-7422A47A8E4A}"/>
+      <thm15:themeFamily xmlns="" xmlns:thm15="http://schemas.microsoft.com/office/thememl/2012/main" name="Office Theme" id="{62F939B6-93AF-4DB8-9C6B-D6C7DFDC589F}" vid="{4A3C46E8-61CC-4603-A589-7422A47A8E4A}"/>
     </a:ext>
   </a:extLst>
 </a:theme>
@@ -20071,7 +25353,7 @@
   <a:extraClrSchemeLst/>
   <a:extLst>
     <a:ext uri="{05A4C25C-085E-4340-85A3-A5531E510DB2}">
-      <thm15:themeFamily xmlns:thm15="http://schemas.microsoft.com/office/thememl/2012/main" xmlns="" name="Office Theme" id="{62F939B6-93AF-4DB8-9C6B-D6C7DFDC589F}" vid="{4A3C46E8-61CC-4603-A589-7422A47A8E4A}"/>
+      <thm15:themeFamily xmlns="" xmlns:thm15="http://schemas.microsoft.com/office/thememl/2012/main" name="Office Theme" id="{62F939B6-93AF-4DB8-9C6B-D6C7DFDC589F}" vid="{4A3C46E8-61CC-4603-A589-7422A47A8E4A}"/>
     </a:ext>
   </a:extLst>
 </a:theme>

--- a/Courses/Software-Sciences/Module-3-Databases-New/05-SQL-INSERT-UPDATE-DELETE/05-SQL-INSERT-UPDATE-DELETE.pptx
+++ b/Courses/Software-Sciences/Module-3-Databases-New/05-SQL-INSERT-UPDATE-DELETE/05-SQL-INSERT-UPDATE-DELETE.pptx
@@ -129,7 +129,7 @@
   </p:defaultTextStyle>
   <p:extLst>
     <p:ext uri="{521415D9-36F7-43E2-AB2F-B90AF26B5E84}">
-      <p14:sectionLst xmlns="" xmlns:p14="http://schemas.microsoft.com/office/powerpoint/2010/main">
+      <p14:sectionLst xmlns:p14="http://schemas.microsoft.com/office/powerpoint/2010/main" xmlns="">
         <p14:section name="Intro" id="{68214D1A-5628-4F9A-98CD-87D12966DB07}">
           <p14:sldIdLst>
             <p14:sldId id="1176"/>
@@ -199,7 +199,7 @@
       </p14:sectionLst>
     </p:ext>
     <p:ext uri="{EFAFB233-063F-42B5-8137-9DF3F51BA10A}">
-      <p15:sldGuideLst xmlns="" xmlns:p15="http://schemas.microsoft.com/office/powerpoint/2012/main">
+      <p15:sldGuideLst xmlns:p15="http://schemas.microsoft.com/office/powerpoint/2012/main" xmlns="">
         <p15:guide id="1" orient="horz" pos="2184" userDrawn="1">
           <p15:clr>
             <a:srgbClr val="A4A3A4"/>
@@ -213,7 +213,7 @@
       </p15:sldGuideLst>
     </p:ext>
     <p:ext uri="{2D200454-40CA-4A62-9FC3-DE9A4176ACB9}">
-      <p15:notesGuideLst xmlns="" xmlns:p15="http://schemas.microsoft.com/office/powerpoint/2012/main"/>
+      <p15:notesGuideLst xmlns:p15="http://schemas.microsoft.com/office/powerpoint/2012/main" xmlns=""/>
     </p:ext>
   </p:extLst>
 </p:presentation>
@@ -318,7 +318,7 @@
           <p:cNvPr id="2" name="Header Placeholder 1">
             <a:extLst>
               <a:ext uri="{FF2B5EF4-FFF2-40B4-BE49-F238E27FC236}">
-                <a16:creationId xmlns="" xmlns:a16="http://schemas.microsoft.com/office/drawing/2014/main" id="{56F20103-83CC-4A54-8FDE-9D37FC2629C0}"/>
+                <a16:creationId xmlns:a16="http://schemas.microsoft.com/office/drawing/2014/main" xmlns="" id="{56F20103-83CC-4A54-8FDE-9D37FC2629C0}"/>
               </a:ext>
             </a:extLst>
           </p:cNvPr>
@@ -355,7 +355,7 @@
           <p:cNvPr id="3" name="Date Placeholder 2">
             <a:extLst>
               <a:ext uri="{FF2B5EF4-FFF2-40B4-BE49-F238E27FC236}">
-                <a16:creationId xmlns="" xmlns:a16="http://schemas.microsoft.com/office/drawing/2014/main" id="{27A53962-26EF-44E4-9E69-61B1727AB1C2}"/>
+                <a16:creationId xmlns:a16="http://schemas.microsoft.com/office/drawing/2014/main" xmlns="" id="{27A53962-26EF-44E4-9E69-61B1727AB1C2}"/>
               </a:ext>
             </a:extLst>
           </p:cNvPr>
@@ -386,7 +386,7 @@
             <a:fld id="{4E087215-0C8F-4762-A664-737A353EC9A4}" type="datetimeFigureOut">
               <a:rPr lang="bg-BG" smtClean="0"/>
               <a:pPr/>
-              <a:t>9.8.2023 г.</a:t>
+              <a:t>14.8.2023 г.</a:t>
             </a:fld>
             <a:endParaRPr lang="bg-BG"/>
           </a:p>
@@ -397,7 +397,7 @@
           <p:cNvPr id="4" name="Footer Placeholder 3">
             <a:extLst>
               <a:ext uri="{FF2B5EF4-FFF2-40B4-BE49-F238E27FC236}">
-                <a16:creationId xmlns="" xmlns:a16="http://schemas.microsoft.com/office/drawing/2014/main" id="{28A6967E-448F-4887-8FCB-34482EFBCC74}"/>
+                <a16:creationId xmlns:a16="http://schemas.microsoft.com/office/drawing/2014/main" xmlns="" id="{28A6967E-448F-4887-8FCB-34482EFBCC74}"/>
               </a:ext>
             </a:extLst>
           </p:cNvPr>
@@ -447,7 +447,7 @@
           <p:cNvPr id="5" name="Slide Number Placeholder 4">
             <a:extLst>
               <a:ext uri="{FF2B5EF4-FFF2-40B4-BE49-F238E27FC236}">
-                <a16:creationId xmlns="" xmlns:a16="http://schemas.microsoft.com/office/drawing/2014/main" id="{8B6554C2-DDBA-40E2-9536-53A07EC50274}"/>
+                <a16:creationId xmlns:a16="http://schemas.microsoft.com/office/drawing/2014/main" xmlns="" id="{8B6554C2-DDBA-40E2-9536-53A07EC50274}"/>
               </a:ext>
             </a:extLst>
           </p:cNvPr>
@@ -487,7 +487,7 @@
     </p:spTree>
     <p:extLst>
       <p:ext uri="{BB962C8B-B14F-4D97-AF65-F5344CB8AC3E}">
-        <p14:creationId xmlns="" xmlns:p14="http://schemas.microsoft.com/office/powerpoint/2010/main" val="4150602968"/>
+        <p14:creationId xmlns:p14="http://schemas.microsoft.com/office/powerpoint/2010/main" xmlns="" val="4150602968"/>
       </p:ext>
     </p:extLst>
   </p:cSld>
@@ -579,7 +579,7 @@
             <a:fld id="{72D84649-876A-46C9-8472-14CB09C070D8}" type="datetimeFigureOut">
               <a:rPr lang="en-US" smtClean="0"/>
               <a:pPr/>
-              <a:t>8/9/2023</a:t>
+              <a:t>8/14/2023</a:t>
             </a:fld>
             <a:endParaRPr lang="en-US"/>
           </a:p>
@@ -718,7 +718,7 @@
           <p:cNvPr id="8" name="Footer Placeholder 7">
             <a:extLst>
               <a:ext uri="{FF2B5EF4-FFF2-40B4-BE49-F238E27FC236}">
-                <a16:creationId xmlns="" xmlns:a16="http://schemas.microsoft.com/office/drawing/2014/main" id="{CAC3A49B-3196-44DF-AC28-085C72EFBFF0}"/>
+                <a16:creationId xmlns:a16="http://schemas.microsoft.com/office/drawing/2014/main" xmlns="" id="{CAC3A49B-3196-44DF-AC28-085C72EFBFF0}"/>
               </a:ext>
             </a:extLst>
           </p:cNvPr>
@@ -766,7 +766,7 @@
     </p:spTree>
     <p:extLst>
       <p:ext uri="{BB962C8B-B14F-4D97-AF65-F5344CB8AC3E}">
-        <p14:creationId xmlns="" xmlns:p14="http://schemas.microsoft.com/office/powerpoint/2010/main" val="1530847692"/>
+        <p14:creationId xmlns:p14="http://schemas.microsoft.com/office/powerpoint/2010/main" xmlns="" val="1530847692"/>
       </p:ext>
     </p:extLst>
   </p:cSld>
@@ -944,7 +944,7 @@
           <p:cNvPr id="7" name="Footer Placeholder 7">
             <a:extLst>
               <a:ext uri="{FF2B5EF4-FFF2-40B4-BE49-F238E27FC236}">
-                <a16:creationId xmlns="" xmlns:a16="http://schemas.microsoft.com/office/drawing/2014/main" id="{D6D14794-F06A-4611-8F78-8DFF4B7B281D}"/>
+                <a16:creationId xmlns:a16="http://schemas.microsoft.com/office/drawing/2014/main" xmlns="" id="{D6D14794-F06A-4611-8F78-8DFF4B7B281D}"/>
               </a:ext>
             </a:extLst>
           </p:cNvPr>
@@ -992,7 +992,7 @@
     </p:spTree>
     <p:extLst>
       <p:ext uri="{BB962C8B-B14F-4D97-AF65-F5344CB8AC3E}">
-        <p14:creationId xmlns="" xmlns:p14="http://schemas.microsoft.com/office/powerpoint/2010/main" val="3017256844"/>
+        <p14:creationId xmlns:p14="http://schemas.microsoft.com/office/powerpoint/2010/main" xmlns="" val="3017256844"/>
       </p:ext>
     </p:extLst>
   </p:cSld>
@@ -1081,7 +1081,7 @@
           <p:cNvPr id="6" name="Footer Placeholder 7">
             <a:extLst>
               <a:ext uri="{FF2B5EF4-FFF2-40B4-BE49-F238E27FC236}">
-                <a16:creationId xmlns="" xmlns:a16="http://schemas.microsoft.com/office/drawing/2014/main" id="{C16FB4C5-7FC9-4A20-9F90-120D35515436}"/>
+                <a16:creationId xmlns:a16="http://schemas.microsoft.com/office/drawing/2014/main" xmlns="" id="{C16FB4C5-7FC9-4A20-9F90-120D35515436}"/>
               </a:ext>
             </a:extLst>
           </p:cNvPr>
@@ -1129,7 +1129,7 @@
     </p:spTree>
     <p:extLst>
       <p:ext uri="{BB962C8B-B14F-4D97-AF65-F5344CB8AC3E}">
-        <p14:creationId xmlns="" xmlns:p14="http://schemas.microsoft.com/office/powerpoint/2010/main" val="3363101878"/>
+        <p14:creationId xmlns:p14="http://schemas.microsoft.com/office/powerpoint/2010/main" xmlns="" val="3363101878"/>
       </p:ext>
     </p:extLst>
   </p:cSld>
@@ -1390,7 +1390,7 @@
           <p:cNvPr id="6" name="Footer Placeholder 7">
             <a:extLst>
               <a:ext uri="{FF2B5EF4-FFF2-40B4-BE49-F238E27FC236}">
-                <a16:creationId xmlns:a16="http://schemas.microsoft.com/office/drawing/2014/main" xmlns="" id="{26905AE6-D8A3-45B6-928E-F3E2E637ADB7}"/>
+                <a16:creationId xmlns="" xmlns:a16="http://schemas.microsoft.com/office/drawing/2014/main" id="{26905AE6-D8A3-45B6-928E-F3E2E637ADB7}"/>
               </a:ext>
             </a:extLst>
           </p:cNvPr>
@@ -1438,7 +1438,7 @@
     </p:spTree>
     <p:extLst>
       <p:ext uri="{BB962C8B-B14F-4D97-AF65-F5344CB8AC3E}">
-        <p14:creationId xmlns:p14="http://schemas.microsoft.com/office/powerpoint/2010/main" xmlns="" val="2285141229"/>
+        <p14:creationId xmlns="" xmlns:p14="http://schemas.microsoft.com/office/powerpoint/2010/main" val="2285141229"/>
       </p:ext>
     </p:extLst>
   </p:cSld>
@@ -1501,7 +1501,7 @@
           <p:cNvPr id="7" name="Slide Number Placeholder 5">
             <a:extLst>
               <a:ext uri="{FF2B5EF4-FFF2-40B4-BE49-F238E27FC236}">
-                <a16:creationId xmlns="" xmlns:a16="http://schemas.microsoft.com/office/drawing/2014/main" id="{5049B984-F964-47FF-8179-0A3007CE21CD}"/>
+                <a16:creationId xmlns:a16="http://schemas.microsoft.com/office/drawing/2014/main" xmlns="" id="{5049B984-F964-47FF-8179-0A3007CE21CD}"/>
               </a:ext>
             </a:extLst>
           </p:cNvPr>
@@ -1631,7 +1631,7 @@
           <p:cNvPr id="6" name="Footer Placeholder 7">
             <a:extLst>
               <a:ext uri="{FF2B5EF4-FFF2-40B4-BE49-F238E27FC236}">
-                <a16:creationId xmlns="" xmlns:a16="http://schemas.microsoft.com/office/drawing/2014/main" id="{416ADEDD-4350-4E19-A49B-53FE4B1FF764}"/>
+                <a16:creationId xmlns:a16="http://schemas.microsoft.com/office/drawing/2014/main" xmlns="" id="{416ADEDD-4350-4E19-A49B-53FE4B1FF764}"/>
               </a:ext>
             </a:extLst>
           </p:cNvPr>
@@ -1679,7 +1679,7 @@
     </p:spTree>
     <p:extLst>
       <p:ext uri="{BB962C8B-B14F-4D97-AF65-F5344CB8AC3E}">
-        <p14:creationId xmlns="" xmlns:p14="http://schemas.microsoft.com/office/powerpoint/2010/main" val="535779941"/>
+        <p14:creationId xmlns:p14="http://schemas.microsoft.com/office/powerpoint/2010/main" xmlns="" val="535779941"/>
       </p:ext>
     </p:extLst>
   </p:cSld>
@@ -1742,7 +1742,7 @@
           <p:cNvPr id="6" name="Slide Number Placeholder 5">
             <a:extLst>
               <a:ext uri="{FF2B5EF4-FFF2-40B4-BE49-F238E27FC236}">
-                <a16:creationId xmlns:a16="http://schemas.microsoft.com/office/drawing/2014/main" xmlns="" id="{6627548A-4D3C-449B-81A5-FA4BE4628490}"/>
+                <a16:creationId xmlns="" xmlns:a16="http://schemas.microsoft.com/office/drawing/2014/main" id="{6627548A-4D3C-449B-81A5-FA4BE4628490}"/>
               </a:ext>
             </a:extLst>
           </p:cNvPr>
@@ -1872,7 +1872,7 @@
           <p:cNvPr id="4" name="Footer Placeholder 3">
             <a:extLst>
               <a:ext uri="{FF2B5EF4-FFF2-40B4-BE49-F238E27FC236}">
-                <a16:creationId xmlns:a16="http://schemas.microsoft.com/office/drawing/2014/main" xmlns="" id="{D2472CE7-61C1-4B7B-B0C8-5A45F0178717}"/>
+                <a16:creationId xmlns="" xmlns:a16="http://schemas.microsoft.com/office/drawing/2014/main" id="{D2472CE7-61C1-4B7B-B0C8-5A45F0178717}"/>
               </a:ext>
             </a:extLst>
           </p:cNvPr>
@@ -1908,7 +1908,7 @@
     </p:spTree>
     <p:extLst>
       <p:ext uri="{BB962C8B-B14F-4D97-AF65-F5344CB8AC3E}">
-        <p14:creationId xmlns:p14="http://schemas.microsoft.com/office/powerpoint/2010/main" xmlns="" val="729041308"/>
+        <p14:creationId xmlns="" xmlns:p14="http://schemas.microsoft.com/office/powerpoint/2010/main" val="729041308"/>
       </p:ext>
     </p:extLst>
   </p:cSld>
@@ -1940,7 +1940,7 @@
           <p:cNvPr id="16" name="Rectangle Bottom">
             <a:extLst>
               <a:ext uri="{FF2B5EF4-FFF2-40B4-BE49-F238E27FC236}">
-                <a16:creationId xmlns="" xmlns:a16="http://schemas.microsoft.com/office/drawing/2014/main" id="{6854D183-0374-4B3E-B2CE-32F308A81591}"/>
+                <a16:creationId xmlns:a16="http://schemas.microsoft.com/office/drawing/2014/main" xmlns="" id="{6854D183-0374-4B3E-B2CE-32F308A81591}"/>
               </a:ext>
             </a:extLst>
           </p:cNvPr>
@@ -2021,7 +2021,7 @@
           <p:cNvPr id="14" name="Picture Logo SoftUni" descr="SoftUni logo">
             <a:extLst>
               <a:ext uri="{FF2B5EF4-FFF2-40B4-BE49-F238E27FC236}">
-                <a16:creationId xmlns="" xmlns:a16="http://schemas.microsoft.com/office/drawing/2014/main" id="{C4D6B2A2-DFF0-4712-BFEC-6676BEC99FEC}"/>
+                <a16:creationId xmlns:a16="http://schemas.microsoft.com/office/drawing/2014/main" xmlns="" id="{C4D6B2A2-DFF0-4712-BFEC-6676BEC99FEC}"/>
               </a:ext>
             </a:extLst>
           </p:cNvPr>
@@ -2044,7 +2044,7 @@
             </a:clrChange>
             <a:extLst>
               <a:ext uri="{28A0092B-C50C-407E-A947-70E740481C1C}">
-                <a14:useLocalDpi xmlns="" xmlns:a14="http://schemas.microsoft.com/office/drawing/2010/main" val="0"/>
+                <a14:useLocalDpi xmlns:a14="http://schemas.microsoft.com/office/drawing/2010/main" xmlns="" val="0"/>
               </a:ext>
             </a:extLst>
           </a:blip>
@@ -2067,7 +2067,7 @@
           <p:cNvPr id="31" name="Text Placeholder Company Site">
             <a:extLst>
               <a:ext uri="{FF2B5EF4-FFF2-40B4-BE49-F238E27FC236}">
-                <a16:creationId xmlns="" xmlns:a16="http://schemas.microsoft.com/office/drawing/2014/main" id="{3E6B87B7-9D33-4EBB-BD4F-C0436BA3FD72}"/>
+                <a16:creationId xmlns:a16="http://schemas.microsoft.com/office/drawing/2014/main" xmlns="" id="{3E6B87B7-9D33-4EBB-BD4F-C0436BA3FD72}"/>
               </a:ext>
             </a:extLst>
           </p:cNvPr>
@@ -2129,7 +2129,7 @@
           <p:cNvPr id="30" name="Text Placeholder Company Name">
             <a:extLst>
               <a:ext uri="{FF2B5EF4-FFF2-40B4-BE49-F238E27FC236}">
-                <a16:creationId xmlns="" xmlns:a16="http://schemas.microsoft.com/office/drawing/2014/main" id="{2EA92DCA-4DB5-4D03-ACD3-A6A296592D0C}"/>
+                <a16:creationId xmlns:a16="http://schemas.microsoft.com/office/drawing/2014/main" xmlns="" id="{2EA92DCA-4DB5-4D03-ACD3-A6A296592D0C}"/>
               </a:ext>
             </a:extLst>
           </p:cNvPr>
@@ -2191,7 +2191,7 @@
           <p:cNvPr id="35" name="Picture SoftUni Mascot" descr="SoftUni mascot">
             <a:extLst>
               <a:ext uri="{FF2B5EF4-FFF2-40B4-BE49-F238E27FC236}">
-                <a16:creationId xmlns="" xmlns:a16="http://schemas.microsoft.com/office/drawing/2014/main" id="{951E7DA9-C5F0-43D9-B013-3BDF9EEF029D}"/>
+                <a16:creationId xmlns:a16="http://schemas.microsoft.com/office/drawing/2014/main" xmlns="" id="{951E7DA9-C5F0-43D9-B013-3BDF9EEF029D}"/>
               </a:ext>
             </a:extLst>
           </p:cNvPr>
@@ -2204,7 +2204,7 @@
           <a:blip r:embed="rId3" cstate="print">
             <a:extLst>
               <a:ext uri="{28A0092B-C50C-407E-A947-70E740481C1C}">
-                <a14:useLocalDpi xmlns="" xmlns:a14="http://schemas.microsoft.com/office/drawing/2010/main" val="0"/>
+                <a14:useLocalDpi xmlns:a14="http://schemas.microsoft.com/office/drawing/2010/main" xmlns="" val="0"/>
               </a:ext>
             </a:extLst>
           </a:blip>
@@ -2227,7 +2227,7 @@
             <a:hlinkClick r:id="rId4"/>
             <a:extLst>
               <a:ext uri="{FF2B5EF4-FFF2-40B4-BE49-F238E27FC236}">
-                <a16:creationId xmlns="" xmlns:a16="http://schemas.microsoft.com/office/drawing/2014/main" id="{F2315EB3-3FE4-4D3B-921E-5F209CEC13CB}"/>
+                <a16:creationId xmlns:a16="http://schemas.microsoft.com/office/drawing/2014/main" xmlns="" id="{F2315EB3-3FE4-4D3B-921E-5F209CEC13CB}"/>
               </a:ext>
             </a:extLst>
           </p:cNvPr>
@@ -2250,7 +2250,7 @@
             </a:clrChange>
             <a:extLst>
               <a:ext uri="{28A0092B-C50C-407E-A947-70E740481C1C}">
-                <a14:useLocalDpi xmlns="" xmlns:a14="http://schemas.microsoft.com/office/drawing/2010/main" val="0"/>
+                <a14:useLocalDpi xmlns:a14="http://schemas.microsoft.com/office/drawing/2010/main" xmlns="" val="0"/>
               </a:ext>
             </a:extLst>
           </a:blip>
@@ -2273,7 +2273,7 @@
           <p:cNvPr id="40" name="Text Placeholder Author Position">
             <a:extLst>
               <a:ext uri="{FF2B5EF4-FFF2-40B4-BE49-F238E27FC236}">
-                <a16:creationId xmlns="" xmlns:a16="http://schemas.microsoft.com/office/drawing/2014/main" id="{CD940256-851E-46C8-8BFB-A5ECA6C7DA07}"/>
+                <a16:creationId xmlns:a16="http://schemas.microsoft.com/office/drawing/2014/main" xmlns="" id="{CD940256-851E-46C8-8BFB-A5ECA6C7DA07}"/>
               </a:ext>
             </a:extLst>
           </p:cNvPr>
@@ -2333,7 +2333,7 @@
           <p:cNvPr id="36" name="Text Placeholder Author Name">
             <a:extLst>
               <a:ext uri="{FF2B5EF4-FFF2-40B4-BE49-F238E27FC236}">
-                <a16:creationId xmlns="" xmlns:a16="http://schemas.microsoft.com/office/drawing/2014/main" id="{3B21F47B-DE1F-442D-A2B7-6866F8786704}"/>
+                <a16:creationId xmlns:a16="http://schemas.microsoft.com/office/drawing/2014/main" xmlns="" id="{3B21F47B-DE1F-442D-A2B7-6866F8786704}"/>
               </a:ext>
             </a:extLst>
           </p:cNvPr>
@@ -2393,7 +2393,7 @@
           <p:cNvPr id="33" name="Picture Placeholder Title Image">
             <a:extLst>
               <a:ext uri="{FF2B5EF4-FFF2-40B4-BE49-F238E27FC236}">
-                <a16:creationId xmlns="" xmlns:a16="http://schemas.microsoft.com/office/drawing/2014/main" id="{A04D819A-89E2-4714-8C56-1838BF467EF7}"/>
+                <a16:creationId xmlns:a16="http://schemas.microsoft.com/office/drawing/2014/main" xmlns="" id="{A04D819A-89E2-4714-8C56-1838BF467EF7}"/>
               </a:ext>
             </a:extLst>
           </p:cNvPr>
@@ -2435,7 +2435,7 @@
           <p:cNvPr id="43" name="Presentation Subtitle">
             <a:extLst>
               <a:ext uri="{FF2B5EF4-FFF2-40B4-BE49-F238E27FC236}">
-                <a16:creationId xmlns="" xmlns:a16="http://schemas.microsoft.com/office/drawing/2014/main" id="{37BDB812-1395-4B02-ABCF-6A331EEE23E5}"/>
+                <a16:creationId xmlns:a16="http://schemas.microsoft.com/office/drawing/2014/main" xmlns="" id="{37BDB812-1395-4B02-ABCF-6A331EEE23E5}"/>
               </a:ext>
             </a:extLst>
           </p:cNvPr>
@@ -2479,7 +2479,7 @@
           <p:cNvPr id="2" name="Presentation Title">
             <a:extLst>
               <a:ext uri="{FF2B5EF4-FFF2-40B4-BE49-F238E27FC236}">
-                <a16:creationId xmlns="" xmlns:a16="http://schemas.microsoft.com/office/drawing/2014/main" id="{A4DF3AB8-E6E3-4FCE-8A4A-ECD147720A5D}"/>
+                <a16:creationId xmlns:a16="http://schemas.microsoft.com/office/drawing/2014/main" xmlns="" id="{A4DF3AB8-E6E3-4FCE-8A4A-ECD147720A5D}"/>
               </a:ext>
             </a:extLst>
           </p:cNvPr>
@@ -2514,7 +2514,7 @@
     </p:spTree>
     <p:extLst>
       <p:ext uri="{BB962C8B-B14F-4D97-AF65-F5344CB8AC3E}">
-        <p14:creationId xmlns="" xmlns:p14="http://schemas.microsoft.com/office/powerpoint/2010/main" val="970179299"/>
+        <p14:creationId xmlns:p14="http://schemas.microsoft.com/office/powerpoint/2010/main" xmlns="" val="970179299"/>
       </p:ext>
     </p:extLst>
   </p:cSld>
@@ -2522,7 +2522,7 @@
     <a:masterClrMapping/>
   </p:clrMapOvr>
   <mc:AlternateContent xmlns:mc="http://schemas.openxmlformats.org/markup-compatibility/2006">
-    <mc:Choice xmlns="" xmlns:p14="http://schemas.microsoft.com/office/powerpoint/2010/main" Requires="p14">
+    <mc:Choice xmlns:p14="http://schemas.microsoft.com/office/powerpoint/2010/main" xmlns="" Requires="p14">
       <p:transition spd="slow" p14:dur="2000" advClick="0" advTm="5000"/>
     </mc:Choice>
     <mc:Fallback>
@@ -2531,7 +2531,7 @@
   </mc:AlternateContent>
   <p:extLst>
     <p:ext uri="{DCECCB84-F9BA-43D5-87BE-67443E8EF086}">
-      <p15:sldGuideLst xmlns="" xmlns:p15="http://schemas.microsoft.com/office/powerpoint/2012/main">
+      <p15:sldGuideLst xmlns:p15="http://schemas.microsoft.com/office/powerpoint/2012/main" xmlns="">
         <p15:guide id="1" orient="horz" pos="2160">
           <p15:clr>
             <a:srgbClr val="FBAE40"/>
@@ -2570,7 +2570,7 @@
           <p:cNvPr id="15" name="Slide Number">
             <a:extLst>
               <a:ext uri="{FF2B5EF4-FFF2-40B4-BE49-F238E27FC236}">
-                <a16:creationId xmlns="" xmlns:a16="http://schemas.microsoft.com/office/drawing/2014/main" id="{F888EE71-82B3-40F1-A63F-7417422FB4A4}"/>
+                <a16:creationId xmlns:a16="http://schemas.microsoft.com/office/drawing/2014/main" xmlns="" id="{F888EE71-82B3-40F1-A63F-7417422FB4A4}"/>
               </a:ext>
             </a:extLst>
           </p:cNvPr>
@@ -2612,7 +2612,7 @@
           <p:cNvPr id="14" name="Text Placeholder Body">
             <a:extLst>
               <a:ext uri="{FF2B5EF4-FFF2-40B4-BE49-F238E27FC236}">
-                <a16:creationId xmlns="" xmlns:a16="http://schemas.microsoft.com/office/drawing/2014/main" id="{A2ABE920-240F-4CF6-AD45-23ED489FAD6E}"/>
+                <a16:creationId xmlns:a16="http://schemas.microsoft.com/office/drawing/2014/main" xmlns="" id="{A2ABE920-240F-4CF6-AD45-23ED489FAD6E}"/>
               </a:ext>
             </a:extLst>
           </p:cNvPr>
@@ -2918,7 +2918,7 @@
           <p:cNvPr id="10" name="Rectangle Down">
             <a:extLst>
               <a:ext uri="{FF2B5EF4-FFF2-40B4-BE49-F238E27FC236}">
-                <a16:creationId xmlns="" xmlns:a16="http://schemas.microsoft.com/office/drawing/2014/main" id="{E9B994EC-35A8-4A11-98CB-25DC28852F94}"/>
+                <a16:creationId xmlns:a16="http://schemas.microsoft.com/office/drawing/2014/main" xmlns="" id="{E9B994EC-35A8-4A11-98CB-25DC28852F94}"/>
               </a:ext>
             </a:extLst>
           </p:cNvPr>
@@ -2999,7 +2999,7 @@
           <p:cNvPr id="11" name="Rectangle Top">
             <a:extLst>
               <a:ext uri="{FF2B5EF4-FFF2-40B4-BE49-F238E27FC236}">
-                <a16:creationId xmlns="" xmlns:a16="http://schemas.microsoft.com/office/drawing/2014/main" id="{274B8F05-DFCE-47BD-BAFD-DF93E1A63BDD}"/>
+                <a16:creationId xmlns:a16="http://schemas.microsoft.com/office/drawing/2014/main" xmlns="" id="{274B8F05-DFCE-47BD-BAFD-DF93E1A63BDD}"/>
               </a:ext>
             </a:extLst>
           </p:cNvPr>
@@ -3080,7 +3080,7 @@
           <p:cNvPr id="12" name="Logo Software University" descr="Software University logo">
             <a:extLst>
               <a:ext uri="{FF2B5EF4-FFF2-40B4-BE49-F238E27FC236}">
-                <a16:creationId xmlns="" xmlns:a16="http://schemas.microsoft.com/office/drawing/2014/main" id="{233CBB95-791E-4630-B3D9-FADFCE7BCF52}"/>
+                <a16:creationId xmlns:a16="http://schemas.microsoft.com/office/drawing/2014/main" xmlns="" id="{233CBB95-791E-4630-B3D9-FADFCE7BCF52}"/>
               </a:ext>
             </a:extLst>
           </p:cNvPr>
@@ -3093,7 +3093,7 @@
           <a:blip r:embed="rId2" cstate="print">
             <a:extLst>
               <a:ext uri="{28A0092B-C50C-407E-A947-70E740481C1C}">
-                <a14:useLocalDpi xmlns="" xmlns:a14="http://schemas.microsoft.com/office/drawing/2010/main" val="0"/>
+                <a14:useLocalDpi xmlns:a14="http://schemas.microsoft.com/office/drawing/2010/main" xmlns="" val="0"/>
               </a:ext>
             </a:extLst>
           </a:blip>
@@ -3116,7 +3116,7 @@
           <p:cNvPr id="13" name="Slide Title">
             <a:extLst>
               <a:ext uri="{FF2B5EF4-FFF2-40B4-BE49-F238E27FC236}">
-                <a16:creationId xmlns="" xmlns:a16="http://schemas.microsoft.com/office/drawing/2014/main" id="{3F218E34-55D7-4290-BFE4-80F31F941551}"/>
+                <a16:creationId xmlns:a16="http://schemas.microsoft.com/office/drawing/2014/main" xmlns="" id="{3F218E34-55D7-4290-BFE4-80F31F941551}"/>
               </a:ext>
             </a:extLst>
           </p:cNvPr>
@@ -3155,7 +3155,7 @@
     </p:spTree>
     <p:extLst>
       <p:ext uri="{BB962C8B-B14F-4D97-AF65-F5344CB8AC3E}">
-        <p14:creationId xmlns="" xmlns:p14="http://schemas.microsoft.com/office/powerpoint/2010/main" val="3774019400"/>
+        <p14:creationId xmlns:p14="http://schemas.microsoft.com/office/powerpoint/2010/main" xmlns="" val="3774019400"/>
       </p:ext>
     </p:extLst>
   </p:cSld>
@@ -3163,7 +3163,7 @@
     <a:masterClrMapping/>
   </p:clrMapOvr>
   <mc:AlternateContent xmlns:mc="http://schemas.openxmlformats.org/markup-compatibility/2006">
-    <mc:Choice xmlns="" xmlns:p14="http://schemas.microsoft.com/office/powerpoint/2010/main" Requires="p14">
+    <mc:Choice xmlns:p14="http://schemas.microsoft.com/office/powerpoint/2010/main" xmlns="" Requires="p14">
       <p:transition spd="slow" p14:dur="2000" advClick="0" advTm="5000"/>
     </mc:Choice>
     <mc:Fallback>
@@ -3203,7 +3203,7 @@
           <p:cNvPr id="35" name="Rectangle Bottom">
             <a:extLst>
               <a:ext uri="{FF2B5EF4-FFF2-40B4-BE49-F238E27FC236}">
-                <a16:creationId xmlns="" xmlns:a16="http://schemas.microsoft.com/office/drawing/2014/main" id="{550A59F9-9A9D-4956-95B4-F78CC0DB1D59}"/>
+                <a16:creationId xmlns:a16="http://schemas.microsoft.com/office/drawing/2014/main" xmlns="" id="{550A59F9-9A9D-4956-95B4-F78CC0DB1D59}"/>
               </a:ext>
             </a:extLst>
           </p:cNvPr>
@@ -3284,7 +3284,7 @@
           <p:cNvPr id="53" name="Rectangle Bottom Copyright">
             <a:extLst>
               <a:ext uri="{FF2B5EF4-FFF2-40B4-BE49-F238E27FC236}">
-                <a16:creationId xmlns="" xmlns:a16="http://schemas.microsoft.com/office/drawing/2014/main" id="{B07FB7FB-DA6C-4F5D-B068-357F0FCE27D8}"/>
+                <a16:creationId xmlns:a16="http://schemas.microsoft.com/office/drawing/2014/main" xmlns="" id="{B07FB7FB-DA6C-4F5D-B068-357F0FCE27D8}"/>
               </a:ext>
             </a:extLst>
           </p:cNvPr>
@@ -3377,7 +3377,7 @@
           <p:cNvPr id="26" name="Picture SoftUni Mascot" descr="SoftUni mascot with open hand">
             <a:extLst>
               <a:ext uri="{FF2B5EF4-FFF2-40B4-BE49-F238E27FC236}">
-                <a16:creationId xmlns="" xmlns:a16="http://schemas.microsoft.com/office/drawing/2014/main" id="{247CFF3C-C4FA-493D-8505-DF469F4D36A4}"/>
+                <a16:creationId xmlns:a16="http://schemas.microsoft.com/office/drawing/2014/main" xmlns="" id="{247CFF3C-C4FA-493D-8505-DF469F4D36A4}"/>
               </a:ext>
             </a:extLst>
           </p:cNvPr>
@@ -3390,7 +3390,7 @@
           <a:blip r:embed="rId3" cstate="print">
             <a:extLst>
               <a:ext uri="{28A0092B-C50C-407E-A947-70E740481C1C}">
-                <a14:useLocalDpi xmlns="" xmlns:a14="http://schemas.microsoft.com/office/drawing/2010/main" val="0"/>
+                <a14:useLocalDpi xmlns:a14="http://schemas.microsoft.com/office/drawing/2010/main" xmlns="" val="0"/>
               </a:ext>
             </a:extLst>
           </a:blip>
@@ -3413,7 +3413,7 @@
           <p:cNvPr id="2" name="Group SoftUni Brands">
             <a:extLst>
               <a:ext uri="{FF2B5EF4-FFF2-40B4-BE49-F238E27FC236}">
-                <a16:creationId xmlns="" xmlns:a16="http://schemas.microsoft.com/office/drawing/2014/main" id="{418FAE34-C1F8-46C7-A4AE-F270D1E70F25}"/>
+                <a16:creationId xmlns:a16="http://schemas.microsoft.com/office/drawing/2014/main" xmlns="" id="{418FAE34-C1F8-46C7-A4AE-F270D1E70F25}"/>
               </a:ext>
             </a:extLst>
           </p:cNvPr>
@@ -3433,7 +3433,7 @@
             <p:cNvPr id="24" name="Picture SoftUni Kids Logo" descr="SoftUni Kids logo">
               <a:extLst>
                 <a:ext uri="{FF2B5EF4-FFF2-40B4-BE49-F238E27FC236}">
-                  <a16:creationId xmlns="" xmlns:a16="http://schemas.microsoft.com/office/drawing/2014/main" id="{B0812936-74B6-4265-8C08-AEDC8C798702}"/>
+                  <a16:creationId xmlns:a16="http://schemas.microsoft.com/office/drawing/2014/main" xmlns="" id="{B0812936-74B6-4265-8C08-AEDC8C798702}"/>
                 </a:ext>
               </a:extLst>
             </p:cNvPr>
@@ -3446,7 +3446,7 @@
             <a:blip r:embed="rId4" cstate="print">
               <a:extLst>
                 <a:ext uri="{28A0092B-C50C-407E-A947-70E740481C1C}">
-                  <a14:useLocalDpi xmlns="" xmlns:a14="http://schemas.microsoft.com/office/drawing/2010/main" val="0"/>
+                  <a14:useLocalDpi xmlns:a14="http://schemas.microsoft.com/office/drawing/2010/main" xmlns="" val="0"/>
                 </a:ext>
               </a:extLst>
             </a:blip>
@@ -3469,7 +3469,7 @@
             <p:cNvPr id="23" name="Picture SoftUni Foundation Logo" descr="SoftUni Foundation logo">
               <a:extLst>
                 <a:ext uri="{FF2B5EF4-FFF2-40B4-BE49-F238E27FC236}">
-                  <a16:creationId xmlns="" xmlns:a16="http://schemas.microsoft.com/office/drawing/2014/main" id="{6643F71A-2013-433A-8322-FBAAED3162D8}"/>
+                  <a16:creationId xmlns:a16="http://schemas.microsoft.com/office/drawing/2014/main" xmlns="" id="{6643F71A-2013-433A-8322-FBAAED3162D8}"/>
                 </a:ext>
               </a:extLst>
             </p:cNvPr>
@@ -3482,7 +3482,7 @@
             <a:blip r:embed="rId5" cstate="print">
               <a:extLst>
                 <a:ext uri="{28A0092B-C50C-407E-A947-70E740481C1C}">
-                  <a14:useLocalDpi xmlns="" xmlns:a14="http://schemas.microsoft.com/office/drawing/2010/main" val="0"/>
+                  <a14:useLocalDpi xmlns:a14="http://schemas.microsoft.com/office/drawing/2010/main" xmlns="" val="0"/>
                 </a:ext>
               </a:extLst>
             </a:blip>
@@ -3505,7 +3505,7 @@
             <p:cNvPr id="22" name="Picture SoftUni Digital Logo" descr="SoftUni Digital logo">
               <a:extLst>
                 <a:ext uri="{FF2B5EF4-FFF2-40B4-BE49-F238E27FC236}">
-                  <a16:creationId xmlns="" xmlns:a16="http://schemas.microsoft.com/office/drawing/2014/main" id="{0A83D66F-855B-463B-920B-BF239B01A206}"/>
+                  <a16:creationId xmlns:a16="http://schemas.microsoft.com/office/drawing/2014/main" xmlns="" id="{0A83D66F-855B-463B-920B-BF239B01A206}"/>
                 </a:ext>
               </a:extLst>
             </p:cNvPr>
@@ -3518,7 +3518,7 @@
             <a:blip r:embed="rId6" cstate="print">
               <a:extLst>
                 <a:ext uri="{28A0092B-C50C-407E-A947-70E740481C1C}">
-                  <a14:useLocalDpi xmlns="" xmlns:a14="http://schemas.microsoft.com/office/drawing/2010/main" val="0"/>
+                  <a14:useLocalDpi xmlns:a14="http://schemas.microsoft.com/office/drawing/2010/main" xmlns="" val="0"/>
                 </a:ext>
               </a:extLst>
             </a:blip>
@@ -3541,7 +3541,7 @@
             <p:cNvPr id="21" name="Picture SoftUni Creative Logo" descr="SoftUni Creative logo">
               <a:extLst>
                 <a:ext uri="{FF2B5EF4-FFF2-40B4-BE49-F238E27FC236}">
-                  <a16:creationId xmlns="" xmlns:a16="http://schemas.microsoft.com/office/drawing/2014/main" id="{EA755AAE-BA08-481C-9224-0061170EE4B8}"/>
+                  <a16:creationId xmlns:a16="http://schemas.microsoft.com/office/drawing/2014/main" xmlns="" id="{EA755AAE-BA08-481C-9224-0061170EE4B8}"/>
                 </a:ext>
               </a:extLst>
             </p:cNvPr>
@@ -3554,7 +3554,7 @@
             <a:blip r:embed="rId7" cstate="print">
               <a:extLst>
                 <a:ext uri="{28A0092B-C50C-407E-A947-70E740481C1C}">
-                  <a14:useLocalDpi xmlns="" xmlns:a14="http://schemas.microsoft.com/office/drawing/2010/main" val="0"/>
+                  <a14:useLocalDpi xmlns:a14="http://schemas.microsoft.com/office/drawing/2010/main" xmlns="" val="0"/>
                 </a:ext>
               </a:extLst>
             </a:blip>
@@ -3577,7 +3577,7 @@
             <p:cNvPr id="20" name="Picture SoftUni Svetlina Logo" descr="SoftUni Svetlina logo">
               <a:extLst>
                 <a:ext uri="{FF2B5EF4-FFF2-40B4-BE49-F238E27FC236}">
-                  <a16:creationId xmlns="" xmlns:a16="http://schemas.microsoft.com/office/drawing/2014/main" id="{827D15FD-4C66-4B85-98E6-7826AA8F61C6}"/>
+                  <a16:creationId xmlns:a16="http://schemas.microsoft.com/office/drawing/2014/main" xmlns="" id="{827D15FD-4C66-4B85-98E6-7826AA8F61C6}"/>
                 </a:ext>
               </a:extLst>
             </p:cNvPr>
@@ -3590,7 +3590,7 @@
             <a:blip r:embed="rId8" cstate="print">
               <a:extLst>
                 <a:ext uri="{28A0092B-C50C-407E-A947-70E740481C1C}">
-                  <a14:useLocalDpi xmlns="" xmlns:a14="http://schemas.microsoft.com/office/drawing/2010/main" val="0"/>
+                  <a14:useLocalDpi xmlns:a14="http://schemas.microsoft.com/office/drawing/2010/main" xmlns="" val="0"/>
                 </a:ext>
               </a:extLst>
             </a:blip>
@@ -3613,7 +3613,7 @@
             <p:cNvPr id="25" name="Picture Software University Logo" descr="Software University logo">
               <a:extLst>
                 <a:ext uri="{FF2B5EF4-FFF2-40B4-BE49-F238E27FC236}">
-                  <a16:creationId xmlns="" xmlns:a16="http://schemas.microsoft.com/office/drawing/2014/main" id="{C74C190C-5856-41B9-8819-AE8DE0E10980}"/>
+                  <a16:creationId xmlns:a16="http://schemas.microsoft.com/office/drawing/2014/main" xmlns="" id="{C74C190C-5856-41B9-8819-AE8DE0E10980}"/>
                 </a:ext>
               </a:extLst>
             </p:cNvPr>
@@ -3626,7 +3626,7 @@
             <a:blip r:embed="rId9" cstate="print">
               <a:extLst>
                 <a:ext uri="{28A0092B-C50C-407E-A947-70E740481C1C}">
-                  <a14:useLocalDpi xmlns="" xmlns:a14="http://schemas.microsoft.com/office/drawing/2010/main" val="0"/>
+                  <a14:useLocalDpi xmlns:a14="http://schemas.microsoft.com/office/drawing/2010/main" xmlns="" val="0"/>
                 </a:ext>
               </a:extLst>
             </a:blip>
@@ -3649,7 +3649,7 @@
             <p:cNvPr id="33" name="Straight Connector 6">
               <a:extLst>
                 <a:ext uri="{FF2B5EF4-FFF2-40B4-BE49-F238E27FC236}">
-                  <a16:creationId xmlns="" xmlns:a16="http://schemas.microsoft.com/office/drawing/2014/main" id="{5C63D1E8-4A92-4691-8A24-A2FC7E8008E5}"/>
+                  <a16:creationId xmlns:a16="http://schemas.microsoft.com/office/drawing/2014/main" xmlns="" id="{5C63D1E8-4A92-4691-8A24-A2FC7E8008E5}"/>
                 </a:ext>
               </a:extLst>
             </p:cNvPr>
@@ -3688,7 +3688,7 @@
             <p:cNvPr id="32" name="Straight Connector 5">
               <a:extLst>
                 <a:ext uri="{FF2B5EF4-FFF2-40B4-BE49-F238E27FC236}">
-                  <a16:creationId xmlns="" xmlns:a16="http://schemas.microsoft.com/office/drawing/2014/main" id="{6E91D320-3732-40B8-864D-142D0A277ED1}"/>
+                  <a16:creationId xmlns:a16="http://schemas.microsoft.com/office/drawing/2014/main" xmlns="" id="{6E91D320-3732-40B8-864D-142D0A277ED1}"/>
                 </a:ext>
               </a:extLst>
             </p:cNvPr>
@@ -3727,7 +3727,7 @@
             <p:cNvPr id="31" name="Straight Connector 4">
               <a:extLst>
                 <a:ext uri="{FF2B5EF4-FFF2-40B4-BE49-F238E27FC236}">
-                  <a16:creationId xmlns="" xmlns:a16="http://schemas.microsoft.com/office/drawing/2014/main" id="{299ABE09-E33C-46B7-A80D-7BF4A6956211}"/>
+                  <a16:creationId xmlns:a16="http://schemas.microsoft.com/office/drawing/2014/main" xmlns="" id="{299ABE09-E33C-46B7-A80D-7BF4A6956211}"/>
                 </a:ext>
               </a:extLst>
             </p:cNvPr>
@@ -3764,7 +3764,7 @@
             <p:cNvPr id="30" name="Straight Connector 3">
               <a:extLst>
                 <a:ext uri="{FF2B5EF4-FFF2-40B4-BE49-F238E27FC236}">
-                  <a16:creationId xmlns="" xmlns:a16="http://schemas.microsoft.com/office/drawing/2014/main" id="{93DDBF37-0764-47AA-94E3-9A44F3ED8FB5}"/>
+                  <a16:creationId xmlns:a16="http://schemas.microsoft.com/office/drawing/2014/main" xmlns="" id="{93DDBF37-0764-47AA-94E3-9A44F3ED8FB5}"/>
                 </a:ext>
               </a:extLst>
             </p:cNvPr>
@@ -3801,7 +3801,7 @@
             <p:cNvPr id="29" name="Straight Connector 2">
               <a:extLst>
                 <a:ext uri="{FF2B5EF4-FFF2-40B4-BE49-F238E27FC236}">
-                  <a16:creationId xmlns="" xmlns:a16="http://schemas.microsoft.com/office/drawing/2014/main" id="{72BFE2F3-0845-4E5B-9375-E9D4027DD675}"/>
+                  <a16:creationId xmlns:a16="http://schemas.microsoft.com/office/drawing/2014/main" xmlns="" id="{72BFE2F3-0845-4E5B-9375-E9D4027DD675}"/>
                 </a:ext>
               </a:extLst>
             </p:cNvPr>
@@ -3838,7 +3838,7 @@
             <p:cNvPr id="28" name="Straight Connector 1">
               <a:extLst>
                 <a:ext uri="{FF2B5EF4-FFF2-40B4-BE49-F238E27FC236}">
-                  <a16:creationId xmlns="" xmlns:a16="http://schemas.microsoft.com/office/drawing/2014/main" id="{D4E5982E-3110-47E1-A5BB-91B7BECC3093}"/>
+                  <a16:creationId xmlns:a16="http://schemas.microsoft.com/office/drawing/2014/main" xmlns="" id="{D4E5982E-3110-47E1-A5BB-91B7BECC3093}"/>
                 </a:ext>
               </a:extLst>
             </p:cNvPr>
@@ -3875,7 +3875,7 @@
             <p:cNvPr id="27" name="Straight Connector Horizontal">
               <a:extLst>
                 <a:ext uri="{FF2B5EF4-FFF2-40B4-BE49-F238E27FC236}">
-                  <a16:creationId xmlns="" xmlns:a16="http://schemas.microsoft.com/office/drawing/2014/main" id="{5F62FB7C-BD6E-4383-98C1-2CF30F34CAFD}"/>
+                  <a16:creationId xmlns:a16="http://schemas.microsoft.com/office/drawing/2014/main" xmlns="" id="{5F62FB7C-BD6E-4383-98C1-2CF30F34CAFD}"/>
                 </a:ext>
               </a:extLst>
             </p:cNvPr>
@@ -3914,7 +3914,7 @@
             <p:cNvPr id="34" name="Straight Connector 0">
               <a:extLst>
                 <a:ext uri="{FF2B5EF4-FFF2-40B4-BE49-F238E27FC236}">
-                  <a16:creationId xmlns="" xmlns:a16="http://schemas.microsoft.com/office/drawing/2014/main" id="{C84A0FE1-723D-4682-8682-77BAD950EE15}"/>
+                  <a16:creationId xmlns:a16="http://schemas.microsoft.com/office/drawing/2014/main" xmlns="" id="{C84A0FE1-723D-4682-8682-77BAD950EE15}"/>
                 </a:ext>
               </a:extLst>
             </p:cNvPr>
@@ -3951,7 +3951,7 @@
             <p:cNvPr id="18" name="Picture SoftUni Logo" descr="SoftUni logo">
               <a:extLst>
                 <a:ext uri="{FF2B5EF4-FFF2-40B4-BE49-F238E27FC236}">
-                  <a16:creationId xmlns="" xmlns:a16="http://schemas.microsoft.com/office/drawing/2014/main" id="{A0675455-B7FA-4569-A5FD-A3B0F20B2A26}"/>
+                  <a16:creationId xmlns:a16="http://schemas.microsoft.com/office/drawing/2014/main" xmlns="" id="{A0675455-B7FA-4569-A5FD-A3B0F20B2A26}"/>
                 </a:ext>
               </a:extLst>
             </p:cNvPr>
@@ -3964,7 +3964,7 @@
             <a:blip r:embed="rId10" cstate="print">
               <a:extLst>
                 <a:ext uri="{28A0092B-C50C-407E-A947-70E740481C1C}">
-                  <a14:useLocalDpi xmlns="" xmlns:a14="http://schemas.microsoft.com/office/drawing/2010/main" val="0"/>
+                  <a14:useLocalDpi xmlns:a14="http://schemas.microsoft.com/office/drawing/2010/main" xmlns="" val="0"/>
                 </a:ext>
               </a:extLst>
             </a:blip>
@@ -3988,7 +3988,7 @@
           <p:cNvPr id="19" name="Slide Title">
             <a:extLst>
               <a:ext uri="{FF2B5EF4-FFF2-40B4-BE49-F238E27FC236}">
-                <a16:creationId xmlns="" xmlns:a16="http://schemas.microsoft.com/office/drawing/2014/main" id="{7CFDBB16-985C-4CC7-B6DB-B81B36037922}"/>
+                <a16:creationId xmlns:a16="http://schemas.microsoft.com/office/drawing/2014/main" xmlns="" id="{7CFDBB16-985C-4CC7-B6DB-B81B36037922}"/>
               </a:ext>
             </a:extLst>
           </p:cNvPr>
@@ -4091,7 +4091,7 @@
           <p:cNvPr id="36" name="Logo Software University" descr="Software University logo">
             <a:extLst>
               <a:ext uri="{FF2B5EF4-FFF2-40B4-BE49-F238E27FC236}">
-                <a16:creationId xmlns="" xmlns:a16="http://schemas.microsoft.com/office/drawing/2014/main" id="{67FC4D2E-913D-432A-B658-F0D82839FA5E}"/>
+                <a16:creationId xmlns:a16="http://schemas.microsoft.com/office/drawing/2014/main" xmlns="" id="{67FC4D2E-913D-432A-B658-F0D82839FA5E}"/>
               </a:ext>
             </a:extLst>
           </p:cNvPr>
@@ -4114,7 +4114,7 @@
             </a:clrChange>
             <a:extLst>
               <a:ext uri="{28A0092B-C50C-407E-A947-70E740481C1C}">
-                <a14:useLocalDpi xmlns="" xmlns:a14="http://schemas.microsoft.com/office/drawing/2010/main" val="0"/>
+                <a14:useLocalDpi xmlns:a14="http://schemas.microsoft.com/office/drawing/2010/main" xmlns="" val="0"/>
               </a:ext>
             </a:extLst>
           </a:blip>
@@ -4135,7 +4135,7 @@
     </p:spTree>
     <p:extLst>
       <p:ext uri="{BB962C8B-B14F-4D97-AF65-F5344CB8AC3E}">
-        <p14:creationId xmlns="" xmlns:p14="http://schemas.microsoft.com/office/powerpoint/2010/main" val="4192061223"/>
+        <p14:creationId xmlns:p14="http://schemas.microsoft.com/office/powerpoint/2010/main" xmlns="" val="4192061223"/>
       </p:ext>
     </p:extLst>
   </p:cSld>
@@ -4143,7 +4143,7 @@
     <a:masterClrMapping/>
   </p:clrMapOvr>
   <mc:AlternateContent xmlns:mc="http://schemas.openxmlformats.org/markup-compatibility/2006">
-    <mc:Choice xmlns="" xmlns:p14="http://schemas.microsoft.com/office/powerpoint/2010/main" Requires="p14">
+    <mc:Choice xmlns:p14="http://schemas.microsoft.com/office/powerpoint/2010/main" xmlns="" Requires="p14">
       <p:transition spd="slow" p14:dur="2000" advClick="0" advTm="5000"/>
     </mc:Choice>
     <mc:Fallback>
@@ -4152,7 +4152,7 @@
   </mc:AlternateContent>
   <p:extLst>
     <p:ext uri="{DCECCB84-F9BA-43D5-87BE-67443E8EF086}">
-      <p15:sldGuideLst xmlns="" xmlns:p15="http://schemas.microsoft.com/office/powerpoint/2012/main">
+      <p15:sldGuideLst xmlns:p15="http://schemas.microsoft.com/office/powerpoint/2012/main" xmlns="">
         <p15:guide id="1" orient="horz" pos="2160">
           <p15:clr>
             <a:srgbClr val="FBAE40"/>
@@ -4191,7 +4191,7 @@
           <p:cNvPr id="13" name="Slide Number">
             <a:extLst>
               <a:ext uri="{FF2B5EF4-FFF2-40B4-BE49-F238E27FC236}">
-                <a16:creationId xmlns="" xmlns:a16="http://schemas.microsoft.com/office/drawing/2014/main" id="{5B8761D8-B42F-4A70-A0CE-682CEB2AE31B}"/>
+                <a16:creationId xmlns:a16="http://schemas.microsoft.com/office/drawing/2014/main" xmlns="" id="{5B8761D8-B42F-4A70-A0CE-682CEB2AE31B}"/>
               </a:ext>
             </a:extLst>
           </p:cNvPr>
@@ -4234,7 +4234,7 @@
             <a:hlinkClick r:id="rId2" tooltip="Software University Discussion Forum"/>
             <a:extLst>
               <a:ext uri="{FF2B5EF4-FFF2-40B4-BE49-F238E27FC236}">
-                <a16:creationId xmlns="" xmlns:a16="http://schemas.microsoft.com/office/drawing/2014/main" id="{98C579AD-FAF5-4B28-9B52-5457F1E90061}"/>
+                <a16:creationId xmlns:a16="http://schemas.microsoft.com/office/drawing/2014/main" xmlns="" id="{98C579AD-FAF5-4B28-9B52-5457F1E90061}"/>
               </a:ext>
             </a:extLst>
           </p:cNvPr>
@@ -4247,7 +4247,7 @@
           <a:blip r:embed="rId3" cstate="print">
             <a:extLst>
               <a:ext uri="{28A0092B-C50C-407E-A947-70E740481C1C}">
-                <a14:useLocalDpi xmlns="" xmlns:a14="http://schemas.microsoft.com/office/drawing/2010/main"/>
+                <a14:useLocalDpi xmlns:a14="http://schemas.microsoft.com/office/drawing/2010/main" xmlns=""/>
               </a:ext>
             </a:extLst>
           </a:blip>
@@ -4271,7 +4271,7 @@
             <a:hlinkClick r:id="rId4" tooltip="Software University @ Facebook"/>
             <a:extLst>
               <a:ext uri="{FF2B5EF4-FFF2-40B4-BE49-F238E27FC236}">
-                <a16:creationId xmlns="" xmlns:a16="http://schemas.microsoft.com/office/drawing/2014/main" id="{6B2C510E-5EF2-49F6-B926-2BD74CD3C7F8}"/>
+                <a16:creationId xmlns:a16="http://schemas.microsoft.com/office/drawing/2014/main" xmlns="" id="{6B2C510E-5EF2-49F6-B926-2BD74CD3C7F8}"/>
               </a:ext>
             </a:extLst>
           </p:cNvPr>
@@ -4284,7 +4284,7 @@
           <a:blip r:embed="rId5" cstate="print">
             <a:extLst>
               <a:ext uri="{28A0092B-C50C-407E-A947-70E740481C1C}">
-                <a14:useLocalDpi xmlns="" xmlns:a14="http://schemas.microsoft.com/office/drawing/2010/main"/>
+                <a14:useLocalDpi xmlns:a14="http://schemas.microsoft.com/office/drawing/2010/main" xmlns=""/>
               </a:ext>
             </a:extLst>
           </a:blip>
@@ -4302,7 +4302,7 @@
           <a:noFill/>
           <a:extLst>
             <a:ext uri="{909E8E84-426E-40DD-AFC4-6F175D3DCCD1}">
-              <a14:hiddenFill xmlns="" xmlns:a14="http://schemas.microsoft.com/office/drawing/2010/main">
+              <a14:hiddenFill xmlns:a14="http://schemas.microsoft.com/office/drawing/2010/main" xmlns="">
                 <a:solidFill>
                   <a:srgbClr val="FFFFFF"/>
                 </a:solidFill>
@@ -4317,7 +4317,7 @@
             <a:hlinkClick r:id="rId6"/>
             <a:extLst>
               <a:ext uri="{FF2B5EF4-FFF2-40B4-BE49-F238E27FC236}">
-                <a16:creationId xmlns="" xmlns:a16="http://schemas.microsoft.com/office/drawing/2014/main" id="{F4604840-E810-44B7-9FF1-3B28CD68B758}"/>
+                <a16:creationId xmlns:a16="http://schemas.microsoft.com/office/drawing/2014/main" xmlns="" id="{F4604840-E810-44B7-9FF1-3B28CD68B758}"/>
               </a:ext>
             </a:extLst>
           </p:cNvPr>
@@ -4330,7 +4330,7 @@
           <a:blip r:embed="rId7" cstate="print">
             <a:extLst>
               <a:ext uri="{28A0092B-C50C-407E-A947-70E740481C1C}">
-                <a14:useLocalDpi xmlns="" xmlns:a14="http://schemas.microsoft.com/office/drawing/2010/main" val="0"/>
+                <a14:useLocalDpi xmlns:a14="http://schemas.microsoft.com/office/drawing/2010/main" xmlns="" val="0"/>
               </a:ext>
             </a:extLst>
           </a:blip>
@@ -4354,7 +4354,7 @@
             <a:hlinkClick r:id="rId8"/>
             <a:extLst>
               <a:ext uri="{FF2B5EF4-FFF2-40B4-BE49-F238E27FC236}">
-                <a16:creationId xmlns="" xmlns:a16="http://schemas.microsoft.com/office/drawing/2014/main" id="{07C965FA-A87E-4824-AFA8-C67AF548A76A}"/>
+                <a16:creationId xmlns:a16="http://schemas.microsoft.com/office/drawing/2014/main" xmlns="" id="{07C965FA-A87E-4824-AFA8-C67AF548A76A}"/>
               </a:ext>
             </a:extLst>
           </p:cNvPr>
@@ -4367,7 +4367,7 @@
           <a:blip r:embed="rId9" cstate="print">
             <a:extLst>
               <a:ext uri="{28A0092B-C50C-407E-A947-70E740481C1C}">
-                <a14:useLocalDpi xmlns="" xmlns:a14="http://schemas.microsoft.com/office/drawing/2010/main" val="0"/>
+                <a14:useLocalDpi xmlns:a14="http://schemas.microsoft.com/office/drawing/2010/main" xmlns="" val="0"/>
               </a:ext>
             </a:extLst>
           </a:blip>
@@ -4389,7 +4389,7 @@
           <p:cNvPr id="12" name="Slide Body Text">
             <a:extLst>
               <a:ext uri="{FF2B5EF4-FFF2-40B4-BE49-F238E27FC236}">
-                <a16:creationId xmlns="" xmlns:a16="http://schemas.microsoft.com/office/drawing/2014/main" id="{0C1F9416-8B6E-46DE-973C-777785E27A26}"/>
+                <a16:creationId xmlns:a16="http://schemas.microsoft.com/office/drawing/2014/main" xmlns="" id="{0C1F9416-8B6E-46DE-973C-777785E27A26}"/>
               </a:ext>
             </a:extLst>
           </p:cNvPr>
@@ -4517,7 +4517,7 @@
           <p:cNvPr id="10" name="Rectangle Top">
             <a:extLst>
               <a:ext uri="{FF2B5EF4-FFF2-40B4-BE49-F238E27FC236}">
-                <a16:creationId xmlns="" xmlns:a16="http://schemas.microsoft.com/office/drawing/2014/main" id="{86646B95-5E3B-4DE8-9118-031C2C296D8C}"/>
+                <a16:creationId xmlns:a16="http://schemas.microsoft.com/office/drawing/2014/main" xmlns="" id="{86646B95-5E3B-4DE8-9118-031C2C296D8C}"/>
               </a:ext>
             </a:extLst>
           </p:cNvPr>
@@ -4598,7 +4598,7 @@
           <p:cNvPr id="11" name="Logo Software University" descr="Software University logo">
             <a:extLst>
               <a:ext uri="{FF2B5EF4-FFF2-40B4-BE49-F238E27FC236}">
-                <a16:creationId xmlns="" xmlns:a16="http://schemas.microsoft.com/office/drawing/2014/main" id="{58AB1944-B146-4E89-B2D9-426EB610F319}"/>
+                <a16:creationId xmlns:a16="http://schemas.microsoft.com/office/drawing/2014/main" xmlns="" id="{58AB1944-B146-4E89-B2D9-426EB610F319}"/>
               </a:ext>
             </a:extLst>
           </p:cNvPr>
@@ -4611,7 +4611,7 @@
           <a:blip r:embed="rId11" cstate="print">
             <a:extLst>
               <a:ext uri="{28A0092B-C50C-407E-A947-70E740481C1C}">
-                <a14:useLocalDpi xmlns="" xmlns:a14="http://schemas.microsoft.com/office/drawing/2010/main" val="0"/>
+                <a14:useLocalDpi xmlns:a14="http://schemas.microsoft.com/office/drawing/2010/main" xmlns="" val="0"/>
               </a:ext>
             </a:extLst>
           </a:blip>
@@ -4634,7 +4634,7 @@
           <p:cNvPr id="18" name="Slide Title">
             <a:extLst>
               <a:ext uri="{FF2B5EF4-FFF2-40B4-BE49-F238E27FC236}">
-                <a16:creationId xmlns="" xmlns:a16="http://schemas.microsoft.com/office/drawing/2014/main" id="{AE87ED9C-76E1-4D85-9B06-3AF44AABB668}"/>
+                <a16:creationId xmlns:a16="http://schemas.microsoft.com/office/drawing/2014/main" xmlns="" id="{AE87ED9C-76E1-4D85-9B06-3AF44AABB668}"/>
               </a:ext>
             </a:extLst>
           </p:cNvPr>
@@ -4673,7 +4673,7 @@
     </p:spTree>
     <p:extLst>
       <p:ext uri="{BB962C8B-B14F-4D97-AF65-F5344CB8AC3E}">
-        <p14:creationId xmlns="" xmlns:p14="http://schemas.microsoft.com/office/powerpoint/2010/main" val="2196466322"/>
+        <p14:creationId xmlns:p14="http://schemas.microsoft.com/office/powerpoint/2010/main" xmlns="" val="2196466322"/>
       </p:ext>
     </p:extLst>
   </p:cSld>
@@ -4681,7 +4681,7 @@
     <a:masterClrMapping/>
   </p:clrMapOvr>
   <mc:AlternateContent xmlns:mc="http://schemas.openxmlformats.org/markup-compatibility/2006">
-    <mc:Choice xmlns="" xmlns:p14="http://schemas.microsoft.com/office/powerpoint/2010/main" Requires="p14">
+    <mc:Choice xmlns:p14="http://schemas.microsoft.com/office/powerpoint/2010/main" xmlns="" Requires="p14">
       <p:transition spd="slow" p14:dur="2000" advClick="0" advTm="5000"/>
     </mc:Choice>
     <mc:Fallback>
@@ -4877,7 +4877,7 @@
     </p:spTree>
     <p:extLst>
       <p:ext uri="{BB962C8B-B14F-4D97-AF65-F5344CB8AC3E}">
-        <p14:creationId xmlns="" xmlns:p14="http://schemas.microsoft.com/office/powerpoint/2010/main" val="3529216409"/>
+        <p14:creationId xmlns:p14="http://schemas.microsoft.com/office/powerpoint/2010/main" xmlns="" val="3529216409"/>
       </p:ext>
     </p:extLst>
   </p:cSld>
@@ -4885,7 +4885,7 @@
     <a:masterClrMapping/>
   </p:clrMapOvr>
   <mc:AlternateContent xmlns:mc="http://schemas.openxmlformats.org/markup-compatibility/2006">
-    <mc:Choice xmlns="" xmlns:p14="http://schemas.microsoft.com/office/powerpoint/2010/main" Requires="p14">
+    <mc:Choice xmlns:p14="http://schemas.microsoft.com/office/powerpoint/2010/main" xmlns="" Requires="p14">
       <p:transition spd="slow" p14:dur="2000" advClick="0" advTm="5000"/>
     </mc:Choice>
     <mc:Fallback>
@@ -4917,7 +4917,7 @@
           <p:cNvPr id="7" name="Slide Number">
             <a:extLst>
               <a:ext uri="{FF2B5EF4-FFF2-40B4-BE49-F238E27FC236}">
-                <a16:creationId xmlns="" xmlns:a16="http://schemas.microsoft.com/office/drawing/2014/main" id="{C1780DB1-0AF0-4108-AFE1-9DA99F0DBCB8}"/>
+                <a16:creationId xmlns:a16="http://schemas.microsoft.com/office/drawing/2014/main" xmlns="" id="{C1780DB1-0AF0-4108-AFE1-9DA99F0DBCB8}"/>
               </a:ext>
             </a:extLst>
           </p:cNvPr>
@@ -4959,7 +4959,7 @@
           <p:cNvPr id="3" name="Slide Body Text">
             <a:extLst>
               <a:ext uri="{FF2B5EF4-FFF2-40B4-BE49-F238E27FC236}">
-                <a16:creationId xmlns="" xmlns:a16="http://schemas.microsoft.com/office/drawing/2014/main" id="{5A9D2960-6D42-439F-82E8-812822013A10}"/>
+                <a16:creationId xmlns:a16="http://schemas.microsoft.com/office/drawing/2014/main" xmlns="" id="{5A9D2960-6D42-439F-82E8-812822013A10}"/>
               </a:ext>
             </a:extLst>
           </p:cNvPr>
@@ -5037,7 +5037,7 @@
           <p:cNvPr id="13" name="Rectangle Top">
             <a:extLst>
               <a:ext uri="{FF2B5EF4-FFF2-40B4-BE49-F238E27FC236}">
-                <a16:creationId xmlns="" xmlns:a16="http://schemas.microsoft.com/office/drawing/2014/main" id="{391AFA4E-7870-4561-A1B8-AC956B0C8931}"/>
+                <a16:creationId xmlns:a16="http://schemas.microsoft.com/office/drawing/2014/main" xmlns="" id="{391AFA4E-7870-4561-A1B8-AC956B0C8931}"/>
               </a:ext>
             </a:extLst>
           </p:cNvPr>
@@ -5118,7 +5118,7 @@
           <p:cNvPr id="12" name="Logo Software University" descr="Software University logo">
             <a:extLst>
               <a:ext uri="{FF2B5EF4-FFF2-40B4-BE49-F238E27FC236}">
-                <a16:creationId xmlns="" xmlns:a16="http://schemas.microsoft.com/office/drawing/2014/main" id="{B1D3B425-B9BF-43ED-9DEC-C05002FBA22F}"/>
+                <a16:creationId xmlns:a16="http://schemas.microsoft.com/office/drawing/2014/main" xmlns="" id="{B1D3B425-B9BF-43ED-9DEC-C05002FBA22F}"/>
               </a:ext>
             </a:extLst>
           </p:cNvPr>
@@ -5131,7 +5131,7 @@
           <a:blip r:embed="rId2" cstate="print">
             <a:extLst>
               <a:ext uri="{28A0092B-C50C-407E-A947-70E740481C1C}">
-                <a14:useLocalDpi xmlns="" xmlns:a14="http://schemas.microsoft.com/office/drawing/2010/main" val="0"/>
+                <a14:useLocalDpi xmlns:a14="http://schemas.microsoft.com/office/drawing/2010/main" xmlns="" val="0"/>
               </a:ext>
             </a:extLst>
           </a:blip>
@@ -5154,7 +5154,7 @@
           <p:cNvPr id="6" name="Slide Title">
             <a:extLst>
               <a:ext uri="{FF2B5EF4-FFF2-40B4-BE49-F238E27FC236}">
-                <a16:creationId xmlns="" xmlns:a16="http://schemas.microsoft.com/office/drawing/2014/main" id="{19B5B676-7892-440F-8191-7109B2C59885}"/>
+                <a16:creationId xmlns:a16="http://schemas.microsoft.com/office/drawing/2014/main" xmlns="" id="{19B5B676-7892-440F-8191-7109B2C59885}"/>
               </a:ext>
             </a:extLst>
           </p:cNvPr>
@@ -5193,7 +5193,7 @@
     </p:spTree>
     <p:extLst>
       <p:ext uri="{BB962C8B-B14F-4D97-AF65-F5344CB8AC3E}">
-        <p14:creationId xmlns="" xmlns:p14="http://schemas.microsoft.com/office/powerpoint/2010/main" val="1102970716"/>
+        <p14:creationId xmlns:p14="http://schemas.microsoft.com/office/powerpoint/2010/main" xmlns="" val="1102970716"/>
       </p:ext>
     </p:extLst>
   </p:cSld>
@@ -5201,7 +5201,7 @@
     <a:masterClrMapping/>
   </p:clrMapOvr>
   <mc:AlternateContent xmlns:mc="http://schemas.openxmlformats.org/markup-compatibility/2006">
-    <mc:Choice xmlns="" xmlns:p14="http://schemas.microsoft.com/office/powerpoint/2010/main" Requires="p14">
+    <mc:Choice xmlns:p14="http://schemas.microsoft.com/office/powerpoint/2010/main" xmlns="" Requires="p14">
       <p:transition spd="slow" p14:dur="2000" advClick="0" advTm="5000"/>
     </mc:Choice>
     <mc:Fallback>
@@ -5233,7 +5233,7 @@
           <p:cNvPr id="9" name="Slide Number">
             <a:extLst>
               <a:ext uri="{FF2B5EF4-FFF2-40B4-BE49-F238E27FC236}">
-                <a16:creationId xmlns="" xmlns:a16="http://schemas.microsoft.com/office/drawing/2014/main" id="{0020EB61-2079-41A3-B356-B1D8D48D786E}"/>
+                <a16:creationId xmlns:a16="http://schemas.microsoft.com/office/drawing/2014/main" xmlns="" id="{0020EB61-2079-41A3-B356-B1D8D48D786E}"/>
               </a:ext>
             </a:extLst>
           </p:cNvPr>
@@ -5350,7 +5350,7 @@
           <p:cNvPr id="7" name="Slide Body Text">
             <a:extLst>
               <a:ext uri="{FF2B5EF4-FFF2-40B4-BE49-F238E27FC236}">
-                <a16:creationId xmlns="" xmlns:a16="http://schemas.microsoft.com/office/drawing/2014/main" id="{CB4CB13C-66A1-466B-A6C1-B0BABF5CFEC1}"/>
+                <a16:creationId xmlns:a16="http://schemas.microsoft.com/office/drawing/2014/main" xmlns="" id="{CB4CB13C-66A1-466B-A6C1-B0BABF5CFEC1}"/>
               </a:ext>
             </a:extLst>
           </p:cNvPr>
@@ -5448,7 +5448,7 @@
           <p:cNvPr id="3" name="Logo Software University" descr="Software University logo">
             <a:extLst>
               <a:ext uri="{FF2B5EF4-FFF2-40B4-BE49-F238E27FC236}">
-                <a16:creationId xmlns="" xmlns:a16="http://schemas.microsoft.com/office/drawing/2014/main" id="{5573C101-930B-47AC-967A-A64513DFFDEE}"/>
+                <a16:creationId xmlns:a16="http://schemas.microsoft.com/office/drawing/2014/main" xmlns="" id="{5573C101-930B-47AC-967A-A64513DFFDEE}"/>
               </a:ext>
             </a:extLst>
           </p:cNvPr>
@@ -5471,7 +5471,7 @@
             </a:clrChange>
             <a:extLst>
               <a:ext uri="{28A0092B-C50C-407E-A947-70E740481C1C}">
-                <a14:useLocalDpi xmlns="" xmlns:a14="http://schemas.microsoft.com/office/drawing/2010/main" val="0"/>
+                <a14:useLocalDpi xmlns:a14="http://schemas.microsoft.com/office/drawing/2010/main" xmlns="" val="0"/>
               </a:ext>
             </a:extLst>
           </a:blip>
@@ -5494,7 +5494,7 @@
           <p:cNvPr id="8" name="Slide Title">
             <a:extLst>
               <a:ext uri="{FF2B5EF4-FFF2-40B4-BE49-F238E27FC236}">
-                <a16:creationId xmlns="" xmlns:a16="http://schemas.microsoft.com/office/drawing/2014/main" id="{E2DA9691-CDF5-499C-94BB-AAA61DAC1BFB}"/>
+                <a16:creationId xmlns:a16="http://schemas.microsoft.com/office/drawing/2014/main" xmlns="" id="{E2DA9691-CDF5-499C-94BB-AAA61DAC1BFB}"/>
               </a:ext>
             </a:extLst>
           </p:cNvPr>
@@ -5531,7 +5531,7 @@
           <p:cNvPr id="10" name="Group 9">
             <a:extLst>
               <a:ext uri="{FF2B5EF4-FFF2-40B4-BE49-F238E27FC236}">
-                <a16:creationId xmlns="" xmlns:a16="http://schemas.microsoft.com/office/drawing/2014/main" id="{43CDBCC2-1C96-44BC-B992-7B0C49C34904}"/>
+                <a16:creationId xmlns:a16="http://schemas.microsoft.com/office/drawing/2014/main" xmlns="" id="{43CDBCC2-1C96-44BC-B992-7B0C49C34904}"/>
               </a:ext>
             </a:extLst>
           </p:cNvPr>
@@ -5551,7 +5551,7 @@
             <p:cNvPr id="11" name="Group 10">
               <a:extLst>
                 <a:ext uri="{FF2B5EF4-FFF2-40B4-BE49-F238E27FC236}">
-                  <a16:creationId xmlns="" xmlns:a16="http://schemas.microsoft.com/office/drawing/2014/main" id="{7D71B3A8-4D39-42CF-9255-81EA3A622DD6}"/>
+                  <a16:creationId xmlns:a16="http://schemas.microsoft.com/office/drawing/2014/main" xmlns="" id="{7D71B3A8-4D39-42CF-9255-81EA3A622DD6}"/>
                 </a:ext>
               </a:extLst>
             </p:cNvPr>
@@ -5571,7 +5571,7 @@
               <p:cNvPr id="25" name="Oval 24">
                 <a:extLst>
                   <a:ext uri="{FF2B5EF4-FFF2-40B4-BE49-F238E27FC236}">
-                    <a16:creationId xmlns="" xmlns:a16="http://schemas.microsoft.com/office/drawing/2014/main" id="{B98059F9-1874-426D-8AF7-A12C21F37DD9}"/>
+                    <a16:creationId xmlns:a16="http://schemas.microsoft.com/office/drawing/2014/main" xmlns="" id="{B98059F9-1874-426D-8AF7-A12C21F37DD9}"/>
                   </a:ext>
                 </a:extLst>
               </p:cNvPr>
@@ -5623,7 +5623,7 @@
               <p:cNvPr id="26" name="Rectangle 5">
                 <a:extLst>
                   <a:ext uri="{FF2B5EF4-FFF2-40B4-BE49-F238E27FC236}">
-                    <a16:creationId xmlns="" xmlns:a16="http://schemas.microsoft.com/office/drawing/2014/main" id="{A3A1E077-DBDF-48F0-A924-604984B940A2}"/>
+                    <a16:creationId xmlns:a16="http://schemas.microsoft.com/office/drawing/2014/main" xmlns="" id="{A3A1E077-DBDF-48F0-A924-604984B940A2}"/>
                   </a:ext>
                 </a:extLst>
               </p:cNvPr>
@@ -5768,7 +5768,7 @@
               <p:cNvPr id="27" name="Rectangle 5">
                 <a:extLst>
                   <a:ext uri="{FF2B5EF4-FFF2-40B4-BE49-F238E27FC236}">
-                    <a16:creationId xmlns="" xmlns:a16="http://schemas.microsoft.com/office/drawing/2014/main" id="{798B1F51-1FA4-4199-81C7-62356C936CC9}"/>
+                    <a16:creationId xmlns:a16="http://schemas.microsoft.com/office/drawing/2014/main" xmlns="" id="{798B1F51-1FA4-4199-81C7-62356C936CC9}"/>
                   </a:ext>
                 </a:extLst>
               </p:cNvPr>
@@ -5913,7 +5913,7 @@
               <p:cNvPr id="28" name="Arc 27">
                 <a:extLst>
                   <a:ext uri="{FF2B5EF4-FFF2-40B4-BE49-F238E27FC236}">
-                    <a16:creationId xmlns="" xmlns:a16="http://schemas.microsoft.com/office/drawing/2014/main" id="{40A224C8-1233-40F7-96AB-BFF79AF6CDCB}"/>
+                    <a16:creationId xmlns:a16="http://schemas.microsoft.com/office/drawing/2014/main" xmlns="" id="{40A224C8-1233-40F7-96AB-BFF79AF6CDCB}"/>
                   </a:ext>
                 </a:extLst>
               </p:cNvPr>
@@ -5972,7 +5972,7 @@
               <p:cNvPr id="29" name="Arc 28">
                 <a:extLst>
                   <a:ext uri="{FF2B5EF4-FFF2-40B4-BE49-F238E27FC236}">
-                    <a16:creationId xmlns="" xmlns:a16="http://schemas.microsoft.com/office/drawing/2014/main" id="{B57C7CCC-E218-4321-8C7B-3F0C5753C7A1}"/>
+                    <a16:creationId xmlns:a16="http://schemas.microsoft.com/office/drawing/2014/main" xmlns="" id="{B57C7CCC-E218-4321-8C7B-3F0C5753C7A1}"/>
                   </a:ext>
                 </a:extLst>
               </p:cNvPr>
@@ -6032,7 +6032,7 @@
             <p:cNvPr id="13" name="Rectangle: Rounded Corners 12">
               <a:extLst>
                 <a:ext uri="{FF2B5EF4-FFF2-40B4-BE49-F238E27FC236}">
-                  <a16:creationId xmlns="" xmlns:a16="http://schemas.microsoft.com/office/drawing/2014/main" id="{6AF309CA-A56C-4ABC-B293-420F4EB1A9B4}"/>
+                  <a16:creationId xmlns:a16="http://schemas.microsoft.com/office/drawing/2014/main" xmlns="" id="{6AF309CA-A56C-4ABC-B293-420F4EB1A9B4}"/>
                 </a:ext>
               </a:extLst>
             </p:cNvPr>
@@ -6086,7 +6086,7 @@
             <p:cNvPr id="14" name="Rectangle: Rounded Corners 13">
               <a:extLst>
                 <a:ext uri="{FF2B5EF4-FFF2-40B4-BE49-F238E27FC236}">
-                  <a16:creationId xmlns="" xmlns:a16="http://schemas.microsoft.com/office/drawing/2014/main" id="{07955808-2AC7-44EB-8B6D-82B974E53A3C}"/>
+                  <a16:creationId xmlns:a16="http://schemas.microsoft.com/office/drawing/2014/main" xmlns="" id="{07955808-2AC7-44EB-8B6D-82B974E53A3C}"/>
                 </a:ext>
               </a:extLst>
             </p:cNvPr>
@@ -6147,7 +6147,7 @@
             <p:cNvPr id="15" name="Straight Connector 14">
               <a:extLst>
                 <a:ext uri="{FF2B5EF4-FFF2-40B4-BE49-F238E27FC236}">
-                  <a16:creationId xmlns="" xmlns:a16="http://schemas.microsoft.com/office/drawing/2014/main" id="{AC6420D7-AEAB-45EF-8D46-11EB06E4AFEA}"/>
+                  <a16:creationId xmlns:a16="http://schemas.microsoft.com/office/drawing/2014/main" xmlns="" id="{AC6420D7-AEAB-45EF-8D46-11EB06E4AFEA}"/>
                 </a:ext>
               </a:extLst>
             </p:cNvPr>
@@ -6193,7 +6193,7 @@
             <p:cNvPr id="16" name="Straight Connector 15">
               <a:extLst>
                 <a:ext uri="{FF2B5EF4-FFF2-40B4-BE49-F238E27FC236}">
-                  <a16:creationId xmlns="" xmlns:a16="http://schemas.microsoft.com/office/drawing/2014/main" id="{76C7FABC-6773-44F6-990B-3EB082BE9B35}"/>
+                  <a16:creationId xmlns:a16="http://schemas.microsoft.com/office/drawing/2014/main" xmlns="" id="{76C7FABC-6773-44F6-990B-3EB082BE9B35}"/>
                 </a:ext>
               </a:extLst>
             </p:cNvPr>
@@ -6239,7 +6239,7 @@
             <p:cNvPr id="17" name="Group 16">
               <a:extLst>
                 <a:ext uri="{FF2B5EF4-FFF2-40B4-BE49-F238E27FC236}">
-                  <a16:creationId xmlns="" xmlns:a16="http://schemas.microsoft.com/office/drawing/2014/main" id="{1FAD48E1-DC45-4B3D-9CE5-613250708496}"/>
+                  <a16:creationId xmlns:a16="http://schemas.microsoft.com/office/drawing/2014/main" xmlns="" id="{1FAD48E1-DC45-4B3D-9CE5-613250708496}"/>
                 </a:ext>
               </a:extLst>
             </p:cNvPr>
@@ -6262,7 +6262,7 @@
               <p:cNvPr id="23" name="Straight Connector 22">
                 <a:extLst>
                   <a:ext uri="{FF2B5EF4-FFF2-40B4-BE49-F238E27FC236}">
-                    <a16:creationId xmlns="" xmlns:a16="http://schemas.microsoft.com/office/drawing/2014/main" id="{B01FD1D1-046F-457B-AB63-2702CE3E906E}"/>
+                    <a16:creationId xmlns:a16="http://schemas.microsoft.com/office/drawing/2014/main" xmlns="" id="{B01FD1D1-046F-457B-AB63-2702CE3E906E}"/>
                   </a:ext>
                 </a:extLst>
               </p:cNvPr>
@@ -6306,7 +6306,7 @@
               <p:cNvPr id="24" name="Straight Connector 23">
                 <a:extLst>
                   <a:ext uri="{FF2B5EF4-FFF2-40B4-BE49-F238E27FC236}">
-                    <a16:creationId xmlns="" xmlns:a16="http://schemas.microsoft.com/office/drawing/2014/main" id="{895660C3-C72C-43EE-9C4A-170F85E5BE08}"/>
+                    <a16:creationId xmlns:a16="http://schemas.microsoft.com/office/drawing/2014/main" xmlns="" id="{895660C3-C72C-43EE-9C4A-170F85E5BE08}"/>
                   </a:ext>
                 </a:extLst>
               </p:cNvPr>
@@ -6351,7 +6351,7 @@
             <p:cNvPr id="19" name="Straight Connector 18">
               <a:extLst>
                 <a:ext uri="{FF2B5EF4-FFF2-40B4-BE49-F238E27FC236}">
-                  <a16:creationId xmlns="" xmlns:a16="http://schemas.microsoft.com/office/drawing/2014/main" id="{A74EE503-8FC0-42A6-8860-CA4EE42272E4}"/>
+                  <a16:creationId xmlns:a16="http://schemas.microsoft.com/office/drawing/2014/main" xmlns="" id="{A74EE503-8FC0-42A6-8860-CA4EE42272E4}"/>
                 </a:ext>
               </a:extLst>
             </p:cNvPr>
@@ -6397,7 +6397,7 @@
             <p:cNvPr id="12" name="Rectangle: Rounded Corners 11">
               <a:extLst>
                 <a:ext uri="{FF2B5EF4-FFF2-40B4-BE49-F238E27FC236}">
-                  <a16:creationId xmlns="" xmlns:a16="http://schemas.microsoft.com/office/drawing/2014/main" id="{F4189FDA-9FE8-490B-8A70-2E941811021F}"/>
+                  <a16:creationId xmlns:a16="http://schemas.microsoft.com/office/drawing/2014/main" xmlns="" id="{F4189FDA-9FE8-490B-8A70-2E941811021F}"/>
                 </a:ext>
               </a:extLst>
             </p:cNvPr>
@@ -6451,7 +6451,7 @@
             <p:cNvPr id="18" name="Group 17">
               <a:extLst>
                 <a:ext uri="{FF2B5EF4-FFF2-40B4-BE49-F238E27FC236}">
-                  <a16:creationId xmlns="" xmlns:a16="http://schemas.microsoft.com/office/drawing/2014/main" id="{FDA3EFCD-0DF8-419D-8533-D781521E597E}"/>
+                  <a16:creationId xmlns:a16="http://schemas.microsoft.com/office/drawing/2014/main" xmlns="" id="{FDA3EFCD-0DF8-419D-8533-D781521E597E}"/>
                 </a:ext>
               </a:extLst>
             </p:cNvPr>
@@ -6474,7 +6474,7 @@
               <p:cNvPr id="21" name="Straight Connector 20">
                 <a:extLst>
                   <a:ext uri="{FF2B5EF4-FFF2-40B4-BE49-F238E27FC236}">
-                    <a16:creationId xmlns="" xmlns:a16="http://schemas.microsoft.com/office/drawing/2014/main" id="{C3CC6A5A-182E-4A09-9C04-EB191881D789}"/>
+                    <a16:creationId xmlns:a16="http://schemas.microsoft.com/office/drawing/2014/main" xmlns="" id="{C3CC6A5A-182E-4A09-9C04-EB191881D789}"/>
                   </a:ext>
                 </a:extLst>
               </p:cNvPr>
@@ -6518,7 +6518,7 @@
               <p:cNvPr id="22" name="Straight Connector 21">
                 <a:extLst>
                   <a:ext uri="{FF2B5EF4-FFF2-40B4-BE49-F238E27FC236}">
-                    <a16:creationId xmlns="" xmlns:a16="http://schemas.microsoft.com/office/drawing/2014/main" id="{440C8953-0555-48CC-8255-78F17E053EE7}"/>
+                    <a16:creationId xmlns:a16="http://schemas.microsoft.com/office/drawing/2014/main" xmlns="" id="{440C8953-0555-48CC-8255-78F17E053EE7}"/>
                   </a:ext>
                 </a:extLst>
               </p:cNvPr>
@@ -6564,7 +6564,7 @@
           <p:cNvPr id="34" name="Straight Connector 33">
             <a:extLst>
               <a:ext uri="{FF2B5EF4-FFF2-40B4-BE49-F238E27FC236}">
-                <a16:creationId xmlns="" xmlns:a16="http://schemas.microsoft.com/office/drawing/2014/main" id="{29B538CA-8CCB-43FB-B5E5-5FC04EBC1F54}"/>
+                <a16:creationId xmlns:a16="http://schemas.microsoft.com/office/drawing/2014/main" xmlns="" id="{29B538CA-8CCB-43FB-B5E5-5FC04EBC1F54}"/>
               </a:ext>
             </a:extLst>
           </p:cNvPr>
@@ -6609,7 +6609,7 @@
     </p:spTree>
     <p:extLst>
       <p:ext uri="{BB962C8B-B14F-4D97-AF65-F5344CB8AC3E}">
-        <p14:creationId xmlns="" xmlns:p14="http://schemas.microsoft.com/office/powerpoint/2010/main" val="743545348"/>
+        <p14:creationId xmlns:p14="http://schemas.microsoft.com/office/powerpoint/2010/main" xmlns="" val="743545348"/>
       </p:ext>
     </p:extLst>
   </p:cSld>
@@ -6617,7 +6617,7 @@
     <a:masterClrMapping/>
   </p:clrMapOvr>
   <mc:AlternateContent xmlns:mc="http://schemas.openxmlformats.org/markup-compatibility/2006">
-    <mc:Choice xmlns="" xmlns:p14="http://schemas.microsoft.com/office/powerpoint/2010/main" Requires="p14">
+    <mc:Choice xmlns:p14="http://schemas.microsoft.com/office/powerpoint/2010/main" xmlns="" Requires="p14">
       <p:transition spd="slow" p14:dur="2000" advClick="0" advTm="5000"/>
     </mc:Choice>
     <mc:Fallback>
@@ -6649,7 +6649,7 @@
           <p:cNvPr id="9" name="Slide Number">
             <a:extLst>
               <a:ext uri="{FF2B5EF4-FFF2-40B4-BE49-F238E27FC236}">
-                <a16:creationId xmlns="" xmlns:a16="http://schemas.microsoft.com/office/drawing/2014/main" id="{1865BF6B-7F07-4E9C-879F-80E36EEB3405}"/>
+                <a16:creationId xmlns:a16="http://schemas.microsoft.com/office/drawing/2014/main" xmlns="" id="{1865BF6B-7F07-4E9C-879F-80E36EEB3405}"/>
               </a:ext>
             </a:extLst>
           </p:cNvPr>
@@ -6691,7 +6691,7 @@
           <p:cNvPr id="12" name="Rectangle Left">
             <a:extLst>
               <a:ext uri="{FF2B5EF4-FFF2-40B4-BE49-F238E27FC236}">
-                <a16:creationId xmlns="" xmlns:a16="http://schemas.microsoft.com/office/drawing/2014/main" id="{345FB1C8-7F66-4D5C-ACCE-AE919936BCFD}"/>
+                <a16:creationId xmlns:a16="http://schemas.microsoft.com/office/drawing/2014/main" xmlns="" id="{345FB1C8-7F66-4D5C-ACCE-AE919936BCFD}"/>
               </a:ext>
             </a:extLst>
           </p:cNvPr>
@@ -6772,7 +6772,7 @@
           <p:cNvPr id="15" name="Slide Body Text">
             <a:extLst>
               <a:ext uri="{FF2B5EF4-FFF2-40B4-BE49-F238E27FC236}">
-                <a16:creationId xmlns="" xmlns:a16="http://schemas.microsoft.com/office/drawing/2014/main" id="{6157C8DE-E0AF-422B-BBB1-F0AF1264B5E9}"/>
+                <a16:creationId xmlns:a16="http://schemas.microsoft.com/office/drawing/2014/main" xmlns="" id="{6157C8DE-E0AF-422B-BBB1-F0AF1264B5E9}"/>
               </a:ext>
             </a:extLst>
           </p:cNvPr>
@@ -6870,7 +6870,7 @@
           <p:cNvPr id="16" name="Logo Software University" descr="Software University logo">
             <a:extLst>
               <a:ext uri="{FF2B5EF4-FFF2-40B4-BE49-F238E27FC236}">
-                <a16:creationId xmlns="" xmlns:a16="http://schemas.microsoft.com/office/drawing/2014/main" id="{EFEBB553-EACE-4B4F-8B4F-7629FDD910A4}"/>
+                <a16:creationId xmlns:a16="http://schemas.microsoft.com/office/drawing/2014/main" xmlns="" id="{EFEBB553-EACE-4B4F-8B4F-7629FDD910A4}"/>
               </a:ext>
             </a:extLst>
           </p:cNvPr>
@@ -6893,7 +6893,7 @@
             </a:clrChange>
             <a:extLst>
               <a:ext uri="{28A0092B-C50C-407E-A947-70E740481C1C}">
-                <a14:useLocalDpi xmlns="" xmlns:a14="http://schemas.microsoft.com/office/drawing/2010/main" val="0"/>
+                <a14:useLocalDpi xmlns:a14="http://schemas.microsoft.com/office/drawing/2010/main" xmlns="" val="0"/>
               </a:ext>
             </a:extLst>
           </a:blip>
@@ -6916,7 +6916,7 @@
           <p:cNvPr id="13" name="Slide Title">
             <a:extLst>
               <a:ext uri="{FF2B5EF4-FFF2-40B4-BE49-F238E27FC236}">
-                <a16:creationId xmlns="" xmlns:a16="http://schemas.microsoft.com/office/drawing/2014/main" id="{0D5CC956-5C4A-44BE-8F8B-327FAFA51E97}"/>
+                <a16:creationId xmlns:a16="http://schemas.microsoft.com/office/drawing/2014/main" xmlns="" id="{0D5CC956-5C4A-44BE-8F8B-327FAFA51E97}"/>
               </a:ext>
             </a:extLst>
           </p:cNvPr>
@@ -6953,7 +6953,7 @@
           <p:cNvPr id="33" name="Group 32">
             <a:extLst>
               <a:ext uri="{FF2B5EF4-FFF2-40B4-BE49-F238E27FC236}">
-                <a16:creationId xmlns="" xmlns:a16="http://schemas.microsoft.com/office/drawing/2014/main" id="{7CF60135-47AA-48F0-96BA-0E795668ABDB}"/>
+                <a16:creationId xmlns:a16="http://schemas.microsoft.com/office/drawing/2014/main" xmlns="" id="{7CF60135-47AA-48F0-96BA-0E795668ABDB}"/>
               </a:ext>
             </a:extLst>
           </p:cNvPr>
@@ -6973,7 +6973,7 @@
             <p:cNvPr id="34" name="Group 33">
               <a:extLst>
                 <a:ext uri="{FF2B5EF4-FFF2-40B4-BE49-F238E27FC236}">
-                  <a16:creationId xmlns="" xmlns:a16="http://schemas.microsoft.com/office/drawing/2014/main" id="{2823380E-3936-41AF-BDF7-DA54D75BBF6B}"/>
+                  <a16:creationId xmlns:a16="http://schemas.microsoft.com/office/drawing/2014/main" xmlns="" id="{2823380E-3936-41AF-BDF7-DA54D75BBF6B}"/>
                 </a:ext>
               </a:extLst>
             </p:cNvPr>
@@ -6993,7 +6993,7 @@
               <p:cNvPr id="47" name="Oval 46">
                 <a:extLst>
                   <a:ext uri="{FF2B5EF4-FFF2-40B4-BE49-F238E27FC236}">
-                    <a16:creationId xmlns="" xmlns:a16="http://schemas.microsoft.com/office/drawing/2014/main" id="{52B047D9-D8DD-45C7-9BC8-6D4F682F5182}"/>
+                    <a16:creationId xmlns:a16="http://schemas.microsoft.com/office/drawing/2014/main" xmlns="" id="{52B047D9-D8DD-45C7-9BC8-6D4F682F5182}"/>
                   </a:ext>
                 </a:extLst>
               </p:cNvPr>
@@ -7045,7 +7045,7 @@
               <p:cNvPr id="48" name="Rectangle 5">
                 <a:extLst>
                   <a:ext uri="{FF2B5EF4-FFF2-40B4-BE49-F238E27FC236}">
-                    <a16:creationId xmlns="" xmlns:a16="http://schemas.microsoft.com/office/drawing/2014/main" id="{4D84FE51-BD8E-47EA-9463-CE02FEA31766}"/>
+                    <a16:creationId xmlns:a16="http://schemas.microsoft.com/office/drawing/2014/main" xmlns="" id="{4D84FE51-BD8E-47EA-9463-CE02FEA31766}"/>
                   </a:ext>
                 </a:extLst>
               </p:cNvPr>
@@ -7190,7 +7190,7 @@
               <p:cNvPr id="49" name="Rectangle 5">
                 <a:extLst>
                   <a:ext uri="{FF2B5EF4-FFF2-40B4-BE49-F238E27FC236}">
-                    <a16:creationId xmlns="" xmlns:a16="http://schemas.microsoft.com/office/drawing/2014/main" id="{F5C8F037-C197-4219-AC87-3A81763512BC}"/>
+                    <a16:creationId xmlns:a16="http://schemas.microsoft.com/office/drawing/2014/main" xmlns="" id="{F5C8F037-C197-4219-AC87-3A81763512BC}"/>
                   </a:ext>
                 </a:extLst>
               </p:cNvPr>
@@ -7335,7 +7335,7 @@
               <p:cNvPr id="50" name="Arc 49">
                 <a:extLst>
                   <a:ext uri="{FF2B5EF4-FFF2-40B4-BE49-F238E27FC236}">
-                    <a16:creationId xmlns="" xmlns:a16="http://schemas.microsoft.com/office/drawing/2014/main" id="{786EE401-CF8E-439B-94A0-EE6F3A7D5798}"/>
+                    <a16:creationId xmlns:a16="http://schemas.microsoft.com/office/drawing/2014/main" xmlns="" id="{786EE401-CF8E-439B-94A0-EE6F3A7D5798}"/>
                   </a:ext>
                 </a:extLst>
               </p:cNvPr>
@@ -7394,7 +7394,7 @@
               <p:cNvPr id="51" name="Arc 50">
                 <a:extLst>
                   <a:ext uri="{FF2B5EF4-FFF2-40B4-BE49-F238E27FC236}">
-                    <a16:creationId xmlns="" xmlns:a16="http://schemas.microsoft.com/office/drawing/2014/main" id="{8D9ACD38-B3EB-4A63-9730-CBF0501BF235}"/>
+                    <a16:creationId xmlns:a16="http://schemas.microsoft.com/office/drawing/2014/main" xmlns="" id="{8D9ACD38-B3EB-4A63-9730-CBF0501BF235}"/>
                   </a:ext>
                 </a:extLst>
               </p:cNvPr>
@@ -7454,7 +7454,7 @@
             <p:cNvPr id="35" name="Rectangle: Rounded Corners 34">
               <a:extLst>
                 <a:ext uri="{FF2B5EF4-FFF2-40B4-BE49-F238E27FC236}">
-                  <a16:creationId xmlns="" xmlns:a16="http://schemas.microsoft.com/office/drawing/2014/main" id="{64EE493E-A353-4C75-A3B9-D48ABA2C57CC}"/>
+                  <a16:creationId xmlns:a16="http://schemas.microsoft.com/office/drawing/2014/main" xmlns="" id="{64EE493E-A353-4C75-A3B9-D48ABA2C57CC}"/>
                 </a:ext>
               </a:extLst>
             </p:cNvPr>
@@ -7508,7 +7508,7 @@
             <p:cNvPr id="36" name="Rectangle: Rounded Corners 35">
               <a:extLst>
                 <a:ext uri="{FF2B5EF4-FFF2-40B4-BE49-F238E27FC236}">
-                  <a16:creationId xmlns="" xmlns:a16="http://schemas.microsoft.com/office/drawing/2014/main" id="{718408B9-204E-42E3-9E79-33E047E869BC}"/>
+                  <a16:creationId xmlns:a16="http://schemas.microsoft.com/office/drawing/2014/main" xmlns="" id="{718408B9-204E-42E3-9E79-33E047E869BC}"/>
                 </a:ext>
               </a:extLst>
             </p:cNvPr>
@@ -7569,7 +7569,7 @@
             <p:cNvPr id="37" name="Straight Connector 36">
               <a:extLst>
                 <a:ext uri="{FF2B5EF4-FFF2-40B4-BE49-F238E27FC236}">
-                  <a16:creationId xmlns="" xmlns:a16="http://schemas.microsoft.com/office/drawing/2014/main" id="{0AB66D97-DF6F-4CD2-AF13-42B5C852F673}"/>
+                  <a16:creationId xmlns:a16="http://schemas.microsoft.com/office/drawing/2014/main" xmlns="" id="{0AB66D97-DF6F-4CD2-AF13-42B5C852F673}"/>
                 </a:ext>
               </a:extLst>
             </p:cNvPr>
@@ -7615,7 +7615,7 @@
             <p:cNvPr id="38" name="Straight Connector 37">
               <a:extLst>
                 <a:ext uri="{FF2B5EF4-FFF2-40B4-BE49-F238E27FC236}">
-                  <a16:creationId xmlns="" xmlns:a16="http://schemas.microsoft.com/office/drawing/2014/main" id="{F2AFBA69-C196-4703-8AAB-5F72A8EDCEB5}"/>
+                  <a16:creationId xmlns:a16="http://schemas.microsoft.com/office/drawing/2014/main" xmlns="" id="{F2AFBA69-C196-4703-8AAB-5F72A8EDCEB5}"/>
                 </a:ext>
               </a:extLst>
             </p:cNvPr>
@@ -7661,7 +7661,7 @@
             <p:cNvPr id="39" name="Group 38">
               <a:extLst>
                 <a:ext uri="{FF2B5EF4-FFF2-40B4-BE49-F238E27FC236}">
-                  <a16:creationId xmlns="" xmlns:a16="http://schemas.microsoft.com/office/drawing/2014/main" id="{9AFC66C1-0C1C-4332-9C4E-782574C896B8}"/>
+                  <a16:creationId xmlns:a16="http://schemas.microsoft.com/office/drawing/2014/main" xmlns="" id="{9AFC66C1-0C1C-4332-9C4E-782574C896B8}"/>
                 </a:ext>
               </a:extLst>
             </p:cNvPr>
@@ -7684,7 +7684,7 @@
               <p:cNvPr id="45" name="Straight Connector 44">
                 <a:extLst>
                   <a:ext uri="{FF2B5EF4-FFF2-40B4-BE49-F238E27FC236}">
-                    <a16:creationId xmlns="" xmlns:a16="http://schemas.microsoft.com/office/drawing/2014/main" id="{872CA8AD-EAF6-40BE-9DDE-ECDB4A980CA5}"/>
+                    <a16:creationId xmlns:a16="http://schemas.microsoft.com/office/drawing/2014/main" xmlns="" id="{872CA8AD-EAF6-40BE-9DDE-ECDB4A980CA5}"/>
                   </a:ext>
                 </a:extLst>
               </p:cNvPr>
@@ -7728,7 +7728,7 @@
               <p:cNvPr id="46" name="Straight Connector 45">
                 <a:extLst>
                   <a:ext uri="{FF2B5EF4-FFF2-40B4-BE49-F238E27FC236}">
-                    <a16:creationId xmlns="" xmlns:a16="http://schemas.microsoft.com/office/drawing/2014/main" id="{57DD3EC7-1A13-4AFE-BD6F-DA12C281FAFB}"/>
+                    <a16:creationId xmlns:a16="http://schemas.microsoft.com/office/drawing/2014/main" xmlns="" id="{57DD3EC7-1A13-4AFE-BD6F-DA12C281FAFB}"/>
                   </a:ext>
                 </a:extLst>
               </p:cNvPr>
@@ -7773,7 +7773,7 @@
             <p:cNvPr id="40" name="Straight Connector 39">
               <a:extLst>
                 <a:ext uri="{FF2B5EF4-FFF2-40B4-BE49-F238E27FC236}">
-                  <a16:creationId xmlns="" xmlns:a16="http://schemas.microsoft.com/office/drawing/2014/main" id="{E46151FA-19E9-4E84-A082-EDAC6F76EA9D}"/>
+                  <a16:creationId xmlns:a16="http://schemas.microsoft.com/office/drawing/2014/main" xmlns="" id="{E46151FA-19E9-4E84-A082-EDAC6F76EA9D}"/>
                 </a:ext>
               </a:extLst>
             </p:cNvPr>
@@ -7819,7 +7819,7 @@
             <p:cNvPr id="41" name="Rectangle: Rounded Corners 40">
               <a:extLst>
                 <a:ext uri="{FF2B5EF4-FFF2-40B4-BE49-F238E27FC236}">
-                  <a16:creationId xmlns="" xmlns:a16="http://schemas.microsoft.com/office/drawing/2014/main" id="{3423EEF0-5B70-4091-B2DA-0740D2609643}"/>
+                  <a16:creationId xmlns:a16="http://schemas.microsoft.com/office/drawing/2014/main" xmlns="" id="{3423EEF0-5B70-4091-B2DA-0740D2609643}"/>
                 </a:ext>
               </a:extLst>
             </p:cNvPr>
@@ -7873,7 +7873,7 @@
             <p:cNvPr id="42" name="Group 41">
               <a:extLst>
                 <a:ext uri="{FF2B5EF4-FFF2-40B4-BE49-F238E27FC236}">
-                  <a16:creationId xmlns="" xmlns:a16="http://schemas.microsoft.com/office/drawing/2014/main" id="{49A8AAA7-98E7-4224-B027-830FFCC285A3}"/>
+                  <a16:creationId xmlns:a16="http://schemas.microsoft.com/office/drawing/2014/main" xmlns="" id="{49A8AAA7-98E7-4224-B027-830FFCC285A3}"/>
                 </a:ext>
               </a:extLst>
             </p:cNvPr>
@@ -7896,7 +7896,7 @@
               <p:cNvPr id="43" name="Straight Connector 42">
                 <a:extLst>
                   <a:ext uri="{FF2B5EF4-FFF2-40B4-BE49-F238E27FC236}">
-                    <a16:creationId xmlns="" xmlns:a16="http://schemas.microsoft.com/office/drawing/2014/main" id="{2129EC38-471E-4685-973E-BA7A7F567C42}"/>
+                    <a16:creationId xmlns:a16="http://schemas.microsoft.com/office/drawing/2014/main" xmlns="" id="{2129EC38-471E-4685-973E-BA7A7F567C42}"/>
                   </a:ext>
                 </a:extLst>
               </p:cNvPr>
@@ -7940,7 +7940,7 @@
               <p:cNvPr id="44" name="Straight Connector 43">
                 <a:extLst>
                   <a:ext uri="{FF2B5EF4-FFF2-40B4-BE49-F238E27FC236}">
-                    <a16:creationId xmlns="" xmlns:a16="http://schemas.microsoft.com/office/drawing/2014/main" id="{678142BE-84C9-4834-B6CC-6623E401661C}"/>
+                    <a16:creationId xmlns:a16="http://schemas.microsoft.com/office/drawing/2014/main" xmlns="" id="{678142BE-84C9-4834-B6CC-6623E401661C}"/>
                   </a:ext>
                 </a:extLst>
               </p:cNvPr>
@@ -7984,7 +7984,7 @@
     </p:spTree>
     <p:extLst>
       <p:ext uri="{BB962C8B-B14F-4D97-AF65-F5344CB8AC3E}">
-        <p14:creationId xmlns="" xmlns:p14="http://schemas.microsoft.com/office/powerpoint/2010/main" val="1679651758"/>
+        <p14:creationId xmlns:p14="http://schemas.microsoft.com/office/powerpoint/2010/main" xmlns="" val="1679651758"/>
       </p:ext>
     </p:extLst>
   </p:cSld>
@@ -7992,7 +7992,7 @@
     <a:masterClrMapping/>
   </p:clrMapOvr>
   <mc:AlternateContent xmlns:mc="http://schemas.openxmlformats.org/markup-compatibility/2006">
-    <mc:Choice xmlns="" xmlns:p14="http://schemas.microsoft.com/office/powerpoint/2010/main" Requires="p14">
+    <mc:Choice xmlns:p14="http://schemas.microsoft.com/office/powerpoint/2010/main" xmlns="" Requires="p14">
       <p:transition spd="slow" p14:dur="2000" advClick="0" advTm="5000"/>
     </mc:Choice>
     <mc:Fallback>
@@ -8024,7 +8024,7 @@
           <p:cNvPr id="5" name="Slide Number">
             <a:extLst>
               <a:ext uri="{FF2B5EF4-FFF2-40B4-BE49-F238E27FC236}">
-                <a16:creationId xmlns="" xmlns:a16="http://schemas.microsoft.com/office/drawing/2014/main" id="{F0B8C963-1813-4B69-AD27-6D02EBBBB569}"/>
+                <a16:creationId xmlns:a16="http://schemas.microsoft.com/office/drawing/2014/main" xmlns="" id="{F0B8C963-1813-4B69-AD27-6D02EBBBB569}"/>
               </a:ext>
             </a:extLst>
           </p:cNvPr>
@@ -8066,7 +8066,7 @@
           <p:cNvPr id="3" name="Rectangle Left">
             <a:extLst>
               <a:ext uri="{FF2B5EF4-FFF2-40B4-BE49-F238E27FC236}">
-                <a16:creationId xmlns="" xmlns:a16="http://schemas.microsoft.com/office/drawing/2014/main" id="{345FB1C8-7F66-4D5C-ACCE-AE919936BCFD}"/>
+                <a16:creationId xmlns:a16="http://schemas.microsoft.com/office/drawing/2014/main" xmlns="" id="{345FB1C8-7F66-4D5C-ACCE-AE919936BCFD}"/>
               </a:ext>
             </a:extLst>
           </p:cNvPr>
@@ -8147,7 +8147,7 @@
           <p:cNvPr id="7" name="Slide Body Text">
             <a:extLst>
               <a:ext uri="{FF2B5EF4-FFF2-40B4-BE49-F238E27FC236}">
-                <a16:creationId xmlns="" xmlns:a16="http://schemas.microsoft.com/office/drawing/2014/main" id="{7296EDA7-D37D-4B31-A888-371F0804124F}"/>
+                <a16:creationId xmlns:a16="http://schemas.microsoft.com/office/drawing/2014/main" xmlns="" id="{7296EDA7-D37D-4B31-A888-371F0804124F}"/>
               </a:ext>
             </a:extLst>
           </p:cNvPr>
@@ -8245,7 +8245,7 @@
           <p:cNvPr id="6" name="Slide Title">
             <a:extLst>
               <a:ext uri="{FF2B5EF4-FFF2-40B4-BE49-F238E27FC236}">
-                <a16:creationId xmlns="" xmlns:a16="http://schemas.microsoft.com/office/drawing/2014/main" id="{55A88B09-3557-48A3-BF27-42699C269215}"/>
+                <a16:creationId xmlns:a16="http://schemas.microsoft.com/office/drawing/2014/main" xmlns="" id="{55A88B09-3557-48A3-BF27-42699C269215}"/>
               </a:ext>
             </a:extLst>
           </p:cNvPr>
@@ -8282,7 +8282,7 @@
           <p:cNvPr id="28" name="Group 27">
             <a:extLst>
               <a:ext uri="{FF2B5EF4-FFF2-40B4-BE49-F238E27FC236}">
-                <a16:creationId xmlns="" xmlns:a16="http://schemas.microsoft.com/office/drawing/2014/main" id="{C4248838-4E67-439E-AE0A-0043D2CB04D6}"/>
+                <a16:creationId xmlns:a16="http://schemas.microsoft.com/office/drawing/2014/main" xmlns="" id="{C4248838-4E67-439E-AE0A-0043D2CB04D6}"/>
               </a:ext>
             </a:extLst>
           </p:cNvPr>
@@ -8302,7 +8302,7 @@
             <p:cNvPr id="29" name="Group 28">
               <a:extLst>
                 <a:ext uri="{FF2B5EF4-FFF2-40B4-BE49-F238E27FC236}">
-                  <a16:creationId xmlns="" xmlns:a16="http://schemas.microsoft.com/office/drawing/2014/main" id="{810CFD6A-2427-49D5-846A-5F93601D4184}"/>
+                  <a16:creationId xmlns:a16="http://schemas.microsoft.com/office/drawing/2014/main" xmlns="" id="{810CFD6A-2427-49D5-846A-5F93601D4184}"/>
                 </a:ext>
               </a:extLst>
             </p:cNvPr>
@@ -8322,7 +8322,7 @@
               <p:cNvPr id="42" name="Oval 41">
                 <a:extLst>
                   <a:ext uri="{FF2B5EF4-FFF2-40B4-BE49-F238E27FC236}">
-                    <a16:creationId xmlns="" xmlns:a16="http://schemas.microsoft.com/office/drawing/2014/main" id="{017B1AE5-5C36-4839-BA1F-B404EA44E701}"/>
+                    <a16:creationId xmlns:a16="http://schemas.microsoft.com/office/drawing/2014/main" xmlns="" id="{017B1AE5-5C36-4839-BA1F-B404EA44E701}"/>
                   </a:ext>
                 </a:extLst>
               </p:cNvPr>
@@ -8374,7 +8374,7 @@
               <p:cNvPr id="43" name="Rectangle 5">
                 <a:extLst>
                   <a:ext uri="{FF2B5EF4-FFF2-40B4-BE49-F238E27FC236}">
-                    <a16:creationId xmlns="" xmlns:a16="http://schemas.microsoft.com/office/drawing/2014/main" id="{FB963D79-BB49-4A1D-BA66-EA0670C79BAE}"/>
+                    <a16:creationId xmlns:a16="http://schemas.microsoft.com/office/drawing/2014/main" xmlns="" id="{FB963D79-BB49-4A1D-BA66-EA0670C79BAE}"/>
                   </a:ext>
                 </a:extLst>
               </p:cNvPr>
@@ -8519,7 +8519,7 @@
               <p:cNvPr id="44" name="Rectangle 5">
                 <a:extLst>
                   <a:ext uri="{FF2B5EF4-FFF2-40B4-BE49-F238E27FC236}">
-                    <a16:creationId xmlns="" xmlns:a16="http://schemas.microsoft.com/office/drawing/2014/main" id="{6D7746D8-B913-493B-AAE9-25BC6893D40E}"/>
+                    <a16:creationId xmlns:a16="http://schemas.microsoft.com/office/drawing/2014/main" xmlns="" id="{6D7746D8-B913-493B-AAE9-25BC6893D40E}"/>
                   </a:ext>
                 </a:extLst>
               </p:cNvPr>
@@ -8664,7 +8664,7 @@
               <p:cNvPr id="45" name="Arc 44">
                 <a:extLst>
                   <a:ext uri="{FF2B5EF4-FFF2-40B4-BE49-F238E27FC236}">
-                    <a16:creationId xmlns="" xmlns:a16="http://schemas.microsoft.com/office/drawing/2014/main" id="{29031C02-E965-417B-8799-96061B14F30D}"/>
+                    <a16:creationId xmlns:a16="http://schemas.microsoft.com/office/drawing/2014/main" xmlns="" id="{29031C02-E965-417B-8799-96061B14F30D}"/>
                   </a:ext>
                 </a:extLst>
               </p:cNvPr>
@@ -8723,7 +8723,7 @@
               <p:cNvPr id="46" name="Arc 45">
                 <a:extLst>
                   <a:ext uri="{FF2B5EF4-FFF2-40B4-BE49-F238E27FC236}">
-                    <a16:creationId xmlns="" xmlns:a16="http://schemas.microsoft.com/office/drawing/2014/main" id="{26BFD8A6-BC99-4B16-BA10-08A9E5C681C0}"/>
+                    <a16:creationId xmlns:a16="http://schemas.microsoft.com/office/drawing/2014/main" xmlns="" id="{26BFD8A6-BC99-4B16-BA10-08A9E5C681C0}"/>
                   </a:ext>
                 </a:extLst>
               </p:cNvPr>
@@ -8783,7 +8783,7 @@
             <p:cNvPr id="30" name="Rectangle: Rounded Corners 29">
               <a:extLst>
                 <a:ext uri="{FF2B5EF4-FFF2-40B4-BE49-F238E27FC236}">
-                  <a16:creationId xmlns="" xmlns:a16="http://schemas.microsoft.com/office/drawing/2014/main" id="{B310277F-A78E-4FB9-9EA9-88BE4F1D585B}"/>
+                  <a16:creationId xmlns:a16="http://schemas.microsoft.com/office/drawing/2014/main" xmlns="" id="{B310277F-A78E-4FB9-9EA9-88BE4F1D585B}"/>
                 </a:ext>
               </a:extLst>
             </p:cNvPr>
@@ -8837,7 +8837,7 @@
             <p:cNvPr id="31" name="Rectangle: Rounded Corners 30">
               <a:extLst>
                 <a:ext uri="{FF2B5EF4-FFF2-40B4-BE49-F238E27FC236}">
-                  <a16:creationId xmlns="" xmlns:a16="http://schemas.microsoft.com/office/drawing/2014/main" id="{A92CF92B-C212-4542-83AE-A0058B5BB5EA}"/>
+                  <a16:creationId xmlns:a16="http://schemas.microsoft.com/office/drawing/2014/main" xmlns="" id="{A92CF92B-C212-4542-83AE-A0058B5BB5EA}"/>
                 </a:ext>
               </a:extLst>
             </p:cNvPr>
@@ -8898,7 +8898,7 @@
             <p:cNvPr id="32" name="Straight Connector 31">
               <a:extLst>
                 <a:ext uri="{FF2B5EF4-FFF2-40B4-BE49-F238E27FC236}">
-                  <a16:creationId xmlns="" xmlns:a16="http://schemas.microsoft.com/office/drawing/2014/main" id="{563B4374-5C0D-461F-B3BD-78D99614D365}"/>
+                  <a16:creationId xmlns:a16="http://schemas.microsoft.com/office/drawing/2014/main" xmlns="" id="{563B4374-5C0D-461F-B3BD-78D99614D365}"/>
                 </a:ext>
               </a:extLst>
             </p:cNvPr>
@@ -8944,7 +8944,7 @@
             <p:cNvPr id="33" name="Straight Connector 32">
               <a:extLst>
                 <a:ext uri="{FF2B5EF4-FFF2-40B4-BE49-F238E27FC236}">
-                  <a16:creationId xmlns="" xmlns:a16="http://schemas.microsoft.com/office/drawing/2014/main" id="{FBC6FDE7-AEA1-4230-8433-4C088A0FF5F9}"/>
+                  <a16:creationId xmlns:a16="http://schemas.microsoft.com/office/drawing/2014/main" xmlns="" id="{FBC6FDE7-AEA1-4230-8433-4C088A0FF5F9}"/>
                 </a:ext>
               </a:extLst>
             </p:cNvPr>
@@ -8990,7 +8990,7 @@
             <p:cNvPr id="34" name="Group 33">
               <a:extLst>
                 <a:ext uri="{FF2B5EF4-FFF2-40B4-BE49-F238E27FC236}">
-                  <a16:creationId xmlns="" xmlns:a16="http://schemas.microsoft.com/office/drawing/2014/main" id="{C4D1021D-07C7-4331-8FF6-36980A30978B}"/>
+                  <a16:creationId xmlns:a16="http://schemas.microsoft.com/office/drawing/2014/main" xmlns="" id="{C4D1021D-07C7-4331-8FF6-36980A30978B}"/>
                 </a:ext>
               </a:extLst>
             </p:cNvPr>
@@ -9013,7 +9013,7 @@
               <p:cNvPr id="40" name="Straight Connector 39">
                 <a:extLst>
                   <a:ext uri="{FF2B5EF4-FFF2-40B4-BE49-F238E27FC236}">
-                    <a16:creationId xmlns="" xmlns:a16="http://schemas.microsoft.com/office/drawing/2014/main" id="{13B7FE99-95CF-45D5-966B-87A979B93431}"/>
+                    <a16:creationId xmlns:a16="http://schemas.microsoft.com/office/drawing/2014/main" xmlns="" id="{13B7FE99-95CF-45D5-966B-87A979B93431}"/>
                   </a:ext>
                 </a:extLst>
               </p:cNvPr>
@@ -9057,7 +9057,7 @@
               <p:cNvPr id="41" name="Straight Connector 40">
                 <a:extLst>
                   <a:ext uri="{FF2B5EF4-FFF2-40B4-BE49-F238E27FC236}">
-                    <a16:creationId xmlns="" xmlns:a16="http://schemas.microsoft.com/office/drawing/2014/main" id="{71BBA69B-19FF-4ADB-A739-AD8136A5F0A6}"/>
+                    <a16:creationId xmlns:a16="http://schemas.microsoft.com/office/drawing/2014/main" xmlns="" id="{71BBA69B-19FF-4ADB-A739-AD8136A5F0A6}"/>
                   </a:ext>
                 </a:extLst>
               </p:cNvPr>
@@ -9102,7 +9102,7 @@
             <p:cNvPr id="35" name="Straight Connector 34">
               <a:extLst>
                 <a:ext uri="{FF2B5EF4-FFF2-40B4-BE49-F238E27FC236}">
-                  <a16:creationId xmlns="" xmlns:a16="http://schemas.microsoft.com/office/drawing/2014/main" id="{BFD1D86B-562B-40B2-8E46-34233EFEE7FC}"/>
+                  <a16:creationId xmlns:a16="http://schemas.microsoft.com/office/drawing/2014/main" xmlns="" id="{BFD1D86B-562B-40B2-8E46-34233EFEE7FC}"/>
                 </a:ext>
               </a:extLst>
             </p:cNvPr>
@@ -9148,7 +9148,7 @@
             <p:cNvPr id="36" name="Rectangle: Rounded Corners 35">
               <a:extLst>
                 <a:ext uri="{FF2B5EF4-FFF2-40B4-BE49-F238E27FC236}">
-                  <a16:creationId xmlns="" xmlns:a16="http://schemas.microsoft.com/office/drawing/2014/main" id="{388C17BD-16A1-43C5-BFFA-2FF9174719E1}"/>
+                  <a16:creationId xmlns:a16="http://schemas.microsoft.com/office/drawing/2014/main" xmlns="" id="{388C17BD-16A1-43C5-BFFA-2FF9174719E1}"/>
                 </a:ext>
               </a:extLst>
             </p:cNvPr>
@@ -9202,7 +9202,7 @@
             <p:cNvPr id="37" name="Group 36">
               <a:extLst>
                 <a:ext uri="{FF2B5EF4-FFF2-40B4-BE49-F238E27FC236}">
-                  <a16:creationId xmlns="" xmlns:a16="http://schemas.microsoft.com/office/drawing/2014/main" id="{1B3B910E-ACFC-4F28-8E28-F02E1588B87E}"/>
+                  <a16:creationId xmlns:a16="http://schemas.microsoft.com/office/drawing/2014/main" xmlns="" id="{1B3B910E-ACFC-4F28-8E28-F02E1588B87E}"/>
                 </a:ext>
               </a:extLst>
             </p:cNvPr>
@@ -9225,7 +9225,7 @@
               <p:cNvPr id="38" name="Straight Connector 37">
                 <a:extLst>
                   <a:ext uri="{FF2B5EF4-FFF2-40B4-BE49-F238E27FC236}">
-                    <a16:creationId xmlns="" xmlns:a16="http://schemas.microsoft.com/office/drawing/2014/main" id="{F57772B6-06C0-4F54-AA94-D3F92DA4716A}"/>
+                    <a16:creationId xmlns:a16="http://schemas.microsoft.com/office/drawing/2014/main" xmlns="" id="{F57772B6-06C0-4F54-AA94-D3F92DA4716A}"/>
                   </a:ext>
                 </a:extLst>
               </p:cNvPr>
@@ -9269,7 +9269,7 @@
               <p:cNvPr id="39" name="Straight Connector 38">
                 <a:extLst>
                   <a:ext uri="{FF2B5EF4-FFF2-40B4-BE49-F238E27FC236}">
-                    <a16:creationId xmlns="" xmlns:a16="http://schemas.microsoft.com/office/drawing/2014/main" id="{23370C1F-7876-4278-AB20-78F6CAA385E2}"/>
+                    <a16:creationId xmlns:a16="http://schemas.microsoft.com/office/drawing/2014/main" xmlns="" id="{23370C1F-7876-4278-AB20-78F6CAA385E2}"/>
                   </a:ext>
                 </a:extLst>
               </p:cNvPr>
@@ -9313,7 +9313,7 @@
     </p:spTree>
     <p:extLst>
       <p:ext uri="{BB962C8B-B14F-4D97-AF65-F5344CB8AC3E}">
-        <p14:creationId xmlns="" xmlns:p14="http://schemas.microsoft.com/office/powerpoint/2010/main" val="3284562556"/>
+        <p14:creationId xmlns:p14="http://schemas.microsoft.com/office/powerpoint/2010/main" xmlns="" val="3284562556"/>
       </p:ext>
     </p:extLst>
   </p:cSld>
@@ -9321,7 +9321,7 @@
     <a:masterClrMapping/>
   </p:clrMapOvr>
   <mc:AlternateContent xmlns:mc="http://schemas.openxmlformats.org/markup-compatibility/2006">
-    <mc:Choice xmlns="" xmlns:p14="http://schemas.microsoft.com/office/powerpoint/2010/main" Requires="p14">
+    <mc:Choice xmlns:p14="http://schemas.microsoft.com/office/powerpoint/2010/main" xmlns="" Requires="p14">
       <p:transition spd="slow" p14:dur="2000" advClick="0" advTm="5000"/>
     </mc:Choice>
     <mc:Fallback>
@@ -9353,7 +9353,7 @@
           <p:cNvPr id="8" name="Slide Number">
             <a:extLst>
               <a:ext uri="{FF2B5EF4-FFF2-40B4-BE49-F238E27FC236}">
-                <a16:creationId xmlns="" xmlns:a16="http://schemas.microsoft.com/office/drawing/2014/main" id="{509D954E-A844-4072-A556-DE584BEB9321}"/>
+                <a16:creationId xmlns:a16="http://schemas.microsoft.com/office/drawing/2014/main" xmlns="" id="{509D954E-A844-4072-A556-DE584BEB9321}"/>
               </a:ext>
             </a:extLst>
           </p:cNvPr>
@@ -9395,7 +9395,7 @@
           <p:cNvPr id="6" name="Code Box">
             <a:extLst>
               <a:ext uri="{FF2B5EF4-FFF2-40B4-BE49-F238E27FC236}">
-                <a16:creationId xmlns="" xmlns:a16="http://schemas.microsoft.com/office/drawing/2014/main" id="{3278A82F-5546-4977-9F75-2A933B415945}"/>
+                <a16:creationId xmlns:a16="http://schemas.microsoft.com/office/drawing/2014/main" xmlns="" id="{3278A82F-5546-4977-9F75-2A933B415945}"/>
               </a:ext>
             </a:extLst>
           </p:cNvPr>
@@ -9482,7 +9482,7 @@
           <p:cNvPr id="21" name="Slide Body Text">
             <a:extLst>
               <a:ext uri="{FF2B5EF4-FFF2-40B4-BE49-F238E27FC236}">
-                <a16:creationId xmlns="" xmlns:a16="http://schemas.microsoft.com/office/drawing/2014/main" id="{04F318BE-2BAD-4677-871C-D78A4BF0CBA6}"/>
+                <a16:creationId xmlns:a16="http://schemas.microsoft.com/office/drawing/2014/main" xmlns="" id="{04F318BE-2BAD-4677-871C-D78A4BF0CBA6}"/>
               </a:ext>
             </a:extLst>
           </p:cNvPr>
@@ -9529,7 +9529,7 @@
           <p:cNvPr id="9" name="Rectangle Top">
             <a:extLst>
               <a:ext uri="{FF2B5EF4-FFF2-40B4-BE49-F238E27FC236}">
-                <a16:creationId xmlns="" xmlns:a16="http://schemas.microsoft.com/office/drawing/2014/main" id="{A15CE03A-0933-4E5D-9EA1-718D4F802FFC}"/>
+                <a16:creationId xmlns:a16="http://schemas.microsoft.com/office/drawing/2014/main" xmlns="" id="{A15CE03A-0933-4E5D-9EA1-718D4F802FFC}"/>
               </a:ext>
             </a:extLst>
           </p:cNvPr>
@@ -9610,7 +9610,7 @@
           <p:cNvPr id="10" name="Logo Software University" descr="Software University logo">
             <a:extLst>
               <a:ext uri="{FF2B5EF4-FFF2-40B4-BE49-F238E27FC236}">
-                <a16:creationId xmlns="" xmlns:a16="http://schemas.microsoft.com/office/drawing/2014/main" id="{8C01D7AF-7CBD-46E1-99F3-8EB60E838D91}"/>
+                <a16:creationId xmlns:a16="http://schemas.microsoft.com/office/drawing/2014/main" xmlns="" id="{8C01D7AF-7CBD-46E1-99F3-8EB60E838D91}"/>
               </a:ext>
             </a:extLst>
           </p:cNvPr>
@@ -9623,7 +9623,7 @@
           <a:blip r:embed="rId2" cstate="print">
             <a:extLst>
               <a:ext uri="{28A0092B-C50C-407E-A947-70E740481C1C}">
-                <a14:useLocalDpi xmlns="" xmlns:a14="http://schemas.microsoft.com/office/drawing/2010/main" val="0"/>
+                <a14:useLocalDpi xmlns:a14="http://schemas.microsoft.com/office/drawing/2010/main" xmlns="" val="0"/>
               </a:ext>
             </a:extLst>
           </a:blip>
@@ -9646,7 +9646,7 @@
           <p:cNvPr id="11" name="Slide Title">
             <a:extLst>
               <a:ext uri="{FF2B5EF4-FFF2-40B4-BE49-F238E27FC236}">
-                <a16:creationId xmlns="" xmlns:a16="http://schemas.microsoft.com/office/drawing/2014/main" id="{47D60833-F0A9-4F29-8C06-A963A7C8BE93}"/>
+                <a16:creationId xmlns:a16="http://schemas.microsoft.com/office/drawing/2014/main" xmlns="" id="{47D60833-F0A9-4F29-8C06-A963A7C8BE93}"/>
               </a:ext>
             </a:extLst>
           </p:cNvPr>
@@ -9685,7 +9685,7 @@
     </p:spTree>
     <p:extLst>
       <p:ext uri="{BB962C8B-B14F-4D97-AF65-F5344CB8AC3E}">
-        <p14:creationId xmlns="" xmlns:p14="http://schemas.microsoft.com/office/powerpoint/2010/main" val="1000829826"/>
+        <p14:creationId xmlns:p14="http://schemas.microsoft.com/office/powerpoint/2010/main" xmlns="" val="1000829826"/>
       </p:ext>
     </p:extLst>
   </p:cSld>
@@ -9693,7 +9693,7 @@
     <a:masterClrMapping/>
   </p:clrMapOvr>
   <mc:AlternateContent xmlns:mc="http://schemas.openxmlformats.org/markup-compatibility/2006">
-    <mc:Choice xmlns="" xmlns:p14="http://schemas.microsoft.com/office/powerpoint/2010/main" Requires="p14">
+    <mc:Choice xmlns:p14="http://schemas.microsoft.com/office/powerpoint/2010/main" xmlns="" Requires="p14">
       <p:transition spd="slow" p14:dur="2000" advClick="0" advTm="5000"/>
     </mc:Choice>
     <mc:Fallback>
@@ -9725,7 +9725,7 @@
           <p:cNvPr id="10" name="Slide Number">
             <a:extLst>
               <a:ext uri="{FF2B5EF4-FFF2-40B4-BE49-F238E27FC236}">
-                <a16:creationId xmlns="" xmlns:a16="http://schemas.microsoft.com/office/drawing/2014/main" id="{39DDE17E-5472-41F3-AF5F-54DFF10DC63C}"/>
+                <a16:creationId xmlns:a16="http://schemas.microsoft.com/office/drawing/2014/main" xmlns="" id="{39DDE17E-5472-41F3-AF5F-54DFF10DC63C}"/>
               </a:ext>
             </a:extLst>
           </p:cNvPr>
@@ -9767,7 +9767,7 @@
           <p:cNvPr id="9" name="Picture SoftUni Mascot" descr="SoftUni mascot with laptop">
             <a:extLst>
               <a:ext uri="{FF2B5EF4-FFF2-40B4-BE49-F238E27FC236}">
-                <a16:creationId xmlns="" xmlns:a16="http://schemas.microsoft.com/office/drawing/2014/main" id="{DC4365F6-D2C1-47B4-8477-38FD2C7711AA}"/>
+                <a16:creationId xmlns:a16="http://schemas.microsoft.com/office/drawing/2014/main" xmlns="" id="{DC4365F6-D2C1-47B4-8477-38FD2C7711AA}"/>
               </a:ext>
             </a:extLst>
           </p:cNvPr>
@@ -9780,7 +9780,7 @@
           <a:blip r:embed="rId2" cstate="print">
             <a:extLst>
               <a:ext uri="{28A0092B-C50C-407E-A947-70E740481C1C}">
-                <a14:useLocalDpi xmlns="" xmlns:a14="http://schemas.microsoft.com/office/drawing/2010/main" val="0"/>
+                <a14:useLocalDpi xmlns:a14="http://schemas.microsoft.com/office/drawing/2010/main" xmlns="" val="0"/>
               </a:ext>
             </a:extLst>
           </a:blip>
@@ -9803,7 +9803,7 @@
           <p:cNvPr id="23" name="Slide Body Text">
             <a:extLst>
               <a:ext uri="{FF2B5EF4-FFF2-40B4-BE49-F238E27FC236}">
-                <a16:creationId xmlns="" xmlns:a16="http://schemas.microsoft.com/office/drawing/2014/main" id="{889D93F4-ABFA-46BF-8E5D-FE6562ACB20F}"/>
+                <a16:creationId xmlns:a16="http://schemas.microsoft.com/office/drawing/2014/main" xmlns="" id="{889D93F4-ABFA-46BF-8E5D-FE6562ACB20F}"/>
               </a:ext>
             </a:extLst>
           </p:cNvPr>
@@ -9894,7 +9894,7 @@
           <p:cNvPr id="8" name="Rectangle Top">
             <a:extLst>
               <a:ext uri="{FF2B5EF4-FFF2-40B4-BE49-F238E27FC236}">
-                <a16:creationId xmlns="" xmlns:a16="http://schemas.microsoft.com/office/drawing/2014/main" id="{930E0800-9260-4369-8330-8264DD33C5CE}"/>
+                <a16:creationId xmlns:a16="http://schemas.microsoft.com/office/drawing/2014/main" xmlns="" id="{930E0800-9260-4369-8330-8264DD33C5CE}"/>
               </a:ext>
             </a:extLst>
           </p:cNvPr>
@@ -9975,7 +9975,7 @@
           <p:cNvPr id="11" name="Logo Software University" descr="Software University logo">
             <a:extLst>
               <a:ext uri="{FF2B5EF4-FFF2-40B4-BE49-F238E27FC236}">
-                <a16:creationId xmlns="" xmlns:a16="http://schemas.microsoft.com/office/drawing/2014/main" id="{14F779A7-4A91-448B-BEFA-956C70A1C22F}"/>
+                <a16:creationId xmlns:a16="http://schemas.microsoft.com/office/drawing/2014/main" xmlns="" id="{14F779A7-4A91-448B-BEFA-956C70A1C22F}"/>
               </a:ext>
             </a:extLst>
           </p:cNvPr>
@@ -9988,7 +9988,7 @@
           <a:blip r:embed="rId3" cstate="print">
             <a:extLst>
               <a:ext uri="{28A0092B-C50C-407E-A947-70E740481C1C}">
-                <a14:useLocalDpi xmlns="" xmlns:a14="http://schemas.microsoft.com/office/drawing/2010/main" val="0"/>
+                <a14:useLocalDpi xmlns:a14="http://schemas.microsoft.com/office/drawing/2010/main" xmlns="" val="0"/>
               </a:ext>
             </a:extLst>
           </a:blip>
@@ -10011,7 +10011,7 @@
           <p:cNvPr id="13" name="Slide Title">
             <a:extLst>
               <a:ext uri="{FF2B5EF4-FFF2-40B4-BE49-F238E27FC236}">
-                <a16:creationId xmlns="" xmlns:a16="http://schemas.microsoft.com/office/drawing/2014/main" id="{357D7BE1-6358-42CC-94F3-7BCDD91DCB6D}"/>
+                <a16:creationId xmlns:a16="http://schemas.microsoft.com/office/drawing/2014/main" xmlns="" id="{357D7BE1-6358-42CC-94F3-7BCDD91DCB6D}"/>
               </a:ext>
             </a:extLst>
           </p:cNvPr>
@@ -10050,7 +10050,7 @@
     </p:spTree>
     <p:extLst>
       <p:ext uri="{BB962C8B-B14F-4D97-AF65-F5344CB8AC3E}">
-        <p14:creationId xmlns="" xmlns:p14="http://schemas.microsoft.com/office/powerpoint/2010/main" val="1028724482"/>
+        <p14:creationId xmlns:p14="http://schemas.microsoft.com/office/powerpoint/2010/main" xmlns="" val="1028724482"/>
       </p:ext>
     </p:extLst>
   </p:cSld>
@@ -10058,7 +10058,7 @@
     <a:masterClrMapping/>
   </p:clrMapOvr>
   <mc:AlternateContent xmlns:mc="http://schemas.openxmlformats.org/markup-compatibility/2006">
-    <mc:Choice xmlns="" xmlns:p14="http://schemas.microsoft.com/office/powerpoint/2010/main" Requires="p14">
+    <mc:Choice xmlns:p14="http://schemas.microsoft.com/office/powerpoint/2010/main" xmlns="" Requires="p14">
       <p:transition spd="slow" p14:dur="2000" advClick="0" advTm="5000"/>
     </mc:Choice>
     <mc:Fallback>
@@ -10170,7 +10170,7 @@
           <p:cNvPr id="11" name="Slide Number">
             <a:extLst>
               <a:ext uri="{FF2B5EF4-FFF2-40B4-BE49-F238E27FC236}">
-                <a16:creationId xmlns="" xmlns:a16="http://schemas.microsoft.com/office/drawing/2014/main" id="{6750ECE4-94E0-469B-B8E4-562792823B0F}"/>
+                <a16:creationId xmlns:a16="http://schemas.microsoft.com/office/drawing/2014/main" xmlns="" id="{6750ECE4-94E0-469B-B8E4-562792823B0F}"/>
               </a:ext>
             </a:extLst>
           </p:cNvPr>
@@ -10293,7 +10293,7 @@
           <p:cNvPr id="12" name="Logo Software University Down" descr="Software University logo">
             <a:extLst>
               <a:ext uri="{FF2B5EF4-FFF2-40B4-BE49-F238E27FC236}">
-                <a16:creationId xmlns="" xmlns:a16="http://schemas.microsoft.com/office/drawing/2014/main" id="{7028D2F0-1E67-414B-A93D-D3F8F131A132}"/>
+                <a16:creationId xmlns:a16="http://schemas.microsoft.com/office/drawing/2014/main" xmlns="" id="{7028D2F0-1E67-414B-A93D-D3F8F131A132}"/>
               </a:ext>
             </a:extLst>
           </p:cNvPr>
@@ -10306,7 +10306,7 @@
           <a:blip r:embed="rId2" cstate="print">
             <a:extLst>
               <a:ext uri="{28A0092B-C50C-407E-A947-70E740481C1C}">
-                <a14:useLocalDpi xmlns="" xmlns:a14="http://schemas.microsoft.com/office/drawing/2010/main" val="0"/>
+                <a14:useLocalDpi xmlns:a14="http://schemas.microsoft.com/office/drawing/2010/main" xmlns="" val="0"/>
               </a:ext>
             </a:extLst>
           </a:blip>
@@ -10329,7 +10329,7 @@
           <p:cNvPr id="10" name="Text Placeholder Right">
             <a:extLst>
               <a:ext uri="{FF2B5EF4-FFF2-40B4-BE49-F238E27FC236}">
-                <a16:creationId xmlns="" xmlns:a16="http://schemas.microsoft.com/office/drawing/2014/main" id="{AF69A59F-C564-4A04-B1CC-31C261499991}"/>
+                <a16:creationId xmlns:a16="http://schemas.microsoft.com/office/drawing/2014/main" xmlns="" id="{AF69A59F-C564-4A04-B1CC-31C261499991}"/>
               </a:ext>
             </a:extLst>
           </p:cNvPr>
@@ -10407,7 +10407,7 @@
           <p:cNvPr id="9" name="Text Placeholder Left">
             <a:extLst>
               <a:ext uri="{FF2B5EF4-FFF2-40B4-BE49-F238E27FC236}">
-                <a16:creationId xmlns="" xmlns:a16="http://schemas.microsoft.com/office/drawing/2014/main" id="{C8A626D2-456B-41EF-9818-EA8DD7E314DA}"/>
+                <a16:creationId xmlns:a16="http://schemas.microsoft.com/office/drawing/2014/main" xmlns="" id="{C8A626D2-456B-41EF-9818-EA8DD7E314DA}"/>
               </a:ext>
             </a:extLst>
           </p:cNvPr>
@@ -10485,7 +10485,7 @@
           <p:cNvPr id="13" name="Rectangle Top">
             <a:extLst>
               <a:ext uri="{FF2B5EF4-FFF2-40B4-BE49-F238E27FC236}">
-                <a16:creationId xmlns="" xmlns:a16="http://schemas.microsoft.com/office/drawing/2014/main" id="{E03301DA-D0AF-46FD-8740-2F761250203A}"/>
+                <a16:creationId xmlns:a16="http://schemas.microsoft.com/office/drawing/2014/main" xmlns="" id="{E03301DA-D0AF-46FD-8740-2F761250203A}"/>
               </a:ext>
             </a:extLst>
           </p:cNvPr>
@@ -10566,7 +10566,7 @@
           <p:cNvPr id="14" name="Logo Software University" descr="Software University logo">
             <a:extLst>
               <a:ext uri="{FF2B5EF4-FFF2-40B4-BE49-F238E27FC236}">
-                <a16:creationId xmlns="" xmlns:a16="http://schemas.microsoft.com/office/drawing/2014/main" id="{19A67BB9-D880-4EAD-B90E-89C4219BFC0B}"/>
+                <a16:creationId xmlns:a16="http://schemas.microsoft.com/office/drawing/2014/main" xmlns="" id="{19A67BB9-D880-4EAD-B90E-89C4219BFC0B}"/>
               </a:ext>
             </a:extLst>
           </p:cNvPr>
@@ -10579,7 +10579,7 @@
           <a:blip r:embed="rId3" cstate="print">
             <a:extLst>
               <a:ext uri="{28A0092B-C50C-407E-A947-70E740481C1C}">
-                <a14:useLocalDpi xmlns="" xmlns:a14="http://schemas.microsoft.com/office/drawing/2010/main" val="0"/>
+                <a14:useLocalDpi xmlns:a14="http://schemas.microsoft.com/office/drawing/2010/main" xmlns="" val="0"/>
               </a:ext>
             </a:extLst>
           </a:blip>
@@ -10602,7 +10602,7 @@
           <p:cNvPr id="15" name="Slide Title">
             <a:extLst>
               <a:ext uri="{FF2B5EF4-FFF2-40B4-BE49-F238E27FC236}">
-                <a16:creationId xmlns="" xmlns:a16="http://schemas.microsoft.com/office/drawing/2014/main" id="{EA9A94D1-F9F6-4D7B-85E3-896A987B6A4D}"/>
+                <a16:creationId xmlns:a16="http://schemas.microsoft.com/office/drawing/2014/main" xmlns="" id="{EA9A94D1-F9F6-4D7B-85E3-896A987B6A4D}"/>
               </a:ext>
             </a:extLst>
           </p:cNvPr>
@@ -10641,7 +10641,7 @@
     </p:spTree>
     <p:extLst>
       <p:ext uri="{BB962C8B-B14F-4D97-AF65-F5344CB8AC3E}">
-        <p14:creationId xmlns="" xmlns:p14="http://schemas.microsoft.com/office/powerpoint/2010/main" val="3044033461"/>
+        <p14:creationId xmlns:p14="http://schemas.microsoft.com/office/powerpoint/2010/main" xmlns="" val="3044033461"/>
       </p:ext>
     </p:extLst>
   </p:cSld>
@@ -10649,7 +10649,7 @@
     <a:masterClrMapping/>
   </p:clrMapOvr>
   <mc:AlternateContent xmlns:mc="http://schemas.openxmlformats.org/markup-compatibility/2006">
-    <mc:Choice xmlns="" xmlns:p14="http://schemas.microsoft.com/office/powerpoint/2010/main" Requires="p14">
+    <mc:Choice xmlns:p14="http://schemas.microsoft.com/office/powerpoint/2010/main" xmlns="" Requires="p14">
       <p:transition spd="slow" p14:dur="2000" advClick="0" advTm="5000"/>
     </mc:Choice>
     <mc:Fallback>
@@ -10658,7 +10658,7 @@
   </mc:AlternateContent>
   <p:extLst>
     <p:ext uri="{DCECCB84-F9BA-43D5-87BE-67443E8EF086}">
-      <p15:sldGuideLst xmlns="" xmlns:p15="http://schemas.microsoft.com/office/powerpoint/2012/main">
+      <p15:sldGuideLst xmlns:p15="http://schemas.microsoft.com/office/powerpoint/2012/main" xmlns="">
         <p15:guide id="1" orient="horz" pos="2160">
           <p15:clr>
             <a:srgbClr val="FBAE40"/>
@@ -10705,7 +10705,7 @@
           <p:cNvPr id="4" name="Picture Background" descr="SoftUni Background">
             <a:extLst>
               <a:ext uri="{FF2B5EF4-FFF2-40B4-BE49-F238E27FC236}">
-                <a16:creationId xmlns="" xmlns:a16="http://schemas.microsoft.com/office/drawing/2014/main" id="{5BE90A63-DDD9-4B3B-A234-DF69B9BC812F}"/>
+                <a16:creationId xmlns:a16="http://schemas.microsoft.com/office/drawing/2014/main" xmlns="" id="{5BE90A63-DDD9-4B3B-A234-DF69B9BC812F}"/>
               </a:ext>
             </a:extLst>
           </p:cNvPr>
@@ -10734,7 +10734,7 @@
           <p:cNvPr id="11" name="Slide Body Text">
             <a:extLst>
               <a:ext uri="{FF2B5EF4-FFF2-40B4-BE49-F238E27FC236}">
-                <a16:creationId xmlns="" xmlns:a16="http://schemas.microsoft.com/office/drawing/2014/main" id="{90CBFB32-9F46-4F2F-8A54-9EE8BED27855}"/>
+                <a16:creationId xmlns:a16="http://schemas.microsoft.com/office/drawing/2014/main" xmlns="" id="{90CBFB32-9F46-4F2F-8A54-9EE8BED27855}"/>
               </a:ext>
             </a:extLst>
           </p:cNvPr>
@@ -10802,7 +10802,7 @@
           <p:cNvPr id="10" name="Slide Title">
             <a:extLst>
               <a:ext uri="{FF2B5EF4-FFF2-40B4-BE49-F238E27FC236}">
-                <a16:creationId xmlns="" xmlns:a16="http://schemas.microsoft.com/office/drawing/2014/main" id="{B770C392-3003-4C35-9625-BB041F8257BA}"/>
+                <a16:creationId xmlns:a16="http://schemas.microsoft.com/office/drawing/2014/main" xmlns="" id="{B770C392-3003-4C35-9625-BB041F8257BA}"/>
               </a:ext>
             </a:extLst>
           </p:cNvPr>
@@ -10839,7 +10839,7 @@
     </p:spTree>
     <p:extLst>
       <p:ext uri="{BB962C8B-B14F-4D97-AF65-F5344CB8AC3E}">
-        <p14:creationId xmlns="" xmlns:p14="http://schemas.microsoft.com/office/powerpoint/2010/main" val="156789181"/>
+        <p14:creationId xmlns:p14="http://schemas.microsoft.com/office/powerpoint/2010/main" xmlns="" val="156789181"/>
       </p:ext>
     </p:extLst>
   </p:cSld>
@@ -10859,7 +10859,7 @@
     <p:sldLayoutId id="2147483687" r:id="rId12"/>
   </p:sldLayoutIdLst>
   <mc:AlternateContent xmlns:mc="http://schemas.openxmlformats.org/markup-compatibility/2006">
-    <mc:Choice xmlns="" xmlns:p14="http://schemas.microsoft.com/office/powerpoint/2010/main" Requires="p14">
+    <mc:Choice xmlns:p14="http://schemas.microsoft.com/office/powerpoint/2010/main" xmlns="" Requires="p14">
       <p:transition spd="slow" p14:dur="2000" advClick="0" advTm="5000"/>
     </mc:Choice>
     <mc:Fallback>
@@ -11149,7 +11149,7 @@
   </p:txStyles>
   <p:extLst>
     <p:ext uri="{27BBF7A9-308A-43DC-89C8-2F10F3537804}">
-      <p15:sldGuideLst xmlns="" xmlns:p15="http://schemas.microsoft.com/office/powerpoint/2012/main">
+      <p15:sldGuideLst xmlns:p15="http://schemas.microsoft.com/office/powerpoint/2012/main" xmlns="">
         <p15:guide id="1" orient="horz" pos="2160">
           <p15:clr>
             <a:srgbClr val="F26B43"/>
@@ -11366,7 +11366,7 @@
           <p:cNvPr id="12290" name="Picture 2" descr="Ð ÐµÐ·ÑÐ»ÑÐ°Ñ Ñ Ð¸Ð·Ð¾Ð±ÑÐ°Ð¶ÐµÐ½Ð¸Ðµ Ð·Ð° database png">
             <a:extLst>
               <a:ext uri="{FF2B5EF4-FFF2-40B4-BE49-F238E27FC236}">
-                <a16:creationId xmlns="" xmlns:a16="http://schemas.microsoft.com/office/drawing/2014/main" id="{52FF2604-C568-4D2F-97DB-BF2345736281}"/>
+                <a16:creationId xmlns:a16="http://schemas.microsoft.com/office/drawing/2014/main" xmlns="" id="{52FF2604-C568-4D2F-97DB-BF2345736281}"/>
               </a:ext>
             </a:extLst>
           </p:cNvPr>
@@ -11379,7 +11379,7 @@
           <a:blip r:embed="rId4" cstate="print">
             <a:extLst>
               <a:ext uri="{28A0092B-C50C-407E-A947-70E740481C1C}">
-                <a14:useLocalDpi xmlns="" xmlns:a14="http://schemas.microsoft.com/office/drawing/2010/main" val="0"/>
+                <a14:useLocalDpi xmlns:a14="http://schemas.microsoft.com/office/drawing/2010/main" xmlns="" val="0"/>
               </a:ext>
             </a:extLst>
           </a:blip>
@@ -11399,7 +11399,7 @@
           <a:noFill/>
           <a:extLst>
             <a:ext uri="{909E8E84-426E-40DD-AFC4-6F175D3DCCD1}">
-              <a14:hiddenFill xmlns="" xmlns:a14="http://schemas.microsoft.com/office/drawing/2010/main">
+              <a14:hiddenFill xmlns:a14="http://schemas.microsoft.com/office/drawing/2010/main" xmlns="">
                 <a:solidFill>
                   <a:srgbClr val="FFFFFF"/>
                 </a:solidFill>
@@ -11411,7 +11411,7 @@
     </p:spTree>
     <p:extLst>
       <p:ext uri="{BB962C8B-B14F-4D97-AF65-F5344CB8AC3E}">
-        <p14:creationId xmlns="" xmlns:p14="http://schemas.microsoft.com/office/powerpoint/2010/main" val="1251141439"/>
+        <p14:creationId xmlns:p14="http://schemas.microsoft.com/office/powerpoint/2010/main" xmlns="" val="1251141439"/>
       </p:ext>
     </p:extLst>
   </p:cSld>
@@ -11419,7 +11419,7 @@
     <a:masterClrMapping/>
   </p:clrMapOvr>
   <mc:AlternateContent xmlns:mc="http://schemas.openxmlformats.org/markup-compatibility/2006">
-    <mc:Choice xmlns="" xmlns:p14="http://schemas.microsoft.com/office/powerpoint/2010/main" Requires="p14">
+    <mc:Choice xmlns:p14="http://schemas.microsoft.com/office/powerpoint/2010/main" xmlns="" Requires="p14">
       <p:transition spd="slow" p14:dur="2000" advClick="0" advTm="5000"/>
     </mc:Choice>
     <mc:Fallback>
@@ -11458,7 +11458,7 @@
           <p:cNvPr id="2" name="Title 1">
             <a:extLst>
               <a:ext uri="{FF2B5EF4-FFF2-40B4-BE49-F238E27FC236}">
-                <a16:creationId xmlns:a16="http://schemas.microsoft.com/office/drawing/2014/main" xmlns="" id="{FCE72A34-2A9A-4728-A3C2-A0DBD846C488}"/>
+                <a16:creationId xmlns="" xmlns:a16="http://schemas.microsoft.com/office/drawing/2014/main" id="{FCE72A34-2A9A-4728-A3C2-A0DBD846C488}"/>
               </a:ext>
             </a:extLst>
           </p:cNvPr>
@@ -11484,11 +11484,7 @@
             </a:r>
             <a:r>
               <a:rPr lang="bg-BG" dirty="0" smtClean="0"/>
-              <a:t>Променете </a:t>
-            </a:r>
-            <a:r>
-              <a:rPr lang="bg-BG" dirty="0" smtClean="0"/>
-              <a:t>проектите</a:t>
+              <a:t>Променете проектите</a:t>
             </a:r>
             <a:endParaRPr lang="en-US" dirty="0"/>
           </a:p>
@@ -11499,7 +11495,7 @@
           <p:cNvPr id="5" name="Text Placeholder 4">
             <a:extLst>
               <a:ext uri="{FF2B5EF4-FFF2-40B4-BE49-F238E27FC236}">
-                <a16:creationId xmlns:a16="http://schemas.microsoft.com/office/drawing/2014/main" xmlns="" id="{FBED5352-2A36-4F28-AB8D-6335517E5493}"/>
+                <a16:creationId xmlns="" xmlns:a16="http://schemas.microsoft.com/office/drawing/2014/main" id="{FBED5352-2A36-4F28-AB8D-6335517E5493}"/>
               </a:ext>
             </a:extLst>
           </p:cNvPr>
@@ -11701,7 +11697,7 @@
           <p:cNvPr id="6" name="AutoShape 5">
             <a:extLst>
               <a:ext uri="{FF2B5EF4-FFF2-40B4-BE49-F238E27FC236}">
-                <a16:creationId xmlns:a16="http://schemas.microsoft.com/office/drawing/2014/main" xmlns="" id="{F571EDF2-BA8D-4C84-8360-12467530B87E}"/>
+                <a16:creationId xmlns="" xmlns:a16="http://schemas.microsoft.com/office/drawing/2014/main" id="{F571EDF2-BA8D-4C84-8360-12467530B87E}"/>
               </a:ext>
             </a:extLst>
           </p:cNvPr>
@@ -11818,7 +11814,7 @@
           <p:cNvPr id="8" name="Slide Number">
             <a:extLst>
               <a:ext uri="{FF2B5EF4-FFF2-40B4-BE49-F238E27FC236}">
-                <a16:creationId xmlns:a16="http://schemas.microsoft.com/office/drawing/2014/main" xmlns="" id="{68979BB0-4428-47FF-AE88-59091E6A9FB2}"/>
+                <a16:creationId xmlns="" xmlns:a16="http://schemas.microsoft.com/office/drawing/2014/main" id="{68979BB0-4428-47FF-AE88-59091E6A9FB2}"/>
               </a:ext>
             </a:extLst>
           </p:cNvPr>
@@ -11946,7 +11942,7 @@
     </p:spTree>
     <p:extLst>
       <p:ext uri="{BB962C8B-B14F-4D97-AF65-F5344CB8AC3E}">
-        <p14:creationId xmlns:p14="http://schemas.microsoft.com/office/powerpoint/2010/main" xmlns="" val="4066273039"/>
+        <p14:creationId xmlns="" xmlns:p14="http://schemas.microsoft.com/office/powerpoint/2010/main" val="4066273039"/>
       </p:ext>
     </p:extLst>
   </p:cSld>
@@ -11954,7 +11950,7 @@
     <a:masterClrMapping/>
   </p:clrMapOvr>
   <mc:AlternateContent xmlns:mc="http://schemas.openxmlformats.org/markup-compatibility/2006">
-    <mc:Choice xmlns:p14="http://schemas.microsoft.com/office/powerpoint/2010/main" xmlns="" Requires="p14">
+    <mc:Choice xmlns="" xmlns:p14="http://schemas.microsoft.com/office/powerpoint/2010/main" Requires="p14">
       <p:transition spd="slow" p14:dur="2000" advClick="0" advTm="5000"/>
     </mc:Choice>
     <mc:Fallback>
@@ -12137,7 +12133,7 @@
     <a:masterClrMapping/>
   </p:clrMapOvr>
   <mc:AlternateContent xmlns:mc="http://schemas.openxmlformats.org/markup-compatibility/2006">
-    <mc:Choice xmlns="" xmlns:p14="http://schemas.microsoft.com/office/powerpoint/2010/main" Requires="p14">
+    <mc:Choice xmlns:p14="http://schemas.microsoft.com/office/powerpoint/2010/main" xmlns="" Requires="p14">
       <p:transition spd="slow" p14:dur="2000" advClick="0" advTm="5000"/>
     </mc:Choice>
     <mc:Fallback>
@@ -12293,7 +12289,7 @@
           <p:cNvPr id="6" name="Text Placeholder 4">
             <a:extLst>
               <a:ext uri="{FF2B5EF4-FFF2-40B4-BE49-F238E27FC236}">
-                <a16:creationId xmlns:a16="http://schemas.microsoft.com/office/drawing/2014/main" xmlns="" id="{FBED5352-2A36-4F28-AB8D-6335517E5493}"/>
+                <a16:creationId xmlns="" xmlns:a16="http://schemas.microsoft.com/office/drawing/2014/main" id="{FBED5352-2A36-4F28-AB8D-6335517E5493}"/>
               </a:ext>
             </a:extLst>
           </p:cNvPr>
@@ -12700,7 +12696,7 @@
     <a:masterClrMapping/>
   </p:clrMapOvr>
   <mc:AlternateContent xmlns:mc="http://schemas.openxmlformats.org/markup-compatibility/2006">
-    <mc:Choice xmlns="" xmlns:p14="http://schemas.microsoft.com/office/powerpoint/2010/main" Requires="p14">
+    <mc:Choice xmlns:p14="http://schemas.microsoft.com/office/powerpoint/2010/main" xmlns="" Requires="p14">
       <p:transition spd="slow" p14:dur="2000" advClick="0" advTm="5000"/>
     </mc:Choice>
     <mc:Fallback>
@@ -12965,11 +12961,7 @@
             </a:pPr>
             <a:r>
               <a:rPr lang="bg-BG" dirty="0" smtClean="0"/>
-              <a:t>Не </a:t>
-            </a:r>
-            <a:r>
-              <a:rPr lang="bg-BG" dirty="0" smtClean="0"/>
-              <a:t>забравяйте</a:t>
+              <a:t>Не забравяйте</a:t>
             </a:r>
             <a:r>
               <a:rPr lang="en-US" dirty="0" smtClean="0"/>
@@ -13056,11 +13048,7 @@
           <a:p>
             <a:r>
               <a:rPr lang="bg-BG" dirty="0" smtClean="0"/>
-              <a:t>Изтриване на </a:t>
-            </a:r>
-            <a:r>
-              <a:rPr lang="bg-BG" dirty="0" smtClean="0"/>
-              <a:t>данни</a:t>
+              <a:t>Изтриване на данни</a:t>
             </a:r>
             <a:endParaRPr lang="bg-BG" dirty="0"/>
           </a:p>
@@ -13170,17 +13158,7 @@
                 <a:latin typeface="Consolas" pitchFamily="49" charset="0"/>
                 <a:cs typeface="Consolas" pitchFamily="49" charset="0"/>
               </a:rPr>
-              <a:t> </a:t>
-            </a:r>
-            <a:r>
-              <a:rPr lang="bg-BG" sz="3200" b="1" noProof="1" smtClean="0">
-                <a:solidFill>
-                  <a:schemeClr val="bg1"/>
-                </a:solidFill>
-                <a:latin typeface="Consolas" pitchFamily="49" charset="0"/>
-                <a:cs typeface="Consolas" pitchFamily="49" charset="0"/>
-              </a:rPr>
-              <a:t>     </a:t>
+              <a:t>      </a:t>
             </a:r>
             <a:r>
               <a:rPr lang="en-US" sz="3200" b="1" noProof="1" smtClean="0">
@@ -13395,7 +13373,7 @@
           <a:blip r:embed="rId2" cstate="print">
             <a:extLst>
               <a:ext uri="{28A0092B-C50C-407E-A947-70E740481C1C}">
-                <a14:useLocalDpi xmlns:a14="http://schemas.microsoft.com/office/drawing/2010/main" xmlns="" val="0"/>
+                <a14:useLocalDpi xmlns="" xmlns:a14="http://schemas.microsoft.com/office/drawing/2010/main" val="0"/>
               </a:ext>
             </a:extLst>
           </a:blip>
@@ -13418,7 +13396,7 @@
           <p:cNvPr id="10" name="Slide Number">
             <a:extLst>
               <a:ext uri="{FF2B5EF4-FFF2-40B4-BE49-F238E27FC236}">
-                <a16:creationId xmlns:a16="http://schemas.microsoft.com/office/drawing/2014/main" xmlns="" id="{A8070826-6392-4D3E-B348-E04A0EFFF26F}"/>
+                <a16:creationId xmlns="" xmlns:a16="http://schemas.microsoft.com/office/drawing/2014/main" id="{A8070826-6392-4D3E-B348-E04A0EFFF26F}"/>
               </a:ext>
             </a:extLst>
           </p:cNvPr>
@@ -13546,7 +13524,7 @@
     </p:spTree>
     <p:extLst>
       <p:ext uri="{BB962C8B-B14F-4D97-AF65-F5344CB8AC3E}">
-        <p14:creationId xmlns:p14="http://schemas.microsoft.com/office/powerpoint/2010/main" xmlns="" val="2406898082"/>
+        <p14:creationId xmlns="" xmlns:p14="http://schemas.microsoft.com/office/powerpoint/2010/main" val="2406898082"/>
       </p:ext>
     </p:extLst>
   </p:cSld>
@@ -13874,7 +13852,7 @@
               </a:buClr>
             </a:pPr>
             <a:r>
-              <a:rPr lang="bg-BG" sz="3400" b="1" dirty="0" smtClean="0">
+              <a:rPr lang="bg-BG" sz="3500" b="1" dirty="0" smtClean="0">
                 <a:solidFill>
                   <a:schemeClr val="bg1"/>
                 </a:solidFill>
@@ -13882,11 +13860,11 @@
               <a:t>Изтрийте</a:t>
             </a:r>
             <a:r>
-              <a:rPr lang="bg-BG" sz="3400" dirty="0" smtClean="0"/>
+              <a:rPr lang="bg-BG" sz="3500" dirty="0" smtClean="0"/>
               <a:t> поръчките, чиито </a:t>
             </a:r>
             <a:r>
-              <a:rPr lang="en-US" sz="3400" b="1" dirty="0" smtClean="0">
+              <a:rPr lang="en-US" sz="3500" b="1" dirty="0" smtClean="0">
                 <a:solidFill>
                   <a:schemeClr val="bg1"/>
                 </a:solidFill>
@@ -13894,26 +13872,26 @@
               <a:t>OrderDate</a:t>
             </a:r>
             <a:r>
-              <a:rPr lang="en-US" sz="3400" dirty="0" smtClean="0"/>
+              <a:rPr lang="en-US" sz="3500" dirty="0" smtClean="0"/>
               <a:t> </a:t>
             </a:r>
             <a:r>
-              <a:rPr lang="bg-BG" sz="3400" dirty="0" smtClean="0"/>
+              <a:rPr lang="bg-BG" sz="3500" dirty="0" smtClean="0"/>
               <a:t>е преди</a:t>
             </a:r>
             <a:r>
-              <a:rPr lang="en-US" dirty="0" smtClean="0"/>
+              <a:rPr lang="en-US" sz="3500" dirty="0" smtClean="0"/>
               <a:t> </a:t>
             </a:r>
             <a:r>
-              <a:rPr lang="en-US" b="1" dirty="0" smtClean="0">
+              <a:rPr lang="en-US" sz="3500" b="1" dirty="0" smtClean="0">
                 <a:solidFill>
                   <a:schemeClr val="bg1"/>
                 </a:solidFill>
               </a:rPr>
               <a:t>'2023-01-01'</a:t>
             </a:r>
-            <a:endParaRPr lang="en-US" sz="3400" b="1" dirty="0">
+            <a:endParaRPr lang="en-US" sz="3500" b="1" dirty="0">
               <a:solidFill>
                 <a:schemeClr val="bg1"/>
               </a:solidFill>
@@ -13922,26 +13900,26 @@
           <a:p>
             <a:pPr lvl="1"/>
             <a:r>
-              <a:rPr lang="bg-BG" sz="3400" dirty="0" smtClean="0"/>
+              <a:rPr lang="bg-BG" sz="3300" dirty="0" smtClean="0"/>
               <a:t>Подсказка</a:t>
             </a:r>
             <a:r>
-              <a:rPr lang="en-US" sz="3400" dirty="0" smtClean="0"/>
+              <a:rPr lang="en-US" sz="3300" dirty="0" smtClean="0"/>
               <a:t>: </a:t>
             </a:r>
             <a:r>
-              <a:rPr lang="bg-BG" sz="3400" dirty="0" smtClean="0"/>
+              <a:rPr lang="bg-BG" sz="3300" dirty="0" smtClean="0"/>
               <a:t>Използвайте </a:t>
             </a:r>
             <a:r>
-              <a:rPr lang="en-US" sz="3400" b="1" dirty="0" smtClean="0">
+              <a:rPr lang="en-US" sz="3300" b="1" dirty="0" smtClean="0">
                 <a:solidFill>
                   <a:schemeClr val="bg1"/>
                 </a:solidFill>
               </a:rPr>
               <a:t>WHERE</a:t>
             </a:r>
-            <a:endParaRPr lang="en-US" sz="3400" b="1" dirty="0">
+            <a:endParaRPr lang="en-US" sz="3300" b="1" dirty="0">
               <a:solidFill>
                 <a:schemeClr val="bg1"/>
               </a:solidFill>
@@ -13989,7 +13967,7 @@
           <p:nvPr>
             <p:extLst>
               <p:ext uri="{D42A27DB-BD31-4B8C-83A1-F6EECF244321}">
-                <p14:modId xmlns:p14="http://schemas.microsoft.com/office/powerpoint/2010/main" xmlns="" val="888307407"/>
+                <p14:modId xmlns="" xmlns:p14="http://schemas.microsoft.com/office/powerpoint/2010/main" val="888307407"/>
               </p:ext>
             </p:extLst>
           </p:nvPr>
@@ -14006,14 +13984,14 @@
                 <a:gridCol w="3352918">
                   <a:extLst>
                     <a:ext uri="{9D8B030D-6E8A-4147-A177-3AD203B41FA5}">
-                      <a16:colId xmlns:a16="http://schemas.microsoft.com/office/drawing/2014/main" xmlns="" val="20000"/>
+                      <a16:colId xmlns="" xmlns:a16="http://schemas.microsoft.com/office/drawing/2014/main" val="20000"/>
                     </a:ext>
                   </a:extLst>
                 </a:gridCol>
                 <a:gridCol w="2040907">
                   <a:extLst>
                     <a:ext uri="{9D8B030D-6E8A-4147-A177-3AD203B41FA5}">
-                      <a16:colId xmlns:a16="http://schemas.microsoft.com/office/drawing/2014/main" xmlns="" val="20001"/>
+                      <a16:colId xmlns="" xmlns:a16="http://schemas.microsoft.com/office/drawing/2014/main" val="20001"/>
                     </a:ext>
                   </a:extLst>
                 </a:gridCol>
@@ -14245,7 +14223,7 @@
                 </a:tc>
                 <a:extLst>
                   <a:ext uri="{0D108BD9-81ED-4DB2-BD59-A6C34878D82A}">
-                    <a16:rowId xmlns:a16="http://schemas.microsoft.com/office/drawing/2014/main" xmlns="" val="10000"/>
+                    <a16:rowId xmlns="" xmlns:a16="http://schemas.microsoft.com/office/drawing/2014/main" val="10000"/>
                   </a:ext>
                 </a:extLst>
               </a:tr>
@@ -14464,7 +14442,7 @@
                 </a:tc>
                 <a:extLst>
                   <a:ext uri="{0D108BD9-81ED-4DB2-BD59-A6C34878D82A}">
-                    <a16:rowId xmlns:a16="http://schemas.microsoft.com/office/drawing/2014/main" xmlns="" val="10001"/>
+                    <a16:rowId xmlns="" xmlns:a16="http://schemas.microsoft.com/office/drawing/2014/main" val="10001"/>
                   </a:ext>
                 </a:extLst>
               </a:tr>
@@ -14683,7 +14661,7 @@
                 </a:tc>
                 <a:extLst>
                   <a:ext uri="{0D108BD9-81ED-4DB2-BD59-A6C34878D82A}">
-                    <a16:rowId xmlns:a16="http://schemas.microsoft.com/office/drawing/2014/main" xmlns="" val="10002"/>
+                    <a16:rowId xmlns="" xmlns:a16="http://schemas.microsoft.com/office/drawing/2014/main" val="10002"/>
                   </a:ext>
                 </a:extLst>
               </a:tr>
@@ -14902,7 +14880,7 @@
                 </a:tc>
                 <a:extLst>
                   <a:ext uri="{0D108BD9-81ED-4DB2-BD59-A6C34878D82A}">
-                    <a16:rowId xmlns:a16="http://schemas.microsoft.com/office/drawing/2014/main" xmlns="" val="10003"/>
+                    <a16:rowId xmlns="" xmlns:a16="http://schemas.microsoft.com/office/drawing/2014/main" val="10003"/>
                   </a:ext>
                 </a:extLst>
               </a:tr>
@@ -15121,7 +15099,7 @@
                 </a:tc>
                 <a:extLst>
                   <a:ext uri="{0D108BD9-81ED-4DB2-BD59-A6C34878D82A}">
-                    <a16:rowId xmlns:a16="http://schemas.microsoft.com/office/drawing/2014/main" xmlns="" val="10004"/>
+                    <a16:rowId xmlns="" xmlns:a16="http://schemas.microsoft.com/office/drawing/2014/main" val="10004"/>
                   </a:ext>
                 </a:extLst>
               </a:tr>
@@ -15134,7 +15112,7 @@
           <p:cNvPr id="12" name="Slide Number">
             <a:extLst>
               <a:ext uri="{FF2B5EF4-FFF2-40B4-BE49-F238E27FC236}">
-                <a16:creationId xmlns:a16="http://schemas.microsoft.com/office/drawing/2014/main" xmlns="" id="{B3579A7F-C3E9-43C4-87B4-CE28756093BE}"/>
+                <a16:creationId xmlns="" xmlns:a16="http://schemas.microsoft.com/office/drawing/2014/main" id="{B3579A7F-C3E9-43C4-87B4-CE28756093BE}"/>
               </a:ext>
             </a:extLst>
           </p:cNvPr>
@@ -15174,7 +15152,7 @@
     </p:spTree>
     <p:extLst>
       <p:ext uri="{BB962C8B-B14F-4D97-AF65-F5344CB8AC3E}">
-        <p14:creationId xmlns:p14="http://schemas.microsoft.com/office/powerpoint/2010/main" xmlns="" val="2185862564"/>
+        <p14:creationId xmlns="" xmlns:p14="http://schemas.microsoft.com/office/powerpoint/2010/main" val="2185862564"/>
       </p:ext>
     </p:extLst>
   </p:cSld>
@@ -15182,7 +15160,7 @@
     <a:masterClrMapping/>
   </p:clrMapOvr>
   <mc:AlternateContent xmlns:mc="http://schemas.openxmlformats.org/markup-compatibility/2006">
-    <mc:Choice xmlns:p14="http://schemas.microsoft.com/office/powerpoint/2010/main" xmlns="" Requires="p14">
+    <mc:Choice xmlns="" xmlns:p14="http://schemas.microsoft.com/office/powerpoint/2010/main" Requires="p14">
       <p:transition spd="slow" p14:dur="2000" advClick="0" advTm="5000"/>
     </mc:Choice>
     <mc:Fallback>
@@ -15289,7 +15267,7 @@
           <p:cNvPr id="2" name="Title 1">
             <a:extLst>
               <a:ext uri="{FF2B5EF4-FFF2-40B4-BE49-F238E27FC236}">
-                <a16:creationId xmlns:a16="http://schemas.microsoft.com/office/drawing/2014/main" xmlns="" id="{FCE72A34-2A9A-4728-A3C2-A0DBD846C488}"/>
+                <a16:creationId xmlns="" xmlns:a16="http://schemas.microsoft.com/office/drawing/2014/main" id="{FCE72A34-2A9A-4728-A3C2-A0DBD846C488}"/>
               </a:ext>
             </a:extLst>
           </p:cNvPr>
@@ -15326,7 +15304,7 @@
           <p:cNvPr id="5" name="Text Placeholder 4">
             <a:extLst>
               <a:ext uri="{FF2B5EF4-FFF2-40B4-BE49-F238E27FC236}">
-                <a16:creationId xmlns:a16="http://schemas.microsoft.com/office/drawing/2014/main" xmlns="" id="{FBED5352-2A36-4F28-AB8D-6335517E5493}"/>
+                <a16:creationId xmlns="" xmlns:a16="http://schemas.microsoft.com/office/drawing/2014/main" id="{FBED5352-2A36-4F28-AB8D-6335517E5493}"/>
               </a:ext>
             </a:extLst>
           </p:cNvPr>
@@ -15502,7 +15480,7 @@
           <p:cNvPr id="6" name="AutoShape 5">
             <a:extLst>
               <a:ext uri="{FF2B5EF4-FFF2-40B4-BE49-F238E27FC236}">
-                <a16:creationId xmlns:a16="http://schemas.microsoft.com/office/drawing/2014/main" xmlns="" id="{F571EDF2-BA8D-4C84-8360-12467530B87E}"/>
+                <a16:creationId xmlns="" xmlns:a16="http://schemas.microsoft.com/office/drawing/2014/main" id="{F571EDF2-BA8D-4C84-8360-12467530B87E}"/>
               </a:ext>
             </a:extLst>
           </p:cNvPr>
@@ -15576,22 +15554,7 @@
                   </a:outerShdw>
                 </a:effectLst>
               </a:rPr>
-              <a:t>Филтриране </a:t>
-            </a:r>
-            <a:r>
-              <a:rPr lang="bg-BG" sz="2800" b="1" noProof="1" smtClean="0">
-                <a:solidFill>
-                  <a:srgbClr val="FFFFFF"/>
-                </a:solidFill>
-                <a:effectLst>
-                  <a:outerShdw blurRad="38100" dist="38100" dir="2700000" algn="tl">
-                    <a:srgbClr val="000000">
-                      <a:alpha val="43137"/>
-                    </a:srgbClr>
-                  </a:outerShdw>
-                </a:effectLst>
-              </a:rPr>
-              <a:t>на поръчките, направени преди </a:t>
+              <a:t>Филтриране на поръчките, направени преди </a:t>
             </a:r>
             <a:r>
               <a:rPr lang="en-US" sz="2800" b="1" dirty="0" smtClean="0">
@@ -15627,7 +15590,7 @@
           <p:cNvPr id="8" name="Slide Number">
             <a:extLst>
               <a:ext uri="{FF2B5EF4-FFF2-40B4-BE49-F238E27FC236}">
-                <a16:creationId xmlns:a16="http://schemas.microsoft.com/office/drawing/2014/main" xmlns="" id="{68979BB0-4428-47FF-AE88-59091E6A9FB2}"/>
+                <a16:creationId xmlns="" xmlns:a16="http://schemas.microsoft.com/office/drawing/2014/main" id="{68979BB0-4428-47FF-AE88-59091E6A9FB2}"/>
               </a:ext>
             </a:extLst>
           </p:cNvPr>
@@ -15755,7 +15718,7 @@
     </p:spTree>
     <p:extLst>
       <p:ext uri="{BB962C8B-B14F-4D97-AF65-F5344CB8AC3E}">
-        <p14:creationId xmlns:p14="http://schemas.microsoft.com/office/powerpoint/2010/main" xmlns="" val="4066273039"/>
+        <p14:creationId xmlns="" xmlns:p14="http://schemas.microsoft.com/office/powerpoint/2010/main" val="4066273039"/>
       </p:ext>
     </p:extLst>
   </p:cSld>
@@ -15763,7 +15726,7 @@
     <a:masterClrMapping/>
   </p:clrMapOvr>
   <mc:AlternateContent xmlns:mc="http://schemas.openxmlformats.org/markup-compatibility/2006">
-    <mc:Choice xmlns:p14="http://schemas.microsoft.com/office/powerpoint/2010/main" xmlns="" Requires="p14">
+    <mc:Choice xmlns="" xmlns:p14="http://schemas.microsoft.com/office/powerpoint/2010/main" Requires="p14">
       <p:transition spd="slow" p14:dur="2000" advClick="0" advTm="5000"/>
     </mc:Choice>
     <mc:Fallback>
@@ -15873,7 +15836,7 @@
           <p:cNvPr id="14" name="Text Placeholder 4">
             <a:extLst>
               <a:ext uri="{FF2B5EF4-FFF2-40B4-BE49-F238E27FC236}">
-                <a16:creationId xmlns:a16="http://schemas.microsoft.com/office/drawing/2014/main" xmlns="" id="{0E49D336-45B6-44D3-97C4-E28F8DEA2022}"/>
+                <a16:creationId xmlns="" xmlns:a16="http://schemas.microsoft.com/office/drawing/2014/main" id="{0E49D336-45B6-44D3-97C4-E28F8DEA2022}"/>
               </a:ext>
             </a:extLst>
           </p:cNvPr>
@@ -15998,7 +15961,7 @@
           <p:cNvPr id="3" name="Group 8">
             <a:extLst>
               <a:ext uri="{FF2B5EF4-FFF2-40B4-BE49-F238E27FC236}">
-                <a16:creationId xmlns:a16="http://schemas.microsoft.com/office/drawing/2014/main" xmlns="" id="{EBAFE522-EB7D-4931-A015-9A7E8A98517D}"/>
+                <a16:creationId xmlns="" xmlns:a16="http://schemas.microsoft.com/office/drawing/2014/main" id="{EBAFE522-EB7D-4931-A015-9A7E8A98517D}"/>
               </a:ext>
             </a:extLst>
           </p:cNvPr>
@@ -16018,7 +15981,7 @@
             <p:cNvPr id="10" name="Rounded Rectangle 10">
               <a:extLst>
                 <a:ext uri="{FF2B5EF4-FFF2-40B4-BE49-F238E27FC236}">
-                  <a16:creationId xmlns:a16="http://schemas.microsoft.com/office/drawing/2014/main" xmlns="" id="{18F78F23-3D09-4B63-8DF9-D49CFBB145EE}"/>
+                  <a16:creationId xmlns="" xmlns:a16="http://schemas.microsoft.com/office/drawing/2014/main" id="{18F78F23-3D09-4B63-8DF9-D49CFBB145EE}"/>
                 </a:ext>
               </a:extLst>
             </p:cNvPr>
@@ -16101,7 +16064,7 @@
             <p:cNvPr id="11" name="Rounded Rectangle 16">
               <a:extLst>
                 <a:ext uri="{FF2B5EF4-FFF2-40B4-BE49-F238E27FC236}">
-                  <a16:creationId xmlns:a16="http://schemas.microsoft.com/office/drawing/2014/main" xmlns="" id="{F12C06CE-2BBE-46C2-B718-813794C58DF9}"/>
+                  <a16:creationId xmlns="" xmlns:a16="http://schemas.microsoft.com/office/drawing/2014/main" id="{F12C06CE-2BBE-46C2-B718-813794C58DF9}"/>
                 </a:ext>
               </a:extLst>
             </p:cNvPr>
@@ -16186,7 +16149,7 @@
             <p:cNvPr id="12" name="Half Frame 11">
               <a:extLst>
                 <a:ext uri="{FF2B5EF4-FFF2-40B4-BE49-F238E27FC236}">
-                  <a16:creationId xmlns:a16="http://schemas.microsoft.com/office/drawing/2014/main" xmlns="" id="{66CDBB1E-AF3C-43FC-9F34-2DD691F81726}"/>
+                  <a16:creationId xmlns="" xmlns:a16="http://schemas.microsoft.com/office/drawing/2014/main" id="{66CDBB1E-AF3C-43FC-9F34-2DD691F81726}"/>
                 </a:ext>
               </a:extLst>
             </p:cNvPr>
@@ -16273,7 +16236,7 @@
           <p:cNvPr id="13" name="Picture 12">
             <a:extLst>
               <a:ext uri="{FF2B5EF4-FFF2-40B4-BE49-F238E27FC236}">
-                <a16:creationId xmlns:a16="http://schemas.microsoft.com/office/drawing/2014/main" xmlns="" id="{CCC3A316-993C-4741-8826-E104F27650A3}"/>
+                <a16:creationId xmlns="" xmlns:a16="http://schemas.microsoft.com/office/drawing/2014/main" id="{CCC3A316-993C-4741-8826-E104F27650A3}"/>
               </a:ext>
             </a:extLst>
           </p:cNvPr>
@@ -16286,7 +16249,7 @@
           <a:blip r:embed="rId3" cstate="print">
             <a:extLst>
               <a:ext uri="{28A0092B-C50C-407E-A947-70E740481C1C}">
-                <a14:useLocalDpi xmlns:a14="http://schemas.microsoft.com/office/drawing/2010/main" xmlns="" val="0"/>
+                <a14:useLocalDpi xmlns="" xmlns:a14="http://schemas.microsoft.com/office/drawing/2010/main" val="0"/>
               </a:ext>
             </a:extLst>
           </a:blip>
@@ -16308,7 +16271,7 @@
           <p:cNvPr id="15" name="Content Placeholder 4">
             <a:extLst>
               <a:ext uri="{FF2B5EF4-FFF2-40B4-BE49-F238E27FC236}">
-                <a16:creationId xmlns:a16="http://schemas.microsoft.com/office/drawing/2014/main" xmlns="" id="{B96A0DF8-27E7-4DC8-BBE3-7238AAAEB845}"/>
+                <a16:creationId xmlns="" xmlns:a16="http://schemas.microsoft.com/office/drawing/2014/main" id="{B96A0DF8-27E7-4DC8-BBE3-7238AAAEB845}"/>
               </a:ext>
             </a:extLst>
           </p:cNvPr>
@@ -16543,7 +16506,7 @@
         <p:spPr>
           <a:xfrm>
             <a:off x="741000" y="1449000"/>
-            <a:ext cx="7333456" cy="7417415"/>
+            <a:ext cx="7333456" cy="7509748"/>
           </a:xfrm>
           <a:prstGeom prst="rect">
             <a:avLst/>
@@ -16566,7 +16529,7 @@
               <a:buChar char="§"/>
             </a:pPr>
             <a:r>
-              <a:rPr lang="en-US" sz="3400" b="1" dirty="0" smtClean="0">
+              <a:rPr lang="en-US" sz="3500" b="1" dirty="0" smtClean="0">
                 <a:solidFill>
                   <a:schemeClr val="bg1">
                     <a:lumMod val="60000"/>
@@ -16586,7 +16549,7 @@
               <a:buChar char="§"/>
             </a:pPr>
             <a:r>
-              <a:rPr lang="bg-BG" sz="3400" dirty="0" smtClean="0">
+              <a:rPr lang="bg-BG" sz="3300" dirty="0" smtClean="0">
                 <a:solidFill>
                   <a:schemeClr val="bg2"/>
                 </a:solidFill>
@@ -16603,14 +16566,14 @@
               <a:buChar char="§"/>
             </a:pPr>
             <a:r>
-              <a:rPr lang="bg-BG" sz="3400" dirty="0" smtClean="0">
+              <a:rPr lang="bg-BG" sz="3300" dirty="0" smtClean="0">
                 <a:solidFill>
                   <a:schemeClr val="bg2"/>
                 </a:solidFill>
               </a:rPr>
               <a:t>Вмъкване на данни в колони</a:t>
             </a:r>
-            <a:endParaRPr lang="en-US" sz="3400" dirty="0" smtClean="0">
+            <a:endParaRPr lang="en-US" sz="3300" dirty="0" smtClean="0">
               <a:solidFill>
                 <a:schemeClr val="bg2"/>
               </a:solidFill>
@@ -16628,7 +16591,7 @@
               <a:buChar char="§"/>
             </a:pPr>
             <a:r>
-              <a:rPr lang="en-US" sz="3400" b="1" dirty="0" smtClean="0">
+              <a:rPr lang="en-US" sz="3500" b="1" dirty="0" smtClean="0">
                 <a:solidFill>
                   <a:schemeClr val="bg1">
                     <a:lumMod val="60000"/>
@@ -16638,7 +16601,7 @@
               </a:rPr>
               <a:t>UPDATE</a:t>
             </a:r>
-            <a:endParaRPr lang="bg-BG" sz="3400" b="1" dirty="0" smtClean="0">
+            <a:endParaRPr lang="bg-BG" sz="3500" b="1" dirty="0" smtClean="0">
               <a:solidFill>
                 <a:schemeClr val="bg1">
                   <a:lumMod val="60000"/>
@@ -16656,22 +16619,14 @@
               <a:buChar char="§"/>
             </a:pPr>
             <a:r>
-              <a:rPr lang="bg-BG" sz="3400" dirty="0" smtClean="0">
+              <a:rPr lang="bg-BG" sz="3300" dirty="0" smtClean="0">
                 <a:solidFill>
                   <a:schemeClr val="bg2"/>
                 </a:solidFill>
               </a:rPr>
-              <a:t>Промяна на данни базирани на </a:t>
-            </a:r>
-            <a:r>
-              <a:rPr lang="bg-BG" sz="3400" dirty="0" smtClean="0">
-                <a:solidFill>
-                  <a:schemeClr val="bg2"/>
-                </a:solidFill>
-              </a:rPr>
-              <a:t>дадено условие</a:t>
-            </a:r>
-            <a:endParaRPr lang="en-US" sz="3400" b="1" dirty="0" smtClean="0">
+              <a:t>Промяна на данни базирани на дадено условие</a:t>
+            </a:r>
+            <a:endParaRPr lang="en-US" sz="3300" b="1" dirty="0" smtClean="0">
               <a:solidFill>
                 <a:schemeClr val="bg1"/>
               </a:solidFill>
@@ -16689,7 +16644,7 @@
               <a:buChar char="§"/>
             </a:pPr>
             <a:r>
-              <a:rPr lang="en-US" sz="3400" b="1" dirty="0" smtClean="0">
+              <a:rPr lang="en-US" sz="3500" b="1" dirty="0" smtClean="0">
                 <a:solidFill>
                   <a:schemeClr val="bg1">
                     <a:lumMod val="60000"/>
@@ -16709,7 +16664,7 @@
               <a:buChar char="§"/>
             </a:pPr>
             <a:r>
-              <a:rPr lang="bg-BG" sz="3400" dirty="0" smtClean="0">
+              <a:rPr lang="bg-BG" sz="3300" dirty="0" smtClean="0">
                 <a:solidFill>
                   <a:schemeClr val="bg2"/>
                 </a:solidFill>
@@ -16717,7 +16672,7 @@
               <a:t>Изтриване на записи в таблица</a:t>
             </a:r>
             <a:r>
-              <a:rPr lang="en-US" sz="3400" dirty="0" smtClean="0">
+              <a:rPr lang="en-US" sz="3300" dirty="0" smtClean="0">
                 <a:solidFill>
                   <a:schemeClr val="bg2"/>
                 </a:solidFill>
@@ -16725,14 +16680,14 @@
               <a:t> </a:t>
             </a:r>
             <a:r>
-              <a:rPr lang="bg-BG" sz="3400" dirty="0" smtClean="0">
+              <a:rPr lang="bg-BG" sz="3300" dirty="0" smtClean="0">
                 <a:solidFill>
                   <a:schemeClr val="bg2"/>
                 </a:solidFill>
               </a:rPr>
               <a:t>според зададеното условие</a:t>
             </a:r>
-            <a:endParaRPr lang="en-US" sz="3400" dirty="0" smtClean="0">
+            <a:endParaRPr lang="en-US" sz="3300" dirty="0" smtClean="0">
               <a:solidFill>
                 <a:schemeClr val="bg2"/>
               </a:solidFill>
@@ -16747,7 +16702,7 @@
               <a:buChar char="§"/>
             </a:pPr>
             <a:r>
-              <a:rPr lang="en-US" sz="3400" b="1" noProof="1" smtClean="0">
+              <a:rPr lang="en-US" sz="3300" b="1" noProof="1" smtClean="0">
                 <a:solidFill>
                   <a:schemeClr val="bg1">
                     <a:lumMod val="60000"/>
@@ -16759,7 +16714,7 @@
               </a:rPr>
               <a:t>TRUNCATE</a:t>
             </a:r>
-            <a:endParaRPr lang="bg-BG" sz="3400" dirty="0" smtClean="0">
+            <a:endParaRPr lang="bg-BG" sz="3300" dirty="0" smtClean="0">
               <a:solidFill>
                 <a:schemeClr val="bg1">
                   <a:lumMod val="60000"/>
@@ -16828,7 +16783,7 @@
           <p:cNvPr id="16" name="Slide Number">
             <a:extLst>
               <a:ext uri="{FF2B5EF4-FFF2-40B4-BE49-F238E27FC236}">
-                <a16:creationId xmlns:a16="http://schemas.microsoft.com/office/drawing/2014/main" xmlns="" id="{49334D44-7518-4233-8A43-DB57B354A99C}"/>
+                <a16:creationId xmlns="" xmlns:a16="http://schemas.microsoft.com/office/drawing/2014/main" id="{49334D44-7518-4233-8A43-DB57B354A99C}"/>
               </a:ext>
             </a:extLst>
           </p:cNvPr>
@@ -16868,7 +16823,7 @@
     </p:spTree>
     <p:extLst>
       <p:ext uri="{BB962C8B-B14F-4D97-AF65-F5344CB8AC3E}">
-        <p14:creationId xmlns:p14="http://schemas.microsoft.com/office/powerpoint/2010/main" xmlns="" val="4124786151"/>
+        <p14:creationId xmlns="" xmlns:p14="http://schemas.microsoft.com/office/powerpoint/2010/main" val="4124786151"/>
       </p:ext>
     </p:extLst>
   </p:cSld>
@@ -16876,7 +16831,7 @@
     <a:masterClrMapping/>
   </p:clrMapOvr>
   <mc:AlternateContent xmlns:mc="http://schemas.openxmlformats.org/markup-compatibility/2006">
-    <mc:Choice xmlns:p14="http://schemas.microsoft.com/office/powerpoint/2010/main" xmlns="" Requires="p14">
+    <mc:Choice xmlns="" xmlns:p14="http://schemas.microsoft.com/office/powerpoint/2010/main" Requires="p14">
       <p:transition spd="slow" p14:dur="2000" advClick="0" advTm="5000"/>
     </mc:Choice>
     <mc:Fallback>
@@ -17196,7 +17151,7 @@
           <p:cNvPr id="5" name="Slide Title">
             <a:extLst>
               <a:ext uri="{FF2B5EF4-FFF2-40B4-BE49-F238E27FC236}">
-                <a16:creationId xmlns="" xmlns:a16="http://schemas.microsoft.com/office/drawing/2014/main" id="{FA0703FC-0F8F-4C80-A615-E4B381EC0E0C}"/>
+                <a16:creationId xmlns:a16="http://schemas.microsoft.com/office/drawing/2014/main" xmlns="" id="{FA0703FC-0F8F-4C80-A615-E4B381EC0E0C}"/>
               </a:ext>
             </a:extLst>
           </p:cNvPr>
@@ -17235,7 +17190,7 @@
     </p:spTree>
     <p:extLst>
       <p:ext uri="{BB962C8B-B14F-4D97-AF65-F5344CB8AC3E}">
-        <p14:creationId xmlns="" xmlns:p14="http://schemas.microsoft.com/office/powerpoint/2010/main" val="2715899688"/>
+        <p14:creationId xmlns:p14="http://schemas.microsoft.com/office/powerpoint/2010/main" xmlns="" val="2715899688"/>
       </p:ext>
     </p:extLst>
   </p:cSld>
@@ -17243,7 +17198,7 @@
     <a:masterClrMapping/>
   </p:clrMapOvr>
   <mc:AlternateContent xmlns:mc="http://schemas.openxmlformats.org/markup-compatibility/2006">
-    <mc:Choice xmlns="" xmlns:p14="http://schemas.microsoft.com/office/powerpoint/2010/main" Requires="p14">
+    <mc:Choice xmlns:p14="http://schemas.microsoft.com/office/powerpoint/2010/main" xmlns="" Requires="p14">
       <p:transition spd="slow" p14:dur="2000" advClick="0" advTm="5000"/>
     </mc:Choice>
     <mc:Fallback>
@@ -17282,7 +17237,7 @@
           <p:cNvPr id="5" name="Slide Number">
             <a:extLst>
               <a:ext uri="{FF2B5EF4-FFF2-40B4-BE49-F238E27FC236}">
-                <a16:creationId xmlns:a16="http://schemas.microsoft.com/office/drawing/2014/main" xmlns="" id="{F48C3C93-90A1-4D31-BEA6-B54D1106CE31}"/>
+                <a16:creationId xmlns="" xmlns:a16="http://schemas.microsoft.com/office/drawing/2014/main" id="{F48C3C93-90A1-4D31-BEA6-B54D1106CE31}"/>
               </a:ext>
             </a:extLst>
           </p:cNvPr>
@@ -17324,7 +17279,7 @@
           <p:cNvPr id="2" name="Slide Body">
             <a:extLst>
               <a:ext uri="{FF2B5EF4-FFF2-40B4-BE49-F238E27FC236}">
-                <a16:creationId xmlns:a16="http://schemas.microsoft.com/office/drawing/2014/main" xmlns="" id="{980F49B1-E4BE-4389-A747-7AB9B71AD920}"/>
+                <a16:creationId xmlns="" xmlns:a16="http://schemas.microsoft.com/office/drawing/2014/main" id="{980F49B1-E4BE-4389-A747-7AB9B71AD920}"/>
               </a:ext>
             </a:extLst>
           </p:cNvPr>
@@ -17458,7 +17413,7 @@
           <p:cNvPr id="6" name="Picture License" descr="License">
             <a:extLst>
               <a:ext uri="{FF2B5EF4-FFF2-40B4-BE49-F238E27FC236}">
-                <a16:creationId xmlns:a16="http://schemas.microsoft.com/office/drawing/2014/main" xmlns="" id="{A10A2585-858C-4B1E-8846-27CF1C15729E}"/>
+                <a16:creationId xmlns="" xmlns:a16="http://schemas.microsoft.com/office/drawing/2014/main" id="{A10A2585-858C-4B1E-8846-27CF1C15729E}"/>
               </a:ext>
             </a:extLst>
           </p:cNvPr>
@@ -17499,7 +17454,7 @@
           <p:cNvPr id="3" name="Slide Title">
             <a:extLst>
               <a:ext uri="{FF2B5EF4-FFF2-40B4-BE49-F238E27FC236}">
-                <a16:creationId xmlns:a16="http://schemas.microsoft.com/office/drawing/2014/main" xmlns="" id="{E5F1FB41-80C3-4816-BC47-CCC50632E6E8}"/>
+                <a16:creationId xmlns="" xmlns:a16="http://schemas.microsoft.com/office/drawing/2014/main" id="{E5F1FB41-80C3-4816-BC47-CCC50632E6E8}"/>
               </a:ext>
             </a:extLst>
           </p:cNvPr>
@@ -17525,7 +17480,7 @@
     </p:spTree>
     <p:extLst>
       <p:ext uri="{BB962C8B-B14F-4D97-AF65-F5344CB8AC3E}">
-        <p14:creationId xmlns:p14="http://schemas.microsoft.com/office/powerpoint/2010/main" xmlns="" val="3506533871"/>
+        <p14:creationId xmlns="" xmlns:p14="http://schemas.microsoft.com/office/powerpoint/2010/main" val="3506533871"/>
       </p:ext>
     </p:extLst>
   </p:cSld>
@@ -17533,7 +17488,7 @@
     <a:masterClrMapping/>
   </p:clrMapOvr>
   <mc:AlternateContent xmlns:mc="http://schemas.openxmlformats.org/markup-compatibility/2006">
-    <mc:Choice xmlns:p14="http://schemas.microsoft.com/office/powerpoint/2010/main" xmlns="" Requires="p14">
+    <mc:Choice xmlns="" xmlns:p14="http://schemas.microsoft.com/office/powerpoint/2010/main" Requires="p14">
       <p:transition spd="slow" p14:dur="2000" advClick="0" advTm="5000"/>
     </mc:Choice>
     <mc:Fallback>
@@ -17647,7 +17602,7 @@
           <p:cNvPr id="5" name="Slide Number">
             <a:extLst>
               <a:ext uri="{FF2B5EF4-FFF2-40B4-BE49-F238E27FC236}">
-                <a16:creationId xmlns="" xmlns:a16="http://schemas.microsoft.com/office/drawing/2014/main" id="{FF1E3A17-8C5A-4422-AF5B-95FA4E4E5574}"/>
+                <a16:creationId xmlns:a16="http://schemas.microsoft.com/office/drawing/2014/main" xmlns="" id="{FF1E3A17-8C5A-4422-AF5B-95FA4E4E5574}"/>
               </a:ext>
             </a:extLst>
           </p:cNvPr>
@@ -17775,7 +17730,7 @@
     </p:spTree>
     <p:extLst>
       <p:ext uri="{BB962C8B-B14F-4D97-AF65-F5344CB8AC3E}">
-        <p14:creationId xmlns="" xmlns:p14="http://schemas.microsoft.com/office/powerpoint/2010/main" val="3598650340"/>
+        <p14:creationId xmlns:p14="http://schemas.microsoft.com/office/powerpoint/2010/main" xmlns="" val="3598650340"/>
       </p:ext>
     </p:extLst>
   </p:cSld>
@@ -17783,7 +17738,7 @@
     <a:masterClrMapping/>
   </p:clrMapOvr>
   <mc:AlternateContent xmlns:mc="http://schemas.openxmlformats.org/markup-compatibility/2006">
-    <mc:Choice xmlns="" xmlns:p14="http://schemas.microsoft.com/office/powerpoint/2010/main" Requires="p14">
+    <mc:Choice xmlns:p14="http://schemas.microsoft.com/office/powerpoint/2010/main" xmlns="" Requires="p14">
       <p:transition spd="slow" p14:dur="2000" advClick="0" advTm="5000"/>
     </mc:Choice>
     <mc:Fallback>
@@ -18018,7 +17973,7 @@
     <a:masterClrMapping/>
   </p:clrMapOvr>
   <mc:AlternateContent xmlns:mc="http://schemas.openxmlformats.org/markup-compatibility/2006">
-    <mc:Choice xmlns="" xmlns:p14="http://schemas.microsoft.com/office/powerpoint/2010/main" Requires="p14">
+    <mc:Choice xmlns:p14="http://schemas.microsoft.com/office/powerpoint/2010/main" xmlns="" Requires="p14">
       <p:transition spd="slow" p14:dur="2000" advClick="0" advTm="5000"/>
     </mc:Choice>
     <mc:Fallback>
@@ -18181,7 +18136,7 @@
           <p:cNvPr id="5" name="Text Placeholder 4">
             <a:extLst>
               <a:ext uri="{FF2B5EF4-FFF2-40B4-BE49-F238E27FC236}">
-                <a16:creationId xmlns:a16="http://schemas.microsoft.com/office/drawing/2014/main" xmlns="" id="{FBED5352-2A36-4F28-AB8D-6335517E5493}"/>
+                <a16:creationId xmlns="" xmlns:a16="http://schemas.microsoft.com/office/drawing/2014/main" id="{FBED5352-2A36-4F28-AB8D-6335517E5493}"/>
               </a:ext>
             </a:extLst>
           </p:cNvPr>
@@ -18625,7 +18580,7 @@
     <a:masterClrMapping/>
   </p:clrMapOvr>
   <mc:AlternateContent xmlns:mc="http://schemas.openxmlformats.org/markup-compatibility/2006">
-    <mc:Choice xmlns="" xmlns:p14="http://schemas.microsoft.com/office/powerpoint/2010/main" Requires="p14">
+    <mc:Choice xmlns:p14="http://schemas.microsoft.com/office/powerpoint/2010/main" xmlns="" Requires="p14">
       <p:transition spd="slow" p14:dur="2000" advClick="0" advTm="5000"/>
     </mc:Choice>
     <mc:Fallback>
@@ -18923,11 +18878,7 @@
           <a:p>
             <a:r>
               <a:rPr lang="en-US" sz="3600" dirty="0" smtClean="0"/>
-              <a:t>SQL </a:t>
-            </a:r>
-            <a:r>
-              <a:rPr lang="en-US" sz="3600" dirty="0" smtClean="0"/>
-              <a:t>INSERT </a:t>
+              <a:t>SQL INSERT </a:t>
             </a:r>
             <a:r>
               <a:rPr lang="bg-BG" sz="3600" dirty="0" smtClean="0"/>
@@ -19096,35 +19047,7 @@
                 <a:latin typeface="Consolas" pitchFamily="49" charset="0"/>
                 <a:cs typeface="Consolas" pitchFamily="49" charset="0"/>
               </a:rPr>
-              <a:t>(</a:t>
-            </a:r>
-            <a:r>
-              <a:rPr lang="en-US" sz="3200" b="1" noProof="1" smtClean="0">
-                <a:latin typeface="Consolas" pitchFamily="49" charset="0"/>
-                <a:cs typeface="Consolas" pitchFamily="49" charset="0"/>
-              </a:rPr>
-              <a:t>'</a:t>
-            </a:r>
-            <a:r>
-              <a:rPr lang="en-US" sz="3200" b="1" noProof="1" smtClean="0">
-                <a:latin typeface="Consolas" pitchFamily="49" charset="0"/>
-                <a:cs typeface="Consolas" pitchFamily="49" charset="0"/>
-              </a:rPr>
-              <a:t>Ivan Petrov‘, </a:t>
-            </a:r>
-            <a:r>
-              <a:rPr lang="en-US" sz="3200" b="1" noProof="1" smtClean="0">
-                <a:latin typeface="Consolas" pitchFamily="49" charset="0"/>
-                <a:cs typeface="Consolas" pitchFamily="49" charset="0"/>
-              </a:rPr>
-              <a:t>'</a:t>
-            </a:r>
-            <a:r>
-              <a:rPr lang="en-US" sz="3200" b="1" noProof="1" smtClean="0">
-                <a:latin typeface="Consolas" pitchFamily="49" charset="0"/>
-                <a:cs typeface="Consolas" pitchFamily="49" charset="0"/>
-              </a:rPr>
-              <a:t>ivan@abv.bg')</a:t>
+              <a:t>('Ivan Petrov‘, 'ivan@abv.bg')</a:t>
             </a:r>
             <a:endParaRPr lang="en-US" sz="3200" b="1" noProof="1">
               <a:latin typeface="Consolas" pitchFamily="49" charset="0"/>
@@ -19188,17 +19111,7 @@
                 <a:latin typeface="Consolas" pitchFamily="49" charset="0"/>
                 <a:cs typeface="Consolas" pitchFamily="49" charset="0"/>
               </a:rPr>
-              <a:t>INSERT </a:t>
-            </a:r>
-            <a:r>
-              <a:rPr lang="en-US" sz="3200" b="1" noProof="1" smtClean="0">
-                <a:solidFill>
-                  <a:schemeClr val="bg1"/>
-                </a:solidFill>
-                <a:latin typeface="Consolas" pitchFamily="49" charset="0"/>
-                <a:cs typeface="Consolas" pitchFamily="49" charset="0"/>
-              </a:rPr>
-              <a:t>INTO </a:t>
+              <a:t>INSERT INTO </a:t>
             </a:r>
             <a:r>
               <a:rPr lang="en-US" sz="3200" b="1" noProof="1" smtClean="0">
@@ -19207,10 +19120,6 @@
               </a:rPr>
               <a:t>Orders (OrderId, UserId, Date)</a:t>
             </a:r>
-            <a:endParaRPr lang="en-US" sz="3200" b="1" noProof="1" smtClean="0">
-              <a:latin typeface="Consolas" pitchFamily="49" charset="0"/>
-              <a:cs typeface="Consolas" pitchFamily="49" charset="0"/>
-            </a:endParaRPr>
           </a:p>
           <a:p>
             <a:pPr eaLnBrk="0" hangingPunct="0">
@@ -19248,11 +19157,7 @@
             </a:r>
             <a:r>
               <a:rPr lang="en-US" sz="3200" b="1" dirty="0" smtClean="0"/>
-              <a:t>1001, 601, '2023-08-05</a:t>
-            </a:r>
-            <a:r>
-              <a:rPr lang="en-US" sz="3200" b="1" dirty="0" smtClean="0"/>
-              <a:t>'</a:t>
+              <a:t>1001, 601, '2023-08-05'</a:t>
             </a:r>
             <a:r>
               <a:rPr lang="en-US" sz="3200" b="1" noProof="1" smtClean="0">
@@ -19277,14 +19182,7 @@
                 <a:latin typeface="Consolas" pitchFamily="49" charset="0"/>
                 <a:cs typeface="Consolas" pitchFamily="49" charset="0"/>
               </a:rPr>
-              <a:t>	</a:t>
-            </a:r>
-            <a:r>
-              <a:rPr lang="en-US" sz="3200" b="1" noProof="1" smtClean="0">
-                <a:latin typeface="Consolas" pitchFamily="49" charset="0"/>
-                <a:cs typeface="Consolas" pitchFamily="49" charset="0"/>
-              </a:rPr>
-              <a:t>	    (</a:t>
+              <a:t>		    (</a:t>
             </a:r>
             <a:r>
               <a:rPr lang="en-US" sz="3200" b="1" dirty="0" smtClean="0"/>
@@ -19338,7 +19236,7 @@
           <p:cNvPr id="10" name="Slide Number">
             <a:extLst>
               <a:ext uri="{FF2B5EF4-FFF2-40B4-BE49-F238E27FC236}">
-                <a16:creationId xmlns:a16="http://schemas.microsoft.com/office/drawing/2014/main" xmlns="" id="{E3205804-7BCE-4BCC-A35F-B14C28BA1AF7}"/>
+                <a16:creationId xmlns="" xmlns:a16="http://schemas.microsoft.com/office/drawing/2014/main" id="{E3205804-7BCE-4BCC-A35F-B14C28BA1AF7}"/>
               </a:ext>
             </a:extLst>
           </p:cNvPr>
@@ -19556,7 +19454,7 @@
     </p:spTree>
     <p:extLst>
       <p:ext uri="{BB962C8B-B14F-4D97-AF65-F5344CB8AC3E}">
-        <p14:creationId xmlns:p14="http://schemas.microsoft.com/office/powerpoint/2010/main" xmlns="" val="499486635"/>
+        <p14:creationId xmlns="" xmlns:p14="http://schemas.microsoft.com/office/powerpoint/2010/main" val="499486635"/>
       </p:ext>
     </p:extLst>
   </p:cSld>
@@ -19767,7 +19665,7 @@
           <p:cNvPr id="5" name="Title 4">
             <a:extLst>
               <a:ext uri="{FF2B5EF4-FFF2-40B4-BE49-F238E27FC236}">
-                <a16:creationId xmlns:a16="http://schemas.microsoft.com/office/drawing/2014/main" xmlns="" id="{E15249D2-846B-4BE8-9C09-5032F076AAC4}"/>
+                <a16:creationId xmlns="" xmlns:a16="http://schemas.microsoft.com/office/drawing/2014/main" id="{E15249D2-846B-4BE8-9C09-5032F076AAC4}"/>
               </a:ext>
             </a:extLst>
           </p:cNvPr>
@@ -19803,7 +19701,7 @@
           <a:blip r:embed="rId2" cstate="print">
             <a:extLst>
               <a:ext uri="{28A0092B-C50C-407E-A947-70E740481C1C}">
-                <a14:useLocalDpi xmlns:a14="http://schemas.microsoft.com/office/drawing/2010/main" xmlns="" val="0"/>
+                <a14:useLocalDpi xmlns="" xmlns:a14="http://schemas.microsoft.com/office/drawing/2010/main" val="0"/>
               </a:ext>
             </a:extLst>
           </a:blip>
@@ -19824,7 +19722,7 @@
     </p:spTree>
     <p:extLst>
       <p:ext uri="{BB962C8B-B14F-4D97-AF65-F5344CB8AC3E}">
-        <p14:creationId xmlns:p14="http://schemas.microsoft.com/office/powerpoint/2010/main" xmlns="" val="352328416"/>
+        <p14:creationId xmlns="" xmlns:p14="http://schemas.microsoft.com/office/powerpoint/2010/main" val="352328416"/>
       </p:ext>
     </p:extLst>
   </p:cSld>
@@ -19832,7 +19730,7 @@
     <a:masterClrMapping/>
   </p:clrMapOvr>
   <mc:AlternateContent xmlns:mc="http://schemas.openxmlformats.org/markup-compatibility/2006">
-    <mc:Choice xmlns:p14="http://schemas.microsoft.com/office/powerpoint/2010/main" xmlns="" Requires="p14">
+    <mc:Choice xmlns="" xmlns:p14="http://schemas.microsoft.com/office/powerpoint/2010/main" Requires="p14">
       <p:transition spd="slow" p14:dur="2000" advClick="0" advTm="5000"/>
     </mc:Choice>
     <mc:Fallback>
@@ -19986,7 +19884,7 @@
           <p:cNvPr id="5" name="Text Placeholder 4">
             <a:extLst>
               <a:ext uri="{FF2B5EF4-FFF2-40B4-BE49-F238E27FC236}">
-                <a16:creationId xmlns:a16="http://schemas.microsoft.com/office/drawing/2014/main" xmlns="" id="{FBED5352-2A36-4F28-AB8D-6335517E5493}"/>
+                <a16:creationId xmlns="" xmlns:a16="http://schemas.microsoft.com/office/drawing/2014/main" id="{FBED5352-2A36-4F28-AB8D-6335517E5493}"/>
               </a:ext>
             </a:extLst>
           </p:cNvPr>
@@ -20614,7 +20512,7 @@
     <a:masterClrMapping/>
   </p:clrMapOvr>
   <mc:AlternateContent xmlns:mc="http://schemas.openxmlformats.org/markup-compatibility/2006">
-    <mc:Choice xmlns="" xmlns:p14="http://schemas.microsoft.com/office/powerpoint/2010/main" Requires="p14">
+    <mc:Choice xmlns:p14="http://schemas.microsoft.com/office/powerpoint/2010/main" xmlns="" Requires="p14">
       <p:transition spd="slow" p14:dur="2000" advClick="0" advTm="5000"/>
     </mc:Choice>
     <mc:Fallback>
@@ -21034,11 +20932,7 @@
           <a:p>
             <a:r>
               <a:rPr lang="bg-BG" dirty="0" smtClean="0"/>
-              <a:t>Променяне на </a:t>
-            </a:r>
-            <a:r>
-              <a:rPr lang="bg-BG" dirty="0" smtClean="0"/>
-              <a:t>данни</a:t>
+              <a:t>Променяне на данни</a:t>
             </a:r>
             <a:endParaRPr lang="bg-BG" dirty="0"/>
           </a:p>
@@ -21441,7 +21335,7 @@
           <a:blip r:embed="rId2" cstate="print">
             <a:extLst>
               <a:ext uri="{28A0092B-C50C-407E-A947-70E740481C1C}">
-                <a14:useLocalDpi xmlns:a14="http://schemas.microsoft.com/office/drawing/2010/main" xmlns="" val="0"/>
+                <a14:useLocalDpi xmlns="" xmlns:a14="http://schemas.microsoft.com/office/drawing/2010/main" val="0"/>
               </a:ext>
             </a:extLst>
           </a:blip>
@@ -21464,7 +21358,7 @@
           <p:cNvPr id="10" name="Slide Number">
             <a:extLst>
               <a:ext uri="{FF2B5EF4-FFF2-40B4-BE49-F238E27FC236}">
-                <a16:creationId xmlns:a16="http://schemas.microsoft.com/office/drawing/2014/main" xmlns="" id="{E3205804-7BCE-4BCC-A35F-B14C28BA1AF7}"/>
+                <a16:creationId xmlns="" xmlns:a16="http://schemas.microsoft.com/office/drawing/2014/main" id="{E3205804-7BCE-4BCC-A35F-B14C28BA1AF7}"/>
               </a:ext>
             </a:extLst>
           </p:cNvPr>
@@ -21592,7 +21486,7 @@
     </p:spTree>
     <p:extLst>
       <p:ext uri="{BB962C8B-B14F-4D97-AF65-F5344CB8AC3E}">
-        <p14:creationId xmlns:p14="http://schemas.microsoft.com/office/powerpoint/2010/main" xmlns="" val="499486635"/>
+        <p14:creationId xmlns="" xmlns:p14="http://schemas.microsoft.com/office/powerpoint/2010/main" val="499486635"/>
       </p:ext>
     </p:extLst>
   </p:cSld>
@@ -21843,26 +21737,26 @@
           <a:p>
             <a:pPr lvl="1"/>
             <a:r>
-              <a:rPr lang="bg-BG" sz="3400" dirty="0" smtClean="0"/>
+              <a:rPr lang="bg-BG" sz="3200" dirty="0" smtClean="0"/>
               <a:t>Подсказка</a:t>
             </a:r>
             <a:r>
-              <a:rPr lang="en-US" sz="3400" dirty="0" smtClean="0"/>
+              <a:rPr lang="en-US" sz="3200" dirty="0" smtClean="0"/>
               <a:t>: </a:t>
             </a:r>
             <a:r>
-              <a:rPr lang="ru-RU" sz="3400" dirty="0" smtClean="0"/>
+              <a:rPr lang="ru-RU" sz="3200" dirty="0" smtClean="0"/>
               <a:t>Крайната дата на незавършените проекти е </a:t>
             </a:r>
             <a:r>
-              <a:rPr lang="en-US" sz="3400" b="1" dirty="0" smtClean="0">
+              <a:rPr lang="en-US" sz="3200" b="1" dirty="0" smtClean="0">
                 <a:solidFill>
                   <a:schemeClr val="bg1"/>
                 </a:solidFill>
               </a:rPr>
               <a:t>NULL</a:t>
             </a:r>
-            <a:endParaRPr lang="en-US" sz="3400" b="1" dirty="0">
+            <a:endParaRPr lang="en-US" sz="3200" b="1" dirty="0">
               <a:solidFill>
                 <a:schemeClr val="bg1"/>
               </a:solidFill>
@@ -21898,11 +21792,7 @@
             </a:r>
             <a:r>
               <a:rPr lang="bg-BG" dirty="0" smtClean="0"/>
-              <a:t>Променете </a:t>
-            </a:r>
-            <a:r>
-              <a:rPr lang="bg-BG" dirty="0" smtClean="0"/>
-              <a:t>проектите</a:t>
+              <a:t>Променете проектите</a:t>
             </a:r>
             <a:endParaRPr lang="en-US" dirty="0"/>
           </a:p>
@@ -21917,13 +21807,13 @@
           <p:nvPr>
             <p:extLst>
               <p:ext uri="{D42A27DB-BD31-4B8C-83A1-F6EECF244321}">
-                <p14:modId xmlns:p14="http://schemas.microsoft.com/office/powerpoint/2010/main" xmlns="" val="888307407"/>
+                <p14:modId xmlns="" xmlns:p14="http://schemas.microsoft.com/office/powerpoint/2010/main" val="888307407"/>
               </p:ext>
             </p:extLst>
           </p:nvPr>
         </p:nvGraphicFramePr>
         <p:xfrm>
-          <a:off x="741000" y="3789000"/>
+          <a:off x="741000" y="3519000"/>
           <a:ext cx="4611802" cy="2542032"/>
         </p:xfrm>
         <a:graphic>
@@ -21934,14 +21824,14 @@
                 <a:gridCol w="2866796">
                   <a:extLst>
                     <a:ext uri="{9D8B030D-6E8A-4147-A177-3AD203B41FA5}">
-                      <a16:colId xmlns:a16="http://schemas.microsoft.com/office/drawing/2014/main" xmlns="" val="20000"/>
+                      <a16:colId xmlns="" xmlns:a16="http://schemas.microsoft.com/office/drawing/2014/main" val="20000"/>
                     </a:ext>
                   </a:extLst>
                 </a:gridCol>
                 <a:gridCol w="1745006">
                   <a:extLst>
                     <a:ext uri="{9D8B030D-6E8A-4147-A177-3AD203B41FA5}">
-                      <a16:colId xmlns:a16="http://schemas.microsoft.com/office/drawing/2014/main" xmlns="" val="20001"/>
+                      <a16:colId xmlns="" xmlns:a16="http://schemas.microsoft.com/office/drawing/2014/main" val="20001"/>
                     </a:ext>
                   </a:extLst>
                 </a:gridCol>
@@ -22153,7 +22043,7 @@
                 </a:tc>
                 <a:extLst>
                   <a:ext uri="{0D108BD9-81ED-4DB2-BD59-A6C34878D82A}">
-                    <a16:rowId xmlns:a16="http://schemas.microsoft.com/office/drawing/2014/main" xmlns="" val="10000"/>
+                    <a16:rowId xmlns="" xmlns:a16="http://schemas.microsoft.com/office/drawing/2014/main" val="10000"/>
                   </a:ext>
                 </a:extLst>
               </a:tr>
@@ -22372,7 +22262,7 @@
                 </a:tc>
                 <a:extLst>
                   <a:ext uri="{0D108BD9-81ED-4DB2-BD59-A6C34878D82A}">
-                    <a16:rowId xmlns:a16="http://schemas.microsoft.com/office/drawing/2014/main" xmlns="" val="10001"/>
+                    <a16:rowId xmlns="" xmlns:a16="http://schemas.microsoft.com/office/drawing/2014/main" val="10001"/>
                   </a:ext>
                 </a:extLst>
               </a:tr>
@@ -22591,7 +22481,7 @@
                 </a:tc>
                 <a:extLst>
                   <a:ext uri="{0D108BD9-81ED-4DB2-BD59-A6C34878D82A}">
-                    <a16:rowId xmlns:a16="http://schemas.microsoft.com/office/drawing/2014/main" xmlns="" val="10002"/>
+                    <a16:rowId xmlns="" xmlns:a16="http://schemas.microsoft.com/office/drawing/2014/main" val="10002"/>
                   </a:ext>
                 </a:extLst>
               </a:tr>
@@ -22810,7 +22700,7 @@
                 </a:tc>
                 <a:extLst>
                   <a:ext uri="{0D108BD9-81ED-4DB2-BD59-A6C34878D82A}">
-                    <a16:rowId xmlns:a16="http://schemas.microsoft.com/office/drawing/2014/main" xmlns="" val="10003"/>
+                    <a16:rowId xmlns="" xmlns:a16="http://schemas.microsoft.com/office/drawing/2014/main" val="10003"/>
                   </a:ext>
                 </a:extLst>
               </a:tr>
@@ -23029,7 +22919,7 @@
                 </a:tc>
                 <a:extLst>
                   <a:ext uri="{0D108BD9-81ED-4DB2-BD59-A6C34878D82A}">
-                    <a16:rowId xmlns:a16="http://schemas.microsoft.com/office/drawing/2014/main" xmlns="" val="10004"/>
+                    <a16:rowId xmlns="" xmlns:a16="http://schemas.microsoft.com/office/drawing/2014/main" val="10004"/>
                   </a:ext>
                 </a:extLst>
               </a:tr>
@@ -23046,13 +22936,13 @@
           <p:nvPr>
             <p:extLst>
               <p:ext uri="{D42A27DB-BD31-4B8C-83A1-F6EECF244321}">
-                <p14:modId xmlns:p14="http://schemas.microsoft.com/office/powerpoint/2010/main" xmlns="" val="219987147"/>
+                <p14:modId xmlns="" xmlns:p14="http://schemas.microsoft.com/office/powerpoint/2010/main" val="219987147"/>
               </p:ext>
             </p:extLst>
           </p:nvPr>
         </p:nvGraphicFramePr>
         <p:xfrm>
-          <a:off x="6186000" y="3789000"/>
+          <a:off x="6186000" y="3519000"/>
           <a:ext cx="5336976" cy="2528803"/>
         </p:xfrm>
         <a:graphic>
@@ -23063,14 +22953,14 @@
                 <a:gridCol w="3317580">
                   <a:extLst>
                     <a:ext uri="{9D8B030D-6E8A-4147-A177-3AD203B41FA5}">
-                      <a16:colId xmlns:a16="http://schemas.microsoft.com/office/drawing/2014/main" xmlns="" val="20000"/>
+                      <a16:colId xmlns="" xmlns:a16="http://schemas.microsoft.com/office/drawing/2014/main" val="20000"/>
                     </a:ext>
                   </a:extLst>
                 </a:gridCol>
                 <a:gridCol w="2019396">
                   <a:extLst>
                     <a:ext uri="{9D8B030D-6E8A-4147-A177-3AD203B41FA5}">
-                      <a16:colId xmlns:a16="http://schemas.microsoft.com/office/drawing/2014/main" xmlns="" val="20001"/>
+                      <a16:colId xmlns="" xmlns:a16="http://schemas.microsoft.com/office/drawing/2014/main" val="20001"/>
                     </a:ext>
                   </a:extLst>
                 </a:gridCol>
@@ -23282,7 +23172,7 @@
                 </a:tc>
                 <a:extLst>
                   <a:ext uri="{0D108BD9-81ED-4DB2-BD59-A6C34878D82A}">
-                    <a16:rowId xmlns:a16="http://schemas.microsoft.com/office/drawing/2014/main" xmlns="" val="10000"/>
+                    <a16:rowId xmlns="" xmlns:a16="http://schemas.microsoft.com/office/drawing/2014/main" val="10000"/>
                   </a:ext>
                 </a:extLst>
               </a:tr>
@@ -23501,7 +23391,7 @@
                 </a:tc>
                 <a:extLst>
                   <a:ext uri="{0D108BD9-81ED-4DB2-BD59-A6C34878D82A}">
-                    <a16:rowId xmlns:a16="http://schemas.microsoft.com/office/drawing/2014/main" xmlns="" val="10001"/>
+                    <a16:rowId xmlns="" xmlns:a16="http://schemas.microsoft.com/office/drawing/2014/main" val="10001"/>
                   </a:ext>
                 </a:extLst>
               </a:tr>
@@ -23721,7 +23611,7 @@
                 </a:tc>
                 <a:extLst>
                   <a:ext uri="{0D108BD9-81ED-4DB2-BD59-A6C34878D82A}">
-                    <a16:rowId xmlns:a16="http://schemas.microsoft.com/office/drawing/2014/main" xmlns="" val="10002"/>
+                    <a16:rowId xmlns="" xmlns:a16="http://schemas.microsoft.com/office/drawing/2014/main" val="10002"/>
                   </a:ext>
                 </a:extLst>
               </a:tr>
@@ -23941,7 +23831,7 @@
                 </a:tc>
                 <a:extLst>
                   <a:ext uri="{0D108BD9-81ED-4DB2-BD59-A6C34878D82A}">
-                    <a16:rowId xmlns:a16="http://schemas.microsoft.com/office/drawing/2014/main" xmlns="" val="10003"/>
+                    <a16:rowId xmlns="" xmlns:a16="http://schemas.microsoft.com/office/drawing/2014/main" val="10003"/>
                   </a:ext>
                 </a:extLst>
               </a:tr>
@@ -24160,7 +24050,7 @@
                 </a:tc>
                 <a:extLst>
                   <a:ext uri="{0D108BD9-81ED-4DB2-BD59-A6C34878D82A}">
-                    <a16:rowId xmlns:a16="http://schemas.microsoft.com/office/drawing/2014/main" xmlns="" val="10004"/>
+                    <a16:rowId xmlns="" xmlns:a16="http://schemas.microsoft.com/office/drawing/2014/main" val="10004"/>
                   </a:ext>
                 </a:extLst>
               </a:tr>
@@ -24176,7 +24066,7 @@
         </p:nvSpPr>
         <p:spPr>
           <a:xfrm>
-            <a:off x="5511000" y="4689000"/>
+            <a:off x="5511000" y="4419000"/>
             <a:ext cx="570000" cy="588108"/>
           </a:xfrm>
           <a:prstGeom prst="rightArrow">
@@ -24221,7 +24111,7 @@
           <p:cNvPr id="12" name="Slide Number">
             <a:extLst>
               <a:ext uri="{FF2B5EF4-FFF2-40B4-BE49-F238E27FC236}">
-                <a16:creationId xmlns:a16="http://schemas.microsoft.com/office/drawing/2014/main" xmlns="" id="{B3579A7F-C3E9-43C4-87B4-CE28756093BE}"/>
+                <a16:creationId xmlns="" xmlns:a16="http://schemas.microsoft.com/office/drawing/2014/main" id="{B3579A7F-C3E9-43C4-87B4-CE28756093BE}"/>
               </a:ext>
             </a:extLst>
           </p:cNvPr>
@@ -24261,7 +24151,7 @@
     </p:spTree>
     <p:extLst>
       <p:ext uri="{BB962C8B-B14F-4D97-AF65-F5344CB8AC3E}">
-        <p14:creationId xmlns:p14="http://schemas.microsoft.com/office/powerpoint/2010/main" xmlns="" val="2185862564"/>
+        <p14:creationId xmlns="" xmlns:p14="http://schemas.microsoft.com/office/powerpoint/2010/main" val="2185862564"/>
       </p:ext>
     </p:extLst>
   </p:cSld>
@@ -24269,7 +24159,7 @@
     <a:masterClrMapping/>
   </p:clrMapOvr>
   <mc:AlternateContent xmlns:mc="http://schemas.openxmlformats.org/markup-compatibility/2006">
-    <mc:Choice xmlns:p14="http://schemas.microsoft.com/office/powerpoint/2010/main" xmlns="" Requires="p14">
+    <mc:Choice xmlns="" xmlns:p14="http://schemas.microsoft.com/office/powerpoint/2010/main" Requires="p14">
       <p:transition spd="slow" p14:dur="2000" advClick="0" advTm="5000"/>
     </mc:Choice>
     <mc:Fallback>
@@ -24763,7 +24653,7 @@
   <a:extraClrSchemeLst/>
   <a:extLst>
     <a:ext uri="{05A4C25C-085E-4340-85A3-A5531E510DB2}">
-      <thm15:themeFamily xmlns="" xmlns:thm15="http://schemas.microsoft.com/office/thememl/2012/main" name="SoftUni" id="{D61FAD9B-6E74-4E03-BFE4-B363D484F1DA}" vid="{7089C1A3-635B-4B03-A017-DAF10A3A396B}"/>
+      <thm15:themeFamily xmlns:thm15="http://schemas.microsoft.com/office/thememl/2012/main" xmlns="" name="SoftUni" id="{D61FAD9B-6E74-4E03-BFE4-B363D484F1DA}" vid="{7089C1A3-635B-4B03-A017-DAF10A3A396B}"/>
     </a:ext>
   </a:extLst>
 </a:theme>
@@ -25058,7 +24948,7 @@
   <a:extraClrSchemeLst/>
   <a:extLst>
     <a:ext uri="{05A4C25C-085E-4340-85A3-A5531E510DB2}">
-      <thm15:themeFamily xmlns="" xmlns:thm15="http://schemas.microsoft.com/office/thememl/2012/main" name="Office Theme" id="{62F939B6-93AF-4DB8-9C6B-D6C7DFDC589F}" vid="{4A3C46E8-61CC-4603-A589-7422A47A8E4A}"/>
+      <thm15:themeFamily xmlns:thm15="http://schemas.microsoft.com/office/thememl/2012/main" xmlns="" name="Office Theme" id="{62F939B6-93AF-4DB8-9C6B-D6C7DFDC589F}" vid="{4A3C46E8-61CC-4603-A589-7422A47A8E4A}"/>
     </a:ext>
   </a:extLst>
 </a:theme>
@@ -25353,7 +25243,7 @@
   <a:extraClrSchemeLst/>
   <a:extLst>
     <a:ext uri="{05A4C25C-085E-4340-85A3-A5531E510DB2}">
-      <thm15:themeFamily xmlns="" xmlns:thm15="http://schemas.microsoft.com/office/thememl/2012/main" name="Office Theme" id="{62F939B6-93AF-4DB8-9C6B-D6C7DFDC589F}" vid="{4A3C46E8-61CC-4603-A589-7422A47A8E4A}"/>
+      <thm15:themeFamily xmlns:thm15="http://schemas.microsoft.com/office/thememl/2012/main" xmlns="" name="Office Theme" id="{62F939B6-93AF-4DB8-9C6B-D6C7DFDC589F}" vid="{4A3C46E8-61CC-4603-A589-7422A47A8E4A}"/>
     </a:ext>
   </a:extLst>
 </a:theme>

--- a/Courses/Software-Sciences/Module-3-Databases-New/05-SQL-INSERT-UPDATE-DELETE/05-SQL-INSERT-UPDATE-DELETE.pptx
+++ b/Courses/Software-Sciences/Module-3-Databases-New/05-SQL-INSERT-UPDATE-DELETE/05-SQL-INSERT-UPDATE-DELETE.pptx
@@ -443,7 +443,7 @@
           <a:p>
             <a:fld id="{4E087215-0C8F-4762-A664-737A353EC9A4}" type="datetimeFigureOut">
               <a:rPr lang="bg-BG" smtClean="0"/>
-              <a:t>6.10.2023 г.</a:t>
+              <a:t>27.11.2023 г.</a:t>
             </a:fld>
             <a:endParaRPr lang="bg-BG"/>
           </a:p>
@@ -639,7 +639,7 @@
           <a:p>
             <a:fld id="{72D84649-876A-46C9-8472-14CB09C070D8}" type="datetimeFigureOut">
               <a:rPr lang="en-US" smtClean="0"/>
-              <a:t>10/6/2023</a:t>
+              <a:t>11/27/2023</a:t>
             </a:fld>
             <a:endParaRPr lang="en-US"/>
           </a:p>
@@ -8281,32 +8281,6 @@
           <a:chExt cx="0" cy="0"/>
         </a:xfrm>
       </p:grpSpPr>
-      <p:pic>
-        <p:nvPicPr>
-          <p:cNvPr id="2050" name="Picture 2" descr="File:Delete.png - Vintage Story Wiki"/>
-          <p:cNvPicPr>
-            <a:picLocks noChangeAspect="1" noChangeArrowheads="1"/>
-          </p:cNvPicPr>
-          <p:nvPr/>
-        </p:nvPicPr>
-        <p:blipFill>
-          <a:blip r:embed="rId2" cstate="print"/>
-          <a:srcRect/>
-          <a:stretch>
-            <a:fillRect/>
-          </a:stretch>
-        </p:blipFill>
-        <p:spPr bwMode="auto">
-          <a:xfrm>
-            <a:off x="4881000" y="1314000"/>
-            <a:ext cx="2438400" cy="2438400"/>
-          </a:xfrm>
-          <a:prstGeom prst="rect">
-            <a:avLst/>
-          </a:prstGeom>
-          <a:noFill/>
-        </p:spPr>
-      </p:pic>
       <p:sp>
         <p:nvSpPr>
           <p:cNvPr id="5" name="Подзаглавие 4">
@@ -8364,6 +8338,53 @@
           </a:p>
         </p:txBody>
       </p:sp>
+      <p:pic>
+        <p:nvPicPr>
+          <p:cNvPr id="1026" name="Picture 2" descr="DX Delete Attached Media – WordPress plugin | WordPress.org">
+            <a:extLst>
+              <a:ext uri="{FF2B5EF4-FFF2-40B4-BE49-F238E27FC236}">
+                <a16:creationId xmlns:a16="http://schemas.microsoft.com/office/drawing/2014/main" id="{93DA4F4F-ED7F-3E89-493A-9256C363D549}"/>
+              </a:ext>
+            </a:extLst>
+          </p:cNvPr>
+          <p:cNvPicPr>
+            <a:picLocks noChangeAspect="1" noChangeArrowheads="1"/>
+          </p:cNvPicPr>
+          <p:nvPr/>
+        </p:nvPicPr>
+        <p:blipFill>
+          <a:blip r:embed="rId2">
+            <a:extLst>
+              <a:ext uri="{28A0092B-C50C-407E-A947-70E740481C1C}">
+                <a14:useLocalDpi xmlns:a14="http://schemas.microsoft.com/office/drawing/2010/main" val="0"/>
+              </a:ext>
+            </a:extLst>
+          </a:blip>
+          <a:srcRect/>
+          <a:stretch>
+            <a:fillRect/>
+          </a:stretch>
+        </p:blipFill>
+        <p:spPr bwMode="auto">
+          <a:xfrm>
+            <a:off x="4676400" y="1219800"/>
+            <a:ext cx="2839200" cy="2839200"/>
+          </a:xfrm>
+          <a:prstGeom prst="flowChartConnector">
+            <a:avLst/>
+          </a:prstGeom>
+          <a:noFill/>
+          <a:extLst>
+            <a:ext uri="{909E8E84-426E-40DD-AFC4-6F175D3DCCD1}">
+              <a14:hiddenFill xmlns:a14="http://schemas.microsoft.com/office/drawing/2010/main">
+                <a:solidFill>
+                  <a:srgbClr val="FFFFFF"/>
+                </a:solidFill>
+              </a14:hiddenFill>
+            </a:ext>
+          </a:extLst>
+        </p:spPr>
+      </p:pic>
     </p:spTree>
     <p:extLst>
       <p:ext uri="{BB962C8B-B14F-4D97-AF65-F5344CB8AC3E}">

--- a/Courses/Software-Sciences/Module-3-Databases-New/05-SQL-INSERT-UPDATE-DELETE/05-SQL-INSERT-UPDATE-DELETE.pptx
+++ b/Courses/Software-Sciences/Module-3-Databases-New/05-SQL-INSERT-UPDATE-DELETE/05-SQL-INSERT-UPDATE-DELETE.pptx
@@ -443,7 +443,7 @@
           <a:p>
             <a:fld id="{4E087215-0C8F-4762-A664-737A353EC9A4}" type="datetimeFigureOut">
               <a:rPr lang="bg-BG" smtClean="0"/>
-              <a:t>27.11.2023 г.</a:t>
+              <a:t>28.11.2023 г.</a:t>
             </a:fld>
             <a:endParaRPr lang="bg-BG"/>
           </a:p>
@@ -639,7 +639,7 @@
           <a:p>
             <a:fld id="{72D84649-876A-46C9-8472-14CB09C070D8}" type="datetimeFigureOut">
               <a:rPr lang="en-US" smtClean="0"/>
-              <a:t>11/27/2023</a:t>
+              <a:t>11/28/2023</a:t>
             </a:fld>
             <a:endParaRPr lang="en-US"/>
           </a:p>
@@ -8340,19 +8340,19 @@
       </p:sp>
       <p:pic>
         <p:nvPicPr>
-          <p:cNvPr id="1026" name="Picture 2" descr="DX Delete Attached Media – WordPress plugin | WordPress.org">
+          <p:cNvPr id="9" name="Picture 8" descr="A circular logo with a circular object with a red x in the middle&#10;&#10;Description automatically generated">
             <a:extLst>
               <a:ext uri="{FF2B5EF4-FFF2-40B4-BE49-F238E27FC236}">
-                <a16:creationId xmlns:a16="http://schemas.microsoft.com/office/drawing/2014/main" id="{93DA4F4F-ED7F-3E89-493A-9256C363D549}"/>
+                <a16:creationId xmlns:a16="http://schemas.microsoft.com/office/drawing/2014/main" id="{1D7AD143-D451-1205-1F34-66CBBECD065D}"/>
               </a:ext>
             </a:extLst>
           </p:cNvPr>
           <p:cNvPicPr>
-            <a:picLocks noChangeAspect="1" noChangeArrowheads="1"/>
+            <a:picLocks noChangeAspect="1"/>
           </p:cNvPicPr>
           <p:nvPr/>
         </p:nvPicPr>
-        <p:blipFill>
+        <p:blipFill rotWithShape="1">
           <a:blip r:embed="rId2">
             <a:extLst>
               <a:ext uri="{28A0092B-C50C-407E-A947-70E740481C1C}">
@@ -8360,29 +8360,17 @@
               </a:ext>
             </a:extLst>
           </a:blip>
-          <a:srcRect/>
-          <a:stretch>
-            <a:fillRect/>
-          </a:stretch>
+          <a:srcRect l="18461" t="19693" r="18461" b="18768"/>
+          <a:stretch/>
         </p:blipFill>
-        <p:spPr bwMode="auto">
+        <p:spPr>
           <a:xfrm>
-            <a:off x="4676400" y="1219800"/>
-            <a:ext cx="2839200" cy="2839200"/>
+            <a:off x="4701000" y="1292049"/>
+            <a:ext cx="2790000" cy="2721951"/>
           </a:xfrm>
           <a:prstGeom prst="flowChartConnector">
             <a:avLst/>
           </a:prstGeom>
-          <a:noFill/>
-          <a:extLst>
-            <a:ext uri="{909E8E84-426E-40DD-AFC4-6F175D3DCCD1}">
-              <a14:hiddenFill xmlns:a14="http://schemas.microsoft.com/office/drawing/2010/main">
-                <a:solidFill>
-                  <a:srgbClr val="FFFFFF"/>
-                </a:solidFill>
-              </a14:hiddenFill>
-            </a:ext>
-          </a:extLst>
         </p:spPr>
       </p:pic>
     </p:spTree>
@@ -14311,34 +14299,6 @@
           <a:chExt cx="0" cy="0"/>
         </a:xfrm>
       </p:grpSpPr>
-      <p:pic>
-        <p:nvPicPr>
-          <p:cNvPr id="37890" name="Picture 2" descr="Add - Free signs icons"/>
-          <p:cNvPicPr>
-            <a:picLocks noChangeAspect="1" noChangeArrowheads="1"/>
-          </p:cNvPicPr>
-          <p:nvPr/>
-        </p:nvPicPr>
-        <p:blipFill>
-          <a:blip r:embed="rId2" cstate="print">
-            <a:lum bright="100000"/>
-          </a:blip>
-          <a:srcRect/>
-          <a:stretch>
-            <a:fillRect/>
-          </a:stretch>
-        </p:blipFill>
-        <p:spPr bwMode="auto">
-          <a:xfrm>
-            <a:off x="4746000" y="1269000"/>
-            <a:ext cx="2716800" cy="2716801"/>
-          </a:xfrm>
-          <a:prstGeom prst="rect">
-            <a:avLst/>
-          </a:prstGeom>
-          <a:noFill/>
-        </p:spPr>
-      </p:pic>
       <p:sp>
         <p:nvSpPr>
           <p:cNvPr id="5" name="Подзаглавие 4">
@@ -14396,6 +14356,49 @@
           </a:p>
         </p:txBody>
       </p:sp>
+      <p:pic>
+        <p:nvPicPr>
+          <p:cNvPr id="3" name="Picture 2" descr="A graphic of a database&#10;&#10;Description automatically generated">
+            <a:extLst>
+              <a:ext uri="{FF2B5EF4-FFF2-40B4-BE49-F238E27FC236}">
+                <a16:creationId xmlns:a16="http://schemas.microsoft.com/office/drawing/2014/main" id="{D93CCD6C-A52C-92F8-248D-A653332645E3}"/>
+              </a:ext>
+            </a:extLst>
+          </p:cNvPr>
+          <p:cNvPicPr>
+            <a:picLocks noChangeAspect="1"/>
+          </p:cNvPicPr>
+          <p:nvPr/>
+        </p:nvPicPr>
+        <p:blipFill>
+          <a:blip r:embed="rId2">
+            <a:extLst>
+              <a:ext uri="{28A0092B-C50C-407E-A947-70E740481C1C}">
+                <a14:useLocalDpi xmlns:a14="http://schemas.microsoft.com/office/drawing/2010/main" val="0"/>
+              </a:ext>
+            </a:extLst>
+          </a:blip>
+          <a:stretch>
+            <a:fillRect/>
+          </a:stretch>
+        </p:blipFill>
+        <p:spPr>
+          <a:xfrm>
+            <a:off x="4730988" y="1269000"/>
+            <a:ext cx="2730024" cy="2730024"/>
+          </a:xfrm>
+          <a:prstGeom prst="ellipse">
+            <a:avLst/>
+          </a:prstGeom>
+          <a:ln>
+            <a:solidFill>
+              <a:schemeClr val="bg2">
+                <a:lumMod val="75000"/>
+              </a:schemeClr>
+            </a:solidFill>
+          </a:ln>
+        </p:spPr>
+      </p:pic>
     </p:spTree>
     <p:extLst>
       <p:ext uri="{BB962C8B-B14F-4D97-AF65-F5344CB8AC3E}">
@@ -16066,36 +16069,6 @@
           <a:chExt cx="0" cy="0"/>
         </a:xfrm>
       </p:grpSpPr>
-      <p:pic>
-        <p:nvPicPr>
-          <p:cNvPr id="9" name="Picture 8"/>
-          <p:cNvPicPr>
-            <a:picLocks noChangeAspect="1"/>
-          </p:cNvPicPr>
-          <p:nvPr/>
-        </p:nvPicPr>
-        <p:blipFill>
-          <a:blip r:embed="rId2" cstate="print">
-            <a:extLst>
-              <a:ext uri="{28A0092B-C50C-407E-A947-70E740481C1C}">
-                <a14:useLocalDpi xmlns:a14="http://schemas.microsoft.com/office/drawing/2010/main" val="0"/>
-              </a:ext>
-            </a:extLst>
-          </a:blip>
-          <a:stretch>
-            <a:fillRect/>
-          </a:stretch>
-        </p:blipFill>
-        <p:spPr>
-          <a:xfrm>
-            <a:off x="4718304" y="1155192"/>
-            <a:ext cx="2761488" cy="2761488"/>
-          </a:xfrm>
-          <a:prstGeom prst="rect">
-            <a:avLst/>
-          </a:prstGeom>
-        </p:spPr>
-      </p:pic>
       <p:sp>
         <p:nvSpPr>
           <p:cNvPr id="3" name="Подзаглавие 2">
@@ -16153,6 +16126,41 @@
           </a:p>
         </p:txBody>
       </p:sp>
+      <p:pic>
+        <p:nvPicPr>
+          <p:cNvPr id="8" name="Picture 7" descr="A circular logo with a pencil and a circular object&#10;&#10;Description automatically generated">
+            <a:extLst>
+              <a:ext uri="{FF2B5EF4-FFF2-40B4-BE49-F238E27FC236}">
+                <a16:creationId xmlns:a16="http://schemas.microsoft.com/office/drawing/2014/main" id="{9324A23E-EB81-A3C9-C93E-AEF97BB9598B}"/>
+              </a:ext>
+            </a:extLst>
+          </p:cNvPr>
+          <p:cNvPicPr>
+            <a:picLocks noChangeAspect="1"/>
+          </p:cNvPicPr>
+          <p:nvPr/>
+        </p:nvPicPr>
+        <p:blipFill rotWithShape="1">
+          <a:blip r:embed="rId2">
+            <a:extLst>
+              <a:ext uri="{28A0092B-C50C-407E-A947-70E740481C1C}">
+                <a14:useLocalDpi xmlns:a14="http://schemas.microsoft.com/office/drawing/2010/main" val="0"/>
+              </a:ext>
+            </a:extLst>
+          </a:blip>
+          <a:srcRect l="16289" t="16998" r="16430" b="16430"/>
+          <a:stretch/>
+        </p:blipFill>
+        <p:spPr>
+          <a:xfrm>
+            <a:off x="4746000" y="1297421"/>
+            <a:ext cx="2700000" cy="2671579"/>
+          </a:xfrm>
+          <a:prstGeom prst="ellipse">
+            <a:avLst/>
+          </a:prstGeom>
+        </p:spPr>
+      </p:pic>
     </p:spTree>
     <p:extLst>
       <p:ext uri="{BB962C8B-B14F-4D97-AF65-F5344CB8AC3E}">

--- a/Courses/Software-Sciences/Module-3-Databases-New/05-SQL-INSERT-UPDATE-DELETE/05-SQL-INSERT-UPDATE-DELETE.pptx
+++ b/Courses/Software-Sciences/Module-3-Databases-New/05-SQL-INSERT-UPDATE-DELETE/05-SQL-INSERT-UPDATE-DELETE.pptx
@@ -443,7 +443,7 @@
           <a:p>
             <a:fld id="{4E087215-0C8F-4762-A664-737A353EC9A4}" type="datetimeFigureOut">
               <a:rPr lang="bg-BG" smtClean="0"/>
-              <a:t>28.11.2023 г.</a:t>
+              <a:t>13.07.24 г.</a:t>
             </a:fld>
             <a:endParaRPr lang="bg-BG"/>
           </a:p>
@@ -639,7 +639,7 @@
           <a:p>
             <a:fld id="{72D84649-876A-46C9-8472-14CB09C070D8}" type="datetimeFigureOut">
               <a:rPr lang="en-US" smtClean="0"/>
-              <a:t>11/28/2023</a:t>
+              <a:t>7/13/24</a:t>
             </a:fld>
             <a:endParaRPr lang="en-US"/>
           </a:p>
@@ -14640,7 +14640,7 @@
                 <a:latin typeface="Consolas" pitchFamily="49" charset="0"/>
                 <a:cs typeface="Consolas" pitchFamily="49" charset="0"/>
               </a:rPr>
-              <a:t>table_name ((column1, column2, …)</a:t>
+              <a:t>table_name (column1, column2, …)</a:t>
             </a:r>
           </a:p>
           <a:p>

--- a/Courses/Software-Sciences/Module-3-Databases-New/05-SQL-INSERT-UPDATE-DELETE/05-SQL-INSERT-UPDATE-DELETE.pptx
+++ b/Courses/Software-Sciences/Module-3-Databases-New/05-SQL-INSERT-UPDATE-DELETE/05-SQL-INSERT-UPDATE-DELETE.pptx
@@ -443,7 +443,7 @@
           <a:p>
             <a:fld id="{4E087215-0C8F-4762-A664-737A353EC9A4}" type="datetimeFigureOut">
               <a:rPr lang="bg-BG" smtClean="0"/>
-              <a:t>13.07.24 г.</a:t>
+              <a:t>15.07.24 г.</a:t>
             </a:fld>
             <a:endParaRPr lang="bg-BG"/>
           </a:p>
@@ -639,7 +639,7 @@
           <a:p>
             <a:fld id="{72D84649-876A-46C9-8472-14CB09C070D8}" type="datetimeFigureOut">
               <a:rPr lang="en-US" smtClean="0"/>
-              <a:t>7/13/24</a:t>
+              <a:t>7/15/24</a:t>
             </a:fld>
             <a:endParaRPr lang="en-US"/>
           </a:p>
@@ -15487,7 +15487,7 @@
                 <a:latin typeface="Consolas" pitchFamily="49" charset="0"/>
                 <a:cs typeface="Consolas" pitchFamily="49" charset="0"/>
               </a:rPr>
-              <a:t>('Ivan Petrov‘, 'ivan@abv.bg')</a:t>
+              <a:t>('Ivan Petrov', 'ivan@abv.bg')</a:t>
             </a:r>
           </a:p>
         </p:txBody>

--- a/Courses/Software-Sciences/Module-3-Databases-New/05-SQL-INSERT-UPDATE-DELETE/05-SQL-INSERT-UPDATE-DELETE.pptx
+++ b/Courses/Software-Sciences/Module-3-Databases-New/05-SQL-INSERT-UPDATE-DELETE/05-SQL-INSERT-UPDATE-DELETE.pptx
@@ -443,7 +443,7 @@
           <a:p>
             <a:fld id="{4E087215-0C8F-4762-A664-737A353EC9A4}" type="datetimeFigureOut">
               <a:rPr lang="bg-BG" smtClean="0"/>
-              <a:t>15.07.24 г.</a:t>
+              <a:t>16.07.24 г.</a:t>
             </a:fld>
             <a:endParaRPr lang="bg-BG"/>
           </a:p>
@@ -639,7 +639,7 @@
           <a:p>
             <a:fld id="{72D84649-876A-46C9-8472-14CB09C070D8}" type="datetimeFigureOut">
               <a:rPr lang="en-US" smtClean="0"/>
-              <a:t>7/15/24</a:t>
+              <a:t>7/16/24</a:t>
             </a:fld>
             <a:endParaRPr lang="en-US"/>
           </a:p>
@@ -10118,13 +10118,15 @@
             </a:r>
             <a:r>
               <a:rPr lang="bg-BG" sz="3500" dirty="0"/>
-              <a:t> поръчките, чиито </a:t>
+              <a:t> поръчките, чийто </a:t>
             </a:r>
             <a:r>
               <a:rPr lang="en-US" sz="3500" b="1" dirty="0">
                 <a:solidFill>
                   <a:schemeClr val="bg1"/>
                 </a:solidFill>
+                <a:latin typeface="Consolas" panose="020B0609020204030204" pitchFamily="49" charset="0"/>
+                <a:cs typeface="Consolas" panose="020B0609020204030204" pitchFamily="49" charset="0"/>
               </a:rPr>
               <a:t>OrderDate</a:t>
             </a:r>
@@ -10168,6 +10170,8 @@
                 <a:solidFill>
                   <a:schemeClr val="bg1"/>
                 </a:solidFill>
+                <a:latin typeface="Consolas" panose="020B0609020204030204" pitchFamily="49" charset="0"/>
+                <a:cs typeface="Consolas" panose="020B0609020204030204" pitchFamily="49" charset="0"/>
               </a:rPr>
               <a:t>WHERE</a:t>
             </a:r>
@@ -11428,6 +11432,55 @@
                                           </p:stCondLst>
                                         </p:cTn>
                                         <p:tgtEl>
+                                          <p:spTgt spid="5">
+                                            <p:txEl>
+                                              <p:pRg st="1" end="1"/>
+                                            </p:txEl>
+                                          </p:spTgt>
+                                        </p:tgtEl>
+                                        <p:attrNameLst>
+                                          <p:attrName>style.visibility</p:attrName>
+                                        </p:attrNameLst>
+                                      </p:cBhvr>
+                                      <p:to>
+                                        <p:strVal val="visible"/>
+                                      </p:to>
+                                    </p:set>
+                                  </p:childTnLst>
+                                </p:cTn>
+                              </p:par>
+                            </p:childTnLst>
+                          </p:cTn>
+                        </p:par>
+                      </p:childTnLst>
+                    </p:cTn>
+                  </p:par>
+                  <p:par>
+                    <p:cTn id="7" fill="hold">
+                      <p:stCondLst>
+                        <p:cond delay="indefinite"/>
+                      </p:stCondLst>
+                      <p:childTnLst>
+                        <p:par>
+                          <p:cTn id="8" fill="hold">
+                            <p:stCondLst>
+                              <p:cond delay="0"/>
+                            </p:stCondLst>
+                            <p:childTnLst>
+                              <p:par>
+                                <p:cTn id="9" presetID="1" presetClass="entr" presetSubtype="0" fill="hold" nodeType="clickEffect">
+                                  <p:stCondLst>
+                                    <p:cond delay="0"/>
+                                  </p:stCondLst>
+                                  <p:childTnLst>
+                                    <p:set>
+                                      <p:cBhvr>
+                                        <p:cTn id="10" dur="1" fill="hold">
+                                          <p:stCondLst>
+                                            <p:cond delay="0"/>
+                                          </p:stCondLst>
+                                        </p:cTn>
+                                        <p:tgtEl>
                                           <p:spTgt spid="8"/>
                                         </p:tgtEl>
                                         <p:attrNameLst>
@@ -11701,7 +11754,7 @@
         </p:nvSpPr>
         <p:spPr bwMode="auto">
           <a:xfrm>
-            <a:off x="6996000" y="3519000"/>
+            <a:off x="6861000" y="3644259"/>
             <a:ext cx="3600000" cy="1845000"/>
           </a:xfrm>
           <a:prstGeom prst="wedgeRoundRectCallout">
@@ -13530,7 +13583,7 @@
 </file>
 
 <file path=ppt/slides/slide18.xml><?xml version="1.0" encoding="utf-8"?>
-<p:sld xmlns:a="http://schemas.openxmlformats.org/drawingml/2006/main" xmlns:r="http://schemas.openxmlformats.org/officeDocument/2006/relationships" xmlns:p="http://schemas.openxmlformats.org/presentationml/2006/main">
+<p:sld xmlns:a="http://schemas.openxmlformats.org/drawingml/2006/main" xmlns:r="http://schemas.openxmlformats.org/officeDocument/2006/relationships" xmlns:p="http://schemas.openxmlformats.org/presentationml/2006/main" show="0">
   <p:cSld>
     <p:spTree>
       <p:nvGrpSpPr>
@@ -13901,11 +13954,11 @@
   <p:clrMapOvr>
     <a:masterClrMapping/>
   </p:clrMapOvr>
-  <mc:AlternateContent xmlns:mc="http://schemas.openxmlformats.org/markup-compatibility/2006" xmlns:p14="http://schemas.microsoft.com/office/powerpoint/2010/main">
-    <mc:Choice Requires="p14">
+  <mc:AlternateContent xmlns:mc="http://schemas.openxmlformats.org/markup-compatibility/2006">
+    <mc:Choice xmlns:p14="http://schemas.microsoft.com/office/powerpoint/2010/main" Requires="p14">
       <p:transition spd="slow" p14:dur="2000" advClick="0" advTm="5000"/>
     </mc:Choice>
-    <mc:Fallback xmlns="">
+    <mc:Fallback>
       <p:transition spd="slow" advClick="0" advTm="5000"/>
     </mc:Fallback>
   </mc:AlternateContent>
@@ -20646,7 +20699,11 @@
                                           </p:stCondLst>
                                         </p:cTn>
                                         <p:tgtEl>
-                                          <p:spTgt spid="8"/>
+                                          <p:spTgt spid="5">
+                                            <p:txEl>
+                                              <p:pRg st="1" end="1"/>
+                                            </p:txEl>
+                                          </p:spTgt>
                                         </p:tgtEl>
                                         <p:attrNameLst>
                                           <p:attrName>style.visibility</p:attrName>
@@ -20678,7 +20735,7 @@
                             </p:stCondLst>
                             <p:childTnLst>
                               <p:par>
-                                <p:cTn id="9" presetID="1" presetClass="entr" presetSubtype="0" fill="hold" grpId="0" nodeType="clickEffect">
+                                <p:cTn id="9" presetID="1" presetClass="entr" presetSubtype="0" fill="hold" nodeType="clickEffect">
                                   <p:stCondLst>
                                     <p:cond delay="0"/>
                                   </p:stCondLst>
@@ -20691,7 +20748,7 @@
                                           </p:stCondLst>
                                         </p:cTn>
                                         <p:tgtEl>
-                                          <p:spTgt spid="10"/>
+                                          <p:spTgt spid="8"/>
                                         </p:tgtEl>
                                         <p:attrNameLst>
                                           <p:attrName>style.visibility</p:attrName>
@@ -20723,7 +20780,7 @@
                             </p:stCondLst>
                             <p:childTnLst>
                               <p:par>
-                                <p:cTn id="13" presetID="1" presetClass="entr" presetSubtype="0" fill="hold" nodeType="clickEffect">
+                                <p:cTn id="13" presetID="1" presetClass="entr" presetSubtype="0" fill="hold" grpId="0" nodeType="clickEffect">
                                   <p:stCondLst>
                                     <p:cond delay="0"/>
                                   </p:stCondLst>
@@ -20731,6 +20788,51 @@
                                     <p:set>
                                       <p:cBhvr>
                                         <p:cTn id="14" dur="1" fill="hold">
+                                          <p:stCondLst>
+                                            <p:cond delay="0"/>
+                                          </p:stCondLst>
+                                        </p:cTn>
+                                        <p:tgtEl>
+                                          <p:spTgt spid="10"/>
+                                        </p:tgtEl>
+                                        <p:attrNameLst>
+                                          <p:attrName>style.visibility</p:attrName>
+                                        </p:attrNameLst>
+                                      </p:cBhvr>
+                                      <p:to>
+                                        <p:strVal val="visible"/>
+                                      </p:to>
+                                    </p:set>
+                                  </p:childTnLst>
+                                </p:cTn>
+                              </p:par>
+                            </p:childTnLst>
+                          </p:cTn>
+                        </p:par>
+                      </p:childTnLst>
+                    </p:cTn>
+                  </p:par>
+                  <p:par>
+                    <p:cTn id="15" fill="hold">
+                      <p:stCondLst>
+                        <p:cond delay="indefinite"/>
+                      </p:stCondLst>
+                      <p:childTnLst>
+                        <p:par>
+                          <p:cTn id="16" fill="hold">
+                            <p:stCondLst>
+                              <p:cond delay="0"/>
+                            </p:stCondLst>
+                            <p:childTnLst>
+                              <p:par>
+                                <p:cTn id="17" presetID="1" presetClass="entr" presetSubtype="0" fill="hold" nodeType="clickEffect">
+                                  <p:stCondLst>
+                                    <p:cond delay="0"/>
+                                  </p:stCondLst>
+                                  <p:childTnLst>
+                                    <p:set>
+                                      <p:cBhvr>
+                                        <p:cTn id="18" dur="1" fill="hold">
                                           <p:stCondLst>
                                             <p:cond delay="0"/>
                                           </p:stCondLst>

--- a/Courses/Software-Sciences/Module-3-Databases-New/05-SQL-INSERT-UPDATE-DELETE/05-SQL-INSERT-UPDATE-DELETE.pptx
+++ b/Courses/Software-Sciences/Module-3-Databases-New/05-SQL-INSERT-UPDATE-DELETE/05-SQL-INSERT-UPDATE-DELETE.pptx
@@ -443,7 +443,7 @@
           <a:p>
             <a:fld id="{4E087215-0C8F-4762-A664-737A353EC9A4}" type="datetimeFigureOut">
               <a:rPr lang="bg-BG" smtClean="0"/>
-              <a:t>16.07.24 г.</a:t>
+              <a:t>17.07.24 г.</a:t>
             </a:fld>
             <a:endParaRPr lang="bg-BG"/>
           </a:p>
@@ -639,7 +639,7 @@
           <a:p>
             <a:fld id="{72D84649-876A-46C9-8472-14CB09C070D8}" type="datetimeFigureOut">
               <a:rPr lang="en-US" smtClean="0"/>
-              <a:t>7/16/24</a:t>
+              <a:t>7/17/24</a:t>
             </a:fld>
             <a:endParaRPr lang="en-US"/>
           </a:p>
@@ -7641,6 +7641,41 @@
           </a:p>
         </p:txBody>
       </p:sp>
+      <p:pic>
+        <p:nvPicPr>
+          <p:cNvPr id="2" name="Picture 1">
+            <a:extLst>
+              <a:ext uri="{FF2B5EF4-FFF2-40B4-BE49-F238E27FC236}">
+                <a16:creationId xmlns:a16="http://schemas.microsoft.com/office/drawing/2014/main" id="{18920B08-BE21-33ED-8CDB-7B01583B9524}"/>
+              </a:ext>
+            </a:extLst>
+          </p:cNvPr>
+          <p:cNvPicPr>
+            <a:picLocks noChangeAspect="1"/>
+          </p:cNvPicPr>
+          <p:nvPr/>
+        </p:nvPicPr>
+        <p:blipFill>
+          <a:blip r:embed="rId5">
+            <a:extLst>
+              <a:ext uri="{28A0092B-C50C-407E-A947-70E740481C1C}">
+                <a14:useLocalDpi xmlns:a14="http://schemas.microsoft.com/office/drawing/2010/main" val="0"/>
+              </a:ext>
+            </a:extLst>
+          </a:blip>
+          <a:srcRect/>
+          <a:stretch/>
+        </p:blipFill>
+        <p:spPr>
+          <a:xfrm>
+            <a:off x="584311" y="3002368"/>
+            <a:ext cx="1956689" cy="875691"/>
+          </a:xfrm>
+          <a:prstGeom prst="rect">
+            <a:avLst/>
+          </a:prstGeom>
+        </p:spPr>
+      </p:pic>
     </p:spTree>
     <p:extLst>
       <p:ext uri="{BB962C8B-B14F-4D97-AF65-F5344CB8AC3E}">
@@ -13954,11 +13989,11 @@
   <p:clrMapOvr>
     <a:masterClrMapping/>
   </p:clrMapOvr>
-  <mc:AlternateContent xmlns:mc="http://schemas.openxmlformats.org/markup-compatibility/2006">
-    <mc:Choice xmlns:p14="http://schemas.microsoft.com/office/powerpoint/2010/main" Requires="p14">
+  <mc:AlternateContent xmlns:mc="http://schemas.openxmlformats.org/markup-compatibility/2006" xmlns:p14="http://schemas.microsoft.com/office/powerpoint/2010/main">
+    <mc:Choice Requires="p14">
       <p:transition spd="slow" p14:dur="2000" advClick="0" advTm="5000"/>
     </mc:Choice>
-    <mc:Fallback>
+    <mc:Fallback xmlns="">
       <p:transition spd="slow" advClick="0" advTm="5000"/>
     </mc:Fallback>
   </mc:AlternateContent>

--- a/Courses/Software-Sciences/Module-3-Databases-New/05-SQL-INSERT-UPDATE-DELETE/05-SQL-INSERT-UPDATE-DELETE.pptx
+++ b/Courses/Software-Sciences/Module-3-Databases-New/05-SQL-INSERT-UPDATE-DELETE/05-SQL-INSERT-UPDATE-DELETE.pptx
@@ -443,7 +443,7 @@
           <a:p>
             <a:fld id="{4E087215-0C8F-4762-A664-737A353EC9A4}" type="datetimeFigureOut">
               <a:rPr lang="bg-BG" smtClean="0"/>
-              <a:t>17.07.24 г.</a:t>
+              <a:t>18.07.24 г.</a:t>
             </a:fld>
             <a:endParaRPr lang="bg-BG"/>
           </a:p>
@@ -639,7 +639,7 @@
           <a:p>
             <a:fld id="{72D84649-876A-46C9-8472-14CB09C070D8}" type="datetimeFigureOut">
               <a:rPr lang="en-US" smtClean="0"/>
-              <a:t>7/17/24</a:t>
+              <a:t>7/18/24</a:t>
             </a:fld>
             <a:endParaRPr lang="en-US"/>
           </a:p>
@@ -8032,7 +8032,7 @@
                   </a:outerShdw>
                 </a:effectLst>
               </a:rPr>
-              <a:t>Филтриране само на записизите, съдържащи </a:t>
+              <a:t>Филтриране само на записите, съдържащи </a:t>
             </a:r>
             <a:r>
               <a:rPr lang="en-US" sz="2800" b="1" noProof="1">
@@ -8197,6 +8197,141 @@
               <a:t>10</a:t>
             </a:fld>
             <a:endParaRPr lang="en-US" dirty="0"/>
+          </a:p>
+        </p:txBody>
+      </p:sp>
+      <p:sp>
+        <p:nvSpPr>
+          <p:cNvPr id="4" name="AutoShape 5">
+            <a:extLst>
+              <a:ext uri="{FF2B5EF4-FFF2-40B4-BE49-F238E27FC236}">
+                <a16:creationId xmlns:a16="http://schemas.microsoft.com/office/drawing/2014/main" id="{831A39A0-E58B-9A4D-5317-4545324CC0C9}"/>
+              </a:ext>
+            </a:extLst>
+          </p:cNvPr>
+          <p:cNvSpPr>
+            <a:spLocks noChangeArrowheads="1"/>
+          </p:cNvSpPr>
+          <p:nvPr/>
+        </p:nvSpPr>
+        <p:spPr bwMode="auto">
+          <a:xfrm>
+            <a:off x="7851000" y="1049946"/>
+            <a:ext cx="3694176" cy="1442955"/>
+          </a:xfrm>
+          <a:prstGeom prst="wedgeRoundRectCallout">
+            <a:avLst>
+              <a:gd name="adj1" fmla="val -59523"/>
+              <a:gd name="adj2" fmla="val 74217"/>
+              <a:gd name="adj3" fmla="val 16667"/>
+            </a:avLst>
+          </a:prstGeom>
+          <a:solidFill>
+            <a:schemeClr val="tx1">
+              <a:alpha val="80000"/>
+            </a:schemeClr>
+          </a:solidFill>
+          <a:ln w="19050">
+            <a:solidFill>
+              <a:schemeClr val="tx1">
+                <a:alpha val="80000"/>
+              </a:schemeClr>
+            </a:solidFill>
+          </a:ln>
+          <a:effectLst/>
+        </p:spPr>
+        <p:style>
+          <a:lnRef idx="2">
+            <a:schemeClr val="accent1">
+              <a:shade val="50000"/>
+            </a:schemeClr>
+          </a:lnRef>
+          <a:fillRef idx="1001">
+            <a:schemeClr val="dk2"/>
+          </a:fillRef>
+          <a:effectRef idx="0">
+            <a:schemeClr val="accent1"/>
+          </a:effectRef>
+          <a:fontRef idx="minor">
+            <a:schemeClr val="lt1"/>
+          </a:fontRef>
+        </p:style>
+        <p:txBody>
+          <a:bodyPr rot="0" spcFirstLastPara="0" vertOverflow="overflow" horzOverflow="overflow" vert="horz" wrap="square" lIns="91440" tIns="45720" rIns="91440" bIns="45720" numCol="1" spcCol="0" rtlCol="0" fromWordArt="0" anchor="ctr" anchorCtr="0" forceAA="0" compatLnSpc="1">
+            <a:prstTxWarp prst="textNoShape">
+              <a:avLst/>
+            </a:prstTxWarp>
+            <a:noAutofit/>
+          </a:bodyPr>
+          <a:lstStyle/>
+          <a:p>
+            <a:pPr algn="ctr"/>
+            <a:r>
+              <a:rPr lang="bg-BG" sz="2800" b="1" noProof="1">
+                <a:solidFill>
+                  <a:srgbClr val="FFFFFF"/>
+                </a:solidFill>
+                <a:effectLst>
+                  <a:outerShdw blurRad="38100" dist="38100" dir="2700000" algn="tl">
+                    <a:srgbClr val="000000">
+                      <a:alpha val="43137"/>
+                    </a:srgbClr>
+                  </a:outerShdw>
+                </a:effectLst>
+              </a:rPr>
+              <a:t>Задаваме </a:t>
+            </a:r>
+            <a:r>
+              <a:rPr lang="bg-BG" sz="2800" b="1" noProof="1">
+                <a:solidFill>
+                  <a:schemeClr val="accent1">
+                    <a:lumMod val="60000"/>
+                    <a:lumOff val="40000"/>
+                  </a:schemeClr>
+                </a:solidFill>
+                <a:effectLst>
+                  <a:outerShdw blurRad="38100" dist="38100" dir="2700000" algn="tl">
+                    <a:srgbClr val="000000">
+                      <a:alpha val="43137"/>
+                    </a:srgbClr>
+                  </a:outerShdw>
+                </a:effectLst>
+              </a:rPr>
+              <a:t>днешната</a:t>
+            </a:r>
+            <a:r>
+              <a:rPr lang="bg-BG" sz="2800" b="1" noProof="1">
+                <a:solidFill>
+                  <a:srgbClr val="FFFFFF"/>
+                </a:solidFill>
+                <a:effectLst>
+                  <a:outerShdw blurRad="38100" dist="38100" dir="2700000" algn="tl">
+                    <a:srgbClr val="000000">
+                      <a:alpha val="43137"/>
+                    </a:srgbClr>
+                  </a:outerShdw>
+                </a:effectLst>
+              </a:rPr>
+              <a:t> дата като </a:t>
+            </a:r>
+            <a:r>
+              <a:rPr lang="bg-BG" sz="2800" b="1" noProof="1">
+                <a:solidFill>
+                  <a:schemeClr val="accent1">
+                    <a:lumMod val="60000"/>
+                    <a:lumOff val="40000"/>
+                  </a:schemeClr>
+                </a:solidFill>
+                <a:effectLst>
+                  <a:outerShdw blurRad="38100" dist="38100" dir="2700000" algn="tl">
+                    <a:srgbClr val="000000">
+                      <a:alpha val="43137"/>
+                    </a:srgbClr>
+                  </a:outerShdw>
+                </a:effectLst>
+              </a:rPr>
+              <a:t>дата на завършване</a:t>
+            </a:r>
           </a:p>
         </p:txBody>
       </p:sp>
@@ -8271,6 +8406,51 @@
                       </p:childTnLst>
                     </p:cTn>
                   </p:par>
+                  <p:par>
+                    <p:cTn id="7" fill="hold">
+                      <p:stCondLst>
+                        <p:cond delay="indefinite"/>
+                      </p:stCondLst>
+                      <p:childTnLst>
+                        <p:par>
+                          <p:cTn id="8" fill="hold">
+                            <p:stCondLst>
+                              <p:cond delay="0"/>
+                            </p:stCondLst>
+                            <p:childTnLst>
+                              <p:par>
+                                <p:cTn id="9" presetID="1" presetClass="entr" presetSubtype="0" fill="hold" grpId="0" nodeType="clickEffect">
+                                  <p:stCondLst>
+                                    <p:cond delay="0"/>
+                                  </p:stCondLst>
+                                  <p:childTnLst>
+                                    <p:set>
+                                      <p:cBhvr>
+                                        <p:cTn id="10" dur="1" fill="hold">
+                                          <p:stCondLst>
+                                            <p:cond delay="0"/>
+                                          </p:stCondLst>
+                                        </p:cTn>
+                                        <p:tgtEl>
+                                          <p:spTgt spid="4"/>
+                                        </p:tgtEl>
+                                        <p:attrNameLst>
+                                          <p:attrName>style.visibility</p:attrName>
+                                        </p:attrNameLst>
+                                      </p:cBhvr>
+                                      <p:to>
+                                        <p:strVal val="visible"/>
+                                      </p:to>
+                                    </p:set>
+                                  </p:childTnLst>
+                                </p:cTn>
+                              </p:par>
+                            </p:childTnLst>
+                          </p:cTn>
+                        </p:par>
+                      </p:childTnLst>
+                    </p:cTn>
+                  </p:par>
                 </p:childTnLst>
               </p:cTn>
               <p:prevCondLst>
@@ -8294,6 +8474,7 @@
     </p:tnLst>
     <p:bldLst>
       <p:bldP spid="6" grpId="0" animBg="1"/>
+      <p:bldP spid="4" grpId="0" animBg="1"/>
     </p:bldLst>
   </p:timing>
 </p:sld>
@@ -10186,31 +10367,6 @@
               <a:t>'2023-01-01'</a:t>
             </a:r>
           </a:p>
-          <a:p>
-            <a:pPr lvl="1"/>
-            <a:r>
-              <a:rPr lang="bg-BG" sz="3300" dirty="0"/>
-              <a:t>Подсказка</a:t>
-            </a:r>
-            <a:r>
-              <a:rPr lang="en-US" sz="3300" dirty="0"/>
-              <a:t>: </a:t>
-            </a:r>
-            <a:r>
-              <a:rPr lang="bg-BG" sz="3300" dirty="0"/>
-              <a:t>Използвайте </a:t>
-            </a:r>
-            <a:r>
-              <a:rPr lang="en-US" sz="3300" b="1" dirty="0">
-                <a:solidFill>
-                  <a:schemeClr val="bg1"/>
-                </a:solidFill>
-                <a:latin typeface="Consolas" panose="020B0609020204030204" pitchFamily="49" charset="0"/>
-                <a:cs typeface="Consolas" panose="020B0609020204030204" pitchFamily="49" charset="0"/>
-              </a:rPr>
-              <a:t>WHERE</a:t>
-            </a:r>
-          </a:p>
         </p:txBody>
       </p:sp>
       <p:sp>
@@ -10230,7 +10386,7 @@
           <a:p>
             <a:r>
               <a:rPr lang="bg-BG" dirty="0"/>
-              <a:t>Задача</a:t>
+              <a:t>Примерна задача</a:t>
             </a:r>
             <a:r>
               <a:rPr lang="en-US" dirty="0"/>
@@ -10253,28 +10409,28 @@
           <p:nvPr>
             <p:extLst>
               <p:ext uri="{D42A27DB-BD31-4B8C-83A1-F6EECF244321}">
-                <p14:modId xmlns:p14="http://schemas.microsoft.com/office/powerpoint/2010/main" val="888307407"/>
+                <p14:modId xmlns:p14="http://schemas.microsoft.com/office/powerpoint/2010/main" val="3693451607"/>
               </p:ext>
             </p:extLst>
           </p:nvPr>
         </p:nvGraphicFramePr>
         <p:xfrm>
-          <a:off x="3396000" y="3159000"/>
-          <a:ext cx="5393825" cy="2745000"/>
+          <a:off x="2541000" y="2934000"/>
+          <a:ext cx="7110000" cy="3099750"/>
         </p:xfrm>
         <a:graphic>
           <a:graphicData uri="http://schemas.openxmlformats.org/drawingml/2006/table">
             <a:tbl>
               <a:tblPr/>
               <a:tblGrid>
-                <a:gridCol w="3352918">
+                <a:gridCol w="4050000">
                   <a:extLst>
                     <a:ext uri="{9D8B030D-6E8A-4147-A177-3AD203B41FA5}">
                       <a16:colId xmlns:a16="http://schemas.microsoft.com/office/drawing/2014/main" val="20000"/>
                     </a:ext>
                   </a:extLst>
                 </a:gridCol>
-                <a:gridCol w="2040907">
+                <a:gridCol w="3060000">
                   <a:extLst>
                     <a:ext uri="{9D8B030D-6E8A-4147-A177-3AD203B41FA5}">
                       <a16:colId xmlns:a16="http://schemas.microsoft.com/office/drawing/2014/main" val="20001"/>
@@ -10282,7 +10438,7 @@
                   </a:extLst>
                 </a:gridCol>
               </a:tblGrid>
-              <a:tr h="546604">
+              <a:tr h="582447">
                 <a:tc>
                   <a:txBody>
                     <a:bodyPr/>
@@ -10307,7 +10463,7 @@
                         <a:tabLst/>
                       </a:pPr>
                       <a:r>
-                        <a:rPr kumimoji="1" lang="en-US" sz="3000" b="1" i="0" u="none" strike="noStrike" cap="none" normalizeH="0" baseline="0" noProof="1">
+                        <a:rPr kumimoji="1" lang="en-US" sz="3600" b="1" i="0" u="none" strike="noStrike" cap="none" normalizeH="0" baseline="0" noProof="1">
                           <a:ln>
                             <a:noFill/>
                           </a:ln>
@@ -10409,7 +10565,7 @@
                         <a:tabLst/>
                       </a:pPr>
                       <a:r>
-                        <a:rPr kumimoji="1" lang="en-US" sz="3000" b="1" i="0" u="none" strike="noStrike" cap="none" normalizeH="0" baseline="0" noProof="1">
+                        <a:rPr kumimoji="1" lang="en-US" sz="3600" b="1" i="0" u="none" strike="noStrike" cap="none" normalizeH="0" baseline="0" noProof="1">
                           <a:ln>
                             <a:noFill/>
                           </a:ln>
@@ -10493,7 +10649,7 @@
                   </a:ext>
                 </a:extLst>
               </a:tr>
-              <a:tr h="549599">
+              <a:tr h="585638">
                 <a:tc>
                   <a:txBody>
                     <a:bodyPr/>
@@ -10518,7 +10674,7 @@
                         <a:tabLst/>
                       </a:pPr>
                       <a:r>
-                        <a:rPr kumimoji="1" lang="en-US" sz="3000" b="1" i="0" u="none" strike="noStrike" cap="none" normalizeH="0" baseline="0" dirty="0">
+                        <a:rPr kumimoji="1" lang="en-US" sz="3600" b="1" i="0" u="none" strike="noStrike" cap="none" normalizeH="0" baseline="0" dirty="0">
                           <a:ln>
                             <a:noFill/>
                           </a:ln>
@@ -10530,7 +10686,7 @@
                         </a:rPr>
                         <a:t>Classic Vest</a:t>
                       </a:r>
-                      <a:endParaRPr kumimoji="1" lang="bg-BG" sz="3000" b="1" i="0" u="none" strike="noStrike" cap="none" normalizeH="0" baseline="0" dirty="0">
+                      <a:endParaRPr kumimoji="1" lang="bg-BG" sz="3600" b="1" i="0" u="none" strike="noStrike" cap="none" normalizeH="0" baseline="0" dirty="0">
                         <a:ln>
                           <a:noFill/>
                         </a:ln>
@@ -10624,7 +10780,7 @@
                         <a:tabLst/>
                       </a:pPr>
                       <a:r>
-                        <a:rPr kumimoji="1" lang="en-US" sz="3000" b="1" i="0" u="none" strike="noStrike" cap="none" normalizeH="0" baseline="0" dirty="0">
+                        <a:rPr kumimoji="1" lang="en-US" sz="3600" b="1" i="0" u="none" strike="noStrike" cap="none" normalizeH="0" baseline="0" dirty="0">
                           <a:ln>
                             <a:noFill/>
                           </a:ln>
@@ -10636,7 +10792,7 @@
                         </a:rPr>
                         <a:t>2019-06-20</a:t>
                       </a:r>
-                      <a:endParaRPr kumimoji="1" lang="bg-BG" sz="3000" b="1" i="0" u="none" strike="noStrike" cap="none" normalizeH="0" baseline="0" dirty="0">
+                      <a:endParaRPr kumimoji="1" lang="bg-BG" sz="3600" b="1" i="0" u="none" strike="noStrike" cap="none" normalizeH="0" baseline="0" dirty="0">
                         <a:ln>
                           <a:noFill/>
                         </a:ln>
@@ -10712,7 +10868,7 @@
                   </a:ext>
                 </a:extLst>
               </a:tr>
-              <a:tr h="549599">
+              <a:tr h="585638">
                 <a:tc>
                   <a:txBody>
                     <a:bodyPr/>
@@ -10737,7 +10893,7 @@
                         <a:tabLst/>
                       </a:pPr>
                       <a:r>
-                        <a:rPr kumimoji="1" lang="en-US" sz="3000" b="1" i="0" u="none" strike="noStrike" cap="none" normalizeH="0" baseline="0" dirty="0">
+                        <a:rPr kumimoji="1" lang="en-US" sz="3600" b="1" i="0" u="none" strike="noStrike" cap="none" normalizeH="0" baseline="0" dirty="0">
                           <a:ln>
                             <a:noFill/>
                           </a:ln>
@@ -10749,7 +10905,7 @@
                         </a:rPr>
                         <a:t>HL Touring Frame</a:t>
                       </a:r>
-                      <a:endParaRPr kumimoji="1" lang="bg-BG" sz="3000" b="1" i="0" u="none" strike="noStrike" cap="none" normalizeH="0" baseline="0" dirty="0">
+                      <a:endParaRPr kumimoji="1" lang="bg-BG" sz="3600" b="1" i="0" u="none" strike="noStrike" cap="none" normalizeH="0" baseline="0" dirty="0">
                         <a:ln>
                           <a:noFill/>
                         </a:ln>
@@ -10843,7 +10999,7 @@
                         <a:tabLst/>
                       </a:pPr>
                       <a:r>
-                        <a:rPr kumimoji="1" lang="en-US" sz="3000" b="1" i="0" u="none" strike="noStrike" cap="none" normalizeH="0" baseline="0" dirty="0">
+                        <a:rPr kumimoji="1" lang="en-US" sz="3600" b="1" i="0" u="none" strike="noStrike" cap="none" normalizeH="0" baseline="0" dirty="0">
                           <a:ln>
                             <a:noFill/>
                           </a:ln>
@@ -10855,7 +11011,7 @@
                         </a:rPr>
                         <a:t>2022-07-15</a:t>
                       </a:r>
-                      <a:endParaRPr kumimoji="1" lang="bg-BG" sz="3000" b="1" i="0" u="none" strike="noStrike" cap="none" normalizeH="0" baseline="0" dirty="0">
+                      <a:endParaRPr kumimoji="1" lang="bg-BG" sz="3600" b="1" i="0" u="none" strike="noStrike" cap="none" normalizeH="0" baseline="0" dirty="0">
                         <a:ln>
                           <a:noFill/>
                         </a:ln>
@@ -10931,7 +11087,7 @@
                   </a:ext>
                 </a:extLst>
               </a:tr>
-              <a:tr h="549599">
+              <a:tr h="585638">
                 <a:tc>
                   <a:txBody>
                     <a:bodyPr/>
@@ -10956,7 +11112,7 @@
                         <a:tabLst/>
                       </a:pPr>
                       <a:r>
-                        <a:rPr kumimoji="1" lang="en-US" sz="3000" b="1" i="0" u="none" strike="noStrike" cap="none" normalizeH="0" baseline="0" dirty="0">
+                        <a:rPr kumimoji="1" lang="en-US" sz="3600" b="1" i="0" u="none" strike="noStrike" cap="none" normalizeH="0" baseline="0" dirty="0">
                           <a:ln>
                             <a:noFill/>
                           </a:ln>
@@ -10968,7 +11124,7 @@
                         </a:rPr>
                         <a:t>LL Touring Frame</a:t>
                       </a:r>
-                      <a:endParaRPr kumimoji="1" lang="bg-BG" sz="3000" b="1" i="0" u="none" strike="noStrike" cap="none" normalizeH="0" baseline="0" dirty="0">
+                      <a:endParaRPr kumimoji="1" lang="bg-BG" sz="3600" b="1" i="0" u="none" strike="noStrike" cap="none" normalizeH="0" baseline="0" dirty="0">
                         <a:ln>
                           <a:noFill/>
                         </a:ln>
@@ -11062,7 +11218,7 @@
                         <a:tabLst/>
                       </a:pPr>
                       <a:r>
-                        <a:rPr kumimoji="1" lang="en-US" sz="3000" b="1" i="0" u="none" strike="noStrike" cap="none" normalizeH="0" baseline="0" dirty="0">
+                        <a:rPr kumimoji="1" lang="en-US" sz="3600" b="1" i="0" u="none" strike="noStrike" cap="none" normalizeH="0" baseline="0" dirty="0">
                           <a:ln>
                             <a:noFill/>
                           </a:ln>
@@ -11074,7 +11230,7 @@
                         </a:rPr>
                         <a:t>2023-03-10</a:t>
                       </a:r>
-                      <a:endParaRPr kumimoji="1" lang="bg-BG" sz="3000" b="1" i="0" u="none" strike="noStrike" cap="none" normalizeH="0" baseline="0" dirty="0">
+                      <a:endParaRPr kumimoji="1" lang="bg-BG" sz="3600" b="1" i="0" u="none" strike="noStrike" cap="none" normalizeH="0" baseline="0" dirty="0">
                         <a:ln>
                           <a:noFill/>
                         </a:ln>
@@ -11150,7 +11306,7 @@
                   </a:ext>
                 </a:extLst>
               </a:tr>
-              <a:tr h="549599">
+              <a:tr h="585638">
                 <a:tc>
                   <a:txBody>
                     <a:bodyPr/>
@@ -11175,7 +11331,7 @@
                         <a:tabLst/>
                       </a:pPr>
                       <a:r>
-                        <a:rPr kumimoji="1" lang="en-US" sz="3000" b="1" i="0" u="none" strike="noStrike" cap="none" normalizeH="0" baseline="0" dirty="0">
+                        <a:rPr kumimoji="1" lang="en-US" sz="3600" b="1" i="0" u="none" strike="noStrike" cap="none" normalizeH="0" baseline="0" dirty="0">
                           <a:ln>
                             <a:noFill/>
                           </a:ln>
@@ -11187,7 +11343,7 @@
                         </a:rPr>
                         <a:t>…</a:t>
                       </a:r>
-                      <a:endParaRPr kumimoji="1" lang="bg-BG" sz="3000" b="1" i="0" u="none" strike="noStrike" cap="none" normalizeH="0" baseline="0" dirty="0">
+                      <a:endParaRPr kumimoji="1" lang="bg-BG" sz="3600" b="1" i="0" u="none" strike="noStrike" cap="none" normalizeH="0" baseline="0" dirty="0">
                         <a:ln>
                           <a:noFill/>
                         </a:ln>
@@ -11281,7 +11437,7 @@
                         <a:tabLst/>
                       </a:pPr>
                       <a:r>
-                        <a:rPr kumimoji="1" lang="en-US" sz="3000" b="1" i="0" u="none" strike="noStrike" cap="none" normalizeH="0" baseline="0" dirty="0">
+                        <a:rPr kumimoji="1" lang="en-US" sz="3600" b="1" i="0" u="none" strike="noStrike" cap="none" normalizeH="0" baseline="0" dirty="0">
                           <a:ln>
                             <a:noFill/>
                           </a:ln>
@@ -11293,7 +11449,7 @@
                         </a:rPr>
                         <a:t>…</a:t>
                       </a:r>
-                      <a:endParaRPr kumimoji="1" lang="bg-BG" sz="3000" b="1" i="0" u="none" strike="noStrike" cap="none" normalizeH="0" baseline="0" dirty="0">
+                      <a:endParaRPr kumimoji="1" lang="bg-BG" sz="3600" b="1" i="0" u="none" strike="noStrike" cap="none" normalizeH="0" baseline="0" dirty="0">
                         <a:ln>
                           <a:noFill/>
                         </a:ln>
@@ -11462,55 +11618,6 @@
                                     <p:set>
                                       <p:cBhvr>
                                         <p:cTn id="6" dur="1" fill="hold">
-                                          <p:stCondLst>
-                                            <p:cond delay="0"/>
-                                          </p:stCondLst>
-                                        </p:cTn>
-                                        <p:tgtEl>
-                                          <p:spTgt spid="5">
-                                            <p:txEl>
-                                              <p:pRg st="1" end="1"/>
-                                            </p:txEl>
-                                          </p:spTgt>
-                                        </p:tgtEl>
-                                        <p:attrNameLst>
-                                          <p:attrName>style.visibility</p:attrName>
-                                        </p:attrNameLst>
-                                      </p:cBhvr>
-                                      <p:to>
-                                        <p:strVal val="visible"/>
-                                      </p:to>
-                                    </p:set>
-                                  </p:childTnLst>
-                                </p:cTn>
-                              </p:par>
-                            </p:childTnLst>
-                          </p:cTn>
-                        </p:par>
-                      </p:childTnLst>
-                    </p:cTn>
-                  </p:par>
-                  <p:par>
-                    <p:cTn id="7" fill="hold">
-                      <p:stCondLst>
-                        <p:cond delay="indefinite"/>
-                      </p:stCondLst>
-                      <p:childTnLst>
-                        <p:par>
-                          <p:cTn id="8" fill="hold">
-                            <p:stCondLst>
-                              <p:cond delay="0"/>
-                            </p:stCondLst>
-                            <p:childTnLst>
-                              <p:par>
-                                <p:cTn id="9" presetID="1" presetClass="entr" presetSubtype="0" fill="hold" nodeType="clickEffect">
-                                  <p:stCondLst>
-                                    <p:cond delay="0"/>
-                                  </p:stCondLst>
-                                  <p:childTnLst>
-                                    <p:set>
-                                      <p:cBhvr>
-                                        <p:cTn id="10" dur="1" fill="hold">
                                           <p:stCondLst>
                                             <p:cond delay="0"/>
                                           </p:stCondLst>
@@ -15674,13 +15781,16 @@
             </a:r>
             <a:r>
               <a:rPr lang="en-US" sz="3200" b="1" noProof="1">
-                <a:latin typeface="Consolas" pitchFamily="49" charset="0"/>
+                <a:latin typeface="Consolas" panose="020B0609020204030204" pitchFamily="49" charset="0"/>
                 <a:cs typeface="Consolas" pitchFamily="49" charset="0"/>
               </a:rPr>
               <a:t>(</a:t>
             </a:r>
             <a:r>
-              <a:rPr lang="en-US" sz="3200" b="1" dirty="0"/>
+              <a:rPr lang="en-US" sz="3200" b="1" dirty="0">
+                <a:latin typeface="Consolas" panose="020B0609020204030204" pitchFamily="49" charset="0"/>
+                <a:cs typeface="Consolas" panose="020B0609020204030204" pitchFamily="49" charset="0"/>
+              </a:rPr>
               <a:t>1001, 601, '2023-08-05'</a:t>
             </a:r>
             <a:r>
@@ -15709,7 +15819,10 @@
               <a:t>		    (</a:t>
             </a:r>
             <a:r>
-              <a:rPr lang="en-US" sz="3200" b="1" dirty="0"/>
+              <a:rPr lang="en-US" sz="3200" b="1" dirty="0">
+                <a:latin typeface="Consolas" panose="020B0609020204030204" pitchFamily="49" charset="0"/>
+                <a:cs typeface="Consolas" panose="020B0609020204030204" pitchFamily="49" charset="0"/>
+              </a:rPr>
               <a:t>1254, 246, '2023-04-09'</a:t>
             </a:r>
             <a:r>
@@ -15738,7 +15851,10 @@
               <a:t>			(</a:t>
             </a:r>
             <a:r>
-              <a:rPr lang="en-US" sz="3200" b="1" dirty="0"/>
+              <a:rPr lang="en-US" sz="3200" b="1" dirty="0">
+                <a:latin typeface="Consolas" panose="020B0609020204030204" pitchFamily="49" charset="0"/>
+                <a:cs typeface="Consolas" panose="020B0609020204030204" pitchFamily="49" charset="0"/>
+              </a:rPr>
               <a:t>1080, 198, '2023-07-24'</a:t>
             </a:r>
             <a:r>
@@ -18274,21 +18390,16 @@
             </a:endParaRPr>
           </a:p>
           <a:p>
-            <a:pPr lvl="1"/>
-            <a:r>
-              <a:rPr lang="bg-BG" sz="3200" dirty="0"/>
-              <a:t>Подсказка</a:t>
-            </a:r>
-            <a:r>
-              <a:rPr lang="en-US" sz="3200" dirty="0"/>
-              <a:t>: </a:t>
-            </a:r>
-            <a:r>
-              <a:rPr lang="ru-RU" sz="3200" dirty="0"/>
-              <a:t>Крайната дата на незавършените проекти е </a:t>
-            </a:r>
-            <a:r>
-              <a:rPr lang="en-US" sz="3200" b="1" dirty="0">
+            <a:r>
+              <a:rPr lang="ru-RU" sz="3400" dirty="0" err="1"/>
+              <a:t>Крайната</a:t>
+            </a:r>
+            <a:r>
+              <a:rPr lang="ru-RU" sz="3400" dirty="0"/>
+              <a:t> дата на незавършените проекти е </a:t>
+            </a:r>
+            <a:r>
+              <a:rPr lang="en-US" sz="3400" b="1" dirty="0">
                 <a:solidFill>
                   <a:schemeClr val="bg1"/>
                 </a:solidFill>
@@ -18318,7 +18429,7 @@
           <a:p>
             <a:r>
               <a:rPr lang="bg-BG" dirty="0"/>
-              <a:t>Задача</a:t>
+              <a:t>Примерна задача</a:t>
             </a:r>
             <a:r>
               <a:rPr lang="en-US" dirty="0"/>

--- a/Courses/Software-Sciences/Module-3-Databases-New/05-SQL-INSERT-UPDATE-DELETE/05-SQL-INSERT-UPDATE-DELETE.pptx
+++ b/Courses/Software-Sciences/Module-3-Databases-New/05-SQL-INSERT-UPDATE-DELETE/05-SQL-INSERT-UPDATE-DELETE.pptx
@@ -9482,7 +9482,7 @@
             </a:pPr>
             <a:r>
               <a:rPr lang="bg-BG" dirty="0"/>
-              <a:t>Изтриване на всички редове в тавлица </a:t>
+              <a:t>Изтриване на всички редове в таблица </a:t>
             </a:r>
             <a:r>
               <a:rPr lang="en-US" dirty="0"/>
